--- a/Logistics-Microservice-in-Soaring through the Clouds – The Sequel.pptx
+++ b/Logistics-Microservice-in-Soaring through the Clouds – The Sequel.pptx
@@ -5,15 +5,16 @@
     <p:sldMasterId id="2147483648" r:id="rId1"/>
   </p:sldMasterIdLst>
   <p:notesMasterIdLst>
-    <p:notesMasterId r:id="rId8"/>
+    <p:notesMasterId r:id="rId9"/>
   </p:notesMasterIdLst>
   <p:sldIdLst>
     <p:sldId id="256" r:id="rId2"/>
     <p:sldId id="264" r:id="rId3"/>
     <p:sldId id="274" r:id="rId4"/>
-    <p:sldId id="275" r:id="rId5"/>
-    <p:sldId id="266" r:id="rId6"/>
-    <p:sldId id="273" r:id="rId7"/>
+    <p:sldId id="276" r:id="rId5"/>
+    <p:sldId id="275" r:id="rId6"/>
+    <p:sldId id="266" r:id="rId7"/>
+    <p:sldId id="273" r:id="rId8"/>
   </p:sldIdLst>
   <p:sldSz cx="12192000" cy="6858000"/>
   <p:notesSz cx="6858000" cy="9144000"/>
@@ -4660,7 +4661,7 @@
         <p:spPr>
           <a:xfrm>
             <a:off x="458315" y="2983145"/>
-            <a:ext cx="1821204" cy="646331"/>
+            <a:ext cx="1494255" cy="646331"/>
           </a:xfrm>
           <a:prstGeom prst="rect">
             <a:avLst/>
@@ -4679,18 +4680,24 @@
             </a:pPr>
             <a:r>
               <a:rPr lang="en-US" sz="1200" dirty="0" smtClean="0"/>
-              <a:t>New Product in Catalog</a:t>
-            </a:r>
-          </a:p>
-          <a:p>
-            <a:pPr marL="171450" indent="-171450">
-              <a:buFont typeface="Arial" panose="020B0604020202020204" pitchFamily="34" charset="0"/>
-              <a:buChar char="•"/>
-            </a:pPr>
-            <a:r>
+              <a:t>Product Update</a:t>
+            </a:r>
+            <a:br>
               <a:rPr lang="en-US" sz="1200" dirty="0" smtClean="0"/>
-              <a:t>Product Update</a:t>
-            </a:r>
+            </a:br>
+            <a:r>
+              <a:rPr lang="en-US" sz="1200" dirty="0" smtClean="0"/>
+              <a:t>(</a:t>
+            </a:r>
+            <a:r>
+              <a:rPr lang="en-US" sz="1200" dirty="0" err="1" smtClean="0"/>
+              <a:t>incl</a:t>
+            </a:r>
+            <a:r>
+              <a:rPr lang="en-US" sz="1200" dirty="0" smtClean="0"/>
+              <a:t> new product)</a:t>
+            </a:r>
+            <a:endParaRPr lang="en-US" sz="1200" dirty="0" smtClean="0"/>
           </a:p>
           <a:p>
             <a:pPr marL="171450" indent="-171450">
@@ -6284,47 +6291,6 @@
       </p:grpSpPr>
       <p:sp>
         <p:nvSpPr>
-          <p:cNvPr id="79" name="Oval Callout 78"/>
-          <p:cNvSpPr/>
-          <p:nvPr/>
-        </p:nvSpPr>
-        <p:spPr>
-          <a:xfrm>
-            <a:off x="7776566" y="4621498"/>
-            <a:ext cx="3113503" cy="590005"/>
-          </a:xfrm>
-          <a:prstGeom prst="wedgeEllipseCallout">
-            <a:avLst>
-              <a:gd name="adj1" fmla="val -117631"/>
-              <a:gd name="adj2" fmla="val 77069"/>
-            </a:avLst>
-          </a:prstGeom>
-        </p:spPr>
-        <p:style>
-          <a:lnRef idx="2">
-            <a:schemeClr val="dk1"/>
-          </a:lnRef>
-          <a:fillRef idx="1">
-            <a:schemeClr val="lt1"/>
-          </a:fillRef>
-          <a:effectRef idx="0">
-            <a:schemeClr val="dk1"/>
-          </a:effectRef>
-          <a:fontRef idx="minor">
-            <a:schemeClr val="dk1"/>
-          </a:fontRef>
-        </p:style>
-        <p:txBody>
-          <a:bodyPr rtlCol="0" anchor="ctr"/>
-          <a:lstStyle/>
-          <a:p>
-            <a:pPr algn="ctr"/>
-            <a:endParaRPr lang="nl-NL"/>
-          </a:p>
-        </p:txBody>
-      </p:sp>
-      <p:sp>
-        <p:nvSpPr>
           <p:cNvPr id="2" name="Title 1"/>
           <p:cNvSpPr>
             <a:spLocks noGrp="1"/>
@@ -6336,7 +6302,7 @@
         <p:spPr>
           <a:xfrm>
             <a:off x="0" y="0"/>
-            <a:ext cx="10515600" cy="627652"/>
+            <a:ext cx="10515600" cy="601526"/>
           </a:xfrm>
         </p:spPr>
         <p:txBody>
@@ -6347,7 +6313,15 @@
           <a:p>
             <a:r>
               <a:rPr lang="en-US" dirty="0" smtClean="0"/>
-              <a:t>Routing Slip based Choreography</a:t>
+              <a:t>Logistics </a:t>
+            </a:r>
+            <a:r>
+              <a:rPr lang="en-US" dirty="0" err="1" smtClean="0"/>
+              <a:t>Microservice</a:t>
+            </a:r>
+            <a:r>
+              <a:rPr lang="en-US" dirty="0" smtClean="0"/>
+              <a:t> Testing/Demo Harness</a:t>
             </a:r>
             <a:endParaRPr lang="nl-NL" dirty="0"/>
           </a:p>
@@ -6361,50 +6335,8 @@
         </p:nvSpPr>
         <p:spPr>
           <a:xfrm>
-            <a:off x="2634349" y="5486400"/>
-            <a:ext cx="1802674" cy="1036320"/>
-          </a:xfrm>
-          <a:prstGeom prst="roundRect">
-            <a:avLst/>
-          </a:prstGeom>
-        </p:spPr>
-        <p:style>
-          <a:lnRef idx="1">
-            <a:schemeClr val="accent4"/>
-          </a:lnRef>
-          <a:fillRef idx="3">
-            <a:schemeClr val="accent4"/>
-          </a:fillRef>
-          <a:effectRef idx="2">
-            <a:schemeClr val="accent4"/>
-          </a:effectRef>
-          <a:fontRef idx="minor">
-            <a:schemeClr val="lt1"/>
-          </a:fontRef>
-        </p:style>
-        <p:txBody>
-          <a:bodyPr rtlCol="0" anchor="ctr"/>
-          <a:lstStyle/>
-          <a:p>
-            <a:pPr algn="ctr"/>
-            <a:r>
-              <a:rPr lang="en-US" dirty="0" smtClean="0"/>
-              <a:t>Order</a:t>
-            </a:r>
-            <a:endParaRPr lang="nl-NL" dirty="0"/>
-          </a:p>
-        </p:txBody>
-      </p:sp>
-      <p:sp>
-        <p:nvSpPr>
-          <p:cNvPr id="4" name="Rounded Rectangle 3"/>
-          <p:cNvSpPr/>
-          <p:nvPr/>
-        </p:nvSpPr>
-        <p:spPr>
-          <a:xfrm>
-            <a:off x="4976955" y="5486400"/>
-            <a:ext cx="1802674" cy="1036320"/>
+            <a:off x="2944419" y="3108960"/>
+            <a:ext cx="6817885" cy="2107472"/>
           </a:xfrm>
           <a:prstGeom prst="roundRect">
             <a:avLst/>
@@ -6434,30 +6366,69 @@
           <a:lstStyle/>
           <a:p>
             <a:pPr algn="ctr"/>
-            <a:r>
-              <a:rPr lang="en-US" dirty="0" smtClean="0"/>
-              <a:t>Logistics (Warehouse, Stock, Shipping)</a:t>
-            </a:r>
-            <a:endParaRPr lang="nl-NL" dirty="0"/>
-          </a:p>
-        </p:txBody>
-      </p:sp>
-      <p:sp>
-        <p:nvSpPr>
-          <p:cNvPr id="5" name="Rounded Rectangle 4"/>
-          <p:cNvSpPr/>
-          <p:nvPr/>
-        </p:nvSpPr>
-        <p:spPr>
-          <a:xfrm>
-            <a:off x="9640394" y="5486400"/>
-            <a:ext cx="1802674" cy="1036320"/>
-          </a:xfrm>
-          <a:prstGeom prst="roundRect">
+            <a:endParaRPr lang="nl-NL"/>
+          </a:p>
+        </p:txBody>
+      </p:sp>
+      <p:sp>
+        <p:nvSpPr>
+          <p:cNvPr id="4" name="Right Arrow 3"/>
+          <p:cNvSpPr/>
+          <p:nvPr/>
+        </p:nvSpPr>
+        <p:spPr>
+          <a:xfrm>
+            <a:off x="2360017" y="3614058"/>
+            <a:ext cx="905691" cy="1166949"/>
+          </a:xfrm>
+          <a:prstGeom prst="rightArrow">
             <a:avLst/>
           </a:prstGeom>
           <a:solidFill>
-            <a:srgbClr val="FF0000"/>
+            <a:srgbClr val="CC0066"/>
+          </a:solidFill>
+        </p:spPr>
+        <p:style>
+          <a:lnRef idx="2">
+            <a:schemeClr val="accent5">
+              <a:shade val="50000"/>
+            </a:schemeClr>
+          </a:lnRef>
+          <a:fillRef idx="1">
+            <a:schemeClr val="accent5"/>
+          </a:fillRef>
+          <a:effectRef idx="0">
+            <a:schemeClr val="accent5"/>
+          </a:effectRef>
+          <a:fontRef idx="minor">
+            <a:schemeClr val="lt1"/>
+          </a:fontRef>
+        </p:style>
+        <p:txBody>
+          <a:bodyPr rtlCol="0" anchor="ctr"/>
+          <a:lstStyle/>
+          <a:p>
+            <a:pPr algn="ctr"/>
+            <a:endParaRPr lang="nl-NL"/>
+          </a:p>
+        </p:txBody>
+      </p:sp>
+      <p:sp>
+        <p:nvSpPr>
+          <p:cNvPr id="5" name="Lightning Bolt 4"/>
+          <p:cNvSpPr/>
+          <p:nvPr/>
+        </p:nvSpPr>
+        <p:spPr>
+          <a:xfrm>
+            <a:off x="2269346" y="3614058"/>
+            <a:ext cx="430306" cy="518517"/>
+          </a:xfrm>
+          <a:prstGeom prst="lightningBolt">
+            <a:avLst/>
+          </a:prstGeom>
+          <a:solidFill>
+            <a:schemeClr val="accent2"/>
           </a:solidFill>
         </p:spPr>
         <p:style>
@@ -6481,32 +6452,69 @@
           <a:lstStyle/>
           <a:p>
             <a:pPr algn="ctr"/>
-            <a:r>
-              <a:rPr lang="en-US" dirty="0" smtClean="0"/>
-              <a:t>Loyalty Program</a:t>
-            </a:r>
-            <a:endParaRPr lang="nl-NL" dirty="0"/>
-          </a:p>
-        </p:txBody>
-      </p:sp>
-      <p:sp>
-        <p:nvSpPr>
-          <p:cNvPr id="6" name="Rounded Rectangle 5"/>
-          <p:cNvSpPr/>
-          <p:nvPr/>
-        </p:nvSpPr>
-        <p:spPr>
-          <a:xfrm>
-            <a:off x="7428418" y="5486400"/>
-            <a:ext cx="1802674" cy="1036320"/>
-          </a:xfrm>
-          <a:prstGeom prst="roundRect">
+            <a:endParaRPr lang="nl-NL"/>
+          </a:p>
+        </p:txBody>
+      </p:sp>
+      <p:sp>
+        <p:nvSpPr>
+          <p:cNvPr id="6" name="Right Arrow 5"/>
+          <p:cNvSpPr/>
+          <p:nvPr/>
+        </p:nvSpPr>
+        <p:spPr>
+          <a:xfrm>
+            <a:off x="9514109" y="3614058"/>
+            <a:ext cx="905691" cy="1166949"/>
+          </a:xfrm>
+          <a:prstGeom prst="rightArrow">
             <a:avLst/>
           </a:prstGeom>
           <a:solidFill>
-            <a:schemeClr val="bg1">
-              <a:lumMod val="50000"/>
-            </a:schemeClr>
+            <a:srgbClr val="CC0066"/>
+          </a:solidFill>
+        </p:spPr>
+        <p:style>
+          <a:lnRef idx="2">
+            <a:schemeClr val="accent5">
+              <a:shade val="50000"/>
+            </a:schemeClr>
+          </a:lnRef>
+          <a:fillRef idx="1">
+            <a:schemeClr val="accent5"/>
+          </a:fillRef>
+          <a:effectRef idx="0">
+            <a:schemeClr val="accent5"/>
+          </a:effectRef>
+          <a:fontRef idx="minor">
+            <a:schemeClr val="lt1"/>
+          </a:fontRef>
+        </p:style>
+        <p:txBody>
+          <a:bodyPr rtlCol="0" anchor="ctr"/>
+          <a:lstStyle/>
+          <a:p>
+            <a:pPr algn="ctr"/>
+            <a:endParaRPr lang="nl-NL"/>
+          </a:p>
+        </p:txBody>
+      </p:sp>
+      <p:sp>
+        <p:nvSpPr>
+          <p:cNvPr id="7" name="Lightning Bolt 6"/>
+          <p:cNvSpPr/>
+          <p:nvPr/>
+        </p:nvSpPr>
+        <p:spPr>
+          <a:xfrm>
+            <a:off x="9423438" y="3614058"/>
+            <a:ext cx="430306" cy="518517"/>
+          </a:xfrm>
+          <a:prstGeom prst="lightningBolt">
+            <a:avLst/>
+          </a:prstGeom>
+          <a:solidFill>
+            <a:schemeClr val="accent2"/>
           </a:solidFill>
         </p:spPr>
         <p:style>
@@ -6530,81 +6538,26 @@
           <a:lstStyle/>
           <a:p>
             <a:pPr algn="ctr"/>
-            <a:r>
-              <a:rPr lang="en-US" dirty="0" smtClean="0"/>
-              <a:t>Billing, Invoicing &amp; Collection</a:t>
-            </a:r>
-            <a:endParaRPr lang="nl-NL" dirty="0"/>
-          </a:p>
-        </p:txBody>
-      </p:sp>
-      <p:sp>
-        <p:nvSpPr>
-          <p:cNvPr id="7" name="Rounded Rectangle 6"/>
-          <p:cNvSpPr/>
-          <p:nvPr/>
-        </p:nvSpPr>
-        <p:spPr>
-          <a:xfrm>
-            <a:off x="4693921" y="2651759"/>
-            <a:ext cx="1802674" cy="1380569"/>
+            <a:endParaRPr lang="nl-NL"/>
+          </a:p>
+        </p:txBody>
+      </p:sp>
+      <p:sp>
+        <p:nvSpPr>
+          <p:cNvPr id="12" name="Rounded Rectangle 11"/>
+          <p:cNvSpPr/>
+          <p:nvPr/>
+        </p:nvSpPr>
+        <p:spPr>
+          <a:xfrm>
+            <a:off x="2786738" y="6052457"/>
+            <a:ext cx="2778034" cy="696686"/>
           </a:xfrm>
           <a:prstGeom prst="roundRect">
             <a:avLst/>
           </a:prstGeom>
-        </p:spPr>
-        <p:style>
-          <a:lnRef idx="1">
-            <a:schemeClr val="dk1"/>
-          </a:lnRef>
-          <a:fillRef idx="2">
-            <a:schemeClr val="dk1"/>
-          </a:fillRef>
-          <a:effectRef idx="1">
-            <a:schemeClr val="dk1"/>
-          </a:effectRef>
-          <a:fontRef idx="minor">
-            <a:schemeClr val="dk1"/>
-          </a:fontRef>
-        </p:style>
-        <p:txBody>
-          <a:bodyPr rtlCol="0" anchor="ctr"/>
-          <a:lstStyle/>
-          <a:p>
-            <a:pPr algn="ctr"/>
-            <a:r>
-              <a:rPr lang="en-US" dirty="0" smtClean="0"/>
-              <a:t>Choreographer</a:t>
-            </a:r>
-          </a:p>
-          <a:p>
-            <a:pPr algn="ctr"/>
-            <a:endParaRPr lang="en-US" dirty="0"/>
-          </a:p>
-          <a:p>
-            <a:pPr algn="ctr"/>
-            <a:endParaRPr lang="nl-NL" dirty="0"/>
-          </a:p>
-        </p:txBody>
-      </p:sp>
-      <p:sp>
-        <p:nvSpPr>
-          <p:cNvPr id="8" name="Can 7"/>
-          <p:cNvSpPr/>
-          <p:nvPr/>
-        </p:nvSpPr>
-        <p:spPr>
-          <a:xfrm>
-            <a:off x="3692435" y="4005943"/>
-            <a:ext cx="383178" cy="940526"/>
-          </a:xfrm>
-          <a:prstGeom prst="can">
-            <a:avLst/>
-          </a:prstGeom>
           <a:solidFill>
-            <a:schemeClr val="accent6">
-              <a:lumMod val="50000"/>
-            </a:schemeClr>
+            <a:schemeClr val="accent2"/>
           </a:solidFill>
         </p:spPr>
         <p:style>
@@ -6628,31 +6581,217 @@
           <a:lstStyle/>
           <a:p>
             <a:pPr algn="ctr"/>
+            <a:r>
+              <a:rPr lang="en-US" dirty="0" smtClean="0"/>
+              <a:t>Shipping Partners</a:t>
+            </a:r>
+          </a:p>
+          <a:p>
+            <a:pPr algn="ctr"/>
+            <a:r>
+              <a:rPr lang="en-US" dirty="0" smtClean="0"/>
+              <a:t>(DHL, FedEx, UPS,…)</a:t>
+            </a:r>
+            <a:endParaRPr lang="nl-NL" dirty="0"/>
+          </a:p>
+        </p:txBody>
+      </p:sp>
+      <p:sp>
+        <p:nvSpPr>
+          <p:cNvPr id="13" name="Down Arrow 12"/>
+          <p:cNvSpPr/>
+          <p:nvPr/>
+        </p:nvSpPr>
+        <p:spPr>
+          <a:xfrm>
+            <a:off x="3997229" y="5007429"/>
+            <a:ext cx="278675" cy="1184365"/>
+          </a:xfrm>
+          <a:prstGeom prst="downArrow">
+            <a:avLst/>
+          </a:prstGeom>
+          <a:solidFill>
+            <a:srgbClr val="CC0066"/>
+          </a:solidFill>
+        </p:spPr>
+        <p:style>
+          <a:lnRef idx="2">
+            <a:schemeClr val="accent5">
+              <a:shade val="50000"/>
+            </a:schemeClr>
+          </a:lnRef>
+          <a:fillRef idx="1">
+            <a:schemeClr val="accent5"/>
+          </a:fillRef>
+          <a:effectRef idx="0">
+            <a:schemeClr val="accent5"/>
+          </a:effectRef>
+          <a:fontRef idx="minor">
+            <a:schemeClr val="lt1"/>
+          </a:fontRef>
+        </p:style>
+        <p:txBody>
+          <a:bodyPr rtlCol="0" anchor="ctr"/>
+          <a:lstStyle/>
+          <a:p>
+            <a:pPr algn="ctr"/>
             <a:endParaRPr lang="nl-NL"/>
           </a:p>
         </p:txBody>
       </p:sp>
       <p:sp>
         <p:nvSpPr>
-          <p:cNvPr id="9" name="Rectangular Callout 8"/>
-          <p:cNvSpPr/>
-          <p:nvPr/>
-        </p:nvSpPr>
-        <p:spPr>
-          <a:xfrm>
-            <a:off x="1227911" y="3476933"/>
-            <a:ext cx="1915884" cy="844731"/>
-          </a:xfrm>
-          <a:prstGeom prst="wedgeRectCallout">
-            <a:avLst>
-              <a:gd name="adj1" fmla="val 83414"/>
-              <a:gd name="adj2" fmla="val 44974"/>
-            </a:avLst>
+          <p:cNvPr id="14" name="Up Arrow 13"/>
+          <p:cNvSpPr/>
+          <p:nvPr/>
+        </p:nvSpPr>
+        <p:spPr>
+          <a:xfrm>
+            <a:off x="4413065" y="5007428"/>
+            <a:ext cx="357051" cy="1184365"/>
+          </a:xfrm>
+          <a:prstGeom prst="upArrow">
+            <a:avLst/>
           </a:prstGeom>
           <a:solidFill>
-            <a:schemeClr val="accent6">
-              <a:lumMod val="50000"/>
-            </a:schemeClr>
+            <a:srgbClr val="CC0066"/>
+          </a:solidFill>
+        </p:spPr>
+        <p:style>
+          <a:lnRef idx="2">
+            <a:schemeClr val="accent5">
+              <a:shade val="50000"/>
+            </a:schemeClr>
+          </a:lnRef>
+          <a:fillRef idx="1">
+            <a:schemeClr val="accent5"/>
+          </a:fillRef>
+          <a:effectRef idx="0">
+            <a:schemeClr val="accent5"/>
+          </a:effectRef>
+          <a:fontRef idx="minor">
+            <a:schemeClr val="lt1"/>
+          </a:fontRef>
+        </p:style>
+        <p:txBody>
+          <a:bodyPr rtlCol="0" anchor="ctr"/>
+          <a:lstStyle/>
+          <a:p>
+            <a:pPr algn="ctr"/>
+            <a:endParaRPr lang="nl-NL"/>
+          </a:p>
+        </p:txBody>
+      </p:sp>
+      <p:sp>
+        <p:nvSpPr>
+          <p:cNvPr id="19" name="Down Arrow 18"/>
+          <p:cNvSpPr/>
+          <p:nvPr/>
+        </p:nvSpPr>
+        <p:spPr>
+          <a:xfrm>
+            <a:off x="4093023" y="2651619"/>
+            <a:ext cx="1510274" cy="644406"/>
+          </a:xfrm>
+          <a:prstGeom prst="downArrow">
+            <a:avLst/>
+          </a:prstGeom>
+          <a:solidFill>
+            <a:srgbClr val="CC0066"/>
+          </a:solidFill>
+        </p:spPr>
+        <p:style>
+          <a:lnRef idx="2">
+            <a:schemeClr val="accent5">
+              <a:shade val="50000"/>
+            </a:schemeClr>
+          </a:lnRef>
+          <a:fillRef idx="1">
+            <a:schemeClr val="accent5"/>
+          </a:fillRef>
+          <a:effectRef idx="0">
+            <a:schemeClr val="accent5"/>
+          </a:effectRef>
+          <a:fontRef idx="minor">
+            <a:schemeClr val="lt1"/>
+          </a:fontRef>
+        </p:style>
+        <p:txBody>
+          <a:bodyPr rtlCol="0" anchor="ctr"/>
+          <a:lstStyle/>
+          <a:p>
+            <a:pPr algn="ctr"/>
+            <a:r>
+              <a:rPr lang="en-US" dirty="0" smtClean="0"/>
+              <a:t>API</a:t>
+            </a:r>
+            <a:endParaRPr lang="nl-NL" dirty="0"/>
+          </a:p>
+        </p:txBody>
+      </p:sp>
+      <p:sp>
+        <p:nvSpPr>
+          <p:cNvPr id="22" name="Down Arrow 21"/>
+          <p:cNvSpPr/>
+          <p:nvPr/>
+        </p:nvSpPr>
+        <p:spPr>
+          <a:xfrm>
+            <a:off x="7271651" y="2651619"/>
+            <a:ext cx="1510274" cy="644406"/>
+          </a:xfrm>
+          <a:prstGeom prst="downArrow">
+            <a:avLst/>
+          </a:prstGeom>
+          <a:solidFill>
+            <a:srgbClr val="CC0066"/>
+          </a:solidFill>
+        </p:spPr>
+        <p:style>
+          <a:lnRef idx="2">
+            <a:schemeClr val="accent5">
+              <a:shade val="50000"/>
+            </a:schemeClr>
+          </a:lnRef>
+          <a:fillRef idx="1">
+            <a:schemeClr val="accent5"/>
+          </a:fillRef>
+          <a:effectRef idx="0">
+            <a:schemeClr val="accent5"/>
+          </a:effectRef>
+          <a:fontRef idx="minor">
+            <a:schemeClr val="lt1"/>
+          </a:fontRef>
+        </p:style>
+        <p:txBody>
+          <a:bodyPr rtlCol="0" anchor="ctr"/>
+          <a:lstStyle/>
+          <a:p>
+            <a:pPr algn="ctr"/>
+            <a:r>
+              <a:rPr lang="en-US" dirty="0" smtClean="0"/>
+              <a:t>API</a:t>
+            </a:r>
+            <a:endParaRPr lang="nl-NL" dirty="0"/>
+          </a:p>
+        </p:txBody>
+      </p:sp>
+      <p:sp>
+        <p:nvSpPr>
+          <p:cNvPr id="25" name="Rounded Rectangle 24"/>
+          <p:cNvSpPr/>
+          <p:nvPr/>
+        </p:nvSpPr>
+        <p:spPr>
+          <a:xfrm>
+            <a:off x="4302031" y="3453561"/>
+            <a:ext cx="1055275" cy="447879"/>
+          </a:xfrm>
+          <a:prstGeom prst="roundRect">
+            <a:avLst/>
+          </a:prstGeom>
+          <a:solidFill>
+            <a:srgbClr val="FF99FF"/>
           </a:solidFill>
         </p:spPr>
         <p:style>
@@ -6676,9 +6815,17 @@
           <a:lstStyle/>
           <a:p>
             <a:pPr algn="ctr"/>
-            <a:endParaRPr lang="nl-NL">
+            <a:r>
+              <a:rPr lang="en-US" dirty="0" smtClean="0">
+                <a:solidFill>
+                  <a:srgbClr val="9900FF"/>
+                </a:solidFill>
+              </a:rPr>
+              <a:t>Shipping</a:t>
+            </a:r>
+            <a:endParaRPr lang="nl-NL" dirty="0">
               <a:solidFill>
-                <a:schemeClr val="bg1"/>
+                <a:srgbClr val="9900FF"/>
               </a:solidFill>
             </a:endParaRPr>
           </a:p>
@@ -6686,14 +6833,664 @@
       </p:sp>
       <p:sp>
         <p:nvSpPr>
-          <p:cNvPr id="10" name="TextBox 9"/>
+          <p:cNvPr id="26" name="Rounded Rectangle 25"/>
+          <p:cNvSpPr/>
+          <p:nvPr/>
+        </p:nvSpPr>
+        <p:spPr>
+          <a:xfrm>
+            <a:off x="7445053" y="3453560"/>
+            <a:ext cx="1055275" cy="447879"/>
+          </a:xfrm>
+          <a:prstGeom prst="roundRect">
+            <a:avLst/>
+          </a:prstGeom>
+          <a:solidFill>
+            <a:srgbClr val="FF99FF"/>
+          </a:solidFill>
+        </p:spPr>
+        <p:style>
+          <a:lnRef idx="2">
+            <a:schemeClr val="accent1">
+              <a:shade val="50000"/>
+            </a:schemeClr>
+          </a:lnRef>
+          <a:fillRef idx="1">
+            <a:schemeClr val="accent1"/>
+          </a:fillRef>
+          <a:effectRef idx="0">
+            <a:schemeClr val="accent1"/>
+          </a:effectRef>
+          <a:fontRef idx="minor">
+            <a:schemeClr val="lt1"/>
+          </a:fontRef>
+        </p:style>
+        <p:txBody>
+          <a:bodyPr rtlCol="0" anchor="ctr"/>
+          <a:lstStyle/>
+          <a:p>
+            <a:pPr algn="ctr"/>
+            <a:r>
+              <a:rPr lang="en-US" sz="1600" dirty="0" smtClean="0">
+                <a:solidFill>
+                  <a:srgbClr val="9900FF"/>
+                </a:solidFill>
+              </a:rPr>
+              <a:t>Stock Item</a:t>
+            </a:r>
+            <a:endParaRPr lang="nl-NL" sz="1600" dirty="0">
+              <a:solidFill>
+                <a:srgbClr val="9900FF"/>
+              </a:solidFill>
+            </a:endParaRPr>
+          </a:p>
+        </p:txBody>
+      </p:sp>
+      <p:sp>
+        <p:nvSpPr>
+          <p:cNvPr id="27" name="Rounded Rectangle 26"/>
+          <p:cNvSpPr/>
+          <p:nvPr/>
+        </p:nvSpPr>
+        <p:spPr>
+          <a:xfrm>
+            <a:off x="5667098" y="4320632"/>
+            <a:ext cx="1055275" cy="447879"/>
+          </a:xfrm>
+          <a:prstGeom prst="roundRect">
+            <a:avLst/>
+          </a:prstGeom>
+          <a:solidFill>
+            <a:srgbClr val="FF99FF"/>
+          </a:solidFill>
+        </p:spPr>
+        <p:style>
+          <a:lnRef idx="2">
+            <a:schemeClr val="accent1">
+              <a:shade val="50000"/>
+            </a:schemeClr>
+          </a:lnRef>
+          <a:fillRef idx="1">
+            <a:schemeClr val="accent1"/>
+          </a:fillRef>
+          <a:effectRef idx="0">
+            <a:schemeClr val="accent1"/>
+          </a:effectRef>
+          <a:fontRef idx="minor">
+            <a:schemeClr val="lt1"/>
+          </a:fontRef>
+        </p:style>
+        <p:txBody>
+          <a:bodyPr rtlCol="0" anchor="ctr"/>
+          <a:lstStyle/>
+          <a:p>
+            <a:pPr algn="ctr"/>
+            <a:r>
+              <a:rPr lang="en-US" dirty="0" err="1" smtClean="0">
+                <a:solidFill>
+                  <a:srgbClr val="9900FF"/>
+                </a:solidFill>
+              </a:rPr>
+              <a:t>ShipLog</a:t>
+            </a:r>
+            <a:endParaRPr lang="nl-NL" dirty="0">
+              <a:solidFill>
+                <a:srgbClr val="9900FF"/>
+              </a:solidFill>
+            </a:endParaRPr>
+          </a:p>
+        </p:txBody>
+      </p:sp>
+      <p:sp>
+        <p:nvSpPr>
+          <p:cNvPr id="28" name="Rounded Rectangle 27"/>
+          <p:cNvSpPr/>
+          <p:nvPr/>
+        </p:nvSpPr>
+        <p:spPr>
+          <a:xfrm>
+            <a:off x="4320522" y="4320632"/>
+            <a:ext cx="1055275" cy="447879"/>
+          </a:xfrm>
+          <a:prstGeom prst="roundRect">
+            <a:avLst/>
+          </a:prstGeom>
+          <a:solidFill>
+            <a:srgbClr val="FF99FF"/>
+          </a:solidFill>
+        </p:spPr>
+        <p:style>
+          <a:lnRef idx="2">
+            <a:schemeClr val="accent1">
+              <a:shade val="50000"/>
+            </a:schemeClr>
+          </a:lnRef>
+          <a:fillRef idx="1">
+            <a:schemeClr val="accent1"/>
+          </a:fillRef>
+          <a:effectRef idx="0">
+            <a:schemeClr val="accent1"/>
+          </a:effectRef>
+          <a:fontRef idx="minor">
+            <a:schemeClr val="lt1"/>
+          </a:fontRef>
+        </p:style>
+        <p:txBody>
+          <a:bodyPr rtlCol="0" anchor="ctr"/>
+          <a:lstStyle/>
+          <a:p>
+            <a:pPr algn="ctr"/>
+            <a:r>
+              <a:rPr lang="en-US" dirty="0" smtClean="0">
+                <a:solidFill>
+                  <a:srgbClr val="9900FF"/>
+                </a:solidFill>
+              </a:rPr>
+              <a:t>Items</a:t>
+            </a:r>
+            <a:endParaRPr lang="nl-NL" dirty="0">
+              <a:solidFill>
+                <a:srgbClr val="9900FF"/>
+              </a:solidFill>
+            </a:endParaRPr>
+          </a:p>
+        </p:txBody>
+      </p:sp>
+      <p:sp>
+        <p:nvSpPr>
+          <p:cNvPr id="29" name="Rounded Rectangle 28"/>
+          <p:cNvSpPr/>
+          <p:nvPr/>
+        </p:nvSpPr>
+        <p:spPr>
+          <a:xfrm>
+            <a:off x="5667098" y="3453560"/>
+            <a:ext cx="1055275" cy="447879"/>
+          </a:xfrm>
+          <a:prstGeom prst="roundRect">
+            <a:avLst/>
+          </a:prstGeom>
+          <a:solidFill>
+            <a:srgbClr val="FF99FF"/>
+          </a:solidFill>
+        </p:spPr>
+        <p:style>
+          <a:lnRef idx="2">
+            <a:schemeClr val="accent1">
+              <a:shade val="50000"/>
+            </a:schemeClr>
+          </a:lnRef>
+          <a:fillRef idx="1">
+            <a:schemeClr val="accent1"/>
+          </a:fillRef>
+          <a:effectRef idx="0">
+            <a:schemeClr val="accent1"/>
+          </a:effectRef>
+          <a:fontRef idx="minor">
+            <a:schemeClr val="lt1"/>
+          </a:fontRef>
+        </p:style>
+        <p:txBody>
+          <a:bodyPr rtlCol="0" anchor="ctr"/>
+          <a:lstStyle/>
+          <a:p>
+            <a:pPr algn="ctr"/>
+            <a:r>
+              <a:rPr lang="en-US" dirty="0" smtClean="0">
+                <a:solidFill>
+                  <a:srgbClr val="9900FF"/>
+                </a:solidFill>
+              </a:rPr>
+              <a:t>Parcel</a:t>
+            </a:r>
+            <a:endParaRPr lang="nl-NL" dirty="0">
+              <a:solidFill>
+                <a:srgbClr val="9900FF"/>
+              </a:solidFill>
+            </a:endParaRPr>
+          </a:p>
+        </p:txBody>
+      </p:sp>
+      <p:cxnSp>
+        <p:nvCxnSpPr>
+          <p:cNvPr id="31" name="Elbow Connector 30"/>
+          <p:cNvCxnSpPr/>
+          <p:nvPr/>
+        </p:nvCxnSpPr>
+        <p:spPr>
+          <a:xfrm rot="16200000" flipH="1">
+            <a:off x="4376101" y="4126346"/>
+            <a:ext cx="430977" cy="1"/>
+          </a:xfrm>
+          <a:prstGeom prst="bentConnector3">
+            <a:avLst/>
+          </a:prstGeom>
+          <a:ln>
+            <a:tailEnd type="triangle"/>
+          </a:ln>
+        </p:spPr>
+        <p:style>
+          <a:lnRef idx="1">
+            <a:schemeClr val="accent1"/>
+          </a:lnRef>
+          <a:fillRef idx="0">
+            <a:schemeClr val="accent1"/>
+          </a:fillRef>
+          <a:effectRef idx="0">
+            <a:schemeClr val="accent1"/>
+          </a:effectRef>
+          <a:fontRef idx="minor">
+            <a:schemeClr val="tx1"/>
+          </a:fontRef>
+        </p:style>
+      </p:cxnSp>
+      <p:cxnSp>
+        <p:nvCxnSpPr>
+          <p:cNvPr id="33" name="Elbow Connector 32"/>
+          <p:cNvCxnSpPr>
+            <a:stCxn id="29" idx="2"/>
+            <a:endCxn id="28" idx="0"/>
+          </p:cNvCxnSpPr>
+          <p:nvPr/>
+        </p:nvCxnSpPr>
+        <p:spPr>
+          <a:xfrm rot="5400000">
+            <a:off x="5311852" y="3437747"/>
+            <a:ext cx="419193" cy="1346576"/>
+          </a:xfrm>
+          <a:prstGeom prst="bentConnector3">
+            <a:avLst>
+              <a:gd name="adj1" fmla="val 50000"/>
+            </a:avLst>
+          </a:prstGeom>
+          <a:ln>
+            <a:tailEnd type="triangle"/>
+          </a:ln>
+        </p:spPr>
+        <p:style>
+          <a:lnRef idx="1">
+            <a:schemeClr val="accent1"/>
+          </a:lnRef>
+          <a:fillRef idx="0">
+            <a:schemeClr val="accent1"/>
+          </a:fillRef>
+          <a:effectRef idx="0">
+            <a:schemeClr val="accent1"/>
+          </a:effectRef>
+          <a:fontRef idx="minor">
+            <a:schemeClr val="tx1"/>
+          </a:fontRef>
+        </p:style>
+      </p:cxnSp>
+      <p:cxnSp>
+        <p:nvCxnSpPr>
+          <p:cNvPr id="39" name="Elbow Connector 38"/>
+          <p:cNvCxnSpPr/>
+          <p:nvPr/>
+        </p:nvCxnSpPr>
+        <p:spPr>
+          <a:xfrm rot="16200000" flipH="1">
+            <a:off x="6156969" y="4079386"/>
+            <a:ext cx="426694" cy="113210"/>
+          </a:xfrm>
+          <a:prstGeom prst="bentConnector3">
+            <a:avLst/>
+          </a:prstGeom>
+          <a:ln>
+            <a:tailEnd type="triangle"/>
+          </a:ln>
+        </p:spPr>
+        <p:style>
+          <a:lnRef idx="1">
+            <a:schemeClr val="accent1"/>
+          </a:lnRef>
+          <a:fillRef idx="0">
+            <a:schemeClr val="accent1"/>
+          </a:fillRef>
+          <a:effectRef idx="0">
+            <a:schemeClr val="accent1"/>
+          </a:effectRef>
+          <a:fontRef idx="minor">
+            <a:schemeClr val="tx1"/>
+          </a:fontRef>
+        </p:style>
+      </p:cxnSp>
+      <p:cxnSp>
+        <p:nvCxnSpPr>
+          <p:cNvPr id="42" name="Elbow Connector 41"/>
+          <p:cNvCxnSpPr>
+            <a:stCxn id="25" idx="3"/>
+            <a:endCxn id="29" idx="1"/>
+          </p:cNvCxnSpPr>
+          <p:nvPr/>
+        </p:nvCxnSpPr>
+        <p:spPr>
+          <a:xfrm flipV="1">
+            <a:off x="5357306" y="3677500"/>
+            <a:ext cx="309792" cy="1"/>
+          </a:xfrm>
+          <a:prstGeom prst="bentConnector3">
+            <a:avLst/>
+          </a:prstGeom>
+          <a:ln>
+            <a:tailEnd type="triangle"/>
+          </a:ln>
+        </p:spPr>
+        <p:style>
+          <a:lnRef idx="1">
+            <a:schemeClr val="accent1"/>
+          </a:lnRef>
+          <a:fillRef idx="0">
+            <a:schemeClr val="accent1"/>
+          </a:fillRef>
+          <a:effectRef idx="0">
+            <a:schemeClr val="accent1"/>
+          </a:effectRef>
+          <a:fontRef idx="minor">
+            <a:schemeClr val="tx1"/>
+          </a:fontRef>
+        </p:style>
+      </p:cxnSp>
+      <p:sp>
+        <p:nvSpPr>
+          <p:cNvPr id="43" name="Rounded Rectangle 42"/>
+          <p:cNvSpPr/>
+          <p:nvPr/>
+        </p:nvSpPr>
+        <p:spPr>
+          <a:xfrm>
+            <a:off x="3041594" y="3469744"/>
+            <a:ext cx="1055275" cy="447879"/>
+          </a:xfrm>
+          <a:prstGeom prst="roundRect">
+            <a:avLst/>
+          </a:prstGeom>
+          <a:solidFill>
+            <a:srgbClr val="FF99FF"/>
+          </a:solidFill>
+        </p:spPr>
+        <p:style>
+          <a:lnRef idx="2">
+            <a:schemeClr val="accent1">
+              <a:shade val="50000"/>
+            </a:schemeClr>
+          </a:lnRef>
+          <a:fillRef idx="1">
+            <a:schemeClr val="accent1"/>
+          </a:fillRef>
+          <a:effectRef idx="0">
+            <a:schemeClr val="accent1"/>
+          </a:effectRef>
+          <a:fontRef idx="minor">
+            <a:schemeClr val="lt1"/>
+          </a:fontRef>
+        </p:style>
+        <p:txBody>
+          <a:bodyPr rtlCol="0" anchor="ctr"/>
+          <a:lstStyle/>
+          <a:p>
+            <a:pPr algn="ctr"/>
+            <a:r>
+              <a:rPr lang="en-US" sz="1100" dirty="0" smtClean="0">
+                <a:solidFill>
+                  <a:srgbClr val="9900FF"/>
+                </a:solidFill>
+              </a:rPr>
+              <a:t>Country Shipping Rules</a:t>
+            </a:r>
+            <a:endParaRPr lang="nl-NL" sz="1100" dirty="0">
+              <a:solidFill>
+                <a:srgbClr val="9900FF"/>
+              </a:solidFill>
+            </a:endParaRPr>
+          </a:p>
+        </p:txBody>
+      </p:sp>
+      <p:sp>
+        <p:nvSpPr>
+          <p:cNvPr id="44" name="Rounded Rectangle 43"/>
+          <p:cNvSpPr/>
+          <p:nvPr/>
+        </p:nvSpPr>
+        <p:spPr>
+          <a:xfrm>
+            <a:off x="7455458" y="4349338"/>
+            <a:ext cx="1055275" cy="447879"/>
+          </a:xfrm>
+          <a:prstGeom prst="roundRect">
+            <a:avLst/>
+          </a:prstGeom>
+          <a:solidFill>
+            <a:srgbClr val="FF99FF"/>
+          </a:solidFill>
+        </p:spPr>
+        <p:style>
+          <a:lnRef idx="2">
+            <a:schemeClr val="accent1">
+              <a:shade val="50000"/>
+            </a:schemeClr>
+          </a:lnRef>
+          <a:fillRef idx="1">
+            <a:schemeClr val="accent1"/>
+          </a:fillRef>
+          <a:effectRef idx="0">
+            <a:schemeClr val="accent1"/>
+          </a:effectRef>
+          <a:fontRef idx="minor">
+            <a:schemeClr val="lt1"/>
+          </a:fontRef>
+        </p:style>
+        <p:txBody>
+          <a:bodyPr rtlCol="0" anchor="ctr"/>
+          <a:lstStyle/>
+          <a:p>
+            <a:pPr algn="ctr"/>
+            <a:r>
+              <a:rPr lang="en-US" sz="1600" dirty="0" smtClean="0">
+                <a:solidFill>
+                  <a:srgbClr val="9900FF"/>
+                </a:solidFill>
+              </a:rPr>
+              <a:t>Stock Item Log</a:t>
+            </a:r>
+            <a:endParaRPr lang="nl-NL" sz="1600" dirty="0">
+              <a:solidFill>
+                <a:srgbClr val="9900FF"/>
+              </a:solidFill>
+            </a:endParaRPr>
+          </a:p>
+        </p:txBody>
+      </p:sp>
+      <p:cxnSp>
+        <p:nvCxnSpPr>
+          <p:cNvPr id="46" name="Elbow Connector 45"/>
+          <p:cNvCxnSpPr>
+            <a:stCxn id="26" idx="2"/>
+            <a:endCxn id="44" idx="0"/>
+          </p:cNvCxnSpPr>
+          <p:nvPr/>
+        </p:nvCxnSpPr>
+        <p:spPr>
+          <a:xfrm rot="16200000" flipH="1">
+            <a:off x="7753944" y="4120185"/>
+            <a:ext cx="447899" cy="10405"/>
+          </a:xfrm>
+          <a:prstGeom prst="bentConnector3">
+            <a:avLst/>
+          </a:prstGeom>
+        </p:spPr>
+        <p:style>
+          <a:lnRef idx="1">
+            <a:schemeClr val="accent1"/>
+          </a:lnRef>
+          <a:fillRef idx="0">
+            <a:schemeClr val="accent1"/>
+          </a:fillRef>
+          <a:effectRef idx="0">
+            <a:schemeClr val="accent1"/>
+          </a:effectRef>
+          <a:fontRef idx="minor">
+            <a:schemeClr val="tx1"/>
+          </a:fontRef>
+        </p:style>
+      </p:cxnSp>
+      <p:sp>
+        <p:nvSpPr>
+          <p:cNvPr id="30" name="Cube 29"/>
+          <p:cNvSpPr/>
+          <p:nvPr/>
+        </p:nvSpPr>
+        <p:spPr>
+          <a:xfrm>
+            <a:off x="3867140" y="1774079"/>
+            <a:ext cx="1962037" cy="957229"/>
+          </a:xfrm>
+          <a:prstGeom prst="cube">
+            <a:avLst/>
+          </a:prstGeom>
+        </p:spPr>
+        <p:style>
+          <a:lnRef idx="2">
+            <a:schemeClr val="accent1">
+              <a:shade val="50000"/>
+            </a:schemeClr>
+          </a:lnRef>
+          <a:fillRef idx="1">
+            <a:schemeClr val="accent1"/>
+          </a:fillRef>
+          <a:effectRef idx="0">
+            <a:schemeClr val="accent1"/>
+          </a:effectRef>
+          <a:fontRef idx="minor">
+            <a:schemeClr val="lt1"/>
+          </a:fontRef>
+        </p:style>
+        <p:txBody>
+          <a:bodyPr rtlCol="0" anchor="ctr"/>
+          <a:lstStyle/>
+          <a:p>
+            <a:pPr algn="ctr"/>
+            <a:endParaRPr lang="nl-NL"/>
+          </a:p>
+        </p:txBody>
+      </p:sp>
+      <p:sp>
+        <p:nvSpPr>
+          <p:cNvPr id="32" name="TextBox 31"/>
           <p:cNvSpPr txBox="1"/>
           <p:nvPr/>
         </p:nvSpPr>
         <p:spPr>
           <a:xfrm>
-            <a:off x="1227911" y="3422246"/>
-            <a:ext cx="1915884" cy="954107"/>
+            <a:off x="3855650" y="2104938"/>
+            <a:ext cx="1631344" cy="584775"/>
+          </a:xfrm>
+          <a:prstGeom prst="rect">
+            <a:avLst/>
+          </a:prstGeom>
+          <a:noFill/>
+        </p:spPr>
+        <p:txBody>
+          <a:bodyPr wrap="none" rtlCol="0">
+            <a:spAutoFit/>
+          </a:bodyPr>
+          <a:lstStyle/>
+          <a:p>
+            <a:r>
+              <a:rPr lang="en-US" sz="1600" dirty="0" smtClean="0"/>
+              <a:t>Generate calls to </a:t>
+            </a:r>
+            <a:br>
+              <a:rPr lang="en-US" sz="1600" dirty="0" smtClean="0"/>
+            </a:br>
+            <a:r>
+              <a:rPr lang="en-US" sz="1600" dirty="0" smtClean="0"/>
+              <a:t>Submit Shipping</a:t>
+            </a:r>
+            <a:endParaRPr lang="nl-NL" sz="1600" dirty="0"/>
+          </a:p>
+        </p:txBody>
+      </p:sp>
+      <p:sp>
+        <p:nvSpPr>
+          <p:cNvPr id="34" name="TextBox 33"/>
+          <p:cNvSpPr txBox="1"/>
+          <p:nvPr/>
+        </p:nvSpPr>
+        <p:spPr>
+          <a:xfrm>
+            <a:off x="4864754" y="1710675"/>
+            <a:ext cx="817853" cy="369332"/>
+          </a:xfrm>
+          <a:prstGeom prst="rect">
+            <a:avLst/>
+          </a:prstGeom>
+          <a:noFill/>
+        </p:spPr>
+        <p:txBody>
+          <a:bodyPr wrap="none" rtlCol="0">
+            <a:spAutoFit/>
+          </a:bodyPr>
+          <a:lstStyle/>
+          <a:p>
+            <a:r>
+              <a:rPr lang="en-US" dirty="0" smtClean="0"/>
+              <a:t>Engine</a:t>
+            </a:r>
+            <a:endParaRPr lang="nl-NL" dirty="0"/>
+          </a:p>
+        </p:txBody>
+      </p:sp>
+      <p:sp>
+        <p:nvSpPr>
+          <p:cNvPr id="45" name="Cube 44"/>
+          <p:cNvSpPr/>
+          <p:nvPr/>
+        </p:nvSpPr>
+        <p:spPr>
+          <a:xfrm>
+            <a:off x="5840666" y="662403"/>
+            <a:ext cx="1962037" cy="855793"/>
+          </a:xfrm>
+          <a:prstGeom prst="cube">
+            <a:avLst/>
+          </a:prstGeom>
+        </p:spPr>
+        <p:style>
+          <a:lnRef idx="2">
+            <a:schemeClr val="accent1">
+              <a:shade val="50000"/>
+            </a:schemeClr>
+          </a:lnRef>
+          <a:fillRef idx="1">
+            <a:schemeClr val="accent1"/>
+          </a:fillRef>
+          <a:effectRef idx="0">
+            <a:schemeClr val="accent1"/>
+          </a:effectRef>
+          <a:fontRef idx="minor">
+            <a:schemeClr val="lt1"/>
+          </a:fontRef>
+        </p:style>
+        <p:txBody>
+          <a:bodyPr rtlCol="0" anchor="ctr"/>
+          <a:lstStyle/>
+          <a:p>
+            <a:pPr algn="ctr"/>
+            <a:endParaRPr lang="nl-NL"/>
+          </a:p>
+        </p:txBody>
+      </p:sp>
+      <p:sp>
+        <p:nvSpPr>
+          <p:cNvPr id="52" name="TextBox 51"/>
+          <p:cNvSpPr txBox="1"/>
+          <p:nvPr/>
+        </p:nvSpPr>
+        <p:spPr>
+          <a:xfrm>
+            <a:off x="5829177" y="993262"/>
+            <a:ext cx="1679928" cy="461665"/>
           </a:xfrm>
           <a:prstGeom prst="rect">
             <a:avLst/>
@@ -6707,33 +7504,55 @@
           <a:lstStyle/>
           <a:p>
             <a:r>
-              <a:rPr lang="en-US" sz="1400" dirty="0" smtClean="0">
-                <a:solidFill>
-                  <a:schemeClr val="bg1"/>
-                </a:solidFill>
-              </a:rPr>
-              <a:t>Event Topic – either for all routing slip events or for all events for a specific workflow</a:t>
-            </a:r>
-            <a:endParaRPr lang="nl-NL" sz="1400" dirty="0">
-              <a:solidFill>
-                <a:schemeClr val="bg1"/>
-              </a:solidFill>
-            </a:endParaRPr>
-          </a:p>
-        </p:txBody>
-      </p:sp>
-      <p:sp>
-        <p:nvSpPr>
-          <p:cNvPr id="11" name="Rounded Rectangle 10"/>
-          <p:cNvSpPr/>
-          <p:nvPr/>
-        </p:nvSpPr>
-        <p:spPr>
-          <a:xfrm>
-            <a:off x="3287485" y="890779"/>
-            <a:ext cx="4802777" cy="553607"/>
-          </a:xfrm>
-          <a:prstGeom prst="roundRect">
+              <a:rPr lang="en-US" sz="1200" dirty="0" smtClean="0"/>
+              <a:t>Shipping News event for submitted shipping</a:t>
+            </a:r>
+            <a:endParaRPr lang="nl-NL" sz="1200" dirty="0"/>
+          </a:p>
+        </p:txBody>
+      </p:sp>
+      <p:sp>
+        <p:nvSpPr>
+          <p:cNvPr id="53" name="TextBox 52"/>
+          <p:cNvSpPr txBox="1"/>
+          <p:nvPr/>
+        </p:nvSpPr>
+        <p:spPr>
+          <a:xfrm>
+            <a:off x="7071362" y="598999"/>
+            <a:ext cx="555921" cy="369332"/>
+          </a:xfrm>
+          <a:prstGeom prst="rect">
+            <a:avLst/>
+          </a:prstGeom>
+          <a:noFill/>
+        </p:spPr>
+        <p:txBody>
+          <a:bodyPr wrap="none" rtlCol="0">
+            <a:spAutoFit/>
+          </a:bodyPr>
+          <a:lstStyle/>
+          <a:p>
+            <a:r>
+              <a:rPr lang="en-US" dirty="0" smtClean="0"/>
+              <a:t>Test</a:t>
+            </a:r>
+            <a:endParaRPr lang="nl-NL" dirty="0"/>
+          </a:p>
+        </p:txBody>
+      </p:sp>
+      <p:sp>
+        <p:nvSpPr>
+          <p:cNvPr id="54" name="Cube 53"/>
+          <p:cNvSpPr/>
+          <p:nvPr/>
+        </p:nvSpPr>
+        <p:spPr>
+          <a:xfrm>
+            <a:off x="1079557" y="5453555"/>
+            <a:ext cx="1962037" cy="915072"/>
+          </a:xfrm>
+          <a:prstGeom prst="cube">
             <a:avLst/>
           </a:prstGeom>
         </p:spPr>
@@ -6758,9 +7577,35 @@
           <a:lstStyle/>
           <a:p>
             <a:pPr algn="ctr"/>
+            <a:endParaRPr lang="nl-NL"/>
+          </a:p>
+        </p:txBody>
+      </p:sp>
+      <p:sp>
+        <p:nvSpPr>
+          <p:cNvPr id="55" name="TextBox 54"/>
+          <p:cNvSpPr txBox="1"/>
+          <p:nvPr/>
+        </p:nvSpPr>
+        <p:spPr>
+          <a:xfrm>
+            <a:off x="1068067" y="5784414"/>
+            <a:ext cx="1577483" cy="369332"/>
+          </a:xfrm>
+          <a:prstGeom prst="rect">
+            <a:avLst/>
+          </a:prstGeom>
+          <a:noFill/>
+        </p:spPr>
+        <p:txBody>
+          <a:bodyPr wrap="none" rtlCol="0">
+            <a:spAutoFit/>
+          </a:bodyPr>
+          <a:lstStyle/>
+          <a:p>
             <a:r>
               <a:rPr lang="en-US" dirty="0" smtClean="0"/>
-              <a:t>Shop</a:t>
+              <a:t>Receive Parcel </a:t>
             </a:r>
             <a:endParaRPr lang="nl-NL" dirty="0"/>
           </a:p>
@@ -6768,98 +7613,48 @@
       </p:sp>
       <p:sp>
         <p:nvSpPr>
-          <p:cNvPr id="12" name="Rounded Rectangle 11"/>
-          <p:cNvSpPr/>
-          <p:nvPr/>
-        </p:nvSpPr>
-        <p:spPr>
-          <a:xfrm>
-            <a:off x="3618414" y="1194328"/>
-            <a:ext cx="1301930" cy="543371"/>
-          </a:xfrm>
-          <a:prstGeom prst="roundRect">
-            <a:avLst/>
-          </a:prstGeom>
-        </p:spPr>
-        <p:style>
-          <a:lnRef idx="1">
-            <a:schemeClr val="accent4"/>
-          </a:lnRef>
-          <a:fillRef idx="3">
-            <a:schemeClr val="accent4"/>
-          </a:fillRef>
-          <a:effectRef idx="2">
-            <a:schemeClr val="accent4"/>
-          </a:effectRef>
-          <a:fontRef idx="minor">
-            <a:schemeClr val="lt1"/>
-          </a:fontRef>
-        </p:style>
-        <p:txBody>
-          <a:bodyPr rtlCol="0" anchor="ctr"/>
-          <a:lstStyle/>
-          <a:p>
-            <a:pPr algn="ctr"/>
+          <p:cNvPr id="56" name="TextBox 55"/>
+          <p:cNvSpPr txBox="1"/>
+          <p:nvPr/>
+        </p:nvSpPr>
+        <p:spPr>
+          <a:xfrm>
+            <a:off x="2256463" y="5390151"/>
+            <a:ext cx="705642" cy="369332"/>
+          </a:xfrm>
+          <a:prstGeom prst="rect">
+            <a:avLst/>
+          </a:prstGeom>
+          <a:noFill/>
+        </p:spPr>
+        <p:txBody>
+          <a:bodyPr wrap="none" rtlCol="0">
+            <a:spAutoFit/>
+          </a:bodyPr>
+          <a:lstStyle/>
+          <a:p>
             <a:r>
               <a:rPr lang="en-US" dirty="0" smtClean="0"/>
-              <a:t>Order</a:t>
+              <a:t>Mock</a:t>
             </a:r>
             <a:endParaRPr lang="nl-NL" dirty="0"/>
           </a:p>
         </p:txBody>
       </p:sp>
-      <p:cxnSp>
-        <p:nvCxnSpPr>
-          <p:cNvPr id="14" name="Straight Arrow Connector 13"/>
-          <p:cNvCxnSpPr/>
-          <p:nvPr/>
-        </p:nvCxnSpPr>
-        <p:spPr>
-          <a:xfrm flipH="1">
-            <a:off x="3287485" y="1737699"/>
-            <a:ext cx="579121" cy="688273"/>
-          </a:xfrm>
-          <a:prstGeom prst="straightConnector1">
-            <a:avLst/>
-          </a:prstGeom>
-          <a:ln>
-            <a:tailEnd type="triangle"/>
-          </a:ln>
-        </p:spPr>
-        <p:style>
-          <a:lnRef idx="1">
-            <a:schemeClr val="accent1"/>
-          </a:lnRef>
-          <a:fillRef idx="0">
-            <a:schemeClr val="accent1"/>
-          </a:fillRef>
-          <a:effectRef idx="0">
-            <a:schemeClr val="accent1"/>
-          </a:effectRef>
-          <a:fontRef idx="minor">
-            <a:schemeClr val="tx1"/>
-          </a:fontRef>
-        </p:style>
-      </p:cxnSp>
-      <p:sp>
-        <p:nvSpPr>
-          <p:cNvPr id="15" name="Lightning Bolt 14"/>
-          <p:cNvSpPr/>
-          <p:nvPr/>
-        </p:nvSpPr>
-        <p:spPr>
-          <a:xfrm>
-            <a:off x="3596639" y="3766267"/>
-            <a:ext cx="191592" cy="266062"/>
-          </a:xfrm>
-          <a:prstGeom prst="lightningBolt">
-            <a:avLst/>
-          </a:prstGeom>
-          <a:solidFill>
-            <a:schemeClr val="accent2">
-              <a:lumMod val="75000"/>
-            </a:schemeClr>
-          </a:solidFill>
+      <p:sp>
+        <p:nvSpPr>
+          <p:cNvPr id="57" name="Cube 56"/>
+          <p:cNvSpPr/>
+          <p:nvPr/>
+        </p:nvSpPr>
+        <p:spPr>
+          <a:xfrm>
+            <a:off x="5298428" y="5435438"/>
+            <a:ext cx="1962037" cy="1306286"/>
+          </a:xfrm>
+          <a:prstGeom prst="cube">
+            <a:avLst/>
+          </a:prstGeom>
         </p:spPr>
         <p:style>
           <a:lnRef idx="2">
@@ -6886,25 +7681,87 @@
           </a:p>
         </p:txBody>
       </p:sp>
+      <p:sp>
+        <p:nvSpPr>
+          <p:cNvPr id="58" name="TextBox 57"/>
+          <p:cNvSpPr txBox="1"/>
+          <p:nvPr/>
+        </p:nvSpPr>
+        <p:spPr>
+          <a:xfrm>
+            <a:off x="5286939" y="5766297"/>
+            <a:ext cx="1679928" cy="646331"/>
+          </a:xfrm>
+          <a:prstGeom prst="rect">
+            <a:avLst/>
+          </a:prstGeom>
+          <a:noFill/>
+        </p:spPr>
+        <p:txBody>
+          <a:bodyPr wrap="square" rtlCol="0">
+            <a:spAutoFit/>
+          </a:bodyPr>
+          <a:lstStyle/>
+          <a:p>
+            <a:r>
+              <a:rPr lang="en-US" sz="1200" dirty="0" smtClean="0"/>
+              <a:t>Generate &amp; Send Parcel updates for submitted parcels (in quick time)</a:t>
+            </a:r>
+            <a:endParaRPr lang="nl-NL" sz="1200" dirty="0"/>
+          </a:p>
+        </p:txBody>
+      </p:sp>
+      <p:sp>
+        <p:nvSpPr>
+          <p:cNvPr id="59" name="TextBox 58"/>
+          <p:cNvSpPr txBox="1"/>
+          <p:nvPr/>
+        </p:nvSpPr>
+        <p:spPr>
+          <a:xfrm>
+            <a:off x="6322936" y="5372034"/>
+            <a:ext cx="817853" cy="369332"/>
+          </a:xfrm>
+          <a:prstGeom prst="rect">
+            <a:avLst/>
+          </a:prstGeom>
+          <a:noFill/>
+        </p:spPr>
+        <p:txBody>
+          <a:bodyPr wrap="none" rtlCol="0">
+            <a:spAutoFit/>
+          </a:bodyPr>
+          <a:lstStyle/>
+          <a:p>
+            <a:r>
+              <a:rPr lang="en-US" dirty="0" smtClean="0"/>
+              <a:t>Engine</a:t>
+            </a:r>
+            <a:endParaRPr lang="nl-NL" dirty="0"/>
+          </a:p>
+        </p:txBody>
+      </p:sp>
       <p:cxnSp>
         <p:nvCxnSpPr>
-          <p:cNvPr id="17" name="Elbow Connector 16"/>
-          <p:cNvCxnSpPr>
-            <a:stCxn id="7" idx="1"/>
-            <a:endCxn id="8" idx="1"/>
-          </p:cNvCxnSpPr>
+          <p:cNvPr id="60" name="Straight Connector 59"/>
+          <p:cNvCxnSpPr/>
           <p:nvPr/>
         </p:nvCxnSpPr>
         <p:spPr>
-          <a:xfrm rot="10800000" flipV="1">
-            <a:off x="3884025" y="3342043"/>
-            <a:ext cx="809897" cy="663899"/>
-          </a:xfrm>
-          <a:prstGeom prst="bentConnector2">
+          <a:xfrm flipV="1">
+            <a:off x="2645550" y="5934635"/>
+            <a:ext cx="2711756" cy="8965"/>
+          </a:xfrm>
+          <a:prstGeom prst="line">
             <a:avLst/>
           </a:prstGeom>
           <a:ln>
-            <a:tailEnd type="triangle"/>
+            <a:solidFill>
+              <a:schemeClr val="accent1">
+                <a:lumMod val="50000"/>
+              </a:schemeClr>
+            </a:solidFill>
+            <a:prstDash val="dash"/>
           </a:ln>
         </p:spPr>
         <p:style>
@@ -6924,26 +7781,18 @@
       </p:cxnSp>
       <p:sp>
         <p:nvSpPr>
-          <p:cNvPr id="18" name="Rectangular Callout 17"/>
-          <p:cNvSpPr/>
-          <p:nvPr/>
-        </p:nvSpPr>
-        <p:spPr>
-          <a:xfrm>
-            <a:off x="7821578" y="1822107"/>
-            <a:ext cx="1637211" cy="683977"/>
-          </a:xfrm>
-          <a:prstGeom prst="wedgeRectCallout">
-            <a:avLst>
-              <a:gd name="adj1" fmla="val -203405"/>
-              <a:gd name="adj2" fmla="val 198275"/>
-            </a:avLst>
-          </a:prstGeom>
-          <a:solidFill>
-            <a:schemeClr val="bg2">
-              <a:lumMod val="50000"/>
-            </a:schemeClr>
-          </a:solidFill>
+          <p:cNvPr id="61" name="Cube 60"/>
+          <p:cNvSpPr/>
+          <p:nvPr/>
+        </p:nvSpPr>
+        <p:spPr>
+          <a:xfrm>
+            <a:off x="7931608" y="5435438"/>
+            <a:ext cx="1962037" cy="977190"/>
+          </a:xfrm>
+          <a:prstGeom prst="cube">
+            <a:avLst/>
+          </a:prstGeom>
         </p:spPr>
         <p:style>
           <a:lnRef idx="2">
@@ -6966,24 +7815,20 @@
           <a:lstStyle/>
           <a:p>
             <a:pPr algn="ctr"/>
-            <a:endParaRPr lang="nl-NL">
-              <a:solidFill>
-                <a:schemeClr val="bg1"/>
-              </a:solidFill>
-            </a:endParaRPr>
-          </a:p>
-        </p:txBody>
-      </p:sp>
-      <p:sp>
-        <p:nvSpPr>
-          <p:cNvPr id="19" name="TextBox 18"/>
+            <a:endParaRPr lang="nl-NL"/>
+          </a:p>
+        </p:txBody>
+      </p:sp>
+      <p:sp>
+        <p:nvSpPr>
+          <p:cNvPr id="62" name="TextBox 61"/>
           <p:cNvSpPr txBox="1"/>
           <p:nvPr/>
         </p:nvSpPr>
         <p:spPr>
           <a:xfrm>
-            <a:off x="7821579" y="1767420"/>
-            <a:ext cx="1567541" cy="738664"/>
+            <a:off x="7920119" y="5766297"/>
+            <a:ext cx="1679928" cy="646331"/>
           </a:xfrm>
           <a:prstGeom prst="rect">
             <a:avLst/>
@@ -6997,51 +7842,82 @@
           <a:lstStyle/>
           <a:p>
             <a:r>
-              <a:rPr lang="en-US" sz="1400" dirty="0" smtClean="0">
-                <a:solidFill>
-                  <a:schemeClr val="bg1"/>
-                </a:solidFill>
-              </a:rPr>
-              <a:t>Meta-data: routing slip definitions per workflow</a:t>
-            </a:r>
-            <a:endParaRPr lang="nl-NL" sz="1400" dirty="0">
-              <a:solidFill>
-                <a:schemeClr val="bg1"/>
-              </a:solidFill>
-            </a:endParaRPr>
-          </a:p>
-        </p:txBody>
-      </p:sp>
-      <p:sp>
-        <p:nvSpPr>
-          <p:cNvPr id="21" name="Oval Callout 20"/>
-          <p:cNvSpPr/>
-          <p:nvPr/>
-        </p:nvSpPr>
-        <p:spPr>
-          <a:xfrm>
-            <a:off x="1471749" y="1427373"/>
-            <a:ext cx="1943293" cy="730232"/>
-          </a:xfrm>
-          <a:prstGeom prst="wedgeEllipseCallout">
-            <a:avLst>
-              <a:gd name="adj1" fmla="val 56179"/>
-              <a:gd name="adj2" fmla="val 45316"/>
-            </a:avLst>
-          </a:prstGeom>
+              <a:rPr lang="en-US" sz="1200" dirty="0" smtClean="0"/>
+              <a:t>Shipping News events for derived from parcel</a:t>
+            </a:r>
+            <a:br>
+              <a:rPr lang="en-US" sz="1200" dirty="0" smtClean="0"/>
+            </a:br>
+            <a:r>
+              <a:rPr lang="en-US" sz="1200" dirty="0" smtClean="0"/>
+              <a:t>updates</a:t>
+            </a:r>
+            <a:endParaRPr lang="nl-NL" sz="1200" dirty="0"/>
+          </a:p>
+        </p:txBody>
+      </p:sp>
+      <p:sp>
+        <p:nvSpPr>
+          <p:cNvPr id="63" name="TextBox 62"/>
+          <p:cNvSpPr txBox="1"/>
+          <p:nvPr/>
+        </p:nvSpPr>
+        <p:spPr>
+          <a:xfrm>
+            <a:off x="9162304" y="5372034"/>
+            <a:ext cx="555921" cy="369332"/>
+          </a:xfrm>
+          <a:prstGeom prst="rect">
+            <a:avLst/>
+          </a:prstGeom>
+          <a:noFill/>
+        </p:spPr>
+        <p:txBody>
+          <a:bodyPr wrap="none" rtlCol="0">
+            <a:spAutoFit/>
+          </a:bodyPr>
+          <a:lstStyle/>
+          <a:p>
+            <a:r>
+              <a:rPr lang="en-US" dirty="0" smtClean="0"/>
+              <a:t>Test</a:t>
+            </a:r>
+            <a:endParaRPr lang="nl-NL" dirty="0"/>
+          </a:p>
+        </p:txBody>
+      </p:sp>
+      <p:sp>
+        <p:nvSpPr>
+          <p:cNvPr id="64" name="Lightning Bolt 63"/>
+          <p:cNvSpPr/>
+          <p:nvPr/>
+        </p:nvSpPr>
+        <p:spPr>
+          <a:xfrm>
+            <a:off x="8876590" y="5243854"/>
+            <a:ext cx="430306" cy="518517"/>
+          </a:xfrm>
+          <a:prstGeom prst="lightningBolt">
+            <a:avLst/>
+          </a:prstGeom>
+          <a:solidFill>
+            <a:schemeClr val="accent2"/>
+          </a:solidFill>
         </p:spPr>
         <p:style>
           <a:lnRef idx="2">
-            <a:schemeClr val="dk1"/>
+            <a:schemeClr val="accent1">
+              <a:shade val="50000"/>
+            </a:schemeClr>
           </a:lnRef>
           <a:fillRef idx="1">
+            <a:schemeClr val="accent1"/>
+          </a:fillRef>
+          <a:effectRef idx="0">
+            <a:schemeClr val="accent1"/>
+          </a:effectRef>
+          <a:fontRef idx="minor">
             <a:schemeClr val="lt1"/>
-          </a:fillRef>
-          <a:effectRef idx="0">
-            <a:schemeClr val="dk1"/>
-          </a:effectRef>
-          <a:fontRef idx="minor">
-            <a:schemeClr val="dk1"/>
           </a:fontRef>
         </p:style>
         <p:txBody>
@@ -7055,14 +7931,135 @@
       </p:sp>
       <p:sp>
         <p:nvSpPr>
-          <p:cNvPr id="22" name="TextBox 21"/>
+          <p:cNvPr id="65" name="Lightning Bolt 64"/>
+          <p:cNvSpPr/>
+          <p:nvPr/>
+        </p:nvSpPr>
+        <p:spPr>
+          <a:xfrm>
+            <a:off x="6767224" y="474745"/>
+            <a:ext cx="430306" cy="518517"/>
+          </a:xfrm>
+          <a:prstGeom prst="lightningBolt">
+            <a:avLst/>
+          </a:prstGeom>
+          <a:solidFill>
+            <a:schemeClr val="accent2"/>
+          </a:solidFill>
+        </p:spPr>
+        <p:style>
+          <a:lnRef idx="2">
+            <a:schemeClr val="accent1">
+              <a:shade val="50000"/>
+            </a:schemeClr>
+          </a:lnRef>
+          <a:fillRef idx="1">
+            <a:schemeClr val="accent1"/>
+          </a:fillRef>
+          <a:effectRef idx="0">
+            <a:schemeClr val="accent1"/>
+          </a:effectRef>
+          <a:fontRef idx="minor">
+            <a:schemeClr val="lt1"/>
+          </a:fontRef>
+        </p:style>
+        <p:txBody>
+          <a:bodyPr rtlCol="0" anchor="ctr"/>
+          <a:lstStyle/>
+          <a:p>
+            <a:pPr algn="ctr"/>
+            <a:endParaRPr lang="nl-NL"/>
+          </a:p>
+        </p:txBody>
+      </p:sp>
+      <p:cxnSp>
+        <p:nvCxnSpPr>
+          <p:cNvPr id="66" name="Straight Connector 65"/>
+          <p:cNvCxnSpPr/>
+          <p:nvPr/>
+        </p:nvCxnSpPr>
+        <p:spPr>
+          <a:xfrm>
+            <a:off x="7032644" y="5926939"/>
+            <a:ext cx="940047" cy="7696"/>
+          </a:xfrm>
+          <a:prstGeom prst="line">
+            <a:avLst/>
+          </a:prstGeom>
+          <a:ln>
+            <a:solidFill>
+              <a:schemeClr val="accent1">
+                <a:lumMod val="50000"/>
+              </a:schemeClr>
+            </a:solidFill>
+            <a:prstDash val="dash"/>
+          </a:ln>
+        </p:spPr>
+        <p:style>
+          <a:lnRef idx="1">
+            <a:schemeClr val="accent1"/>
+          </a:lnRef>
+          <a:fillRef idx="0">
+            <a:schemeClr val="accent1"/>
+          </a:fillRef>
+          <a:effectRef idx="0">
+            <a:schemeClr val="accent1"/>
+          </a:effectRef>
+          <a:fontRef idx="minor">
+            <a:schemeClr val="tx1"/>
+          </a:fontRef>
+        </p:style>
+      </p:cxnSp>
+      <p:sp>
+        <p:nvSpPr>
+          <p:cNvPr id="67" name="Cube 66"/>
+          <p:cNvSpPr/>
+          <p:nvPr/>
+        </p:nvSpPr>
+        <p:spPr>
+          <a:xfrm>
+            <a:off x="386490" y="2474889"/>
+            <a:ext cx="1962037" cy="1729557"/>
+          </a:xfrm>
+          <a:prstGeom prst="cube">
+            <a:avLst/>
+          </a:prstGeom>
+        </p:spPr>
+        <p:style>
+          <a:lnRef idx="2">
+            <a:schemeClr val="accent1">
+              <a:shade val="50000"/>
+            </a:schemeClr>
+          </a:lnRef>
+          <a:fillRef idx="1">
+            <a:schemeClr val="accent1"/>
+          </a:fillRef>
+          <a:effectRef idx="0">
+            <a:schemeClr val="accent1"/>
+          </a:effectRef>
+          <a:fontRef idx="minor">
+            <a:schemeClr val="lt1"/>
+          </a:fontRef>
+        </p:style>
+        <p:txBody>
+          <a:bodyPr rtlCol="0" anchor="ctr"/>
+          <a:lstStyle/>
+          <a:p>
+            <a:pPr algn="ctr"/>
+            <a:endParaRPr lang="nl-NL"/>
+          </a:p>
+        </p:txBody>
+      </p:sp>
+      <p:sp>
+        <p:nvSpPr>
+          <p:cNvPr id="68" name="TextBox 67"/>
           <p:cNvSpPr txBox="1"/>
           <p:nvPr/>
         </p:nvSpPr>
         <p:spPr>
           <a:xfrm>
-            <a:off x="1613855" y="1473171"/>
-            <a:ext cx="2078580" cy="646331"/>
+            <a:off x="375001" y="2913325"/>
+            <a:ext cx="1679928" cy="1015663"/>
           </a:xfrm>
           <a:prstGeom prst="rect">
             <a:avLst/>
@@ -7077,78 +8074,110 @@
           <a:p>
             <a:r>
               <a:rPr lang="en-US" sz="1200" dirty="0" smtClean="0"/>
-              <a:t>Validate proposed order (synchronously) with Customer | Logistics | …</a:t>
-            </a:r>
+              <a:t>Generate &amp; Publish</a:t>
+            </a:r>
+            <a:br>
+              <a:rPr lang="en-US" sz="1200" dirty="0" smtClean="0"/>
+            </a:br>
+            <a:r>
+              <a:rPr lang="en-US" sz="1200" dirty="0" smtClean="0"/>
+              <a:t>* Product Updates </a:t>
+            </a:r>
+            <a:br>
+              <a:rPr lang="en-US" sz="1200" dirty="0" smtClean="0"/>
+            </a:br>
+            <a:r>
+              <a:rPr lang="en-US" sz="1200" dirty="0" smtClean="0"/>
+              <a:t>(</a:t>
+            </a:r>
+            <a:r>
+              <a:rPr lang="en-US" sz="1200" dirty="0" err="1" smtClean="0"/>
+              <a:t>incl</a:t>
+            </a:r>
+            <a:r>
+              <a:rPr lang="en-US" sz="1200" dirty="0"/>
+              <a:t> </a:t>
+            </a:r>
+            <a:r>
+              <a:rPr lang="en-US" sz="1200" dirty="0" smtClean="0"/>
+              <a:t>new products)</a:t>
+            </a:r>
+            <a:br>
+              <a:rPr lang="en-US" sz="1200" dirty="0" smtClean="0"/>
+            </a:br>
+            <a:r>
+              <a:rPr lang="en-US" sz="1200" dirty="0" smtClean="0"/>
+              <a:t>* Order cancellation</a:t>
+            </a:r>
+            <a:br>
+              <a:rPr lang="en-US" sz="1200" dirty="0" smtClean="0"/>
+            </a:br>
             <a:endParaRPr lang="nl-NL" sz="1200" dirty="0"/>
           </a:p>
         </p:txBody>
       </p:sp>
-      <p:cxnSp>
-        <p:nvCxnSpPr>
-          <p:cNvPr id="23" name="Straight Arrow Connector 22"/>
-          <p:cNvCxnSpPr>
-            <a:stCxn id="12" idx="2"/>
-            <a:endCxn id="7" idx="0"/>
-          </p:cNvCxnSpPr>
-          <p:nvPr/>
-        </p:nvCxnSpPr>
-        <p:spPr>
-          <a:xfrm>
-            <a:off x="4269379" y="1737699"/>
-            <a:ext cx="1325879" cy="914060"/>
-          </a:xfrm>
-          <a:prstGeom prst="straightConnector1">
-            <a:avLst/>
-          </a:prstGeom>
-          <a:ln>
-            <a:tailEnd type="triangle"/>
-          </a:ln>
-        </p:spPr>
-        <p:style>
-          <a:lnRef idx="1">
-            <a:schemeClr val="accent1"/>
-          </a:lnRef>
-          <a:fillRef idx="0">
-            <a:schemeClr val="accent1"/>
-          </a:fillRef>
-          <a:effectRef idx="0">
-            <a:schemeClr val="accent1"/>
-          </a:effectRef>
-          <a:fontRef idx="minor">
-            <a:schemeClr val="tx1"/>
-          </a:fontRef>
-        </p:style>
-      </p:cxnSp>
-      <p:sp>
-        <p:nvSpPr>
-          <p:cNvPr id="26" name="Oval Callout 25"/>
-          <p:cNvSpPr/>
-          <p:nvPr/>
-        </p:nvSpPr>
-        <p:spPr>
-          <a:xfrm>
-            <a:off x="5228603" y="1547717"/>
-            <a:ext cx="2487191" cy="730232"/>
-          </a:xfrm>
-          <a:prstGeom prst="wedgeEllipseCallout">
-            <a:avLst>
-              <a:gd name="adj1" fmla="val -39063"/>
-              <a:gd name="adj2" fmla="val 93019"/>
-            </a:avLst>
-          </a:prstGeom>
+      <p:sp>
+        <p:nvSpPr>
+          <p:cNvPr id="69" name="TextBox 68"/>
+          <p:cNvSpPr txBox="1"/>
+          <p:nvPr/>
+        </p:nvSpPr>
+        <p:spPr>
+          <a:xfrm>
+            <a:off x="1410998" y="2411486"/>
+            <a:ext cx="817853" cy="369332"/>
+          </a:xfrm>
+          <a:prstGeom prst="rect">
+            <a:avLst/>
+          </a:prstGeom>
+          <a:noFill/>
+        </p:spPr>
+        <p:txBody>
+          <a:bodyPr wrap="none" rtlCol="0">
+            <a:spAutoFit/>
+          </a:bodyPr>
+          <a:lstStyle/>
+          <a:p>
+            <a:r>
+              <a:rPr lang="en-US" dirty="0" smtClean="0"/>
+              <a:t>Engine</a:t>
+            </a:r>
+            <a:endParaRPr lang="nl-NL" dirty="0"/>
+          </a:p>
+        </p:txBody>
+      </p:sp>
+      <p:sp>
+        <p:nvSpPr>
+          <p:cNvPr id="70" name="Lightning Bolt 69"/>
+          <p:cNvSpPr/>
+          <p:nvPr/>
+        </p:nvSpPr>
+        <p:spPr>
+          <a:xfrm>
+            <a:off x="1464783" y="2739551"/>
+            <a:ext cx="430306" cy="518517"/>
+          </a:xfrm>
+          <a:prstGeom prst="lightningBolt">
+            <a:avLst/>
+          </a:prstGeom>
+          <a:solidFill>
+            <a:schemeClr val="accent2"/>
+          </a:solidFill>
         </p:spPr>
         <p:style>
           <a:lnRef idx="2">
-            <a:schemeClr val="dk1"/>
+            <a:schemeClr val="accent1">
+              <a:shade val="50000"/>
+            </a:schemeClr>
           </a:lnRef>
           <a:fillRef idx="1">
+            <a:schemeClr val="accent1"/>
+          </a:fillRef>
+          <a:effectRef idx="0">
+            <a:schemeClr val="accent1"/>
+          </a:effectRef>
+          <a:fontRef idx="minor">
             <a:schemeClr val="lt1"/>
-          </a:fillRef>
-          <a:effectRef idx="0">
-            <a:schemeClr val="dk1"/>
-          </a:effectRef>
-          <a:fontRef idx="minor">
-            <a:schemeClr val="dk1"/>
           </a:fontRef>
         </p:style>
         <p:txBody>
@@ -7162,14 +8191,84 @@
       </p:sp>
       <p:sp>
         <p:nvSpPr>
-          <p:cNvPr id="27" name="TextBox 26"/>
+          <p:cNvPr id="71" name="Cube 70"/>
+          <p:cNvSpPr/>
+          <p:nvPr/>
+        </p:nvSpPr>
+        <p:spPr>
+          <a:xfrm>
+            <a:off x="7216409" y="1701860"/>
+            <a:ext cx="1783163" cy="1057976"/>
+          </a:xfrm>
+          <a:prstGeom prst="cube">
+            <a:avLst/>
+          </a:prstGeom>
+        </p:spPr>
+        <p:style>
+          <a:lnRef idx="2">
+            <a:schemeClr val="accent1">
+              <a:shade val="50000"/>
+            </a:schemeClr>
+          </a:lnRef>
+          <a:fillRef idx="1">
+            <a:schemeClr val="accent1"/>
+          </a:fillRef>
+          <a:effectRef idx="0">
+            <a:schemeClr val="accent1"/>
+          </a:effectRef>
+          <a:fontRef idx="minor">
+            <a:schemeClr val="lt1"/>
+          </a:fontRef>
+        </p:style>
+        <p:txBody>
+          <a:bodyPr rtlCol="0" anchor="ctr"/>
+          <a:lstStyle/>
+          <a:p>
+            <a:pPr algn="ctr"/>
+            <a:endParaRPr lang="nl-NL"/>
+          </a:p>
+        </p:txBody>
+      </p:sp>
+      <p:sp>
+        <p:nvSpPr>
+          <p:cNvPr id="73" name="TextBox 72"/>
           <p:cNvSpPr txBox="1"/>
           <p:nvPr/>
         </p:nvSpPr>
         <p:spPr>
           <a:xfrm>
-            <a:off x="5499017" y="1611792"/>
-            <a:ext cx="2313018" cy="646331"/>
+            <a:off x="7998870" y="1638456"/>
+            <a:ext cx="817853" cy="369332"/>
+          </a:xfrm>
+          <a:prstGeom prst="rect">
+            <a:avLst/>
+          </a:prstGeom>
+          <a:noFill/>
+        </p:spPr>
+        <p:txBody>
+          <a:bodyPr wrap="none" rtlCol="0">
+            <a:spAutoFit/>
+          </a:bodyPr>
+          <a:lstStyle/>
+          <a:p>
+            <a:r>
+              <a:rPr lang="en-US" dirty="0" smtClean="0"/>
+              <a:t>Engine</a:t>
+            </a:r>
+            <a:endParaRPr lang="nl-NL" dirty="0"/>
+          </a:p>
+        </p:txBody>
+      </p:sp>
+      <p:sp>
+        <p:nvSpPr>
+          <p:cNvPr id="74" name="TextBox 73"/>
+          <p:cNvSpPr txBox="1"/>
+          <p:nvPr/>
+        </p:nvSpPr>
+        <p:spPr>
+          <a:xfrm>
+            <a:off x="7181503" y="1969315"/>
+            <a:ext cx="1829558" cy="738664"/>
           </a:xfrm>
           <a:prstGeom prst="rect">
             <a:avLst/>
@@ -7183,47 +8282,70 @@
           <a:lstStyle/>
           <a:p>
             <a:r>
-              <a:rPr lang="en-US" sz="1200" dirty="0" smtClean="0"/>
-              <a:t>Initiate </a:t>
-            </a:r>
-            <a:r>
-              <a:rPr lang="en-US" sz="1200" dirty="0" err="1" smtClean="0"/>
-              <a:t>PlaceOrder</a:t>
-            </a:r>
-            <a:r>
-              <a:rPr lang="en-US" sz="1200" dirty="0" smtClean="0"/>
-              <a:t> Workflow – create routing slip instance and publish it on workflow topic</a:t>
-            </a:r>
-            <a:endParaRPr lang="nl-NL" sz="1200" dirty="0"/>
-          </a:p>
-        </p:txBody>
-      </p:sp>
-      <p:sp>
-        <p:nvSpPr>
-          <p:cNvPr id="30" name="Can 29"/>
-          <p:cNvSpPr/>
-          <p:nvPr/>
-        </p:nvSpPr>
-        <p:spPr>
-          <a:xfrm>
-            <a:off x="4994369" y="3387356"/>
-            <a:ext cx="391886" cy="405241"/>
-          </a:xfrm>
-          <a:prstGeom prst="can">
-            <a:avLst/>
-          </a:prstGeom>
-          <a:solidFill>
-            <a:schemeClr val="bg2">
-              <a:lumMod val="25000"/>
-            </a:schemeClr>
-          </a:solidFill>
+              <a:rPr lang="en-US" sz="1400" dirty="0" smtClean="0"/>
+              <a:t>Generate calls to Checkout Stock &amp;  Replenish Stock</a:t>
+            </a:r>
+            <a:endParaRPr lang="nl-NL" sz="1400" dirty="0"/>
+          </a:p>
+        </p:txBody>
+      </p:sp>
+      <p:cxnSp>
+        <p:nvCxnSpPr>
+          <p:cNvPr id="76" name="Elbow Connector 75"/>
+          <p:cNvCxnSpPr>
+            <a:stCxn id="32" idx="3"/>
+            <a:endCxn id="52" idx="1"/>
+          </p:cNvCxnSpPr>
+          <p:nvPr/>
+        </p:nvCxnSpPr>
+        <p:spPr>
+          <a:xfrm flipV="1">
+            <a:off x="5486994" y="1224095"/>
+            <a:ext cx="342183" cy="1173231"/>
+          </a:xfrm>
+          <a:prstGeom prst="bentConnector3">
+            <a:avLst>
+              <a:gd name="adj1" fmla="val 50000"/>
+            </a:avLst>
+          </a:prstGeom>
           <a:ln>
             <a:solidFill>
-              <a:schemeClr val="bg2">
-                <a:lumMod val="10000"/>
+              <a:schemeClr val="accent1">
+                <a:lumMod val="50000"/>
               </a:schemeClr>
             </a:solidFill>
+            <a:prstDash val="dash"/>
           </a:ln>
+        </p:spPr>
+        <p:style>
+          <a:lnRef idx="1">
+            <a:schemeClr val="accent1"/>
+          </a:lnRef>
+          <a:fillRef idx="0">
+            <a:schemeClr val="accent1"/>
+          </a:fillRef>
+          <a:effectRef idx="0">
+            <a:schemeClr val="accent1"/>
+          </a:effectRef>
+          <a:fontRef idx="minor">
+            <a:schemeClr val="tx1"/>
+          </a:fontRef>
+        </p:style>
+      </p:cxnSp>
+      <p:sp>
+        <p:nvSpPr>
+          <p:cNvPr id="80" name="Cube 79"/>
+          <p:cNvSpPr/>
+          <p:nvPr/>
+        </p:nvSpPr>
+        <p:spPr>
+          <a:xfrm>
+            <a:off x="9306896" y="678727"/>
+            <a:ext cx="1962037" cy="855793"/>
+          </a:xfrm>
+          <a:prstGeom prst="cube">
+            <a:avLst/>
+          </a:prstGeom>
         </p:spPr>
         <p:style>
           <a:lnRef idx="2">
@@ -7252,30 +8374,81 @@
       </p:sp>
       <p:sp>
         <p:nvSpPr>
-          <p:cNvPr id="31" name="Can 30"/>
-          <p:cNvSpPr/>
-          <p:nvPr/>
-        </p:nvSpPr>
-        <p:spPr>
-          <a:xfrm>
-            <a:off x="5725888" y="3285033"/>
-            <a:ext cx="566057" cy="609888"/>
-          </a:xfrm>
-          <a:prstGeom prst="can">
+          <p:cNvPr id="81" name="TextBox 80"/>
+          <p:cNvSpPr txBox="1"/>
+          <p:nvPr/>
+        </p:nvSpPr>
+        <p:spPr>
+          <a:xfrm>
+            <a:off x="9295407" y="1009586"/>
+            <a:ext cx="1679928" cy="461665"/>
+          </a:xfrm>
+          <a:prstGeom prst="rect">
+            <a:avLst/>
+          </a:prstGeom>
+          <a:noFill/>
+        </p:spPr>
+        <p:txBody>
+          <a:bodyPr wrap="square" rtlCol="0">
+            <a:spAutoFit/>
+          </a:bodyPr>
+          <a:lstStyle/>
+          <a:p>
+            <a:r>
+              <a:rPr lang="en-US" sz="1200" dirty="0" smtClean="0"/>
+              <a:t>Product Out Of or In Stock events</a:t>
+            </a:r>
+            <a:endParaRPr lang="nl-NL" sz="1200" dirty="0"/>
+          </a:p>
+        </p:txBody>
+      </p:sp>
+      <p:sp>
+        <p:nvSpPr>
+          <p:cNvPr id="82" name="TextBox 81"/>
+          <p:cNvSpPr txBox="1"/>
+          <p:nvPr/>
+        </p:nvSpPr>
+        <p:spPr>
+          <a:xfrm>
+            <a:off x="10537592" y="615323"/>
+            <a:ext cx="555921" cy="369332"/>
+          </a:xfrm>
+          <a:prstGeom prst="rect">
+            <a:avLst/>
+          </a:prstGeom>
+          <a:noFill/>
+        </p:spPr>
+        <p:txBody>
+          <a:bodyPr wrap="none" rtlCol="0">
+            <a:spAutoFit/>
+          </a:bodyPr>
+          <a:lstStyle/>
+          <a:p>
+            <a:r>
+              <a:rPr lang="en-US" dirty="0" smtClean="0"/>
+              <a:t>Test</a:t>
+            </a:r>
+            <a:endParaRPr lang="nl-NL" dirty="0"/>
+          </a:p>
+        </p:txBody>
+      </p:sp>
+      <p:sp>
+        <p:nvSpPr>
+          <p:cNvPr id="83" name="Lightning Bolt 82"/>
+          <p:cNvSpPr/>
+          <p:nvPr/>
+        </p:nvSpPr>
+        <p:spPr>
+          <a:xfrm>
+            <a:off x="10233454" y="491069"/>
+            <a:ext cx="430306" cy="518517"/>
+          </a:xfrm>
+          <a:prstGeom prst="lightningBolt">
             <a:avLst/>
           </a:prstGeom>
           <a:solidFill>
-            <a:schemeClr val="bg2">
-              <a:lumMod val="25000"/>
-            </a:schemeClr>
+            <a:schemeClr val="accent2"/>
           </a:solidFill>
-          <a:ln>
-            <a:solidFill>
-              <a:schemeClr val="bg2">
-                <a:lumMod val="10000"/>
-              </a:schemeClr>
-            </a:solidFill>
-          </a:ln>
         </p:spPr>
         <p:style>
           <a:lnRef idx="2">
@@ -7302,211 +8475,32 @@
           </a:p>
         </p:txBody>
       </p:sp>
-      <p:sp>
-        <p:nvSpPr>
-          <p:cNvPr id="32" name="Rounded Rectangle 31"/>
-          <p:cNvSpPr/>
-          <p:nvPr/>
-        </p:nvSpPr>
-        <p:spPr>
-          <a:xfrm>
-            <a:off x="561709" y="5486400"/>
-            <a:ext cx="1802674" cy="1036320"/>
-          </a:xfrm>
-          <a:prstGeom prst="roundRect">
-            <a:avLst/>
-          </a:prstGeom>
-        </p:spPr>
-        <p:style>
-          <a:lnRef idx="1">
-            <a:schemeClr val="accent2"/>
-          </a:lnRef>
-          <a:fillRef idx="2">
-            <a:schemeClr val="accent2"/>
-          </a:fillRef>
-          <a:effectRef idx="1">
-            <a:schemeClr val="accent2"/>
-          </a:effectRef>
-          <a:fontRef idx="minor">
-            <a:schemeClr val="dk1"/>
-          </a:fontRef>
-        </p:style>
-        <p:txBody>
-          <a:bodyPr rtlCol="0" anchor="ctr"/>
-          <a:lstStyle/>
-          <a:p>
-            <a:pPr algn="ctr"/>
-            <a:r>
-              <a:rPr lang="en-US" dirty="0" smtClean="0"/>
-              <a:t>Customers</a:t>
-            </a:r>
-            <a:endParaRPr lang="nl-NL" dirty="0"/>
-          </a:p>
-        </p:txBody>
-      </p:sp>
-      <p:sp>
-        <p:nvSpPr>
-          <p:cNvPr id="33" name="Rectangular Callout 32"/>
-          <p:cNvSpPr/>
-          <p:nvPr/>
-        </p:nvSpPr>
-        <p:spPr>
-          <a:xfrm>
-            <a:off x="8675018" y="2337114"/>
-            <a:ext cx="2129246" cy="683977"/>
-          </a:xfrm>
-          <a:prstGeom prst="wedgeRectCallout">
-            <a:avLst>
-              <a:gd name="adj1" fmla="val -168386"/>
-              <a:gd name="adj2" fmla="val 120607"/>
-            </a:avLst>
-          </a:prstGeom>
-          <a:solidFill>
-            <a:schemeClr val="bg2">
-              <a:lumMod val="50000"/>
-            </a:schemeClr>
-          </a:solidFill>
-        </p:spPr>
-        <p:style>
-          <a:lnRef idx="2">
-            <a:schemeClr val="accent1">
-              <a:shade val="50000"/>
-            </a:schemeClr>
-          </a:lnRef>
-          <a:fillRef idx="1">
-            <a:schemeClr val="accent1"/>
-          </a:fillRef>
-          <a:effectRef idx="0">
-            <a:schemeClr val="accent1"/>
-          </a:effectRef>
-          <a:fontRef idx="minor">
-            <a:schemeClr val="lt1"/>
-          </a:fontRef>
-        </p:style>
-        <p:txBody>
-          <a:bodyPr rtlCol="0" anchor="ctr"/>
-          <a:lstStyle/>
-          <a:p>
-            <a:pPr algn="ctr"/>
-            <a:endParaRPr lang="nl-NL">
-              <a:solidFill>
-                <a:schemeClr val="bg1"/>
-              </a:solidFill>
-            </a:endParaRPr>
-          </a:p>
-        </p:txBody>
-      </p:sp>
-      <p:sp>
-        <p:nvSpPr>
-          <p:cNvPr id="34" name="TextBox 33"/>
-          <p:cNvSpPr txBox="1"/>
-          <p:nvPr/>
-        </p:nvSpPr>
-        <p:spPr>
-          <a:xfrm>
-            <a:off x="8675018" y="2282427"/>
-            <a:ext cx="2490648" cy="738664"/>
-          </a:xfrm>
-          <a:prstGeom prst="rect">
-            <a:avLst/>
-          </a:prstGeom>
-          <a:noFill/>
-        </p:spPr>
-        <p:txBody>
-          <a:bodyPr wrap="square" rtlCol="0">
-            <a:spAutoFit/>
-          </a:bodyPr>
-          <a:lstStyle/>
-          <a:p>
-            <a:r>
-              <a:rPr lang="en-US" sz="1400" dirty="0" smtClean="0">
-                <a:solidFill>
-                  <a:schemeClr val="bg1"/>
-                </a:solidFill>
-              </a:rPr>
-              <a:t>Instance data: routing slip instances with state for workflow instance</a:t>
-            </a:r>
-            <a:endParaRPr lang="nl-NL" sz="1400" dirty="0">
-              <a:solidFill>
-                <a:schemeClr val="bg1"/>
-              </a:solidFill>
-            </a:endParaRPr>
-          </a:p>
-        </p:txBody>
-      </p:sp>
-      <p:sp>
-        <p:nvSpPr>
-          <p:cNvPr id="35" name="Rectangle 34"/>
-          <p:cNvSpPr/>
-          <p:nvPr/>
-        </p:nvSpPr>
-        <p:spPr>
-          <a:xfrm>
-            <a:off x="7621726" y="3342043"/>
-            <a:ext cx="1706434" cy="1040864"/>
-          </a:xfrm>
-          <a:prstGeom prst="rect">
-            <a:avLst/>
-          </a:prstGeom>
-        </p:spPr>
-        <p:style>
-          <a:lnRef idx="1">
-            <a:schemeClr val="dk1"/>
-          </a:lnRef>
-          <a:fillRef idx="2">
-            <a:schemeClr val="dk1"/>
-          </a:fillRef>
-          <a:effectRef idx="1">
-            <a:schemeClr val="dk1"/>
-          </a:effectRef>
-          <a:fontRef idx="minor">
-            <a:schemeClr val="dk1"/>
-          </a:fontRef>
-        </p:style>
-        <p:txBody>
-          <a:bodyPr rtlCol="0" anchor="ctr"/>
-          <a:lstStyle/>
-          <a:p>
-            <a:pPr algn="ctr"/>
-            <a:r>
-              <a:rPr lang="en-US" dirty="0" smtClean="0">
-                <a:solidFill>
-                  <a:schemeClr val="dk1"/>
-                </a:solidFill>
-              </a:rPr>
-              <a:t>Choreographer User Interface</a:t>
-            </a:r>
-            <a:endParaRPr lang="nl-NL" dirty="0">
-              <a:solidFill>
-                <a:schemeClr val="dk1"/>
-              </a:solidFill>
-            </a:endParaRPr>
-          </a:p>
-        </p:txBody>
-      </p:sp>
       <p:cxnSp>
         <p:nvCxnSpPr>
-          <p:cNvPr id="37" name="Elbow Connector 36"/>
+          <p:cNvPr id="85" name="Elbow Connector 84"/>
           <p:cNvCxnSpPr>
-            <a:stCxn id="35" idx="1"/>
+            <a:stCxn id="74" idx="3"/>
+            <a:endCxn id="81" idx="1"/>
           </p:cNvCxnSpPr>
           <p:nvPr/>
         </p:nvCxnSpPr>
         <p:spPr>
-          <a:xfrm rot="10800000">
-            <a:off x="6496596" y="3342043"/>
-            <a:ext cx="1125131" cy="520432"/>
+          <a:xfrm flipV="1">
+            <a:off x="9011061" y="1240419"/>
+            <a:ext cx="284346" cy="1098228"/>
           </a:xfrm>
           <a:prstGeom prst="bentConnector3">
-            <a:avLst/>
+            <a:avLst>
+              <a:gd name="adj1" fmla="val 50000"/>
+            </a:avLst>
           </a:prstGeom>
           <a:ln>
             <a:solidFill>
-              <a:schemeClr val="bg2">
-                <a:lumMod val="10000"/>
+              <a:schemeClr val="accent1">
+                <a:lumMod val="50000"/>
               </a:schemeClr>
             </a:solidFill>
-            <a:tailEnd type="triangle"/>
+            <a:prstDash val="dash"/>
           </a:ln>
         </p:spPr>
         <p:style>
@@ -7524,1580 +8518,10 @@
           </a:fontRef>
         </p:style>
       </p:cxnSp>
-      <p:sp>
-        <p:nvSpPr>
-          <p:cNvPr id="38" name="Rectangular Callout 37"/>
-          <p:cNvSpPr/>
-          <p:nvPr/>
-        </p:nvSpPr>
-        <p:spPr>
-          <a:xfrm>
-            <a:off x="9838058" y="3520487"/>
-            <a:ext cx="2216332" cy="899420"/>
-          </a:xfrm>
-          <a:prstGeom prst="wedgeRectCallout">
-            <a:avLst>
-              <a:gd name="adj1" fmla="val -77179"/>
-              <a:gd name="adj2" fmla="val 14929"/>
-            </a:avLst>
-          </a:prstGeom>
-          <a:solidFill>
-            <a:schemeClr val="bg2">
-              <a:lumMod val="50000"/>
-            </a:schemeClr>
-          </a:solidFill>
-        </p:spPr>
-        <p:style>
-          <a:lnRef idx="2">
-            <a:schemeClr val="accent1">
-              <a:shade val="50000"/>
-            </a:schemeClr>
-          </a:lnRef>
-          <a:fillRef idx="1">
-            <a:schemeClr val="accent1"/>
-          </a:fillRef>
-          <a:effectRef idx="0">
-            <a:schemeClr val="accent1"/>
-          </a:effectRef>
-          <a:fontRef idx="minor">
-            <a:schemeClr val="lt1"/>
-          </a:fontRef>
-        </p:style>
-        <p:txBody>
-          <a:bodyPr rtlCol="0" anchor="ctr"/>
-          <a:lstStyle/>
-          <a:p>
-            <a:pPr algn="ctr"/>
-            <a:endParaRPr lang="nl-NL">
-              <a:solidFill>
-                <a:schemeClr val="bg1"/>
-              </a:solidFill>
-            </a:endParaRPr>
-          </a:p>
-        </p:txBody>
-      </p:sp>
-      <p:sp>
-        <p:nvSpPr>
-          <p:cNvPr id="39" name="TextBox 38"/>
-          <p:cNvSpPr txBox="1"/>
-          <p:nvPr/>
-        </p:nvSpPr>
-        <p:spPr>
-          <a:xfrm>
-            <a:off x="9838058" y="3465799"/>
-            <a:ext cx="2490648" cy="954107"/>
-          </a:xfrm>
-          <a:prstGeom prst="rect">
-            <a:avLst/>
-          </a:prstGeom>
-          <a:noFill/>
-        </p:spPr>
-        <p:txBody>
-          <a:bodyPr wrap="square" rtlCol="0">
-            <a:spAutoFit/>
-          </a:bodyPr>
-          <a:lstStyle/>
-          <a:p>
-            <a:r>
-              <a:rPr lang="en-US" sz="1400" dirty="0" smtClean="0">
-                <a:solidFill>
-                  <a:schemeClr val="bg1"/>
-                </a:solidFill>
-              </a:rPr>
-              <a:t>Monitoring &amp; managing workflow instances</a:t>
-            </a:r>
-          </a:p>
-          <a:p>
-            <a:r>
-              <a:rPr lang="en-US" sz="1400" dirty="0" smtClean="0">
-                <a:solidFill>
-                  <a:schemeClr val="bg1"/>
-                </a:solidFill>
-              </a:rPr>
-              <a:t>Managing routing slip definitions</a:t>
-            </a:r>
-            <a:endParaRPr lang="nl-NL" sz="1400" dirty="0">
-              <a:solidFill>
-                <a:schemeClr val="bg1"/>
-              </a:solidFill>
-            </a:endParaRPr>
-          </a:p>
-        </p:txBody>
-      </p:sp>
-      <p:cxnSp>
-        <p:nvCxnSpPr>
-          <p:cNvPr id="41" name="Straight Arrow Connector 40"/>
-          <p:cNvCxnSpPr>
-            <a:stCxn id="8" idx="3"/>
-            <a:endCxn id="32" idx="0"/>
-          </p:cNvCxnSpPr>
-          <p:nvPr/>
-        </p:nvCxnSpPr>
-        <p:spPr>
-          <a:xfrm flipH="1">
-            <a:off x="1463046" y="4946469"/>
-            <a:ext cx="2420978" cy="539931"/>
-          </a:xfrm>
-          <a:prstGeom prst="straightConnector1">
-            <a:avLst/>
-          </a:prstGeom>
-          <a:ln>
-            <a:tailEnd type="triangle"/>
-          </a:ln>
-        </p:spPr>
-        <p:style>
-          <a:lnRef idx="1">
-            <a:schemeClr val="accent1"/>
-          </a:lnRef>
-          <a:fillRef idx="0">
-            <a:schemeClr val="accent1"/>
-          </a:fillRef>
-          <a:effectRef idx="0">
-            <a:schemeClr val="accent1"/>
-          </a:effectRef>
-          <a:fontRef idx="minor">
-            <a:schemeClr val="tx1"/>
-          </a:fontRef>
-        </p:style>
-      </p:cxnSp>
-      <p:cxnSp>
-        <p:nvCxnSpPr>
-          <p:cNvPr id="43" name="Straight Arrow Connector 42"/>
-          <p:cNvCxnSpPr>
-            <a:stCxn id="8" idx="3"/>
-            <a:endCxn id="3" idx="0"/>
-          </p:cNvCxnSpPr>
-          <p:nvPr/>
-        </p:nvCxnSpPr>
-        <p:spPr>
-          <a:xfrm flipH="1">
-            <a:off x="3535686" y="4946469"/>
-            <a:ext cx="348338" cy="539931"/>
-          </a:xfrm>
-          <a:prstGeom prst="straightConnector1">
-            <a:avLst/>
-          </a:prstGeom>
-          <a:ln>
-            <a:tailEnd type="triangle"/>
-          </a:ln>
-        </p:spPr>
-        <p:style>
-          <a:lnRef idx="1">
-            <a:schemeClr val="accent1"/>
-          </a:lnRef>
-          <a:fillRef idx="0">
-            <a:schemeClr val="accent1"/>
-          </a:fillRef>
-          <a:effectRef idx="0">
-            <a:schemeClr val="accent1"/>
-          </a:effectRef>
-          <a:fontRef idx="minor">
-            <a:schemeClr val="tx1"/>
-          </a:fontRef>
-        </p:style>
-      </p:cxnSp>
-      <p:cxnSp>
-        <p:nvCxnSpPr>
-          <p:cNvPr id="45" name="Straight Arrow Connector 44"/>
-          <p:cNvCxnSpPr>
-            <a:stCxn id="8" idx="3"/>
-            <a:endCxn id="4" idx="0"/>
-          </p:cNvCxnSpPr>
-          <p:nvPr/>
-        </p:nvCxnSpPr>
-        <p:spPr>
-          <a:xfrm>
-            <a:off x="3884024" y="4946469"/>
-            <a:ext cx="1994268" cy="539931"/>
-          </a:xfrm>
-          <a:prstGeom prst="straightConnector1">
-            <a:avLst/>
-          </a:prstGeom>
-          <a:ln>
-            <a:tailEnd type="triangle"/>
-          </a:ln>
-        </p:spPr>
-        <p:style>
-          <a:lnRef idx="1">
-            <a:schemeClr val="accent1"/>
-          </a:lnRef>
-          <a:fillRef idx="0">
-            <a:schemeClr val="accent1"/>
-          </a:fillRef>
-          <a:effectRef idx="0">
-            <a:schemeClr val="accent1"/>
-          </a:effectRef>
-          <a:fontRef idx="minor">
-            <a:schemeClr val="tx1"/>
-          </a:fontRef>
-        </p:style>
-      </p:cxnSp>
-      <p:cxnSp>
-        <p:nvCxnSpPr>
-          <p:cNvPr id="47" name="Straight Arrow Connector 46"/>
-          <p:cNvCxnSpPr>
-            <a:stCxn id="8" idx="3"/>
-            <a:endCxn id="6" idx="0"/>
-          </p:cNvCxnSpPr>
-          <p:nvPr/>
-        </p:nvCxnSpPr>
-        <p:spPr>
-          <a:xfrm>
-            <a:off x="3884024" y="4946469"/>
-            <a:ext cx="4445731" cy="539931"/>
-          </a:xfrm>
-          <a:prstGeom prst="straightConnector1">
-            <a:avLst/>
-          </a:prstGeom>
-          <a:ln>
-            <a:tailEnd type="triangle"/>
-          </a:ln>
-        </p:spPr>
-        <p:style>
-          <a:lnRef idx="1">
-            <a:schemeClr val="accent1"/>
-          </a:lnRef>
-          <a:fillRef idx="0">
-            <a:schemeClr val="accent1"/>
-          </a:fillRef>
-          <a:effectRef idx="0">
-            <a:schemeClr val="accent1"/>
-          </a:effectRef>
-          <a:fontRef idx="minor">
-            <a:schemeClr val="tx1"/>
-          </a:fontRef>
-        </p:style>
-      </p:cxnSp>
-      <p:cxnSp>
-        <p:nvCxnSpPr>
-          <p:cNvPr id="49" name="Straight Arrow Connector 48"/>
-          <p:cNvCxnSpPr>
-            <a:stCxn id="8" idx="3"/>
-            <a:endCxn id="5" idx="0"/>
-          </p:cNvCxnSpPr>
-          <p:nvPr/>
-        </p:nvCxnSpPr>
-        <p:spPr>
-          <a:xfrm>
-            <a:off x="3884024" y="4946469"/>
-            <a:ext cx="6657707" cy="539931"/>
-          </a:xfrm>
-          <a:prstGeom prst="straightConnector1">
-            <a:avLst/>
-          </a:prstGeom>
-          <a:ln>
-            <a:tailEnd type="triangle"/>
-          </a:ln>
-        </p:spPr>
-        <p:style>
-          <a:lnRef idx="1">
-            <a:schemeClr val="accent1"/>
-          </a:lnRef>
-          <a:fillRef idx="0">
-            <a:schemeClr val="accent1"/>
-          </a:fillRef>
-          <a:effectRef idx="0">
-            <a:schemeClr val="accent1"/>
-          </a:effectRef>
-          <a:fontRef idx="minor">
-            <a:schemeClr val="tx1"/>
-          </a:fontRef>
-        </p:style>
-      </p:cxnSp>
-      <p:sp>
-        <p:nvSpPr>
-          <p:cNvPr id="50" name="Lightning Bolt 49"/>
-          <p:cNvSpPr/>
-          <p:nvPr/>
-        </p:nvSpPr>
-        <p:spPr>
-          <a:xfrm>
-            <a:off x="2033455" y="5156941"/>
-            <a:ext cx="191592" cy="266062"/>
-          </a:xfrm>
-          <a:prstGeom prst="lightningBolt">
-            <a:avLst/>
-          </a:prstGeom>
-          <a:solidFill>
-            <a:schemeClr val="accent2">
-              <a:lumMod val="75000"/>
-            </a:schemeClr>
-          </a:solidFill>
-        </p:spPr>
-        <p:style>
-          <a:lnRef idx="2">
-            <a:schemeClr val="accent1">
-              <a:shade val="50000"/>
-            </a:schemeClr>
-          </a:lnRef>
-          <a:fillRef idx="1">
-            <a:schemeClr val="accent1"/>
-          </a:fillRef>
-          <a:effectRef idx="0">
-            <a:schemeClr val="accent1"/>
-          </a:effectRef>
-          <a:fontRef idx="minor">
-            <a:schemeClr val="lt1"/>
-          </a:fontRef>
-        </p:style>
-        <p:txBody>
-          <a:bodyPr rtlCol="0" anchor="ctr"/>
-          <a:lstStyle/>
-          <a:p>
-            <a:pPr algn="ctr"/>
-            <a:endParaRPr lang="nl-NL"/>
-          </a:p>
-        </p:txBody>
-      </p:sp>
-      <p:sp>
-        <p:nvSpPr>
-          <p:cNvPr id="51" name="Lightning Bolt 50"/>
-          <p:cNvSpPr/>
-          <p:nvPr/>
-        </p:nvSpPr>
-        <p:spPr>
-          <a:xfrm>
-            <a:off x="3505212" y="5156941"/>
-            <a:ext cx="191592" cy="266062"/>
-          </a:xfrm>
-          <a:prstGeom prst="lightningBolt">
-            <a:avLst/>
-          </a:prstGeom>
-          <a:solidFill>
-            <a:schemeClr val="accent2">
-              <a:lumMod val="75000"/>
-            </a:schemeClr>
-          </a:solidFill>
-        </p:spPr>
-        <p:style>
-          <a:lnRef idx="2">
-            <a:schemeClr val="accent1">
-              <a:shade val="50000"/>
-            </a:schemeClr>
-          </a:lnRef>
-          <a:fillRef idx="1">
-            <a:schemeClr val="accent1"/>
-          </a:fillRef>
-          <a:effectRef idx="0">
-            <a:schemeClr val="accent1"/>
-          </a:effectRef>
-          <a:fontRef idx="minor">
-            <a:schemeClr val="lt1"/>
-          </a:fontRef>
-        </p:style>
-        <p:txBody>
-          <a:bodyPr rtlCol="0" anchor="ctr"/>
-          <a:lstStyle/>
-          <a:p>
-            <a:pPr algn="ctr"/>
-            <a:endParaRPr lang="nl-NL"/>
-          </a:p>
-        </p:txBody>
-      </p:sp>
-      <p:sp>
-        <p:nvSpPr>
-          <p:cNvPr id="52" name="Lightning Bolt 51"/>
-          <p:cNvSpPr/>
-          <p:nvPr/>
-        </p:nvSpPr>
-        <p:spPr>
-          <a:xfrm>
-            <a:off x="4976969" y="5156941"/>
-            <a:ext cx="191592" cy="266062"/>
-          </a:xfrm>
-          <a:prstGeom prst="lightningBolt">
-            <a:avLst/>
-          </a:prstGeom>
-          <a:solidFill>
-            <a:schemeClr val="accent2">
-              <a:lumMod val="75000"/>
-            </a:schemeClr>
-          </a:solidFill>
-        </p:spPr>
-        <p:style>
-          <a:lnRef idx="2">
-            <a:schemeClr val="accent1">
-              <a:shade val="50000"/>
-            </a:schemeClr>
-          </a:lnRef>
-          <a:fillRef idx="1">
-            <a:schemeClr val="accent1"/>
-          </a:fillRef>
-          <a:effectRef idx="0">
-            <a:schemeClr val="accent1"/>
-          </a:effectRef>
-          <a:fontRef idx="minor">
-            <a:schemeClr val="lt1"/>
-          </a:fontRef>
-        </p:style>
-        <p:txBody>
-          <a:bodyPr rtlCol="0" anchor="ctr"/>
-          <a:lstStyle/>
-          <a:p>
-            <a:pPr algn="ctr"/>
-            <a:endParaRPr lang="nl-NL"/>
-          </a:p>
-        </p:txBody>
-      </p:sp>
-      <p:sp>
-        <p:nvSpPr>
-          <p:cNvPr id="53" name="Lightning Bolt 52"/>
-          <p:cNvSpPr/>
-          <p:nvPr/>
-        </p:nvSpPr>
-        <p:spPr>
-          <a:xfrm>
-            <a:off x="7093135" y="5218671"/>
-            <a:ext cx="191592" cy="266062"/>
-          </a:xfrm>
-          <a:prstGeom prst="lightningBolt">
-            <a:avLst/>
-          </a:prstGeom>
-          <a:solidFill>
-            <a:schemeClr val="accent2">
-              <a:lumMod val="75000"/>
-            </a:schemeClr>
-          </a:solidFill>
-        </p:spPr>
-        <p:style>
-          <a:lnRef idx="2">
-            <a:schemeClr val="accent1">
-              <a:shade val="50000"/>
-            </a:schemeClr>
-          </a:lnRef>
-          <a:fillRef idx="1">
-            <a:schemeClr val="accent1"/>
-          </a:fillRef>
-          <a:effectRef idx="0">
-            <a:schemeClr val="accent1"/>
-          </a:effectRef>
-          <a:fontRef idx="minor">
-            <a:schemeClr val="lt1"/>
-          </a:fontRef>
-        </p:style>
-        <p:txBody>
-          <a:bodyPr rtlCol="0" anchor="ctr"/>
-          <a:lstStyle/>
-          <a:p>
-            <a:pPr algn="ctr"/>
-            <a:endParaRPr lang="nl-NL"/>
-          </a:p>
-        </p:txBody>
-      </p:sp>
-      <p:sp>
-        <p:nvSpPr>
-          <p:cNvPr id="54" name="Lightning Bolt 53"/>
-          <p:cNvSpPr/>
-          <p:nvPr/>
-        </p:nvSpPr>
-        <p:spPr>
-          <a:xfrm>
-            <a:off x="9270262" y="5216434"/>
-            <a:ext cx="191592" cy="266062"/>
-          </a:xfrm>
-          <a:prstGeom prst="lightningBolt">
-            <a:avLst/>
-          </a:prstGeom>
-          <a:solidFill>
-            <a:schemeClr val="accent2">
-              <a:lumMod val="75000"/>
-            </a:schemeClr>
-          </a:solidFill>
-        </p:spPr>
-        <p:style>
-          <a:lnRef idx="2">
-            <a:schemeClr val="accent1">
-              <a:shade val="50000"/>
-            </a:schemeClr>
-          </a:lnRef>
-          <a:fillRef idx="1">
-            <a:schemeClr val="accent1"/>
-          </a:fillRef>
-          <a:effectRef idx="0">
-            <a:schemeClr val="accent1"/>
-          </a:effectRef>
-          <a:fontRef idx="minor">
-            <a:schemeClr val="lt1"/>
-          </a:fontRef>
-        </p:style>
-        <p:txBody>
-          <a:bodyPr rtlCol="0" anchor="ctr"/>
-          <a:lstStyle/>
-          <a:p>
-            <a:pPr algn="ctr"/>
-            <a:endParaRPr lang="nl-NL"/>
-          </a:p>
-        </p:txBody>
-      </p:sp>
-      <p:cxnSp>
-        <p:nvCxnSpPr>
-          <p:cNvPr id="56" name="Straight Arrow Connector 55"/>
-          <p:cNvCxnSpPr/>
-          <p:nvPr/>
-        </p:nvCxnSpPr>
-        <p:spPr>
-          <a:xfrm flipV="1">
-            <a:off x="3949349" y="4032328"/>
-            <a:ext cx="949221" cy="1450168"/>
-          </a:xfrm>
-          <a:prstGeom prst="straightConnector1">
-            <a:avLst/>
-          </a:prstGeom>
-          <a:ln>
-            <a:tailEnd type="triangle"/>
-          </a:ln>
-        </p:spPr>
-        <p:style>
-          <a:lnRef idx="1">
-            <a:schemeClr val="accent1"/>
-          </a:lnRef>
-          <a:fillRef idx="0">
-            <a:schemeClr val="accent1"/>
-          </a:fillRef>
-          <a:effectRef idx="0">
-            <a:schemeClr val="accent1"/>
-          </a:effectRef>
-          <a:fontRef idx="minor">
-            <a:schemeClr val="tx1"/>
-          </a:fontRef>
-        </p:style>
-      </p:cxnSp>
-      <p:sp>
-        <p:nvSpPr>
-          <p:cNvPr id="57" name="Oval 56"/>
-          <p:cNvSpPr/>
-          <p:nvPr/>
-        </p:nvSpPr>
-        <p:spPr>
-          <a:xfrm>
-            <a:off x="4458343" y="1818196"/>
-            <a:ext cx="278674" cy="276803"/>
-          </a:xfrm>
-          <a:prstGeom prst="ellipse">
-            <a:avLst/>
-          </a:prstGeom>
-          <a:solidFill>
-            <a:schemeClr val="accent4">
-              <a:lumMod val="40000"/>
-              <a:lumOff val="60000"/>
-            </a:schemeClr>
-          </a:solidFill>
-        </p:spPr>
-        <p:style>
-          <a:lnRef idx="2">
-            <a:schemeClr val="accent1">
-              <a:shade val="50000"/>
-            </a:schemeClr>
-          </a:lnRef>
-          <a:fillRef idx="1">
-            <a:schemeClr val="accent1"/>
-          </a:fillRef>
-          <a:effectRef idx="0">
-            <a:schemeClr val="accent1"/>
-          </a:effectRef>
-          <a:fontRef idx="minor">
-            <a:schemeClr val="lt1"/>
-          </a:fontRef>
-        </p:style>
-        <p:txBody>
-          <a:bodyPr rtlCol="0" anchor="ctr"/>
-          <a:lstStyle/>
-          <a:p>
-            <a:pPr algn="ctr"/>
-            <a:r>
-              <a:rPr lang="en-US" sz="1600" dirty="0" smtClean="0">
-                <a:solidFill>
-                  <a:schemeClr val="accent2">
-                    <a:lumMod val="50000"/>
-                  </a:schemeClr>
-                </a:solidFill>
-              </a:rPr>
-              <a:t>1</a:t>
-            </a:r>
-            <a:endParaRPr lang="nl-NL" dirty="0">
-              <a:solidFill>
-                <a:schemeClr val="accent2">
-                  <a:lumMod val="50000"/>
-                </a:schemeClr>
-              </a:solidFill>
-            </a:endParaRPr>
-          </a:p>
-        </p:txBody>
-      </p:sp>
-      <p:sp>
-        <p:nvSpPr>
-          <p:cNvPr id="58" name="Oval 57"/>
-          <p:cNvSpPr/>
-          <p:nvPr/>
-        </p:nvSpPr>
-        <p:spPr>
-          <a:xfrm>
-            <a:off x="4044686" y="3190449"/>
-            <a:ext cx="278674" cy="276803"/>
-          </a:xfrm>
-          <a:prstGeom prst="ellipse">
-            <a:avLst/>
-          </a:prstGeom>
-          <a:solidFill>
-            <a:schemeClr val="accent4">
-              <a:lumMod val="40000"/>
-              <a:lumOff val="60000"/>
-            </a:schemeClr>
-          </a:solidFill>
-        </p:spPr>
-        <p:style>
-          <a:lnRef idx="2">
-            <a:schemeClr val="accent1">
-              <a:shade val="50000"/>
-            </a:schemeClr>
-          </a:lnRef>
-          <a:fillRef idx="1">
-            <a:schemeClr val="accent1"/>
-          </a:fillRef>
-          <a:effectRef idx="0">
-            <a:schemeClr val="accent1"/>
-          </a:effectRef>
-          <a:fontRef idx="minor">
-            <a:schemeClr val="lt1"/>
-          </a:fontRef>
-        </p:style>
-        <p:txBody>
-          <a:bodyPr rtlCol="0" anchor="ctr"/>
-          <a:lstStyle/>
-          <a:p>
-            <a:pPr algn="ctr"/>
-            <a:r>
-              <a:rPr lang="en-US" sz="1600" dirty="0">
-                <a:solidFill>
-                  <a:schemeClr val="accent2">
-                    <a:lumMod val="50000"/>
-                  </a:schemeClr>
-                </a:solidFill>
-              </a:rPr>
-              <a:t>2</a:t>
-            </a:r>
-            <a:endParaRPr lang="nl-NL" dirty="0">
-              <a:solidFill>
-                <a:schemeClr val="accent2">
-                  <a:lumMod val="50000"/>
-                </a:schemeClr>
-              </a:solidFill>
-            </a:endParaRPr>
-          </a:p>
-        </p:txBody>
-      </p:sp>
-      <p:sp>
-        <p:nvSpPr>
-          <p:cNvPr id="59" name="Oval 58"/>
-          <p:cNvSpPr/>
-          <p:nvPr/>
-        </p:nvSpPr>
-        <p:spPr>
-          <a:xfrm>
-            <a:off x="3178643" y="5346047"/>
-            <a:ext cx="278674" cy="276803"/>
-          </a:xfrm>
-          <a:prstGeom prst="ellipse">
-            <a:avLst/>
-          </a:prstGeom>
-          <a:solidFill>
-            <a:schemeClr val="accent4">
-              <a:lumMod val="40000"/>
-              <a:lumOff val="60000"/>
-            </a:schemeClr>
-          </a:solidFill>
-        </p:spPr>
-        <p:style>
-          <a:lnRef idx="2">
-            <a:schemeClr val="accent1">
-              <a:shade val="50000"/>
-            </a:schemeClr>
-          </a:lnRef>
-          <a:fillRef idx="1">
-            <a:schemeClr val="accent1"/>
-          </a:fillRef>
-          <a:effectRef idx="0">
-            <a:schemeClr val="accent1"/>
-          </a:effectRef>
-          <a:fontRef idx="minor">
-            <a:schemeClr val="lt1"/>
-          </a:fontRef>
-        </p:style>
-        <p:txBody>
-          <a:bodyPr rtlCol="0" anchor="ctr"/>
-          <a:lstStyle/>
-          <a:p>
-            <a:pPr algn="ctr"/>
-            <a:r>
-              <a:rPr lang="en-US" sz="1600" dirty="0" smtClean="0">
-                <a:solidFill>
-                  <a:schemeClr val="accent2">
-                    <a:lumMod val="50000"/>
-                  </a:schemeClr>
-                </a:solidFill>
-              </a:rPr>
-              <a:t>3</a:t>
-            </a:r>
-            <a:endParaRPr lang="nl-NL" dirty="0">
-              <a:solidFill>
-                <a:schemeClr val="accent2">
-                  <a:lumMod val="50000"/>
-                </a:schemeClr>
-              </a:solidFill>
-            </a:endParaRPr>
-          </a:p>
-        </p:txBody>
-      </p:sp>
-      <p:sp>
-        <p:nvSpPr>
-          <p:cNvPr id="60" name="Oval 59"/>
-          <p:cNvSpPr/>
-          <p:nvPr/>
-        </p:nvSpPr>
-        <p:spPr>
-          <a:xfrm>
-            <a:off x="4545874" y="4158808"/>
-            <a:ext cx="278674" cy="276803"/>
-          </a:xfrm>
-          <a:prstGeom prst="ellipse">
-            <a:avLst/>
-          </a:prstGeom>
-          <a:solidFill>
-            <a:schemeClr val="accent4">
-              <a:lumMod val="40000"/>
-              <a:lumOff val="60000"/>
-            </a:schemeClr>
-          </a:solidFill>
-        </p:spPr>
-        <p:style>
-          <a:lnRef idx="2">
-            <a:schemeClr val="accent1">
-              <a:shade val="50000"/>
-            </a:schemeClr>
-          </a:lnRef>
-          <a:fillRef idx="1">
-            <a:schemeClr val="accent1"/>
-          </a:fillRef>
-          <a:effectRef idx="0">
-            <a:schemeClr val="accent1"/>
-          </a:effectRef>
-          <a:fontRef idx="minor">
-            <a:schemeClr val="lt1"/>
-          </a:fontRef>
-        </p:style>
-        <p:txBody>
-          <a:bodyPr rtlCol="0" anchor="ctr"/>
-          <a:lstStyle/>
-          <a:p>
-            <a:pPr algn="ctr"/>
-            <a:r>
-              <a:rPr lang="en-US" sz="1600" dirty="0">
-                <a:solidFill>
-                  <a:schemeClr val="accent2">
-                    <a:lumMod val="50000"/>
-                  </a:schemeClr>
-                </a:solidFill>
-              </a:rPr>
-              <a:t>4</a:t>
-            </a:r>
-            <a:endParaRPr lang="nl-NL" dirty="0">
-              <a:solidFill>
-                <a:schemeClr val="accent2">
-                  <a:lumMod val="50000"/>
-                </a:schemeClr>
-              </a:solidFill>
-            </a:endParaRPr>
-          </a:p>
-        </p:txBody>
-      </p:sp>
-      <p:cxnSp>
-        <p:nvCxnSpPr>
-          <p:cNvPr id="61" name="Straight Arrow Connector 60"/>
-          <p:cNvCxnSpPr/>
-          <p:nvPr/>
-        </p:nvCxnSpPr>
-        <p:spPr>
-          <a:xfrm flipV="1">
-            <a:off x="4328181" y="4028424"/>
-            <a:ext cx="949221" cy="1450168"/>
-          </a:xfrm>
-          <a:prstGeom prst="straightConnector1">
-            <a:avLst/>
-          </a:prstGeom>
-          <a:ln>
-            <a:tailEnd type="triangle"/>
-          </a:ln>
-        </p:spPr>
-        <p:style>
-          <a:lnRef idx="1">
-            <a:schemeClr val="accent1"/>
-          </a:lnRef>
-          <a:fillRef idx="0">
-            <a:schemeClr val="accent1"/>
-          </a:fillRef>
-          <a:effectRef idx="0">
-            <a:schemeClr val="accent1"/>
-          </a:effectRef>
-          <a:fontRef idx="minor">
-            <a:schemeClr val="tx1"/>
-          </a:fontRef>
-        </p:style>
-      </p:cxnSp>
-      <p:sp>
-        <p:nvSpPr>
-          <p:cNvPr id="62" name="Oval 61"/>
-          <p:cNvSpPr/>
-          <p:nvPr/>
-        </p:nvSpPr>
-        <p:spPr>
-          <a:xfrm>
-            <a:off x="4706991" y="4504489"/>
-            <a:ext cx="278674" cy="276803"/>
-          </a:xfrm>
-          <a:prstGeom prst="ellipse">
-            <a:avLst/>
-          </a:prstGeom>
-          <a:solidFill>
-            <a:schemeClr val="accent4">
-              <a:lumMod val="40000"/>
-              <a:lumOff val="60000"/>
-            </a:schemeClr>
-          </a:solidFill>
-        </p:spPr>
-        <p:style>
-          <a:lnRef idx="2">
-            <a:schemeClr val="accent1">
-              <a:shade val="50000"/>
-            </a:schemeClr>
-          </a:lnRef>
-          <a:fillRef idx="1">
-            <a:schemeClr val="accent1"/>
-          </a:fillRef>
-          <a:effectRef idx="0">
-            <a:schemeClr val="accent1"/>
-          </a:effectRef>
-          <a:fontRef idx="minor">
-            <a:schemeClr val="lt1"/>
-          </a:fontRef>
-        </p:style>
-        <p:txBody>
-          <a:bodyPr rtlCol="0" anchor="ctr"/>
-          <a:lstStyle/>
-          <a:p>
-            <a:pPr algn="ctr"/>
-            <a:r>
-              <a:rPr lang="en-US" dirty="0" smtClean="0">
-                <a:solidFill>
-                  <a:schemeClr val="accent2">
-                    <a:lumMod val="50000"/>
-                  </a:schemeClr>
-                </a:solidFill>
-              </a:rPr>
-              <a:t>6</a:t>
-            </a:r>
-            <a:endParaRPr lang="nl-NL" dirty="0">
-              <a:solidFill>
-                <a:schemeClr val="accent2">
-                  <a:lumMod val="50000"/>
-                </a:schemeClr>
-              </a:solidFill>
-            </a:endParaRPr>
-          </a:p>
-        </p:txBody>
-      </p:sp>
-      <p:sp>
-        <p:nvSpPr>
-          <p:cNvPr id="63" name="Oval 62"/>
-          <p:cNvSpPr/>
-          <p:nvPr/>
-        </p:nvSpPr>
-        <p:spPr>
-          <a:xfrm>
-            <a:off x="4192665" y="3326532"/>
-            <a:ext cx="278674" cy="276803"/>
-          </a:xfrm>
-          <a:prstGeom prst="ellipse">
-            <a:avLst/>
-          </a:prstGeom>
-          <a:solidFill>
-            <a:schemeClr val="accent4">
-              <a:lumMod val="40000"/>
-              <a:lumOff val="60000"/>
-            </a:schemeClr>
-          </a:solidFill>
-        </p:spPr>
-        <p:style>
-          <a:lnRef idx="2">
-            <a:schemeClr val="accent1">
-              <a:shade val="50000"/>
-            </a:schemeClr>
-          </a:lnRef>
-          <a:fillRef idx="1">
-            <a:schemeClr val="accent1"/>
-          </a:fillRef>
-          <a:effectRef idx="0">
-            <a:schemeClr val="accent1"/>
-          </a:effectRef>
-          <a:fontRef idx="minor">
-            <a:schemeClr val="lt1"/>
-          </a:fontRef>
-        </p:style>
-        <p:txBody>
-          <a:bodyPr rtlCol="0" anchor="ctr"/>
-          <a:lstStyle/>
-          <a:p>
-            <a:pPr algn="ctr"/>
-            <a:r>
-              <a:rPr lang="en-US" sz="1600" dirty="0" smtClean="0">
-                <a:solidFill>
-                  <a:schemeClr val="accent2">
-                    <a:lumMod val="50000"/>
-                  </a:schemeClr>
-                </a:solidFill>
-              </a:rPr>
-              <a:t>7</a:t>
-            </a:r>
-            <a:endParaRPr lang="nl-NL" dirty="0">
-              <a:solidFill>
-                <a:schemeClr val="accent2">
-                  <a:lumMod val="50000"/>
-                </a:schemeClr>
-              </a:solidFill>
-            </a:endParaRPr>
-          </a:p>
-        </p:txBody>
-      </p:sp>
-      <p:sp>
-        <p:nvSpPr>
-          <p:cNvPr id="64" name="Oval 63"/>
-          <p:cNvSpPr/>
-          <p:nvPr/>
-        </p:nvSpPr>
-        <p:spPr>
-          <a:xfrm>
-            <a:off x="5421093" y="5284601"/>
-            <a:ext cx="278674" cy="276803"/>
-          </a:xfrm>
-          <a:prstGeom prst="ellipse">
-            <a:avLst/>
-          </a:prstGeom>
-          <a:solidFill>
-            <a:schemeClr val="accent4">
-              <a:lumMod val="40000"/>
-              <a:lumOff val="60000"/>
-            </a:schemeClr>
-          </a:solidFill>
-        </p:spPr>
-        <p:style>
-          <a:lnRef idx="2">
-            <a:schemeClr val="accent1">
-              <a:shade val="50000"/>
-            </a:schemeClr>
-          </a:lnRef>
-          <a:fillRef idx="1">
-            <a:schemeClr val="accent1"/>
-          </a:fillRef>
-          <a:effectRef idx="0">
-            <a:schemeClr val="accent1"/>
-          </a:effectRef>
-          <a:fontRef idx="minor">
-            <a:schemeClr val="lt1"/>
-          </a:fontRef>
-        </p:style>
-        <p:txBody>
-          <a:bodyPr rtlCol="0" anchor="ctr"/>
-          <a:lstStyle/>
-          <a:p>
-            <a:pPr algn="ctr"/>
-            <a:r>
-              <a:rPr lang="en-US" dirty="0" smtClean="0">
-                <a:solidFill>
-                  <a:schemeClr val="accent2">
-                    <a:lumMod val="50000"/>
-                  </a:schemeClr>
-                </a:solidFill>
-              </a:rPr>
-              <a:t>8</a:t>
-            </a:r>
-            <a:endParaRPr lang="nl-NL" dirty="0">
-              <a:solidFill>
-                <a:schemeClr val="accent2">
-                  <a:lumMod val="50000"/>
-                </a:schemeClr>
-              </a:solidFill>
-            </a:endParaRPr>
-          </a:p>
-        </p:txBody>
-      </p:sp>
-      <p:sp>
-        <p:nvSpPr>
-          <p:cNvPr id="65" name="Oval 64"/>
-          <p:cNvSpPr/>
-          <p:nvPr/>
-        </p:nvSpPr>
-        <p:spPr>
-          <a:xfrm>
-            <a:off x="7654842" y="5294093"/>
-            <a:ext cx="278674" cy="276803"/>
-          </a:xfrm>
-          <a:prstGeom prst="ellipse">
-            <a:avLst/>
-          </a:prstGeom>
-          <a:solidFill>
-            <a:schemeClr val="accent4">
-              <a:lumMod val="40000"/>
-              <a:lumOff val="60000"/>
-            </a:schemeClr>
-          </a:solidFill>
-        </p:spPr>
-        <p:style>
-          <a:lnRef idx="2">
-            <a:schemeClr val="accent1">
-              <a:shade val="50000"/>
-            </a:schemeClr>
-          </a:lnRef>
-          <a:fillRef idx="1">
-            <a:schemeClr val="accent1"/>
-          </a:fillRef>
-          <a:effectRef idx="0">
-            <a:schemeClr val="accent1"/>
-          </a:effectRef>
-          <a:fontRef idx="minor">
-            <a:schemeClr val="lt1"/>
-          </a:fontRef>
-        </p:style>
-        <p:txBody>
-          <a:bodyPr rtlCol="0" anchor="ctr"/>
-          <a:lstStyle/>
-          <a:p>
-            <a:pPr algn="ctr"/>
-            <a:r>
-              <a:rPr lang="en-US" sz="1600" dirty="0">
-                <a:solidFill>
-                  <a:schemeClr val="accent2">
-                    <a:lumMod val="50000"/>
-                  </a:schemeClr>
-                </a:solidFill>
-              </a:rPr>
-              <a:t>8</a:t>
-            </a:r>
-            <a:endParaRPr lang="nl-NL" dirty="0">
-              <a:solidFill>
-                <a:schemeClr val="accent2">
-                  <a:lumMod val="50000"/>
-                </a:schemeClr>
-              </a:solidFill>
-            </a:endParaRPr>
-          </a:p>
-        </p:txBody>
-      </p:sp>
-      <p:sp>
-        <p:nvSpPr>
-          <p:cNvPr id="66" name="Oval Callout 65"/>
-          <p:cNvSpPr/>
-          <p:nvPr/>
-        </p:nvSpPr>
-        <p:spPr>
-          <a:xfrm>
-            <a:off x="5323113" y="3868478"/>
-            <a:ext cx="2298612" cy="590005"/>
-          </a:xfrm>
-          <a:prstGeom prst="wedgeEllipseCallout">
-            <a:avLst>
-              <a:gd name="adj1" fmla="val -72435"/>
-              <a:gd name="adj2" fmla="val 16380"/>
-            </a:avLst>
-          </a:prstGeom>
-        </p:spPr>
-        <p:style>
-          <a:lnRef idx="2">
-            <a:schemeClr val="dk1"/>
-          </a:lnRef>
-          <a:fillRef idx="1">
-            <a:schemeClr val="lt1"/>
-          </a:fillRef>
-          <a:effectRef idx="0">
-            <a:schemeClr val="dk1"/>
-          </a:effectRef>
-          <a:fontRef idx="minor">
-            <a:schemeClr val="dk1"/>
-          </a:fontRef>
-        </p:style>
-        <p:txBody>
-          <a:bodyPr rtlCol="0" anchor="ctr"/>
-          <a:lstStyle/>
-          <a:p>
-            <a:pPr algn="ctr"/>
-            <a:endParaRPr lang="nl-NL"/>
-          </a:p>
-        </p:txBody>
-      </p:sp>
-      <p:sp>
-        <p:nvSpPr>
-          <p:cNvPr id="67" name="TextBox 66"/>
-          <p:cNvSpPr txBox="1"/>
-          <p:nvPr/>
-        </p:nvSpPr>
-        <p:spPr>
-          <a:xfrm>
-            <a:off x="5497729" y="3932647"/>
-            <a:ext cx="2123995" cy="461665"/>
-          </a:xfrm>
-          <a:prstGeom prst="rect">
-            <a:avLst/>
-          </a:prstGeom>
-          <a:noFill/>
-        </p:spPr>
-        <p:txBody>
-          <a:bodyPr wrap="square" rtlCol="0">
-            <a:spAutoFit/>
-          </a:bodyPr>
-          <a:lstStyle/>
-          <a:p>
-            <a:r>
-              <a:rPr lang="en-US" sz="1200" dirty="0" smtClean="0"/>
-              <a:t>Claim task &amp; Retrieve Routing Slip &amp; Workflow </a:t>
-            </a:r>
-            <a:r>
-              <a:rPr lang="en-US" sz="1200" dirty="0"/>
-              <a:t>I</a:t>
-            </a:r>
-            <a:r>
-              <a:rPr lang="en-US" sz="1200" dirty="0" smtClean="0"/>
-              <a:t>nstance state</a:t>
-            </a:r>
-            <a:endParaRPr lang="nl-NL" sz="1200" dirty="0"/>
-          </a:p>
-        </p:txBody>
-      </p:sp>
-      <p:sp>
-        <p:nvSpPr>
-          <p:cNvPr id="68" name="Oval Callout 67"/>
-          <p:cNvSpPr/>
-          <p:nvPr/>
-        </p:nvSpPr>
-        <p:spPr>
-          <a:xfrm>
-            <a:off x="5529481" y="4447020"/>
-            <a:ext cx="1961615" cy="590005"/>
-          </a:xfrm>
-          <a:prstGeom prst="wedgeEllipseCallout">
-            <a:avLst>
-              <a:gd name="adj1" fmla="val -78285"/>
-              <a:gd name="adj2" fmla="val -35368"/>
-            </a:avLst>
-          </a:prstGeom>
-        </p:spPr>
-        <p:style>
-          <a:lnRef idx="2">
-            <a:schemeClr val="dk1"/>
-          </a:lnRef>
-          <a:fillRef idx="1">
-            <a:schemeClr val="lt1"/>
-          </a:fillRef>
-          <a:effectRef idx="0">
-            <a:schemeClr val="dk1"/>
-          </a:effectRef>
-          <a:fontRef idx="minor">
-            <a:schemeClr val="dk1"/>
-          </a:fontRef>
-        </p:style>
-        <p:txBody>
-          <a:bodyPr rtlCol="0" anchor="ctr"/>
-          <a:lstStyle/>
-          <a:p>
-            <a:pPr algn="ctr"/>
-            <a:endParaRPr lang="nl-NL"/>
-          </a:p>
-        </p:txBody>
-      </p:sp>
-      <p:sp>
-        <p:nvSpPr>
-          <p:cNvPr id="69" name="TextBox 68"/>
-          <p:cNvSpPr txBox="1"/>
-          <p:nvPr/>
-        </p:nvSpPr>
-        <p:spPr>
-          <a:xfrm>
-            <a:off x="5656212" y="4511191"/>
-            <a:ext cx="1786997" cy="461665"/>
-          </a:xfrm>
-          <a:prstGeom prst="rect">
-            <a:avLst/>
-          </a:prstGeom>
-          <a:noFill/>
-        </p:spPr>
-        <p:txBody>
-          <a:bodyPr wrap="square" rtlCol="0">
-            <a:spAutoFit/>
-          </a:bodyPr>
-          <a:lstStyle/>
-          <a:p>
-            <a:r>
-              <a:rPr lang="en-US" sz="1200" dirty="0" smtClean="0"/>
-              <a:t>Submit “task status” &amp;</a:t>
-            </a:r>
-            <a:br>
-              <a:rPr lang="en-US" sz="1200" dirty="0" smtClean="0"/>
-            </a:br>
-            <a:r>
-              <a:rPr lang="en-US" sz="1200" dirty="0" smtClean="0"/>
-              <a:t>updates to instance state</a:t>
-            </a:r>
-            <a:endParaRPr lang="nl-NL" sz="1200" dirty="0"/>
-          </a:p>
-        </p:txBody>
-      </p:sp>
-      <p:sp>
-        <p:nvSpPr>
-          <p:cNvPr id="70" name="Oval 69"/>
-          <p:cNvSpPr/>
-          <p:nvPr/>
-        </p:nvSpPr>
-        <p:spPr>
-          <a:xfrm>
-            <a:off x="3903625" y="5693679"/>
-            <a:ext cx="278674" cy="276803"/>
-          </a:xfrm>
-          <a:prstGeom prst="ellipse">
-            <a:avLst/>
-          </a:prstGeom>
-          <a:solidFill>
-            <a:schemeClr val="accent4">
-              <a:lumMod val="40000"/>
-              <a:lumOff val="60000"/>
-            </a:schemeClr>
-          </a:solidFill>
-        </p:spPr>
-        <p:style>
-          <a:lnRef idx="2">
-            <a:schemeClr val="accent1">
-              <a:shade val="50000"/>
-            </a:schemeClr>
-          </a:lnRef>
-          <a:fillRef idx="1">
-            <a:schemeClr val="accent1"/>
-          </a:fillRef>
-          <a:effectRef idx="0">
-            <a:schemeClr val="accent1"/>
-          </a:effectRef>
-          <a:fontRef idx="minor">
-            <a:schemeClr val="lt1"/>
-          </a:fontRef>
-        </p:style>
-        <p:txBody>
-          <a:bodyPr rtlCol="0" anchor="ctr"/>
-          <a:lstStyle/>
-          <a:p>
-            <a:pPr algn="ctr"/>
-            <a:r>
-              <a:rPr lang="en-US" sz="1600" dirty="0" smtClean="0">
-                <a:solidFill>
-                  <a:schemeClr val="accent2">
-                    <a:lumMod val="50000"/>
-                  </a:schemeClr>
-                </a:solidFill>
-              </a:rPr>
-              <a:t>5</a:t>
-            </a:r>
-            <a:endParaRPr lang="nl-NL" dirty="0">
-              <a:solidFill>
-                <a:schemeClr val="accent2">
-                  <a:lumMod val="50000"/>
-                </a:schemeClr>
-              </a:solidFill>
-            </a:endParaRPr>
-          </a:p>
-        </p:txBody>
-      </p:sp>
-      <p:sp>
-        <p:nvSpPr>
-          <p:cNvPr id="71" name="Oval Callout 70"/>
-          <p:cNvSpPr/>
-          <p:nvPr/>
-        </p:nvSpPr>
-        <p:spPr>
-          <a:xfrm>
-            <a:off x="2634349" y="6197581"/>
-            <a:ext cx="1477186" cy="590005"/>
-          </a:xfrm>
-          <a:prstGeom prst="wedgeEllipseCallout">
-            <a:avLst>
-              <a:gd name="adj1" fmla="val 46935"/>
-              <a:gd name="adj2" fmla="val -94626"/>
-            </a:avLst>
-          </a:prstGeom>
-        </p:spPr>
-        <p:style>
-          <a:lnRef idx="2">
-            <a:schemeClr val="dk1"/>
-          </a:lnRef>
-          <a:fillRef idx="1">
-            <a:schemeClr val="lt1"/>
-          </a:fillRef>
-          <a:effectRef idx="0">
-            <a:schemeClr val="dk1"/>
-          </a:effectRef>
-          <a:fontRef idx="minor">
-            <a:schemeClr val="dk1"/>
-          </a:fontRef>
-        </p:style>
-        <p:txBody>
-          <a:bodyPr rtlCol="0" anchor="ctr"/>
-          <a:lstStyle/>
-          <a:p>
-            <a:pPr algn="ctr"/>
-            <a:endParaRPr lang="nl-NL"/>
-          </a:p>
-        </p:txBody>
-      </p:sp>
-      <p:sp>
-        <p:nvSpPr>
-          <p:cNvPr id="72" name="TextBox 71"/>
-          <p:cNvSpPr txBox="1"/>
-          <p:nvPr/>
-        </p:nvSpPr>
-        <p:spPr>
-          <a:xfrm>
-            <a:off x="2773685" y="6261752"/>
-            <a:ext cx="1289963" cy="461665"/>
-          </a:xfrm>
-          <a:prstGeom prst="rect">
-            <a:avLst/>
-          </a:prstGeom>
-          <a:noFill/>
-        </p:spPr>
-        <p:txBody>
-          <a:bodyPr wrap="square" rtlCol="0">
-            <a:spAutoFit/>
-          </a:bodyPr>
-          <a:lstStyle/>
-          <a:p>
-            <a:r>
-              <a:rPr lang="en-US" sz="1200" dirty="0" smtClean="0"/>
-              <a:t>Perform the step in the workflow</a:t>
-            </a:r>
-            <a:endParaRPr lang="nl-NL" sz="1200" dirty="0"/>
-          </a:p>
-        </p:txBody>
-      </p:sp>
-      <p:sp>
-        <p:nvSpPr>
-          <p:cNvPr id="75" name="Oval Callout 74"/>
-          <p:cNvSpPr/>
-          <p:nvPr/>
-        </p:nvSpPr>
-        <p:spPr>
-          <a:xfrm>
-            <a:off x="1945341" y="2558144"/>
-            <a:ext cx="2380657" cy="591236"/>
-          </a:xfrm>
-          <a:prstGeom prst="wedgeEllipseCallout">
-            <a:avLst>
-              <a:gd name="adj1" fmla="val 46478"/>
-              <a:gd name="adj2" fmla="val 70992"/>
-            </a:avLst>
-          </a:prstGeom>
-        </p:spPr>
-        <p:style>
-          <a:lnRef idx="2">
-            <a:schemeClr val="dk1"/>
-          </a:lnRef>
-          <a:fillRef idx="1">
-            <a:schemeClr val="lt1"/>
-          </a:fillRef>
-          <a:effectRef idx="0">
-            <a:schemeClr val="dk1"/>
-          </a:effectRef>
-          <a:fontRef idx="minor">
-            <a:schemeClr val="dk1"/>
-          </a:fontRef>
-        </p:style>
-        <p:txBody>
-          <a:bodyPr rtlCol="0" anchor="ctr"/>
-          <a:lstStyle/>
-          <a:p>
-            <a:pPr algn="ctr"/>
-            <a:endParaRPr lang="nl-NL"/>
-          </a:p>
-        </p:txBody>
-      </p:sp>
-      <p:sp>
-        <p:nvSpPr>
-          <p:cNvPr id="76" name="TextBox 75"/>
-          <p:cNvSpPr txBox="1"/>
-          <p:nvPr/>
-        </p:nvSpPr>
-        <p:spPr>
-          <a:xfrm>
-            <a:off x="2048695" y="2630862"/>
-            <a:ext cx="2353961" cy="461665"/>
-          </a:xfrm>
-          <a:prstGeom prst="rect">
-            <a:avLst/>
-          </a:prstGeom>
-          <a:noFill/>
-        </p:spPr>
-        <p:txBody>
-          <a:bodyPr wrap="square" rtlCol="0">
-            <a:spAutoFit/>
-          </a:bodyPr>
-          <a:lstStyle/>
-          <a:p>
-            <a:r>
-              <a:rPr lang="en-US" sz="1200" dirty="0" smtClean="0"/>
-              <a:t>Publish Routing Slip event – with type, identifier &amp; routing details</a:t>
-            </a:r>
-            <a:endParaRPr lang="nl-NL" sz="1200" dirty="0"/>
-          </a:p>
-        </p:txBody>
-      </p:sp>
-      <p:sp>
-        <p:nvSpPr>
-          <p:cNvPr id="77" name="Oval Callout 76"/>
-          <p:cNvSpPr/>
-          <p:nvPr/>
-        </p:nvSpPr>
-        <p:spPr>
-          <a:xfrm>
-            <a:off x="7776566" y="4621499"/>
-            <a:ext cx="3113503" cy="590005"/>
-          </a:xfrm>
-          <a:prstGeom prst="wedgeEllipseCallout">
-            <a:avLst>
-              <a:gd name="adj1" fmla="val -45381"/>
-              <a:gd name="adj2" fmla="val 78589"/>
-            </a:avLst>
-          </a:prstGeom>
-        </p:spPr>
-        <p:style>
-          <a:lnRef idx="2">
-            <a:schemeClr val="dk1"/>
-          </a:lnRef>
-          <a:fillRef idx="1">
-            <a:schemeClr val="lt1"/>
-          </a:fillRef>
-          <a:effectRef idx="0">
-            <a:schemeClr val="dk1"/>
-          </a:effectRef>
-          <a:fontRef idx="minor">
-            <a:schemeClr val="dk1"/>
-          </a:fontRef>
-        </p:style>
-        <p:txBody>
-          <a:bodyPr rtlCol="0" anchor="ctr"/>
-          <a:lstStyle/>
-          <a:p>
-            <a:pPr algn="ctr"/>
-            <a:endParaRPr lang="nl-NL"/>
-          </a:p>
-        </p:txBody>
-      </p:sp>
-      <p:sp>
-        <p:nvSpPr>
-          <p:cNvPr id="78" name="TextBox 77"/>
-          <p:cNvSpPr txBox="1"/>
-          <p:nvPr/>
-        </p:nvSpPr>
-        <p:spPr>
-          <a:xfrm>
-            <a:off x="7996870" y="4695276"/>
-            <a:ext cx="2877746" cy="461665"/>
-          </a:xfrm>
-          <a:prstGeom prst="rect">
-            <a:avLst/>
-          </a:prstGeom>
-          <a:noFill/>
-        </p:spPr>
-        <p:txBody>
-          <a:bodyPr wrap="square" rtlCol="0">
-            <a:spAutoFit/>
-          </a:bodyPr>
-          <a:lstStyle/>
-          <a:p>
-            <a:r>
-              <a:rPr lang="en-US" sz="1200" dirty="0" smtClean="0"/>
-              <a:t>Consume event and check if a task is ready for execution that this MS can handle</a:t>
-            </a:r>
-            <a:endParaRPr lang="nl-NL" sz="1200" dirty="0"/>
-          </a:p>
-        </p:txBody>
-      </p:sp>
-      <p:sp>
-        <p:nvSpPr>
-          <p:cNvPr id="80" name="Oval Callout 79"/>
-          <p:cNvSpPr/>
-          <p:nvPr/>
-        </p:nvSpPr>
-        <p:spPr>
-          <a:xfrm>
-            <a:off x="-130791" y="4542406"/>
-            <a:ext cx="3113503" cy="590005"/>
-          </a:xfrm>
-          <a:prstGeom prst="wedgeEllipseCallout">
-            <a:avLst>
-              <a:gd name="adj1" fmla="val 60289"/>
-              <a:gd name="adj2" fmla="val 83147"/>
-            </a:avLst>
-          </a:prstGeom>
-        </p:spPr>
-        <p:style>
-          <a:lnRef idx="2">
-            <a:schemeClr val="dk1"/>
-          </a:lnRef>
-          <a:fillRef idx="1">
-            <a:schemeClr val="lt1"/>
-          </a:fillRef>
-          <a:effectRef idx="0">
-            <a:schemeClr val="dk1"/>
-          </a:effectRef>
-          <a:fontRef idx="minor">
-            <a:schemeClr val="dk1"/>
-          </a:fontRef>
-        </p:style>
-        <p:txBody>
-          <a:bodyPr rtlCol="0" anchor="ctr"/>
-          <a:lstStyle/>
-          <a:p>
-            <a:pPr algn="ctr"/>
-            <a:endParaRPr lang="nl-NL"/>
-          </a:p>
-        </p:txBody>
-      </p:sp>
-      <p:sp>
-        <p:nvSpPr>
-          <p:cNvPr id="81" name="TextBox 80"/>
-          <p:cNvSpPr txBox="1"/>
-          <p:nvPr/>
-        </p:nvSpPr>
-        <p:spPr>
-          <a:xfrm>
-            <a:off x="89513" y="4616183"/>
-            <a:ext cx="2877746" cy="461665"/>
-          </a:xfrm>
-          <a:prstGeom prst="rect">
-            <a:avLst/>
-          </a:prstGeom>
-          <a:noFill/>
-        </p:spPr>
-        <p:txBody>
-          <a:bodyPr wrap="square" rtlCol="0">
-            <a:spAutoFit/>
-          </a:bodyPr>
-          <a:lstStyle/>
-          <a:p>
-            <a:r>
-              <a:rPr lang="en-US" sz="1200" dirty="0" smtClean="0"/>
-              <a:t>Consume event and check if a task is ready for execution that this MS can handle</a:t>
-            </a:r>
-            <a:endParaRPr lang="nl-NL" sz="1200" dirty="0"/>
-          </a:p>
-        </p:txBody>
-      </p:sp>
     </p:spTree>
     <p:extLst>
       <p:ext uri="{BB962C8B-B14F-4D97-AF65-F5344CB8AC3E}">
-        <p14:creationId xmlns:p14="http://schemas.microsoft.com/office/powerpoint/2010/main" val="3206440514"/>
+        <p14:creationId xmlns:p14="http://schemas.microsoft.com/office/powerpoint/2010/main" val="4243177188"/>
       </p:ext>
     </p:extLst>
   </p:cSld>
@@ -9133,6 +8557,2855 @@
       </p:grpSpPr>
       <p:sp>
         <p:nvSpPr>
+          <p:cNvPr id="79" name="Oval Callout 78"/>
+          <p:cNvSpPr/>
+          <p:nvPr/>
+        </p:nvSpPr>
+        <p:spPr>
+          <a:xfrm>
+            <a:off x="7776566" y="4621498"/>
+            <a:ext cx="3113503" cy="590005"/>
+          </a:xfrm>
+          <a:prstGeom prst="wedgeEllipseCallout">
+            <a:avLst>
+              <a:gd name="adj1" fmla="val -117631"/>
+              <a:gd name="adj2" fmla="val 77069"/>
+            </a:avLst>
+          </a:prstGeom>
+        </p:spPr>
+        <p:style>
+          <a:lnRef idx="2">
+            <a:schemeClr val="dk1"/>
+          </a:lnRef>
+          <a:fillRef idx="1">
+            <a:schemeClr val="lt1"/>
+          </a:fillRef>
+          <a:effectRef idx="0">
+            <a:schemeClr val="dk1"/>
+          </a:effectRef>
+          <a:fontRef idx="minor">
+            <a:schemeClr val="dk1"/>
+          </a:fontRef>
+        </p:style>
+        <p:txBody>
+          <a:bodyPr rtlCol="0" anchor="ctr"/>
+          <a:lstStyle/>
+          <a:p>
+            <a:pPr algn="ctr"/>
+            <a:endParaRPr lang="nl-NL"/>
+          </a:p>
+        </p:txBody>
+      </p:sp>
+      <p:sp>
+        <p:nvSpPr>
+          <p:cNvPr id="2" name="Title 1"/>
+          <p:cNvSpPr>
+            <a:spLocks noGrp="1"/>
+          </p:cNvSpPr>
+          <p:nvPr>
+            <p:ph type="title"/>
+          </p:nvPr>
+        </p:nvSpPr>
+        <p:spPr>
+          <a:xfrm>
+            <a:off x="0" y="0"/>
+            <a:ext cx="10515600" cy="627652"/>
+          </a:xfrm>
+        </p:spPr>
+        <p:txBody>
+          <a:bodyPr>
+            <a:normAutofit fontScale="90000"/>
+          </a:bodyPr>
+          <a:lstStyle/>
+          <a:p>
+            <a:r>
+              <a:rPr lang="en-US" dirty="0" smtClean="0"/>
+              <a:t>Routing Slip based Choreography</a:t>
+            </a:r>
+            <a:endParaRPr lang="nl-NL" dirty="0"/>
+          </a:p>
+        </p:txBody>
+      </p:sp>
+      <p:sp>
+        <p:nvSpPr>
+          <p:cNvPr id="3" name="Rounded Rectangle 2"/>
+          <p:cNvSpPr/>
+          <p:nvPr/>
+        </p:nvSpPr>
+        <p:spPr>
+          <a:xfrm>
+            <a:off x="2634349" y="5486400"/>
+            <a:ext cx="1802674" cy="1036320"/>
+          </a:xfrm>
+          <a:prstGeom prst="roundRect">
+            <a:avLst/>
+          </a:prstGeom>
+        </p:spPr>
+        <p:style>
+          <a:lnRef idx="1">
+            <a:schemeClr val="accent4"/>
+          </a:lnRef>
+          <a:fillRef idx="3">
+            <a:schemeClr val="accent4"/>
+          </a:fillRef>
+          <a:effectRef idx="2">
+            <a:schemeClr val="accent4"/>
+          </a:effectRef>
+          <a:fontRef idx="minor">
+            <a:schemeClr val="lt1"/>
+          </a:fontRef>
+        </p:style>
+        <p:txBody>
+          <a:bodyPr rtlCol="0" anchor="ctr"/>
+          <a:lstStyle/>
+          <a:p>
+            <a:pPr algn="ctr"/>
+            <a:r>
+              <a:rPr lang="en-US" dirty="0" smtClean="0"/>
+              <a:t>Order</a:t>
+            </a:r>
+            <a:endParaRPr lang="nl-NL" dirty="0"/>
+          </a:p>
+        </p:txBody>
+      </p:sp>
+      <p:sp>
+        <p:nvSpPr>
+          <p:cNvPr id="4" name="Rounded Rectangle 3"/>
+          <p:cNvSpPr/>
+          <p:nvPr/>
+        </p:nvSpPr>
+        <p:spPr>
+          <a:xfrm>
+            <a:off x="4976955" y="5486400"/>
+            <a:ext cx="1802674" cy="1036320"/>
+          </a:xfrm>
+          <a:prstGeom prst="roundRect">
+            <a:avLst/>
+          </a:prstGeom>
+          <a:solidFill>
+            <a:srgbClr val="7030A0"/>
+          </a:solidFill>
+        </p:spPr>
+        <p:style>
+          <a:lnRef idx="2">
+            <a:schemeClr val="accent1">
+              <a:shade val="50000"/>
+            </a:schemeClr>
+          </a:lnRef>
+          <a:fillRef idx="1">
+            <a:schemeClr val="accent1"/>
+          </a:fillRef>
+          <a:effectRef idx="0">
+            <a:schemeClr val="accent1"/>
+          </a:effectRef>
+          <a:fontRef idx="minor">
+            <a:schemeClr val="lt1"/>
+          </a:fontRef>
+        </p:style>
+        <p:txBody>
+          <a:bodyPr rtlCol="0" anchor="ctr"/>
+          <a:lstStyle/>
+          <a:p>
+            <a:pPr algn="ctr"/>
+            <a:r>
+              <a:rPr lang="en-US" dirty="0" smtClean="0"/>
+              <a:t>Logistics (Warehouse, Stock, Shipping)</a:t>
+            </a:r>
+            <a:endParaRPr lang="nl-NL" dirty="0"/>
+          </a:p>
+        </p:txBody>
+      </p:sp>
+      <p:sp>
+        <p:nvSpPr>
+          <p:cNvPr id="5" name="Rounded Rectangle 4"/>
+          <p:cNvSpPr/>
+          <p:nvPr/>
+        </p:nvSpPr>
+        <p:spPr>
+          <a:xfrm>
+            <a:off x="9640394" y="5486400"/>
+            <a:ext cx="1802674" cy="1036320"/>
+          </a:xfrm>
+          <a:prstGeom prst="roundRect">
+            <a:avLst/>
+          </a:prstGeom>
+          <a:solidFill>
+            <a:srgbClr val="FF0000"/>
+          </a:solidFill>
+        </p:spPr>
+        <p:style>
+          <a:lnRef idx="2">
+            <a:schemeClr val="accent1">
+              <a:shade val="50000"/>
+            </a:schemeClr>
+          </a:lnRef>
+          <a:fillRef idx="1">
+            <a:schemeClr val="accent1"/>
+          </a:fillRef>
+          <a:effectRef idx="0">
+            <a:schemeClr val="accent1"/>
+          </a:effectRef>
+          <a:fontRef idx="minor">
+            <a:schemeClr val="lt1"/>
+          </a:fontRef>
+        </p:style>
+        <p:txBody>
+          <a:bodyPr rtlCol="0" anchor="ctr"/>
+          <a:lstStyle/>
+          <a:p>
+            <a:pPr algn="ctr"/>
+            <a:r>
+              <a:rPr lang="en-US" dirty="0" smtClean="0"/>
+              <a:t>Loyalty Program</a:t>
+            </a:r>
+            <a:endParaRPr lang="nl-NL" dirty="0"/>
+          </a:p>
+        </p:txBody>
+      </p:sp>
+      <p:sp>
+        <p:nvSpPr>
+          <p:cNvPr id="6" name="Rounded Rectangle 5"/>
+          <p:cNvSpPr/>
+          <p:nvPr/>
+        </p:nvSpPr>
+        <p:spPr>
+          <a:xfrm>
+            <a:off x="7428418" y="5486400"/>
+            <a:ext cx="1802674" cy="1036320"/>
+          </a:xfrm>
+          <a:prstGeom prst="roundRect">
+            <a:avLst/>
+          </a:prstGeom>
+          <a:solidFill>
+            <a:schemeClr val="bg1">
+              <a:lumMod val="50000"/>
+            </a:schemeClr>
+          </a:solidFill>
+        </p:spPr>
+        <p:style>
+          <a:lnRef idx="2">
+            <a:schemeClr val="accent1">
+              <a:shade val="50000"/>
+            </a:schemeClr>
+          </a:lnRef>
+          <a:fillRef idx="1">
+            <a:schemeClr val="accent1"/>
+          </a:fillRef>
+          <a:effectRef idx="0">
+            <a:schemeClr val="accent1"/>
+          </a:effectRef>
+          <a:fontRef idx="minor">
+            <a:schemeClr val="lt1"/>
+          </a:fontRef>
+        </p:style>
+        <p:txBody>
+          <a:bodyPr rtlCol="0" anchor="ctr"/>
+          <a:lstStyle/>
+          <a:p>
+            <a:pPr algn="ctr"/>
+            <a:r>
+              <a:rPr lang="en-US" dirty="0" smtClean="0"/>
+              <a:t>Billing, Invoicing &amp; Collection</a:t>
+            </a:r>
+            <a:endParaRPr lang="nl-NL" dirty="0"/>
+          </a:p>
+        </p:txBody>
+      </p:sp>
+      <p:sp>
+        <p:nvSpPr>
+          <p:cNvPr id="7" name="Rounded Rectangle 6"/>
+          <p:cNvSpPr/>
+          <p:nvPr/>
+        </p:nvSpPr>
+        <p:spPr>
+          <a:xfrm>
+            <a:off x="4693921" y="2651759"/>
+            <a:ext cx="1802674" cy="1380569"/>
+          </a:xfrm>
+          <a:prstGeom prst="roundRect">
+            <a:avLst/>
+          </a:prstGeom>
+        </p:spPr>
+        <p:style>
+          <a:lnRef idx="1">
+            <a:schemeClr val="dk1"/>
+          </a:lnRef>
+          <a:fillRef idx="2">
+            <a:schemeClr val="dk1"/>
+          </a:fillRef>
+          <a:effectRef idx="1">
+            <a:schemeClr val="dk1"/>
+          </a:effectRef>
+          <a:fontRef idx="minor">
+            <a:schemeClr val="dk1"/>
+          </a:fontRef>
+        </p:style>
+        <p:txBody>
+          <a:bodyPr rtlCol="0" anchor="ctr"/>
+          <a:lstStyle/>
+          <a:p>
+            <a:pPr algn="ctr"/>
+            <a:r>
+              <a:rPr lang="en-US" dirty="0" smtClean="0"/>
+              <a:t>Choreographer</a:t>
+            </a:r>
+          </a:p>
+          <a:p>
+            <a:pPr algn="ctr"/>
+            <a:endParaRPr lang="en-US" dirty="0"/>
+          </a:p>
+          <a:p>
+            <a:pPr algn="ctr"/>
+            <a:endParaRPr lang="nl-NL" dirty="0"/>
+          </a:p>
+        </p:txBody>
+      </p:sp>
+      <p:sp>
+        <p:nvSpPr>
+          <p:cNvPr id="8" name="Can 7"/>
+          <p:cNvSpPr/>
+          <p:nvPr/>
+        </p:nvSpPr>
+        <p:spPr>
+          <a:xfrm>
+            <a:off x="3692435" y="4005943"/>
+            <a:ext cx="383178" cy="940526"/>
+          </a:xfrm>
+          <a:prstGeom prst="can">
+            <a:avLst/>
+          </a:prstGeom>
+          <a:solidFill>
+            <a:schemeClr val="accent6">
+              <a:lumMod val="50000"/>
+            </a:schemeClr>
+          </a:solidFill>
+        </p:spPr>
+        <p:style>
+          <a:lnRef idx="2">
+            <a:schemeClr val="accent1">
+              <a:shade val="50000"/>
+            </a:schemeClr>
+          </a:lnRef>
+          <a:fillRef idx="1">
+            <a:schemeClr val="accent1"/>
+          </a:fillRef>
+          <a:effectRef idx="0">
+            <a:schemeClr val="accent1"/>
+          </a:effectRef>
+          <a:fontRef idx="minor">
+            <a:schemeClr val="lt1"/>
+          </a:fontRef>
+        </p:style>
+        <p:txBody>
+          <a:bodyPr rtlCol="0" anchor="ctr"/>
+          <a:lstStyle/>
+          <a:p>
+            <a:pPr algn="ctr"/>
+            <a:endParaRPr lang="nl-NL"/>
+          </a:p>
+        </p:txBody>
+      </p:sp>
+      <p:sp>
+        <p:nvSpPr>
+          <p:cNvPr id="9" name="Rectangular Callout 8"/>
+          <p:cNvSpPr/>
+          <p:nvPr/>
+        </p:nvSpPr>
+        <p:spPr>
+          <a:xfrm>
+            <a:off x="1227911" y="3476933"/>
+            <a:ext cx="1915884" cy="844731"/>
+          </a:xfrm>
+          <a:prstGeom prst="wedgeRectCallout">
+            <a:avLst>
+              <a:gd name="adj1" fmla="val 83414"/>
+              <a:gd name="adj2" fmla="val 44974"/>
+            </a:avLst>
+          </a:prstGeom>
+          <a:solidFill>
+            <a:schemeClr val="accent6">
+              <a:lumMod val="50000"/>
+            </a:schemeClr>
+          </a:solidFill>
+        </p:spPr>
+        <p:style>
+          <a:lnRef idx="2">
+            <a:schemeClr val="accent1">
+              <a:shade val="50000"/>
+            </a:schemeClr>
+          </a:lnRef>
+          <a:fillRef idx="1">
+            <a:schemeClr val="accent1"/>
+          </a:fillRef>
+          <a:effectRef idx="0">
+            <a:schemeClr val="accent1"/>
+          </a:effectRef>
+          <a:fontRef idx="minor">
+            <a:schemeClr val="lt1"/>
+          </a:fontRef>
+        </p:style>
+        <p:txBody>
+          <a:bodyPr rtlCol="0" anchor="ctr"/>
+          <a:lstStyle/>
+          <a:p>
+            <a:pPr algn="ctr"/>
+            <a:endParaRPr lang="nl-NL">
+              <a:solidFill>
+                <a:schemeClr val="bg1"/>
+              </a:solidFill>
+            </a:endParaRPr>
+          </a:p>
+        </p:txBody>
+      </p:sp>
+      <p:sp>
+        <p:nvSpPr>
+          <p:cNvPr id="10" name="TextBox 9"/>
+          <p:cNvSpPr txBox="1"/>
+          <p:nvPr/>
+        </p:nvSpPr>
+        <p:spPr>
+          <a:xfrm>
+            <a:off x="1227911" y="3422246"/>
+            <a:ext cx="1915884" cy="954107"/>
+          </a:xfrm>
+          <a:prstGeom prst="rect">
+            <a:avLst/>
+          </a:prstGeom>
+          <a:noFill/>
+        </p:spPr>
+        <p:txBody>
+          <a:bodyPr wrap="square" rtlCol="0">
+            <a:spAutoFit/>
+          </a:bodyPr>
+          <a:lstStyle/>
+          <a:p>
+            <a:r>
+              <a:rPr lang="en-US" sz="1400" dirty="0" smtClean="0">
+                <a:solidFill>
+                  <a:schemeClr val="bg1"/>
+                </a:solidFill>
+              </a:rPr>
+              <a:t>Event Topic – either for all routing slip events or for all events for a specific workflow</a:t>
+            </a:r>
+            <a:endParaRPr lang="nl-NL" sz="1400" dirty="0">
+              <a:solidFill>
+                <a:schemeClr val="bg1"/>
+              </a:solidFill>
+            </a:endParaRPr>
+          </a:p>
+        </p:txBody>
+      </p:sp>
+      <p:sp>
+        <p:nvSpPr>
+          <p:cNvPr id="11" name="Rounded Rectangle 10"/>
+          <p:cNvSpPr/>
+          <p:nvPr/>
+        </p:nvSpPr>
+        <p:spPr>
+          <a:xfrm>
+            <a:off x="3287485" y="890779"/>
+            <a:ext cx="4802777" cy="553607"/>
+          </a:xfrm>
+          <a:prstGeom prst="roundRect">
+            <a:avLst/>
+          </a:prstGeom>
+        </p:spPr>
+        <p:style>
+          <a:lnRef idx="2">
+            <a:schemeClr val="accent1">
+              <a:shade val="50000"/>
+            </a:schemeClr>
+          </a:lnRef>
+          <a:fillRef idx="1">
+            <a:schemeClr val="accent1"/>
+          </a:fillRef>
+          <a:effectRef idx="0">
+            <a:schemeClr val="accent1"/>
+          </a:effectRef>
+          <a:fontRef idx="minor">
+            <a:schemeClr val="lt1"/>
+          </a:fontRef>
+        </p:style>
+        <p:txBody>
+          <a:bodyPr rtlCol="0" anchor="ctr"/>
+          <a:lstStyle/>
+          <a:p>
+            <a:pPr algn="ctr"/>
+            <a:r>
+              <a:rPr lang="en-US" dirty="0" smtClean="0"/>
+              <a:t>Shop</a:t>
+            </a:r>
+            <a:endParaRPr lang="nl-NL" dirty="0"/>
+          </a:p>
+        </p:txBody>
+      </p:sp>
+      <p:sp>
+        <p:nvSpPr>
+          <p:cNvPr id="12" name="Rounded Rectangle 11"/>
+          <p:cNvSpPr/>
+          <p:nvPr/>
+        </p:nvSpPr>
+        <p:spPr>
+          <a:xfrm>
+            <a:off x="3618414" y="1194328"/>
+            <a:ext cx="1301930" cy="543371"/>
+          </a:xfrm>
+          <a:prstGeom prst="roundRect">
+            <a:avLst/>
+          </a:prstGeom>
+        </p:spPr>
+        <p:style>
+          <a:lnRef idx="1">
+            <a:schemeClr val="accent4"/>
+          </a:lnRef>
+          <a:fillRef idx="3">
+            <a:schemeClr val="accent4"/>
+          </a:fillRef>
+          <a:effectRef idx="2">
+            <a:schemeClr val="accent4"/>
+          </a:effectRef>
+          <a:fontRef idx="minor">
+            <a:schemeClr val="lt1"/>
+          </a:fontRef>
+        </p:style>
+        <p:txBody>
+          <a:bodyPr rtlCol="0" anchor="ctr"/>
+          <a:lstStyle/>
+          <a:p>
+            <a:pPr algn="ctr"/>
+            <a:r>
+              <a:rPr lang="en-US" dirty="0" smtClean="0"/>
+              <a:t>Order</a:t>
+            </a:r>
+            <a:endParaRPr lang="nl-NL" dirty="0"/>
+          </a:p>
+        </p:txBody>
+      </p:sp>
+      <p:cxnSp>
+        <p:nvCxnSpPr>
+          <p:cNvPr id="14" name="Straight Arrow Connector 13"/>
+          <p:cNvCxnSpPr/>
+          <p:nvPr/>
+        </p:nvCxnSpPr>
+        <p:spPr>
+          <a:xfrm flipH="1">
+            <a:off x="3287485" y="1737699"/>
+            <a:ext cx="579121" cy="688273"/>
+          </a:xfrm>
+          <a:prstGeom prst="straightConnector1">
+            <a:avLst/>
+          </a:prstGeom>
+          <a:ln>
+            <a:tailEnd type="triangle"/>
+          </a:ln>
+        </p:spPr>
+        <p:style>
+          <a:lnRef idx="1">
+            <a:schemeClr val="accent1"/>
+          </a:lnRef>
+          <a:fillRef idx="0">
+            <a:schemeClr val="accent1"/>
+          </a:fillRef>
+          <a:effectRef idx="0">
+            <a:schemeClr val="accent1"/>
+          </a:effectRef>
+          <a:fontRef idx="minor">
+            <a:schemeClr val="tx1"/>
+          </a:fontRef>
+        </p:style>
+      </p:cxnSp>
+      <p:sp>
+        <p:nvSpPr>
+          <p:cNvPr id="15" name="Lightning Bolt 14"/>
+          <p:cNvSpPr/>
+          <p:nvPr/>
+        </p:nvSpPr>
+        <p:spPr>
+          <a:xfrm>
+            <a:off x="3596639" y="3766267"/>
+            <a:ext cx="191592" cy="266062"/>
+          </a:xfrm>
+          <a:prstGeom prst="lightningBolt">
+            <a:avLst/>
+          </a:prstGeom>
+          <a:solidFill>
+            <a:schemeClr val="accent2">
+              <a:lumMod val="75000"/>
+            </a:schemeClr>
+          </a:solidFill>
+        </p:spPr>
+        <p:style>
+          <a:lnRef idx="2">
+            <a:schemeClr val="accent1">
+              <a:shade val="50000"/>
+            </a:schemeClr>
+          </a:lnRef>
+          <a:fillRef idx="1">
+            <a:schemeClr val="accent1"/>
+          </a:fillRef>
+          <a:effectRef idx="0">
+            <a:schemeClr val="accent1"/>
+          </a:effectRef>
+          <a:fontRef idx="minor">
+            <a:schemeClr val="lt1"/>
+          </a:fontRef>
+        </p:style>
+        <p:txBody>
+          <a:bodyPr rtlCol="0" anchor="ctr"/>
+          <a:lstStyle/>
+          <a:p>
+            <a:pPr algn="ctr"/>
+            <a:endParaRPr lang="nl-NL"/>
+          </a:p>
+        </p:txBody>
+      </p:sp>
+      <p:cxnSp>
+        <p:nvCxnSpPr>
+          <p:cNvPr id="17" name="Elbow Connector 16"/>
+          <p:cNvCxnSpPr>
+            <a:stCxn id="7" idx="1"/>
+            <a:endCxn id="8" idx="1"/>
+          </p:cNvCxnSpPr>
+          <p:nvPr/>
+        </p:nvCxnSpPr>
+        <p:spPr>
+          <a:xfrm rot="10800000" flipV="1">
+            <a:off x="3884025" y="3342043"/>
+            <a:ext cx="809897" cy="663899"/>
+          </a:xfrm>
+          <a:prstGeom prst="bentConnector2">
+            <a:avLst/>
+          </a:prstGeom>
+          <a:ln>
+            <a:tailEnd type="triangle"/>
+          </a:ln>
+        </p:spPr>
+        <p:style>
+          <a:lnRef idx="1">
+            <a:schemeClr val="accent1"/>
+          </a:lnRef>
+          <a:fillRef idx="0">
+            <a:schemeClr val="accent1"/>
+          </a:fillRef>
+          <a:effectRef idx="0">
+            <a:schemeClr val="accent1"/>
+          </a:effectRef>
+          <a:fontRef idx="minor">
+            <a:schemeClr val="tx1"/>
+          </a:fontRef>
+        </p:style>
+      </p:cxnSp>
+      <p:sp>
+        <p:nvSpPr>
+          <p:cNvPr id="18" name="Rectangular Callout 17"/>
+          <p:cNvSpPr/>
+          <p:nvPr/>
+        </p:nvSpPr>
+        <p:spPr>
+          <a:xfrm>
+            <a:off x="7821578" y="1822107"/>
+            <a:ext cx="1637211" cy="683977"/>
+          </a:xfrm>
+          <a:prstGeom prst="wedgeRectCallout">
+            <a:avLst>
+              <a:gd name="adj1" fmla="val -203405"/>
+              <a:gd name="adj2" fmla="val 198275"/>
+            </a:avLst>
+          </a:prstGeom>
+          <a:solidFill>
+            <a:schemeClr val="bg2">
+              <a:lumMod val="50000"/>
+            </a:schemeClr>
+          </a:solidFill>
+        </p:spPr>
+        <p:style>
+          <a:lnRef idx="2">
+            <a:schemeClr val="accent1">
+              <a:shade val="50000"/>
+            </a:schemeClr>
+          </a:lnRef>
+          <a:fillRef idx="1">
+            <a:schemeClr val="accent1"/>
+          </a:fillRef>
+          <a:effectRef idx="0">
+            <a:schemeClr val="accent1"/>
+          </a:effectRef>
+          <a:fontRef idx="minor">
+            <a:schemeClr val="lt1"/>
+          </a:fontRef>
+        </p:style>
+        <p:txBody>
+          <a:bodyPr rtlCol="0" anchor="ctr"/>
+          <a:lstStyle/>
+          <a:p>
+            <a:pPr algn="ctr"/>
+            <a:endParaRPr lang="nl-NL">
+              <a:solidFill>
+                <a:schemeClr val="bg1"/>
+              </a:solidFill>
+            </a:endParaRPr>
+          </a:p>
+        </p:txBody>
+      </p:sp>
+      <p:sp>
+        <p:nvSpPr>
+          <p:cNvPr id="19" name="TextBox 18"/>
+          <p:cNvSpPr txBox="1"/>
+          <p:nvPr/>
+        </p:nvSpPr>
+        <p:spPr>
+          <a:xfrm>
+            <a:off x="7821579" y="1767420"/>
+            <a:ext cx="1567541" cy="738664"/>
+          </a:xfrm>
+          <a:prstGeom prst="rect">
+            <a:avLst/>
+          </a:prstGeom>
+          <a:noFill/>
+        </p:spPr>
+        <p:txBody>
+          <a:bodyPr wrap="square" rtlCol="0">
+            <a:spAutoFit/>
+          </a:bodyPr>
+          <a:lstStyle/>
+          <a:p>
+            <a:r>
+              <a:rPr lang="en-US" sz="1400" dirty="0" smtClean="0">
+                <a:solidFill>
+                  <a:schemeClr val="bg1"/>
+                </a:solidFill>
+              </a:rPr>
+              <a:t>Meta-data: routing slip definitions per workflow</a:t>
+            </a:r>
+            <a:endParaRPr lang="nl-NL" sz="1400" dirty="0">
+              <a:solidFill>
+                <a:schemeClr val="bg1"/>
+              </a:solidFill>
+            </a:endParaRPr>
+          </a:p>
+        </p:txBody>
+      </p:sp>
+      <p:sp>
+        <p:nvSpPr>
+          <p:cNvPr id="21" name="Oval Callout 20"/>
+          <p:cNvSpPr/>
+          <p:nvPr/>
+        </p:nvSpPr>
+        <p:spPr>
+          <a:xfrm>
+            <a:off x="1471749" y="1427373"/>
+            <a:ext cx="1943293" cy="730232"/>
+          </a:xfrm>
+          <a:prstGeom prst="wedgeEllipseCallout">
+            <a:avLst>
+              <a:gd name="adj1" fmla="val 56179"/>
+              <a:gd name="adj2" fmla="val 45316"/>
+            </a:avLst>
+          </a:prstGeom>
+        </p:spPr>
+        <p:style>
+          <a:lnRef idx="2">
+            <a:schemeClr val="dk1"/>
+          </a:lnRef>
+          <a:fillRef idx="1">
+            <a:schemeClr val="lt1"/>
+          </a:fillRef>
+          <a:effectRef idx="0">
+            <a:schemeClr val="dk1"/>
+          </a:effectRef>
+          <a:fontRef idx="minor">
+            <a:schemeClr val="dk1"/>
+          </a:fontRef>
+        </p:style>
+        <p:txBody>
+          <a:bodyPr rtlCol="0" anchor="ctr"/>
+          <a:lstStyle/>
+          <a:p>
+            <a:pPr algn="ctr"/>
+            <a:endParaRPr lang="nl-NL"/>
+          </a:p>
+        </p:txBody>
+      </p:sp>
+      <p:sp>
+        <p:nvSpPr>
+          <p:cNvPr id="22" name="TextBox 21"/>
+          <p:cNvSpPr txBox="1"/>
+          <p:nvPr/>
+        </p:nvSpPr>
+        <p:spPr>
+          <a:xfrm>
+            <a:off x="1613855" y="1473171"/>
+            <a:ext cx="2078580" cy="646331"/>
+          </a:xfrm>
+          <a:prstGeom prst="rect">
+            <a:avLst/>
+          </a:prstGeom>
+          <a:noFill/>
+        </p:spPr>
+        <p:txBody>
+          <a:bodyPr wrap="square" rtlCol="0">
+            <a:spAutoFit/>
+          </a:bodyPr>
+          <a:lstStyle/>
+          <a:p>
+            <a:r>
+              <a:rPr lang="en-US" sz="1200" dirty="0" smtClean="0"/>
+              <a:t>Validate proposed order (synchronously) with Customer | Logistics | …</a:t>
+            </a:r>
+            <a:endParaRPr lang="nl-NL" sz="1200" dirty="0"/>
+          </a:p>
+        </p:txBody>
+      </p:sp>
+      <p:cxnSp>
+        <p:nvCxnSpPr>
+          <p:cNvPr id="23" name="Straight Arrow Connector 22"/>
+          <p:cNvCxnSpPr>
+            <a:stCxn id="12" idx="2"/>
+            <a:endCxn id="7" idx="0"/>
+          </p:cNvCxnSpPr>
+          <p:nvPr/>
+        </p:nvCxnSpPr>
+        <p:spPr>
+          <a:xfrm>
+            <a:off x="4269379" y="1737699"/>
+            <a:ext cx="1325879" cy="914060"/>
+          </a:xfrm>
+          <a:prstGeom prst="straightConnector1">
+            <a:avLst/>
+          </a:prstGeom>
+          <a:ln>
+            <a:tailEnd type="triangle"/>
+          </a:ln>
+        </p:spPr>
+        <p:style>
+          <a:lnRef idx="1">
+            <a:schemeClr val="accent1"/>
+          </a:lnRef>
+          <a:fillRef idx="0">
+            <a:schemeClr val="accent1"/>
+          </a:fillRef>
+          <a:effectRef idx="0">
+            <a:schemeClr val="accent1"/>
+          </a:effectRef>
+          <a:fontRef idx="minor">
+            <a:schemeClr val="tx1"/>
+          </a:fontRef>
+        </p:style>
+      </p:cxnSp>
+      <p:sp>
+        <p:nvSpPr>
+          <p:cNvPr id="26" name="Oval Callout 25"/>
+          <p:cNvSpPr/>
+          <p:nvPr/>
+        </p:nvSpPr>
+        <p:spPr>
+          <a:xfrm>
+            <a:off x="5228603" y="1547717"/>
+            <a:ext cx="2487191" cy="730232"/>
+          </a:xfrm>
+          <a:prstGeom prst="wedgeEllipseCallout">
+            <a:avLst>
+              <a:gd name="adj1" fmla="val -39063"/>
+              <a:gd name="adj2" fmla="val 93019"/>
+            </a:avLst>
+          </a:prstGeom>
+        </p:spPr>
+        <p:style>
+          <a:lnRef idx="2">
+            <a:schemeClr val="dk1"/>
+          </a:lnRef>
+          <a:fillRef idx="1">
+            <a:schemeClr val="lt1"/>
+          </a:fillRef>
+          <a:effectRef idx="0">
+            <a:schemeClr val="dk1"/>
+          </a:effectRef>
+          <a:fontRef idx="minor">
+            <a:schemeClr val="dk1"/>
+          </a:fontRef>
+        </p:style>
+        <p:txBody>
+          <a:bodyPr rtlCol="0" anchor="ctr"/>
+          <a:lstStyle/>
+          <a:p>
+            <a:pPr algn="ctr"/>
+            <a:endParaRPr lang="nl-NL"/>
+          </a:p>
+        </p:txBody>
+      </p:sp>
+      <p:sp>
+        <p:nvSpPr>
+          <p:cNvPr id="27" name="TextBox 26"/>
+          <p:cNvSpPr txBox="1"/>
+          <p:nvPr/>
+        </p:nvSpPr>
+        <p:spPr>
+          <a:xfrm>
+            <a:off x="5499017" y="1611792"/>
+            <a:ext cx="2313018" cy="646331"/>
+          </a:xfrm>
+          <a:prstGeom prst="rect">
+            <a:avLst/>
+          </a:prstGeom>
+          <a:noFill/>
+        </p:spPr>
+        <p:txBody>
+          <a:bodyPr wrap="square" rtlCol="0">
+            <a:spAutoFit/>
+          </a:bodyPr>
+          <a:lstStyle/>
+          <a:p>
+            <a:r>
+              <a:rPr lang="en-US" sz="1200" dirty="0" smtClean="0"/>
+              <a:t>Initiate </a:t>
+            </a:r>
+            <a:r>
+              <a:rPr lang="en-US" sz="1200" dirty="0" err="1" smtClean="0"/>
+              <a:t>PlaceOrder</a:t>
+            </a:r>
+            <a:r>
+              <a:rPr lang="en-US" sz="1200" dirty="0" smtClean="0"/>
+              <a:t> Workflow – create routing slip instance and publish it on workflow topic</a:t>
+            </a:r>
+            <a:endParaRPr lang="nl-NL" sz="1200" dirty="0"/>
+          </a:p>
+        </p:txBody>
+      </p:sp>
+      <p:sp>
+        <p:nvSpPr>
+          <p:cNvPr id="30" name="Can 29"/>
+          <p:cNvSpPr/>
+          <p:nvPr/>
+        </p:nvSpPr>
+        <p:spPr>
+          <a:xfrm>
+            <a:off x="4994369" y="3387356"/>
+            <a:ext cx="391886" cy="405241"/>
+          </a:xfrm>
+          <a:prstGeom prst="can">
+            <a:avLst/>
+          </a:prstGeom>
+          <a:solidFill>
+            <a:schemeClr val="bg2">
+              <a:lumMod val="25000"/>
+            </a:schemeClr>
+          </a:solidFill>
+          <a:ln>
+            <a:solidFill>
+              <a:schemeClr val="bg2">
+                <a:lumMod val="10000"/>
+              </a:schemeClr>
+            </a:solidFill>
+          </a:ln>
+        </p:spPr>
+        <p:style>
+          <a:lnRef idx="2">
+            <a:schemeClr val="accent1">
+              <a:shade val="50000"/>
+            </a:schemeClr>
+          </a:lnRef>
+          <a:fillRef idx="1">
+            <a:schemeClr val="accent1"/>
+          </a:fillRef>
+          <a:effectRef idx="0">
+            <a:schemeClr val="accent1"/>
+          </a:effectRef>
+          <a:fontRef idx="minor">
+            <a:schemeClr val="lt1"/>
+          </a:fontRef>
+        </p:style>
+        <p:txBody>
+          <a:bodyPr rtlCol="0" anchor="ctr"/>
+          <a:lstStyle/>
+          <a:p>
+            <a:pPr algn="ctr"/>
+            <a:endParaRPr lang="nl-NL"/>
+          </a:p>
+        </p:txBody>
+      </p:sp>
+      <p:sp>
+        <p:nvSpPr>
+          <p:cNvPr id="31" name="Can 30"/>
+          <p:cNvSpPr/>
+          <p:nvPr/>
+        </p:nvSpPr>
+        <p:spPr>
+          <a:xfrm>
+            <a:off x="5725888" y="3285033"/>
+            <a:ext cx="566057" cy="609888"/>
+          </a:xfrm>
+          <a:prstGeom prst="can">
+            <a:avLst/>
+          </a:prstGeom>
+          <a:solidFill>
+            <a:schemeClr val="bg2">
+              <a:lumMod val="25000"/>
+            </a:schemeClr>
+          </a:solidFill>
+          <a:ln>
+            <a:solidFill>
+              <a:schemeClr val="bg2">
+                <a:lumMod val="10000"/>
+              </a:schemeClr>
+            </a:solidFill>
+          </a:ln>
+        </p:spPr>
+        <p:style>
+          <a:lnRef idx="2">
+            <a:schemeClr val="accent1">
+              <a:shade val="50000"/>
+            </a:schemeClr>
+          </a:lnRef>
+          <a:fillRef idx="1">
+            <a:schemeClr val="accent1"/>
+          </a:fillRef>
+          <a:effectRef idx="0">
+            <a:schemeClr val="accent1"/>
+          </a:effectRef>
+          <a:fontRef idx="minor">
+            <a:schemeClr val="lt1"/>
+          </a:fontRef>
+        </p:style>
+        <p:txBody>
+          <a:bodyPr rtlCol="0" anchor="ctr"/>
+          <a:lstStyle/>
+          <a:p>
+            <a:pPr algn="ctr"/>
+            <a:endParaRPr lang="nl-NL"/>
+          </a:p>
+        </p:txBody>
+      </p:sp>
+      <p:sp>
+        <p:nvSpPr>
+          <p:cNvPr id="32" name="Rounded Rectangle 31"/>
+          <p:cNvSpPr/>
+          <p:nvPr/>
+        </p:nvSpPr>
+        <p:spPr>
+          <a:xfrm>
+            <a:off x="561709" y="5486400"/>
+            <a:ext cx="1802674" cy="1036320"/>
+          </a:xfrm>
+          <a:prstGeom prst="roundRect">
+            <a:avLst/>
+          </a:prstGeom>
+        </p:spPr>
+        <p:style>
+          <a:lnRef idx="1">
+            <a:schemeClr val="accent2"/>
+          </a:lnRef>
+          <a:fillRef idx="2">
+            <a:schemeClr val="accent2"/>
+          </a:fillRef>
+          <a:effectRef idx="1">
+            <a:schemeClr val="accent2"/>
+          </a:effectRef>
+          <a:fontRef idx="minor">
+            <a:schemeClr val="dk1"/>
+          </a:fontRef>
+        </p:style>
+        <p:txBody>
+          <a:bodyPr rtlCol="0" anchor="ctr"/>
+          <a:lstStyle/>
+          <a:p>
+            <a:pPr algn="ctr"/>
+            <a:r>
+              <a:rPr lang="en-US" dirty="0" smtClean="0"/>
+              <a:t>Customers</a:t>
+            </a:r>
+            <a:endParaRPr lang="nl-NL" dirty="0"/>
+          </a:p>
+        </p:txBody>
+      </p:sp>
+      <p:sp>
+        <p:nvSpPr>
+          <p:cNvPr id="33" name="Rectangular Callout 32"/>
+          <p:cNvSpPr/>
+          <p:nvPr/>
+        </p:nvSpPr>
+        <p:spPr>
+          <a:xfrm>
+            <a:off x="8675018" y="2337114"/>
+            <a:ext cx="2129246" cy="683977"/>
+          </a:xfrm>
+          <a:prstGeom prst="wedgeRectCallout">
+            <a:avLst>
+              <a:gd name="adj1" fmla="val -168386"/>
+              <a:gd name="adj2" fmla="val 120607"/>
+            </a:avLst>
+          </a:prstGeom>
+          <a:solidFill>
+            <a:schemeClr val="bg2">
+              <a:lumMod val="50000"/>
+            </a:schemeClr>
+          </a:solidFill>
+        </p:spPr>
+        <p:style>
+          <a:lnRef idx="2">
+            <a:schemeClr val="accent1">
+              <a:shade val="50000"/>
+            </a:schemeClr>
+          </a:lnRef>
+          <a:fillRef idx="1">
+            <a:schemeClr val="accent1"/>
+          </a:fillRef>
+          <a:effectRef idx="0">
+            <a:schemeClr val="accent1"/>
+          </a:effectRef>
+          <a:fontRef idx="minor">
+            <a:schemeClr val="lt1"/>
+          </a:fontRef>
+        </p:style>
+        <p:txBody>
+          <a:bodyPr rtlCol="0" anchor="ctr"/>
+          <a:lstStyle/>
+          <a:p>
+            <a:pPr algn="ctr"/>
+            <a:endParaRPr lang="nl-NL">
+              <a:solidFill>
+                <a:schemeClr val="bg1"/>
+              </a:solidFill>
+            </a:endParaRPr>
+          </a:p>
+        </p:txBody>
+      </p:sp>
+      <p:sp>
+        <p:nvSpPr>
+          <p:cNvPr id="34" name="TextBox 33"/>
+          <p:cNvSpPr txBox="1"/>
+          <p:nvPr/>
+        </p:nvSpPr>
+        <p:spPr>
+          <a:xfrm>
+            <a:off x="8675018" y="2282427"/>
+            <a:ext cx="2490648" cy="738664"/>
+          </a:xfrm>
+          <a:prstGeom prst="rect">
+            <a:avLst/>
+          </a:prstGeom>
+          <a:noFill/>
+        </p:spPr>
+        <p:txBody>
+          <a:bodyPr wrap="square" rtlCol="0">
+            <a:spAutoFit/>
+          </a:bodyPr>
+          <a:lstStyle/>
+          <a:p>
+            <a:r>
+              <a:rPr lang="en-US" sz="1400" dirty="0" smtClean="0">
+                <a:solidFill>
+                  <a:schemeClr val="bg1"/>
+                </a:solidFill>
+              </a:rPr>
+              <a:t>Instance data: routing slip instances with state for workflow instance</a:t>
+            </a:r>
+            <a:endParaRPr lang="nl-NL" sz="1400" dirty="0">
+              <a:solidFill>
+                <a:schemeClr val="bg1"/>
+              </a:solidFill>
+            </a:endParaRPr>
+          </a:p>
+        </p:txBody>
+      </p:sp>
+      <p:sp>
+        <p:nvSpPr>
+          <p:cNvPr id="35" name="Rectangle 34"/>
+          <p:cNvSpPr/>
+          <p:nvPr/>
+        </p:nvSpPr>
+        <p:spPr>
+          <a:xfrm>
+            <a:off x="7621726" y="3342043"/>
+            <a:ext cx="1706434" cy="1040864"/>
+          </a:xfrm>
+          <a:prstGeom prst="rect">
+            <a:avLst/>
+          </a:prstGeom>
+        </p:spPr>
+        <p:style>
+          <a:lnRef idx="1">
+            <a:schemeClr val="dk1"/>
+          </a:lnRef>
+          <a:fillRef idx="2">
+            <a:schemeClr val="dk1"/>
+          </a:fillRef>
+          <a:effectRef idx="1">
+            <a:schemeClr val="dk1"/>
+          </a:effectRef>
+          <a:fontRef idx="minor">
+            <a:schemeClr val="dk1"/>
+          </a:fontRef>
+        </p:style>
+        <p:txBody>
+          <a:bodyPr rtlCol="0" anchor="ctr"/>
+          <a:lstStyle/>
+          <a:p>
+            <a:pPr algn="ctr"/>
+            <a:r>
+              <a:rPr lang="en-US" dirty="0" smtClean="0">
+                <a:solidFill>
+                  <a:schemeClr val="dk1"/>
+                </a:solidFill>
+              </a:rPr>
+              <a:t>Choreographer User Interface</a:t>
+            </a:r>
+            <a:endParaRPr lang="nl-NL" dirty="0">
+              <a:solidFill>
+                <a:schemeClr val="dk1"/>
+              </a:solidFill>
+            </a:endParaRPr>
+          </a:p>
+        </p:txBody>
+      </p:sp>
+      <p:cxnSp>
+        <p:nvCxnSpPr>
+          <p:cNvPr id="37" name="Elbow Connector 36"/>
+          <p:cNvCxnSpPr>
+            <a:stCxn id="35" idx="1"/>
+          </p:cNvCxnSpPr>
+          <p:nvPr/>
+        </p:nvCxnSpPr>
+        <p:spPr>
+          <a:xfrm rot="10800000">
+            <a:off x="6496596" y="3342043"/>
+            <a:ext cx="1125131" cy="520432"/>
+          </a:xfrm>
+          <a:prstGeom prst="bentConnector3">
+            <a:avLst/>
+          </a:prstGeom>
+          <a:ln>
+            <a:solidFill>
+              <a:schemeClr val="bg2">
+                <a:lumMod val="10000"/>
+              </a:schemeClr>
+            </a:solidFill>
+            <a:tailEnd type="triangle"/>
+          </a:ln>
+        </p:spPr>
+        <p:style>
+          <a:lnRef idx="1">
+            <a:schemeClr val="accent1"/>
+          </a:lnRef>
+          <a:fillRef idx="0">
+            <a:schemeClr val="accent1"/>
+          </a:fillRef>
+          <a:effectRef idx="0">
+            <a:schemeClr val="accent1"/>
+          </a:effectRef>
+          <a:fontRef idx="minor">
+            <a:schemeClr val="tx1"/>
+          </a:fontRef>
+        </p:style>
+      </p:cxnSp>
+      <p:sp>
+        <p:nvSpPr>
+          <p:cNvPr id="38" name="Rectangular Callout 37"/>
+          <p:cNvSpPr/>
+          <p:nvPr/>
+        </p:nvSpPr>
+        <p:spPr>
+          <a:xfrm>
+            <a:off x="9838058" y="3520487"/>
+            <a:ext cx="2216332" cy="899420"/>
+          </a:xfrm>
+          <a:prstGeom prst="wedgeRectCallout">
+            <a:avLst>
+              <a:gd name="adj1" fmla="val -77179"/>
+              <a:gd name="adj2" fmla="val 14929"/>
+            </a:avLst>
+          </a:prstGeom>
+          <a:solidFill>
+            <a:schemeClr val="bg2">
+              <a:lumMod val="50000"/>
+            </a:schemeClr>
+          </a:solidFill>
+        </p:spPr>
+        <p:style>
+          <a:lnRef idx="2">
+            <a:schemeClr val="accent1">
+              <a:shade val="50000"/>
+            </a:schemeClr>
+          </a:lnRef>
+          <a:fillRef idx="1">
+            <a:schemeClr val="accent1"/>
+          </a:fillRef>
+          <a:effectRef idx="0">
+            <a:schemeClr val="accent1"/>
+          </a:effectRef>
+          <a:fontRef idx="minor">
+            <a:schemeClr val="lt1"/>
+          </a:fontRef>
+        </p:style>
+        <p:txBody>
+          <a:bodyPr rtlCol="0" anchor="ctr"/>
+          <a:lstStyle/>
+          <a:p>
+            <a:pPr algn="ctr"/>
+            <a:endParaRPr lang="nl-NL">
+              <a:solidFill>
+                <a:schemeClr val="bg1"/>
+              </a:solidFill>
+            </a:endParaRPr>
+          </a:p>
+        </p:txBody>
+      </p:sp>
+      <p:sp>
+        <p:nvSpPr>
+          <p:cNvPr id="39" name="TextBox 38"/>
+          <p:cNvSpPr txBox="1"/>
+          <p:nvPr/>
+        </p:nvSpPr>
+        <p:spPr>
+          <a:xfrm>
+            <a:off x="9838058" y="3465799"/>
+            <a:ext cx="2490648" cy="954107"/>
+          </a:xfrm>
+          <a:prstGeom prst="rect">
+            <a:avLst/>
+          </a:prstGeom>
+          <a:noFill/>
+        </p:spPr>
+        <p:txBody>
+          <a:bodyPr wrap="square" rtlCol="0">
+            <a:spAutoFit/>
+          </a:bodyPr>
+          <a:lstStyle/>
+          <a:p>
+            <a:r>
+              <a:rPr lang="en-US" sz="1400" dirty="0" smtClean="0">
+                <a:solidFill>
+                  <a:schemeClr val="bg1"/>
+                </a:solidFill>
+              </a:rPr>
+              <a:t>Monitoring &amp; managing workflow instances</a:t>
+            </a:r>
+          </a:p>
+          <a:p>
+            <a:r>
+              <a:rPr lang="en-US" sz="1400" dirty="0" smtClean="0">
+                <a:solidFill>
+                  <a:schemeClr val="bg1"/>
+                </a:solidFill>
+              </a:rPr>
+              <a:t>Managing routing slip definitions</a:t>
+            </a:r>
+            <a:endParaRPr lang="nl-NL" sz="1400" dirty="0">
+              <a:solidFill>
+                <a:schemeClr val="bg1"/>
+              </a:solidFill>
+            </a:endParaRPr>
+          </a:p>
+        </p:txBody>
+      </p:sp>
+      <p:cxnSp>
+        <p:nvCxnSpPr>
+          <p:cNvPr id="41" name="Straight Arrow Connector 40"/>
+          <p:cNvCxnSpPr>
+            <a:stCxn id="8" idx="3"/>
+            <a:endCxn id="32" idx="0"/>
+          </p:cNvCxnSpPr>
+          <p:nvPr/>
+        </p:nvCxnSpPr>
+        <p:spPr>
+          <a:xfrm flipH="1">
+            <a:off x="1463046" y="4946469"/>
+            <a:ext cx="2420978" cy="539931"/>
+          </a:xfrm>
+          <a:prstGeom prst="straightConnector1">
+            <a:avLst/>
+          </a:prstGeom>
+          <a:ln>
+            <a:tailEnd type="triangle"/>
+          </a:ln>
+        </p:spPr>
+        <p:style>
+          <a:lnRef idx="1">
+            <a:schemeClr val="accent1"/>
+          </a:lnRef>
+          <a:fillRef idx="0">
+            <a:schemeClr val="accent1"/>
+          </a:fillRef>
+          <a:effectRef idx="0">
+            <a:schemeClr val="accent1"/>
+          </a:effectRef>
+          <a:fontRef idx="minor">
+            <a:schemeClr val="tx1"/>
+          </a:fontRef>
+        </p:style>
+      </p:cxnSp>
+      <p:cxnSp>
+        <p:nvCxnSpPr>
+          <p:cNvPr id="43" name="Straight Arrow Connector 42"/>
+          <p:cNvCxnSpPr>
+            <a:stCxn id="8" idx="3"/>
+            <a:endCxn id="3" idx="0"/>
+          </p:cNvCxnSpPr>
+          <p:nvPr/>
+        </p:nvCxnSpPr>
+        <p:spPr>
+          <a:xfrm flipH="1">
+            <a:off x="3535686" y="4946469"/>
+            <a:ext cx="348338" cy="539931"/>
+          </a:xfrm>
+          <a:prstGeom prst="straightConnector1">
+            <a:avLst/>
+          </a:prstGeom>
+          <a:ln>
+            <a:tailEnd type="triangle"/>
+          </a:ln>
+        </p:spPr>
+        <p:style>
+          <a:lnRef idx="1">
+            <a:schemeClr val="accent1"/>
+          </a:lnRef>
+          <a:fillRef idx="0">
+            <a:schemeClr val="accent1"/>
+          </a:fillRef>
+          <a:effectRef idx="0">
+            <a:schemeClr val="accent1"/>
+          </a:effectRef>
+          <a:fontRef idx="minor">
+            <a:schemeClr val="tx1"/>
+          </a:fontRef>
+        </p:style>
+      </p:cxnSp>
+      <p:cxnSp>
+        <p:nvCxnSpPr>
+          <p:cNvPr id="45" name="Straight Arrow Connector 44"/>
+          <p:cNvCxnSpPr>
+            <a:stCxn id="8" idx="3"/>
+            <a:endCxn id="4" idx="0"/>
+          </p:cNvCxnSpPr>
+          <p:nvPr/>
+        </p:nvCxnSpPr>
+        <p:spPr>
+          <a:xfrm>
+            <a:off x="3884024" y="4946469"/>
+            <a:ext cx="1994268" cy="539931"/>
+          </a:xfrm>
+          <a:prstGeom prst="straightConnector1">
+            <a:avLst/>
+          </a:prstGeom>
+          <a:ln>
+            <a:tailEnd type="triangle"/>
+          </a:ln>
+        </p:spPr>
+        <p:style>
+          <a:lnRef idx="1">
+            <a:schemeClr val="accent1"/>
+          </a:lnRef>
+          <a:fillRef idx="0">
+            <a:schemeClr val="accent1"/>
+          </a:fillRef>
+          <a:effectRef idx="0">
+            <a:schemeClr val="accent1"/>
+          </a:effectRef>
+          <a:fontRef idx="minor">
+            <a:schemeClr val="tx1"/>
+          </a:fontRef>
+        </p:style>
+      </p:cxnSp>
+      <p:cxnSp>
+        <p:nvCxnSpPr>
+          <p:cNvPr id="47" name="Straight Arrow Connector 46"/>
+          <p:cNvCxnSpPr>
+            <a:stCxn id="8" idx="3"/>
+            <a:endCxn id="6" idx="0"/>
+          </p:cNvCxnSpPr>
+          <p:nvPr/>
+        </p:nvCxnSpPr>
+        <p:spPr>
+          <a:xfrm>
+            <a:off x="3884024" y="4946469"/>
+            <a:ext cx="4445731" cy="539931"/>
+          </a:xfrm>
+          <a:prstGeom prst="straightConnector1">
+            <a:avLst/>
+          </a:prstGeom>
+          <a:ln>
+            <a:tailEnd type="triangle"/>
+          </a:ln>
+        </p:spPr>
+        <p:style>
+          <a:lnRef idx="1">
+            <a:schemeClr val="accent1"/>
+          </a:lnRef>
+          <a:fillRef idx="0">
+            <a:schemeClr val="accent1"/>
+          </a:fillRef>
+          <a:effectRef idx="0">
+            <a:schemeClr val="accent1"/>
+          </a:effectRef>
+          <a:fontRef idx="minor">
+            <a:schemeClr val="tx1"/>
+          </a:fontRef>
+        </p:style>
+      </p:cxnSp>
+      <p:cxnSp>
+        <p:nvCxnSpPr>
+          <p:cNvPr id="49" name="Straight Arrow Connector 48"/>
+          <p:cNvCxnSpPr>
+            <a:stCxn id="8" idx="3"/>
+            <a:endCxn id="5" idx="0"/>
+          </p:cNvCxnSpPr>
+          <p:nvPr/>
+        </p:nvCxnSpPr>
+        <p:spPr>
+          <a:xfrm>
+            <a:off x="3884024" y="4946469"/>
+            <a:ext cx="6657707" cy="539931"/>
+          </a:xfrm>
+          <a:prstGeom prst="straightConnector1">
+            <a:avLst/>
+          </a:prstGeom>
+          <a:ln>
+            <a:tailEnd type="triangle"/>
+          </a:ln>
+        </p:spPr>
+        <p:style>
+          <a:lnRef idx="1">
+            <a:schemeClr val="accent1"/>
+          </a:lnRef>
+          <a:fillRef idx="0">
+            <a:schemeClr val="accent1"/>
+          </a:fillRef>
+          <a:effectRef idx="0">
+            <a:schemeClr val="accent1"/>
+          </a:effectRef>
+          <a:fontRef idx="minor">
+            <a:schemeClr val="tx1"/>
+          </a:fontRef>
+        </p:style>
+      </p:cxnSp>
+      <p:sp>
+        <p:nvSpPr>
+          <p:cNvPr id="50" name="Lightning Bolt 49"/>
+          <p:cNvSpPr/>
+          <p:nvPr/>
+        </p:nvSpPr>
+        <p:spPr>
+          <a:xfrm>
+            <a:off x="2033455" y="5156941"/>
+            <a:ext cx="191592" cy="266062"/>
+          </a:xfrm>
+          <a:prstGeom prst="lightningBolt">
+            <a:avLst/>
+          </a:prstGeom>
+          <a:solidFill>
+            <a:schemeClr val="accent2">
+              <a:lumMod val="75000"/>
+            </a:schemeClr>
+          </a:solidFill>
+        </p:spPr>
+        <p:style>
+          <a:lnRef idx="2">
+            <a:schemeClr val="accent1">
+              <a:shade val="50000"/>
+            </a:schemeClr>
+          </a:lnRef>
+          <a:fillRef idx="1">
+            <a:schemeClr val="accent1"/>
+          </a:fillRef>
+          <a:effectRef idx="0">
+            <a:schemeClr val="accent1"/>
+          </a:effectRef>
+          <a:fontRef idx="minor">
+            <a:schemeClr val="lt1"/>
+          </a:fontRef>
+        </p:style>
+        <p:txBody>
+          <a:bodyPr rtlCol="0" anchor="ctr"/>
+          <a:lstStyle/>
+          <a:p>
+            <a:pPr algn="ctr"/>
+            <a:endParaRPr lang="nl-NL"/>
+          </a:p>
+        </p:txBody>
+      </p:sp>
+      <p:sp>
+        <p:nvSpPr>
+          <p:cNvPr id="51" name="Lightning Bolt 50"/>
+          <p:cNvSpPr/>
+          <p:nvPr/>
+        </p:nvSpPr>
+        <p:spPr>
+          <a:xfrm>
+            <a:off x="3505212" y="5156941"/>
+            <a:ext cx="191592" cy="266062"/>
+          </a:xfrm>
+          <a:prstGeom prst="lightningBolt">
+            <a:avLst/>
+          </a:prstGeom>
+          <a:solidFill>
+            <a:schemeClr val="accent2">
+              <a:lumMod val="75000"/>
+            </a:schemeClr>
+          </a:solidFill>
+        </p:spPr>
+        <p:style>
+          <a:lnRef idx="2">
+            <a:schemeClr val="accent1">
+              <a:shade val="50000"/>
+            </a:schemeClr>
+          </a:lnRef>
+          <a:fillRef idx="1">
+            <a:schemeClr val="accent1"/>
+          </a:fillRef>
+          <a:effectRef idx="0">
+            <a:schemeClr val="accent1"/>
+          </a:effectRef>
+          <a:fontRef idx="minor">
+            <a:schemeClr val="lt1"/>
+          </a:fontRef>
+        </p:style>
+        <p:txBody>
+          <a:bodyPr rtlCol="0" anchor="ctr"/>
+          <a:lstStyle/>
+          <a:p>
+            <a:pPr algn="ctr"/>
+            <a:endParaRPr lang="nl-NL"/>
+          </a:p>
+        </p:txBody>
+      </p:sp>
+      <p:sp>
+        <p:nvSpPr>
+          <p:cNvPr id="52" name="Lightning Bolt 51"/>
+          <p:cNvSpPr/>
+          <p:nvPr/>
+        </p:nvSpPr>
+        <p:spPr>
+          <a:xfrm>
+            <a:off x="4976969" y="5156941"/>
+            <a:ext cx="191592" cy="266062"/>
+          </a:xfrm>
+          <a:prstGeom prst="lightningBolt">
+            <a:avLst/>
+          </a:prstGeom>
+          <a:solidFill>
+            <a:schemeClr val="accent2">
+              <a:lumMod val="75000"/>
+            </a:schemeClr>
+          </a:solidFill>
+        </p:spPr>
+        <p:style>
+          <a:lnRef idx="2">
+            <a:schemeClr val="accent1">
+              <a:shade val="50000"/>
+            </a:schemeClr>
+          </a:lnRef>
+          <a:fillRef idx="1">
+            <a:schemeClr val="accent1"/>
+          </a:fillRef>
+          <a:effectRef idx="0">
+            <a:schemeClr val="accent1"/>
+          </a:effectRef>
+          <a:fontRef idx="minor">
+            <a:schemeClr val="lt1"/>
+          </a:fontRef>
+        </p:style>
+        <p:txBody>
+          <a:bodyPr rtlCol="0" anchor="ctr"/>
+          <a:lstStyle/>
+          <a:p>
+            <a:pPr algn="ctr"/>
+            <a:endParaRPr lang="nl-NL"/>
+          </a:p>
+        </p:txBody>
+      </p:sp>
+      <p:sp>
+        <p:nvSpPr>
+          <p:cNvPr id="53" name="Lightning Bolt 52"/>
+          <p:cNvSpPr/>
+          <p:nvPr/>
+        </p:nvSpPr>
+        <p:spPr>
+          <a:xfrm>
+            <a:off x="7093135" y="5218671"/>
+            <a:ext cx="191592" cy="266062"/>
+          </a:xfrm>
+          <a:prstGeom prst="lightningBolt">
+            <a:avLst/>
+          </a:prstGeom>
+          <a:solidFill>
+            <a:schemeClr val="accent2">
+              <a:lumMod val="75000"/>
+            </a:schemeClr>
+          </a:solidFill>
+        </p:spPr>
+        <p:style>
+          <a:lnRef idx="2">
+            <a:schemeClr val="accent1">
+              <a:shade val="50000"/>
+            </a:schemeClr>
+          </a:lnRef>
+          <a:fillRef idx="1">
+            <a:schemeClr val="accent1"/>
+          </a:fillRef>
+          <a:effectRef idx="0">
+            <a:schemeClr val="accent1"/>
+          </a:effectRef>
+          <a:fontRef idx="minor">
+            <a:schemeClr val="lt1"/>
+          </a:fontRef>
+        </p:style>
+        <p:txBody>
+          <a:bodyPr rtlCol="0" anchor="ctr"/>
+          <a:lstStyle/>
+          <a:p>
+            <a:pPr algn="ctr"/>
+            <a:endParaRPr lang="nl-NL"/>
+          </a:p>
+        </p:txBody>
+      </p:sp>
+      <p:sp>
+        <p:nvSpPr>
+          <p:cNvPr id="54" name="Lightning Bolt 53"/>
+          <p:cNvSpPr/>
+          <p:nvPr/>
+        </p:nvSpPr>
+        <p:spPr>
+          <a:xfrm>
+            <a:off x="9270262" y="5216434"/>
+            <a:ext cx="191592" cy="266062"/>
+          </a:xfrm>
+          <a:prstGeom prst="lightningBolt">
+            <a:avLst/>
+          </a:prstGeom>
+          <a:solidFill>
+            <a:schemeClr val="accent2">
+              <a:lumMod val="75000"/>
+            </a:schemeClr>
+          </a:solidFill>
+        </p:spPr>
+        <p:style>
+          <a:lnRef idx="2">
+            <a:schemeClr val="accent1">
+              <a:shade val="50000"/>
+            </a:schemeClr>
+          </a:lnRef>
+          <a:fillRef idx="1">
+            <a:schemeClr val="accent1"/>
+          </a:fillRef>
+          <a:effectRef idx="0">
+            <a:schemeClr val="accent1"/>
+          </a:effectRef>
+          <a:fontRef idx="minor">
+            <a:schemeClr val="lt1"/>
+          </a:fontRef>
+        </p:style>
+        <p:txBody>
+          <a:bodyPr rtlCol="0" anchor="ctr"/>
+          <a:lstStyle/>
+          <a:p>
+            <a:pPr algn="ctr"/>
+            <a:endParaRPr lang="nl-NL"/>
+          </a:p>
+        </p:txBody>
+      </p:sp>
+      <p:cxnSp>
+        <p:nvCxnSpPr>
+          <p:cNvPr id="56" name="Straight Arrow Connector 55"/>
+          <p:cNvCxnSpPr/>
+          <p:nvPr/>
+        </p:nvCxnSpPr>
+        <p:spPr>
+          <a:xfrm flipV="1">
+            <a:off x="3949349" y="4032328"/>
+            <a:ext cx="949221" cy="1450168"/>
+          </a:xfrm>
+          <a:prstGeom prst="straightConnector1">
+            <a:avLst/>
+          </a:prstGeom>
+          <a:ln>
+            <a:tailEnd type="triangle"/>
+          </a:ln>
+        </p:spPr>
+        <p:style>
+          <a:lnRef idx="1">
+            <a:schemeClr val="accent1"/>
+          </a:lnRef>
+          <a:fillRef idx="0">
+            <a:schemeClr val="accent1"/>
+          </a:fillRef>
+          <a:effectRef idx="0">
+            <a:schemeClr val="accent1"/>
+          </a:effectRef>
+          <a:fontRef idx="minor">
+            <a:schemeClr val="tx1"/>
+          </a:fontRef>
+        </p:style>
+      </p:cxnSp>
+      <p:sp>
+        <p:nvSpPr>
+          <p:cNvPr id="57" name="Oval 56"/>
+          <p:cNvSpPr/>
+          <p:nvPr/>
+        </p:nvSpPr>
+        <p:spPr>
+          <a:xfrm>
+            <a:off x="4458343" y="1818196"/>
+            <a:ext cx="278674" cy="276803"/>
+          </a:xfrm>
+          <a:prstGeom prst="ellipse">
+            <a:avLst/>
+          </a:prstGeom>
+          <a:solidFill>
+            <a:schemeClr val="accent4">
+              <a:lumMod val="40000"/>
+              <a:lumOff val="60000"/>
+            </a:schemeClr>
+          </a:solidFill>
+        </p:spPr>
+        <p:style>
+          <a:lnRef idx="2">
+            <a:schemeClr val="accent1">
+              <a:shade val="50000"/>
+            </a:schemeClr>
+          </a:lnRef>
+          <a:fillRef idx="1">
+            <a:schemeClr val="accent1"/>
+          </a:fillRef>
+          <a:effectRef idx="0">
+            <a:schemeClr val="accent1"/>
+          </a:effectRef>
+          <a:fontRef idx="minor">
+            <a:schemeClr val="lt1"/>
+          </a:fontRef>
+        </p:style>
+        <p:txBody>
+          <a:bodyPr rtlCol="0" anchor="ctr"/>
+          <a:lstStyle/>
+          <a:p>
+            <a:pPr algn="ctr"/>
+            <a:r>
+              <a:rPr lang="en-US" sz="1600" dirty="0" smtClean="0">
+                <a:solidFill>
+                  <a:schemeClr val="accent2">
+                    <a:lumMod val="50000"/>
+                  </a:schemeClr>
+                </a:solidFill>
+              </a:rPr>
+              <a:t>1</a:t>
+            </a:r>
+            <a:endParaRPr lang="nl-NL" dirty="0">
+              <a:solidFill>
+                <a:schemeClr val="accent2">
+                  <a:lumMod val="50000"/>
+                </a:schemeClr>
+              </a:solidFill>
+            </a:endParaRPr>
+          </a:p>
+        </p:txBody>
+      </p:sp>
+      <p:sp>
+        <p:nvSpPr>
+          <p:cNvPr id="58" name="Oval 57"/>
+          <p:cNvSpPr/>
+          <p:nvPr/>
+        </p:nvSpPr>
+        <p:spPr>
+          <a:xfrm>
+            <a:off x="4044686" y="3190449"/>
+            <a:ext cx="278674" cy="276803"/>
+          </a:xfrm>
+          <a:prstGeom prst="ellipse">
+            <a:avLst/>
+          </a:prstGeom>
+          <a:solidFill>
+            <a:schemeClr val="accent4">
+              <a:lumMod val="40000"/>
+              <a:lumOff val="60000"/>
+            </a:schemeClr>
+          </a:solidFill>
+        </p:spPr>
+        <p:style>
+          <a:lnRef idx="2">
+            <a:schemeClr val="accent1">
+              <a:shade val="50000"/>
+            </a:schemeClr>
+          </a:lnRef>
+          <a:fillRef idx="1">
+            <a:schemeClr val="accent1"/>
+          </a:fillRef>
+          <a:effectRef idx="0">
+            <a:schemeClr val="accent1"/>
+          </a:effectRef>
+          <a:fontRef idx="minor">
+            <a:schemeClr val="lt1"/>
+          </a:fontRef>
+        </p:style>
+        <p:txBody>
+          <a:bodyPr rtlCol="0" anchor="ctr"/>
+          <a:lstStyle/>
+          <a:p>
+            <a:pPr algn="ctr"/>
+            <a:r>
+              <a:rPr lang="en-US" sz="1600" dirty="0">
+                <a:solidFill>
+                  <a:schemeClr val="accent2">
+                    <a:lumMod val="50000"/>
+                  </a:schemeClr>
+                </a:solidFill>
+              </a:rPr>
+              <a:t>2</a:t>
+            </a:r>
+            <a:endParaRPr lang="nl-NL" dirty="0">
+              <a:solidFill>
+                <a:schemeClr val="accent2">
+                  <a:lumMod val="50000"/>
+                </a:schemeClr>
+              </a:solidFill>
+            </a:endParaRPr>
+          </a:p>
+        </p:txBody>
+      </p:sp>
+      <p:sp>
+        <p:nvSpPr>
+          <p:cNvPr id="59" name="Oval 58"/>
+          <p:cNvSpPr/>
+          <p:nvPr/>
+        </p:nvSpPr>
+        <p:spPr>
+          <a:xfrm>
+            <a:off x="3178643" y="5346047"/>
+            <a:ext cx="278674" cy="276803"/>
+          </a:xfrm>
+          <a:prstGeom prst="ellipse">
+            <a:avLst/>
+          </a:prstGeom>
+          <a:solidFill>
+            <a:schemeClr val="accent4">
+              <a:lumMod val="40000"/>
+              <a:lumOff val="60000"/>
+            </a:schemeClr>
+          </a:solidFill>
+        </p:spPr>
+        <p:style>
+          <a:lnRef idx="2">
+            <a:schemeClr val="accent1">
+              <a:shade val="50000"/>
+            </a:schemeClr>
+          </a:lnRef>
+          <a:fillRef idx="1">
+            <a:schemeClr val="accent1"/>
+          </a:fillRef>
+          <a:effectRef idx="0">
+            <a:schemeClr val="accent1"/>
+          </a:effectRef>
+          <a:fontRef idx="minor">
+            <a:schemeClr val="lt1"/>
+          </a:fontRef>
+        </p:style>
+        <p:txBody>
+          <a:bodyPr rtlCol="0" anchor="ctr"/>
+          <a:lstStyle/>
+          <a:p>
+            <a:pPr algn="ctr"/>
+            <a:r>
+              <a:rPr lang="en-US" sz="1600" dirty="0" smtClean="0">
+                <a:solidFill>
+                  <a:schemeClr val="accent2">
+                    <a:lumMod val="50000"/>
+                  </a:schemeClr>
+                </a:solidFill>
+              </a:rPr>
+              <a:t>3</a:t>
+            </a:r>
+            <a:endParaRPr lang="nl-NL" dirty="0">
+              <a:solidFill>
+                <a:schemeClr val="accent2">
+                  <a:lumMod val="50000"/>
+                </a:schemeClr>
+              </a:solidFill>
+            </a:endParaRPr>
+          </a:p>
+        </p:txBody>
+      </p:sp>
+      <p:sp>
+        <p:nvSpPr>
+          <p:cNvPr id="60" name="Oval 59"/>
+          <p:cNvSpPr/>
+          <p:nvPr/>
+        </p:nvSpPr>
+        <p:spPr>
+          <a:xfrm>
+            <a:off x="4545874" y="4158808"/>
+            <a:ext cx="278674" cy="276803"/>
+          </a:xfrm>
+          <a:prstGeom prst="ellipse">
+            <a:avLst/>
+          </a:prstGeom>
+          <a:solidFill>
+            <a:schemeClr val="accent4">
+              <a:lumMod val="40000"/>
+              <a:lumOff val="60000"/>
+            </a:schemeClr>
+          </a:solidFill>
+        </p:spPr>
+        <p:style>
+          <a:lnRef idx="2">
+            <a:schemeClr val="accent1">
+              <a:shade val="50000"/>
+            </a:schemeClr>
+          </a:lnRef>
+          <a:fillRef idx="1">
+            <a:schemeClr val="accent1"/>
+          </a:fillRef>
+          <a:effectRef idx="0">
+            <a:schemeClr val="accent1"/>
+          </a:effectRef>
+          <a:fontRef idx="minor">
+            <a:schemeClr val="lt1"/>
+          </a:fontRef>
+        </p:style>
+        <p:txBody>
+          <a:bodyPr rtlCol="0" anchor="ctr"/>
+          <a:lstStyle/>
+          <a:p>
+            <a:pPr algn="ctr"/>
+            <a:r>
+              <a:rPr lang="en-US" sz="1600" dirty="0">
+                <a:solidFill>
+                  <a:schemeClr val="accent2">
+                    <a:lumMod val="50000"/>
+                  </a:schemeClr>
+                </a:solidFill>
+              </a:rPr>
+              <a:t>4</a:t>
+            </a:r>
+            <a:endParaRPr lang="nl-NL" dirty="0">
+              <a:solidFill>
+                <a:schemeClr val="accent2">
+                  <a:lumMod val="50000"/>
+                </a:schemeClr>
+              </a:solidFill>
+            </a:endParaRPr>
+          </a:p>
+        </p:txBody>
+      </p:sp>
+      <p:cxnSp>
+        <p:nvCxnSpPr>
+          <p:cNvPr id="61" name="Straight Arrow Connector 60"/>
+          <p:cNvCxnSpPr/>
+          <p:nvPr/>
+        </p:nvCxnSpPr>
+        <p:spPr>
+          <a:xfrm flipV="1">
+            <a:off x="4328181" y="4028424"/>
+            <a:ext cx="949221" cy="1450168"/>
+          </a:xfrm>
+          <a:prstGeom prst="straightConnector1">
+            <a:avLst/>
+          </a:prstGeom>
+          <a:ln>
+            <a:tailEnd type="triangle"/>
+          </a:ln>
+        </p:spPr>
+        <p:style>
+          <a:lnRef idx="1">
+            <a:schemeClr val="accent1"/>
+          </a:lnRef>
+          <a:fillRef idx="0">
+            <a:schemeClr val="accent1"/>
+          </a:fillRef>
+          <a:effectRef idx="0">
+            <a:schemeClr val="accent1"/>
+          </a:effectRef>
+          <a:fontRef idx="minor">
+            <a:schemeClr val="tx1"/>
+          </a:fontRef>
+        </p:style>
+      </p:cxnSp>
+      <p:sp>
+        <p:nvSpPr>
+          <p:cNvPr id="62" name="Oval 61"/>
+          <p:cNvSpPr/>
+          <p:nvPr/>
+        </p:nvSpPr>
+        <p:spPr>
+          <a:xfrm>
+            <a:off x="4706991" y="4504489"/>
+            <a:ext cx="278674" cy="276803"/>
+          </a:xfrm>
+          <a:prstGeom prst="ellipse">
+            <a:avLst/>
+          </a:prstGeom>
+          <a:solidFill>
+            <a:schemeClr val="accent4">
+              <a:lumMod val="40000"/>
+              <a:lumOff val="60000"/>
+            </a:schemeClr>
+          </a:solidFill>
+        </p:spPr>
+        <p:style>
+          <a:lnRef idx="2">
+            <a:schemeClr val="accent1">
+              <a:shade val="50000"/>
+            </a:schemeClr>
+          </a:lnRef>
+          <a:fillRef idx="1">
+            <a:schemeClr val="accent1"/>
+          </a:fillRef>
+          <a:effectRef idx="0">
+            <a:schemeClr val="accent1"/>
+          </a:effectRef>
+          <a:fontRef idx="minor">
+            <a:schemeClr val="lt1"/>
+          </a:fontRef>
+        </p:style>
+        <p:txBody>
+          <a:bodyPr rtlCol="0" anchor="ctr"/>
+          <a:lstStyle/>
+          <a:p>
+            <a:pPr algn="ctr"/>
+            <a:r>
+              <a:rPr lang="en-US" dirty="0" smtClean="0">
+                <a:solidFill>
+                  <a:schemeClr val="accent2">
+                    <a:lumMod val="50000"/>
+                  </a:schemeClr>
+                </a:solidFill>
+              </a:rPr>
+              <a:t>6</a:t>
+            </a:r>
+            <a:endParaRPr lang="nl-NL" dirty="0">
+              <a:solidFill>
+                <a:schemeClr val="accent2">
+                  <a:lumMod val="50000"/>
+                </a:schemeClr>
+              </a:solidFill>
+            </a:endParaRPr>
+          </a:p>
+        </p:txBody>
+      </p:sp>
+      <p:sp>
+        <p:nvSpPr>
+          <p:cNvPr id="63" name="Oval 62"/>
+          <p:cNvSpPr/>
+          <p:nvPr/>
+        </p:nvSpPr>
+        <p:spPr>
+          <a:xfrm>
+            <a:off x="4192665" y="3326532"/>
+            <a:ext cx="278674" cy="276803"/>
+          </a:xfrm>
+          <a:prstGeom prst="ellipse">
+            <a:avLst/>
+          </a:prstGeom>
+          <a:solidFill>
+            <a:schemeClr val="accent4">
+              <a:lumMod val="40000"/>
+              <a:lumOff val="60000"/>
+            </a:schemeClr>
+          </a:solidFill>
+        </p:spPr>
+        <p:style>
+          <a:lnRef idx="2">
+            <a:schemeClr val="accent1">
+              <a:shade val="50000"/>
+            </a:schemeClr>
+          </a:lnRef>
+          <a:fillRef idx="1">
+            <a:schemeClr val="accent1"/>
+          </a:fillRef>
+          <a:effectRef idx="0">
+            <a:schemeClr val="accent1"/>
+          </a:effectRef>
+          <a:fontRef idx="minor">
+            <a:schemeClr val="lt1"/>
+          </a:fontRef>
+        </p:style>
+        <p:txBody>
+          <a:bodyPr rtlCol="0" anchor="ctr"/>
+          <a:lstStyle/>
+          <a:p>
+            <a:pPr algn="ctr"/>
+            <a:r>
+              <a:rPr lang="en-US" sz="1600" dirty="0" smtClean="0">
+                <a:solidFill>
+                  <a:schemeClr val="accent2">
+                    <a:lumMod val="50000"/>
+                  </a:schemeClr>
+                </a:solidFill>
+              </a:rPr>
+              <a:t>7</a:t>
+            </a:r>
+            <a:endParaRPr lang="nl-NL" dirty="0">
+              <a:solidFill>
+                <a:schemeClr val="accent2">
+                  <a:lumMod val="50000"/>
+                </a:schemeClr>
+              </a:solidFill>
+            </a:endParaRPr>
+          </a:p>
+        </p:txBody>
+      </p:sp>
+      <p:sp>
+        <p:nvSpPr>
+          <p:cNvPr id="64" name="Oval 63"/>
+          <p:cNvSpPr/>
+          <p:nvPr/>
+        </p:nvSpPr>
+        <p:spPr>
+          <a:xfrm>
+            <a:off x="5421093" y="5284601"/>
+            <a:ext cx="278674" cy="276803"/>
+          </a:xfrm>
+          <a:prstGeom prst="ellipse">
+            <a:avLst/>
+          </a:prstGeom>
+          <a:solidFill>
+            <a:schemeClr val="accent4">
+              <a:lumMod val="40000"/>
+              <a:lumOff val="60000"/>
+            </a:schemeClr>
+          </a:solidFill>
+        </p:spPr>
+        <p:style>
+          <a:lnRef idx="2">
+            <a:schemeClr val="accent1">
+              <a:shade val="50000"/>
+            </a:schemeClr>
+          </a:lnRef>
+          <a:fillRef idx="1">
+            <a:schemeClr val="accent1"/>
+          </a:fillRef>
+          <a:effectRef idx="0">
+            <a:schemeClr val="accent1"/>
+          </a:effectRef>
+          <a:fontRef idx="minor">
+            <a:schemeClr val="lt1"/>
+          </a:fontRef>
+        </p:style>
+        <p:txBody>
+          <a:bodyPr rtlCol="0" anchor="ctr"/>
+          <a:lstStyle/>
+          <a:p>
+            <a:pPr algn="ctr"/>
+            <a:r>
+              <a:rPr lang="en-US" dirty="0" smtClean="0">
+                <a:solidFill>
+                  <a:schemeClr val="accent2">
+                    <a:lumMod val="50000"/>
+                  </a:schemeClr>
+                </a:solidFill>
+              </a:rPr>
+              <a:t>8</a:t>
+            </a:r>
+            <a:endParaRPr lang="nl-NL" dirty="0">
+              <a:solidFill>
+                <a:schemeClr val="accent2">
+                  <a:lumMod val="50000"/>
+                </a:schemeClr>
+              </a:solidFill>
+            </a:endParaRPr>
+          </a:p>
+        </p:txBody>
+      </p:sp>
+      <p:sp>
+        <p:nvSpPr>
+          <p:cNvPr id="65" name="Oval 64"/>
+          <p:cNvSpPr/>
+          <p:nvPr/>
+        </p:nvSpPr>
+        <p:spPr>
+          <a:xfrm>
+            <a:off x="7654842" y="5294093"/>
+            <a:ext cx="278674" cy="276803"/>
+          </a:xfrm>
+          <a:prstGeom prst="ellipse">
+            <a:avLst/>
+          </a:prstGeom>
+          <a:solidFill>
+            <a:schemeClr val="accent4">
+              <a:lumMod val="40000"/>
+              <a:lumOff val="60000"/>
+            </a:schemeClr>
+          </a:solidFill>
+        </p:spPr>
+        <p:style>
+          <a:lnRef idx="2">
+            <a:schemeClr val="accent1">
+              <a:shade val="50000"/>
+            </a:schemeClr>
+          </a:lnRef>
+          <a:fillRef idx="1">
+            <a:schemeClr val="accent1"/>
+          </a:fillRef>
+          <a:effectRef idx="0">
+            <a:schemeClr val="accent1"/>
+          </a:effectRef>
+          <a:fontRef idx="minor">
+            <a:schemeClr val="lt1"/>
+          </a:fontRef>
+        </p:style>
+        <p:txBody>
+          <a:bodyPr rtlCol="0" anchor="ctr"/>
+          <a:lstStyle/>
+          <a:p>
+            <a:pPr algn="ctr"/>
+            <a:r>
+              <a:rPr lang="en-US" sz="1600" dirty="0">
+                <a:solidFill>
+                  <a:schemeClr val="accent2">
+                    <a:lumMod val="50000"/>
+                  </a:schemeClr>
+                </a:solidFill>
+              </a:rPr>
+              <a:t>8</a:t>
+            </a:r>
+            <a:endParaRPr lang="nl-NL" dirty="0">
+              <a:solidFill>
+                <a:schemeClr val="accent2">
+                  <a:lumMod val="50000"/>
+                </a:schemeClr>
+              </a:solidFill>
+            </a:endParaRPr>
+          </a:p>
+        </p:txBody>
+      </p:sp>
+      <p:sp>
+        <p:nvSpPr>
+          <p:cNvPr id="66" name="Oval Callout 65"/>
+          <p:cNvSpPr/>
+          <p:nvPr/>
+        </p:nvSpPr>
+        <p:spPr>
+          <a:xfrm>
+            <a:off x="5323113" y="3868478"/>
+            <a:ext cx="2298612" cy="590005"/>
+          </a:xfrm>
+          <a:prstGeom prst="wedgeEllipseCallout">
+            <a:avLst>
+              <a:gd name="adj1" fmla="val -72435"/>
+              <a:gd name="adj2" fmla="val 16380"/>
+            </a:avLst>
+          </a:prstGeom>
+        </p:spPr>
+        <p:style>
+          <a:lnRef idx="2">
+            <a:schemeClr val="dk1"/>
+          </a:lnRef>
+          <a:fillRef idx="1">
+            <a:schemeClr val="lt1"/>
+          </a:fillRef>
+          <a:effectRef idx="0">
+            <a:schemeClr val="dk1"/>
+          </a:effectRef>
+          <a:fontRef idx="minor">
+            <a:schemeClr val="dk1"/>
+          </a:fontRef>
+        </p:style>
+        <p:txBody>
+          <a:bodyPr rtlCol="0" anchor="ctr"/>
+          <a:lstStyle/>
+          <a:p>
+            <a:pPr algn="ctr"/>
+            <a:endParaRPr lang="nl-NL"/>
+          </a:p>
+        </p:txBody>
+      </p:sp>
+      <p:sp>
+        <p:nvSpPr>
+          <p:cNvPr id="67" name="TextBox 66"/>
+          <p:cNvSpPr txBox="1"/>
+          <p:nvPr/>
+        </p:nvSpPr>
+        <p:spPr>
+          <a:xfrm>
+            <a:off x="5497729" y="3932647"/>
+            <a:ext cx="2123995" cy="461665"/>
+          </a:xfrm>
+          <a:prstGeom prst="rect">
+            <a:avLst/>
+          </a:prstGeom>
+          <a:noFill/>
+        </p:spPr>
+        <p:txBody>
+          <a:bodyPr wrap="square" rtlCol="0">
+            <a:spAutoFit/>
+          </a:bodyPr>
+          <a:lstStyle/>
+          <a:p>
+            <a:r>
+              <a:rPr lang="en-US" sz="1200" dirty="0" smtClean="0"/>
+              <a:t>Claim task &amp; Retrieve Routing Slip &amp; Workflow </a:t>
+            </a:r>
+            <a:r>
+              <a:rPr lang="en-US" sz="1200" dirty="0"/>
+              <a:t>I</a:t>
+            </a:r>
+            <a:r>
+              <a:rPr lang="en-US" sz="1200" dirty="0" smtClean="0"/>
+              <a:t>nstance state</a:t>
+            </a:r>
+            <a:endParaRPr lang="nl-NL" sz="1200" dirty="0"/>
+          </a:p>
+        </p:txBody>
+      </p:sp>
+      <p:sp>
+        <p:nvSpPr>
+          <p:cNvPr id="68" name="Oval Callout 67"/>
+          <p:cNvSpPr/>
+          <p:nvPr/>
+        </p:nvSpPr>
+        <p:spPr>
+          <a:xfrm>
+            <a:off x="5529481" y="4447020"/>
+            <a:ext cx="1961615" cy="590005"/>
+          </a:xfrm>
+          <a:prstGeom prst="wedgeEllipseCallout">
+            <a:avLst>
+              <a:gd name="adj1" fmla="val -78285"/>
+              <a:gd name="adj2" fmla="val -35368"/>
+            </a:avLst>
+          </a:prstGeom>
+        </p:spPr>
+        <p:style>
+          <a:lnRef idx="2">
+            <a:schemeClr val="dk1"/>
+          </a:lnRef>
+          <a:fillRef idx="1">
+            <a:schemeClr val="lt1"/>
+          </a:fillRef>
+          <a:effectRef idx="0">
+            <a:schemeClr val="dk1"/>
+          </a:effectRef>
+          <a:fontRef idx="minor">
+            <a:schemeClr val="dk1"/>
+          </a:fontRef>
+        </p:style>
+        <p:txBody>
+          <a:bodyPr rtlCol="0" anchor="ctr"/>
+          <a:lstStyle/>
+          <a:p>
+            <a:pPr algn="ctr"/>
+            <a:endParaRPr lang="nl-NL"/>
+          </a:p>
+        </p:txBody>
+      </p:sp>
+      <p:sp>
+        <p:nvSpPr>
+          <p:cNvPr id="69" name="TextBox 68"/>
+          <p:cNvSpPr txBox="1"/>
+          <p:nvPr/>
+        </p:nvSpPr>
+        <p:spPr>
+          <a:xfrm>
+            <a:off x="5656212" y="4511191"/>
+            <a:ext cx="1786997" cy="461665"/>
+          </a:xfrm>
+          <a:prstGeom prst="rect">
+            <a:avLst/>
+          </a:prstGeom>
+          <a:noFill/>
+        </p:spPr>
+        <p:txBody>
+          <a:bodyPr wrap="square" rtlCol="0">
+            <a:spAutoFit/>
+          </a:bodyPr>
+          <a:lstStyle/>
+          <a:p>
+            <a:r>
+              <a:rPr lang="en-US" sz="1200" dirty="0" smtClean="0"/>
+              <a:t>Submit “task status” &amp;</a:t>
+            </a:r>
+            <a:br>
+              <a:rPr lang="en-US" sz="1200" dirty="0" smtClean="0"/>
+            </a:br>
+            <a:r>
+              <a:rPr lang="en-US" sz="1200" dirty="0" smtClean="0"/>
+              <a:t>updates to instance state</a:t>
+            </a:r>
+            <a:endParaRPr lang="nl-NL" sz="1200" dirty="0"/>
+          </a:p>
+        </p:txBody>
+      </p:sp>
+      <p:sp>
+        <p:nvSpPr>
+          <p:cNvPr id="70" name="Oval 69"/>
+          <p:cNvSpPr/>
+          <p:nvPr/>
+        </p:nvSpPr>
+        <p:spPr>
+          <a:xfrm>
+            <a:off x="3903625" y="5693679"/>
+            <a:ext cx="278674" cy="276803"/>
+          </a:xfrm>
+          <a:prstGeom prst="ellipse">
+            <a:avLst/>
+          </a:prstGeom>
+          <a:solidFill>
+            <a:schemeClr val="accent4">
+              <a:lumMod val="40000"/>
+              <a:lumOff val="60000"/>
+            </a:schemeClr>
+          </a:solidFill>
+        </p:spPr>
+        <p:style>
+          <a:lnRef idx="2">
+            <a:schemeClr val="accent1">
+              <a:shade val="50000"/>
+            </a:schemeClr>
+          </a:lnRef>
+          <a:fillRef idx="1">
+            <a:schemeClr val="accent1"/>
+          </a:fillRef>
+          <a:effectRef idx="0">
+            <a:schemeClr val="accent1"/>
+          </a:effectRef>
+          <a:fontRef idx="minor">
+            <a:schemeClr val="lt1"/>
+          </a:fontRef>
+        </p:style>
+        <p:txBody>
+          <a:bodyPr rtlCol="0" anchor="ctr"/>
+          <a:lstStyle/>
+          <a:p>
+            <a:pPr algn="ctr"/>
+            <a:r>
+              <a:rPr lang="en-US" sz="1600" dirty="0" smtClean="0">
+                <a:solidFill>
+                  <a:schemeClr val="accent2">
+                    <a:lumMod val="50000"/>
+                  </a:schemeClr>
+                </a:solidFill>
+              </a:rPr>
+              <a:t>5</a:t>
+            </a:r>
+            <a:endParaRPr lang="nl-NL" dirty="0">
+              <a:solidFill>
+                <a:schemeClr val="accent2">
+                  <a:lumMod val="50000"/>
+                </a:schemeClr>
+              </a:solidFill>
+            </a:endParaRPr>
+          </a:p>
+        </p:txBody>
+      </p:sp>
+      <p:sp>
+        <p:nvSpPr>
+          <p:cNvPr id="71" name="Oval Callout 70"/>
+          <p:cNvSpPr/>
+          <p:nvPr/>
+        </p:nvSpPr>
+        <p:spPr>
+          <a:xfrm>
+            <a:off x="2634349" y="6197581"/>
+            <a:ext cx="1477186" cy="590005"/>
+          </a:xfrm>
+          <a:prstGeom prst="wedgeEllipseCallout">
+            <a:avLst>
+              <a:gd name="adj1" fmla="val 46935"/>
+              <a:gd name="adj2" fmla="val -94626"/>
+            </a:avLst>
+          </a:prstGeom>
+        </p:spPr>
+        <p:style>
+          <a:lnRef idx="2">
+            <a:schemeClr val="dk1"/>
+          </a:lnRef>
+          <a:fillRef idx="1">
+            <a:schemeClr val="lt1"/>
+          </a:fillRef>
+          <a:effectRef idx="0">
+            <a:schemeClr val="dk1"/>
+          </a:effectRef>
+          <a:fontRef idx="minor">
+            <a:schemeClr val="dk1"/>
+          </a:fontRef>
+        </p:style>
+        <p:txBody>
+          <a:bodyPr rtlCol="0" anchor="ctr"/>
+          <a:lstStyle/>
+          <a:p>
+            <a:pPr algn="ctr"/>
+            <a:endParaRPr lang="nl-NL"/>
+          </a:p>
+        </p:txBody>
+      </p:sp>
+      <p:sp>
+        <p:nvSpPr>
+          <p:cNvPr id="72" name="TextBox 71"/>
+          <p:cNvSpPr txBox="1"/>
+          <p:nvPr/>
+        </p:nvSpPr>
+        <p:spPr>
+          <a:xfrm>
+            <a:off x="2773685" y="6261752"/>
+            <a:ext cx="1289963" cy="461665"/>
+          </a:xfrm>
+          <a:prstGeom prst="rect">
+            <a:avLst/>
+          </a:prstGeom>
+          <a:noFill/>
+        </p:spPr>
+        <p:txBody>
+          <a:bodyPr wrap="square" rtlCol="0">
+            <a:spAutoFit/>
+          </a:bodyPr>
+          <a:lstStyle/>
+          <a:p>
+            <a:r>
+              <a:rPr lang="en-US" sz="1200" dirty="0" smtClean="0"/>
+              <a:t>Perform the step in the workflow</a:t>
+            </a:r>
+            <a:endParaRPr lang="nl-NL" sz="1200" dirty="0"/>
+          </a:p>
+        </p:txBody>
+      </p:sp>
+      <p:sp>
+        <p:nvSpPr>
+          <p:cNvPr id="75" name="Oval Callout 74"/>
+          <p:cNvSpPr/>
+          <p:nvPr/>
+        </p:nvSpPr>
+        <p:spPr>
+          <a:xfrm>
+            <a:off x="1945341" y="2558144"/>
+            <a:ext cx="2380657" cy="591236"/>
+          </a:xfrm>
+          <a:prstGeom prst="wedgeEllipseCallout">
+            <a:avLst>
+              <a:gd name="adj1" fmla="val 46478"/>
+              <a:gd name="adj2" fmla="val 70992"/>
+            </a:avLst>
+          </a:prstGeom>
+        </p:spPr>
+        <p:style>
+          <a:lnRef idx="2">
+            <a:schemeClr val="dk1"/>
+          </a:lnRef>
+          <a:fillRef idx="1">
+            <a:schemeClr val="lt1"/>
+          </a:fillRef>
+          <a:effectRef idx="0">
+            <a:schemeClr val="dk1"/>
+          </a:effectRef>
+          <a:fontRef idx="minor">
+            <a:schemeClr val="dk1"/>
+          </a:fontRef>
+        </p:style>
+        <p:txBody>
+          <a:bodyPr rtlCol="0" anchor="ctr"/>
+          <a:lstStyle/>
+          <a:p>
+            <a:pPr algn="ctr"/>
+            <a:endParaRPr lang="nl-NL"/>
+          </a:p>
+        </p:txBody>
+      </p:sp>
+      <p:sp>
+        <p:nvSpPr>
+          <p:cNvPr id="76" name="TextBox 75"/>
+          <p:cNvSpPr txBox="1"/>
+          <p:nvPr/>
+        </p:nvSpPr>
+        <p:spPr>
+          <a:xfrm>
+            <a:off x="2048695" y="2630862"/>
+            <a:ext cx="2353961" cy="461665"/>
+          </a:xfrm>
+          <a:prstGeom prst="rect">
+            <a:avLst/>
+          </a:prstGeom>
+          <a:noFill/>
+        </p:spPr>
+        <p:txBody>
+          <a:bodyPr wrap="square" rtlCol="0">
+            <a:spAutoFit/>
+          </a:bodyPr>
+          <a:lstStyle/>
+          <a:p>
+            <a:r>
+              <a:rPr lang="en-US" sz="1200" dirty="0" smtClean="0"/>
+              <a:t>Publish Routing Slip event – with type, identifier &amp; routing details</a:t>
+            </a:r>
+            <a:endParaRPr lang="nl-NL" sz="1200" dirty="0"/>
+          </a:p>
+        </p:txBody>
+      </p:sp>
+      <p:sp>
+        <p:nvSpPr>
+          <p:cNvPr id="77" name="Oval Callout 76"/>
+          <p:cNvSpPr/>
+          <p:nvPr/>
+        </p:nvSpPr>
+        <p:spPr>
+          <a:xfrm>
+            <a:off x="7776566" y="4621499"/>
+            <a:ext cx="3113503" cy="590005"/>
+          </a:xfrm>
+          <a:prstGeom prst="wedgeEllipseCallout">
+            <a:avLst>
+              <a:gd name="adj1" fmla="val -45381"/>
+              <a:gd name="adj2" fmla="val 78589"/>
+            </a:avLst>
+          </a:prstGeom>
+        </p:spPr>
+        <p:style>
+          <a:lnRef idx="2">
+            <a:schemeClr val="dk1"/>
+          </a:lnRef>
+          <a:fillRef idx="1">
+            <a:schemeClr val="lt1"/>
+          </a:fillRef>
+          <a:effectRef idx="0">
+            <a:schemeClr val="dk1"/>
+          </a:effectRef>
+          <a:fontRef idx="minor">
+            <a:schemeClr val="dk1"/>
+          </a:fontRef>
+        </p:style>
+        <p:txBody>
+          <a:bodyPr rtlCol="0" anchor="ctr"/>
+          <a:lstStyle/>
+          <a:p>
+            <a:pPr algn="ctr"/>
+            <a:endParaRPr lang="nl-NL"/>
+          </a:p>
+        </p:txBody>
+      </p:sp>
+      <p:sp>
+        <p:nvSpPr>
+          <p:cNvPr id="78" name="TextBox 77"/>
+          <p:cNvSpPr txBox="1"/>
+          <p:nvPr/>
+        </p:nvSpPr>
+        <p:spPr>
+          <a:xfrm>
+            <a:off x="7996870" y="4695276"/>
+            <a:ext cx="2877746" cy="461665"/>
+          </a:xfrm>
+          <a:prstGeom prst="rect">
+            <a:avLst/>
+          </a:prstGeom>
+          <a:noFill/>
+        </p:spPr>
+        <p:txBody>
+          <a:bodyPr wrap="square" rtlCol="0">
+            <a:spAutoFit/>
+          </a:bodyPr>
+          <a:lstStyle/>
+          <a:p>
+            <a:r>
+              <a:rPr lang="en-US" sz="1200" dirty="0" smtClean="0"/>
+              <a:t>Consume event and check if a task is ready for execution that this MS can handle</a:t>
+            </a:r>
+            <a:endParaRPr lang="nl-NL" sz="1200" dirty="0"/>
+          </a:p>
+        </p:txBody>
+      </p:sp>
+      <p:sp>
+        <p:nvSpPr>
+          <p:cNvPr id="80" name="Oval Callout 79"/>
+          <p:cNvSpPr/>
+          <p:nvPr/>
+        </p:nvSpPr>
+        <p:spPr>
+          <a:xfrm>
+            <a:off x="-130791" y="4542406"/>
+            <a:ext cx="3113503" cy="590005"/>
+          </a:xfrm>
+          <a:prstGeom prst="wedgeEllipseCallout">
+            <a:avLst>
+              <a:gd name="adj1" fmla="val 60289"/>
+              <a:gd name="adj2" fmla="val 83147"/>
+            </a:avLst>
+          </a:prstGeom>
+        </p:spPr>
+        <p:style>
+          <a:lnRef idx="2">
+            <a:schemeClr val="dk1"/>
+          </a:lnRef>
+          <a:fillRef idx="1">
+            <a:schemeClr val="lt1"/>
+          </a:fillRef>
+          <a:effectRef idx="0">
+            <a:schemeClr val="dk1"/>
+          </a:effectRef>
+          <a:fontRef idx="minor">
+            <a:schemeClr val="dk1"/>
+          </a:fontRef>
+        </p:style>
+        <p:txBody>
+          <a:bodyPr rtlCol="0" anchor="ctr"/>
+          <a:lstStyle/>
+          <a:p>
+            <a:pPr algn="ctr"/>
+            <a:endParaRPr lang="nl-NL"/>
+          </a:p>
+        </p:txBody>
+      </p:sp>
+      <p:sp>
+        <p:nvSpPr>
+          <p:cNvPr id="81" name="TextBox 80"/>
+          <p:cNvSpPr txBox="1"/>
+          <p:nvPr/>
+        </p:nvSpPr>
+        <p:spPr>
+          <a:xfrm>
+            <a:off x="89513" y="4616183"/>
+            <a:ext cx="2877746" cy="461665"/>
+          </a:xfrm>
+          <a:prstGeom prst="rect">
+            <a:avLst/>
+          </a:prstGeom>
+          <a:noFill/>
+        </p:spPr>
+        <p:txBody>
+          <a:bodyPr wrap="square" rtlCol="0">
+            <a:spAutoFit/>
+          </a:bodyPr>
+          <a:lstStyle/>
+          <a:p>
+            <a:r>
+              <a:rPr lang="en-US" sz="1200" dirty="0" smtClean="0"/>
+              <a:t>Consume event and check if a task is ready for execution that this MS can handle</a:t>
+            </a:r>
+            <a:endParaRPr lang="nl-NL" sz="1200" dirty="0"/>
+          </a:p>
+        </p:txBody>
+      </p:sp>
+    </p:spTree>
+    <p:extLst>
+      <p:ext uri="{BB962C8B-B14F-4D97-AF65-F5344CB8AC3E}">
+        <p14:creationId xmlns:p14="http://schemas.microsoft.com/office/powerpoint/2010/main" val="3206440514"/>
+      </p:ext>
+    </p:extLst>
+  </p:cSld>
+  <p:clrMapOvr>
+    <a:masterClrMapping/>
+  </p:clrMapOvr>
+  <p:timing>
+    <p:tnLst>
+      <p:par>
+        <p:cTn id="1" dur="indefinite" restart="never" nodeType="tmRoot"/>
+      </p:par>
+    </p:tnLst>
+  </p:timing>
+</p:sld>
+</file>
+
+<file path=ppt/slides/slide6.xml><?xml version="1.0" encoding="utf-8"?>
+<p:sld xmlns:a="http://schemas.openxmlformats.org/drawingml/2006/main" xmlns:r="http://schemas.openxmlformats.org/officeDocument/2006/relationships" xmlns:p="http://schemas.openxmlformats.org/presentationml/2006/main">
+  <p:cSld>
+    <p:spTree>
+      <p:nvGrpSpPr>
+        <p:cNvPr id="1" name=""/>
+        <p:cNvGrpSpPr/>
+        <p:nvPr/>
+      </p:nvGrpSpPr>
+      <p:grpSpPr>
+        <a:xfrm>
+          <a:off x="0" y="0"/>
+          <a:ext cx="0" cy="0"/>
+          <a:chOff x="0" y="0"/>
+          <a:chExt cx="0" cy="0"/>
+        </a:xfrm>
+      </p:grpSpPr>
+      <p:sp>
+        <p:nvSpPr>
           <p:cNvPr id="2" name="Title 1"/>
           <p:cNvSpPr>
             <a:spLocks noGrp="1"/>
@@ -10137,7 +12410,7 @@
 </p:sld>
 </file>
 
-<file path=ppt/slides/slide6.xml><?xml version="1.0" encoding="utf-8"?>
+<file path=ppt/slides/slide7.xml><?xml version="1.0" encoding="utf-8"?>
 <p:sld xmlns:a="http://schemas.openxmlformats.org/drawingml/2006/main" xmlns:r="http://schemas.openxmlformats.org/officeDocument/2006/relationships" xmlns:p="http://schemas.openxmlformats.org/presentationml/2006/main">
   <p:cSld>
     <p:spTree>

--- a/Logistics-Microservice-in-Soaring through the Clouds – The Sequel.pptx
+++ b/Logistics-Microservice-in-Soaring through the Clouds – The Sequel.pptx
@@ -5,7 +5,7 @@
     <p:sldMasterId id="2147483648" r:id="rId1"/>
   </p:sldMasterIdLst>
   <p:notesMasterIdLst>
-    <p:notesMasterId r:id="rId12"/>
+    <p:notesMasterId r:id="rId18"/>
   </p:notesMasterIdLst>
   <p:sldIdLst>
     <p:sldId id="256" r:id="rId2"/>
@@ -18,6 +18,12 @@
     <p:sldId id="275" r:id="rId9"/>
     <p:sldId id="266" r:id="rId10"/>
     <p:sldId id="273" r:id="rId11"/>
+    <p:sldId id="281" r:id="rId12"/>
+    <p:sldId id="282" r:id="rId13"/>
+    <p:sldId id="284" r:id="rId14"/>
+    <p:sldId id="285" r:id="rId15"/>
+    <p:sldId id="283" r:id="rId16"/>
+    <p:sldId id="280" r:id="rId17"/>
   </p:sldIdLst>
   <p:sldSz cx="12192000" cy="6858000"/>
   <p:notesSz cx="6858000" cy="9144000"/>
@@ -206,7 +212,7 @@
           <a:p>
             <a:fld id="{8B05A5DF-2C94-4F7E-AAA6-B31AAB6BB737}" type="datetimeFigureOut">
               <a:rPr lang="nl-NL" smtClean="0"/>
-              <a:t>14-2-2018</a:t>
+              <a:t>25-2-2018</a:t>
             </a:fld>
             <a:endParaRPr lang="nl-NL"/>
           </a:p>
@@ -474,6 +480,446 @@
 </p:notesMaster>
 </file>
 
+<file path=ppt/notesSlides/notesSlide1.xml><?xml version="1.0" encoding="utf-8"?>
+<p:notes xmlns:a="http://schemas.openxmlformats.org/drawingml/2006/main" xmlns:r="http://schemas.openxmlformats.org/officeDocument/2006/relationships" xmlns:p="http://schemas.openxmlformats.org/presentationml/2006/main">
+  <p:cSld>
+    <p:spTree>
+      <p:nvGrpSpPr>
+        <p:cNvPr id="1" name=""/>
+        <p:cNvGrpSpPr/>
+        <p:nvPr/>
+      </p:nvGrpSpPr>
+      <p:grpSpPr>
+        <a:xfrm>
+          <a:off x="0" y="0"/>
+          <a:ext cx="0" cy="0"/>
+          <a:chOff x="0" y="0"/>
+          <a:chExt cx="0" cy="0"/>
+        </a:xfrm>
+      </p:grpSpPr>
+      <p:sp>
+        <p:nvSpPr>
+          <p:cNvPr id="2" name="Slide Image Placeholder 1"/>
+          <p:cNvSpPr>
+            <a:spLocks noGrp="1" noRot="1" noChangeAspect="1"/>
+          </p:cNvSpPr>
+          <p:nvPr>
+            <p:ph type="sldImg"/>
+          </p:nvPr>
+        </p:nvSpPr>
+        <p:spPr/>
+      </p:sp>
+      <p:sp>
+        <p:nvSpPr>
+          <p:cNvPr id="3" name="Notes Placeholder 2"/>
+          <p:cNvSpPr>
+            <a:spLocks noGrp="1"/>
+          </p:cNvSpPr>
+          <p:nvPr>
+            <p:ph type="body" idx="1"/>
+          </p:nvPr>
+        </p:nvSpPr>
+        <p:spPr/>
+        <p:txBody>
+          <a:bodyPr/>
+          <a:lstStyle/>
+          <a:p>
+            <a:r>
+              <a:rPr lang="en-US" dirty="0" smtClean="0"/>
+              <a:t>https://medium.com/oracledevs/quick-start-docker-ized-paas-service-manager-cli-f54eaf4ebcc7 </a:t>
+            </a:r>
+            <a:endParaRPr lang="nl-NL" dirty="0"/>
+          </a:p>
+        </p:txBody>
+      </p:sp>
+      <p:sp>
+        <p:nvSpPr>
+          <p:cNvPr id="4" name="Slide Number Placeholder 3"/>
+          <p:cNvSpPr>
+            <a:spLocks noGrp="1"/>
+          </p:cNvSpPr>
+          <p:nvPr>
+            <p:ph type="sldNum" sz="quarter" idx="10"/>
+          </p:nvPr>
+        </p:nvSpPr>
+        <p:spPr/>
+        <p:txBody>
+          <a:bodyPr/>
+          <a:lstStyle/>
+          <a:p>
+            <a:fld id="{1B5FCE8C-42D9-43C6-BADD-EC45F87C0893}" type="slidenum">
+              <a:rPr lang="nl-NL" smtClean="0"/>
+              <a:t>11</a:t>
+            </a:fld>
+            <a:endParaRPr lang="nl-NL"/>
+          </a:p>
+        </p:txBody>
+      </p:sp>
+    </p:spTree>
+    <p:extLst>
+      <p:ext uri="{BB962C8B-B14F-4D97-AF65-F5344CB8AC3E}">
+        <p14:creationId xmlns:p14="http://schemas.microsoft.com/office/powerpoint/2010/main" val="1740593659"/>
+      </p:ext>
+    </p:extLst>
+  </p:cSld>
+  <p:clrMapOvr>
+    <a:masterClrMapping/>
+  </p:clrMapOvr>
+</p:notes>
+</file>
+
+<file path=ppt/notesSlides/notesSlide2.xml><?xml version="1.0" encoding="utf-8"?>
+<p:notes xmlns:a="http://schemas.openxmlformats.org/drawingml/2006/main" xmlns:r="http://schemas.openxmlformats.org/officeDocument/2006/relationships" xmlns:p="http://schemas.openxmlformats.org/presentationml/2006/main">
+  <p:cSld>
+    <p:spTree>
+      <p:nvGrpSpPr>
+        <p:cNvPr id="1" name=""/>
+        <p:cNvGrpSpPr/>
+        <p:nvPr/>
+      </p:nvGrpSpPr>
+      <p:grpSpPr>
+        <a:xfrm>
+          <a:off x="0" y="0"/>
+          <a:ext cx="0" cy="0"/>
+          <a:chOff x="0" y="0"/>
+          <a:chExt cx="0" cy="0"/>
+        </a:xfrm>
+      </p:grpSpPr>
+      <p:sp>
+        <p:nvSpPr>
+          <p:cNvPr id="2" name="Slide Image Placeholder 1"/>
+          <p:cNvSpPr>
+            <a:spLocks noGrp="1" noRot="1" noChangeAspect="1"/>
+          </p:cNvSpPr>
+          <p:nvPr>
+            <p:ph type="sldImg"/>
+          </p:nvPr>
+        </p:nvSpPr>
+        <p:spPr/>
+      </p:sp>
+      <p:sp>
+        <p:nvSpPr>
+          <p:cNvPr id="3" name="Notes Placeholder 2"/>
+          <p:cNvSpPr>
+            <a:spLocks noGrp="1"/>
+          </p:cNvSpPr>
+          <p:nvPr>
+            <p:ph type="body" idx="1"/>
+          </p:nvPr>
+        </p:nvSpPr>
+        <p:spPr/>
+        <p:txBody>
+          <a:bodyPr/>
+          <a:lstStyle/>
+          <a:p>
+            <a:r>
+              <a:rPr lang="en-US" dirty="0" smtClean="0"/>
+              <a:t>https://medium.com/oracledevs/quick-start-docker-ized-paas-service-manager-cli-f54eaf4ebcc7 </a:t>
+            </a:r>
+            <a:endParaRPr lang="nl-NL" dirty="0"/>
+          </a:p>
+        </p:txBody>
+      </p:sp>
+      <p:sp>
+        <p:nvSpPr>
+          <p:cNvPr id="4" name="Slide Number Placeholder 3"/>
+          <p:cNvSpPr>
+            <a:spLocks noGrp="1"/>
+          </p:cNvSpPr>
+          <p:nvPr>
+            <p:ph type="sldNum" sz="quarter" idx="10"/>
+          </p:nvPr>
+        </p:nvSpPr>
+        <p:spPr/>
+        <p:txBody>
+          <a:bodyPr/>
+          <a:lstStyle/>
+          <a:p>
+            <a:fld id="{1B5FCE8C-42D9-43C6-BADD-EC45F87C0893}" type="slidenum">
+              <a:rPr lang="nl-NL" smtClean="0"/>
+              <a:t>12</a:t>
+            </a:fld>
+            <a:endParaRPr lang="nl-NL"/>
+          </a:p>
+        </p:txBody>
+      </p:sp>
+    </p:spTree>
+    <p:extLst>
+      <p:ext uri="{BB962C8B-B14F-4D97-AF65-F5344CB8AC3E}">
+        <p14:creationId xmlns:p14="http://schemas.microsoft.com/office/powerpoint/2010/main" val="1769315958"/>
+      </p:ext>
+    </p:extLst>
+  </p:cSld>
+  <p:clrMapOvr>
+    <a:masterClrMapping/>
+  </p:clrMapOvr>
+</p:notes>
+</file>
+
+<file path=ppt/notesSlides/notesSlide3.xml><?xml version="1.0" encoding="utf-8"?>
+<p:notes xmlns:a="http://schemas.openxmlformats.org/drawingml/2006/main" xmlns:r="http://schemas.openxmlformats.org/officeDocument/2006/relationships" xmlns:p="http://schemas.openxmlformats.org/presentationml/2006/main">
+  <p:cSld>
+    <p:spTree>
+      <p:nvGrpSpPr>
+        <p:cNvPr id="1" name=""/>
+        <p:cNvGrpSpPr/>
+        <p:nvPr/>
+      </p:nvGrpSpPr>
+      <p:grpSpPr>
+        <a:xfrm>
+          <a:off x="0" y="0"/>
+          <a:ext cx="0" cy="0"/>
+          <a:chOff x="0" y="0"/>
+          <a:chExt cx="0" cy="0"/>
+        </a:xfrm>
+      </p:grpSpPr>
+      <p:sp>
+        <p:nvSpPr>
+          <p:cNvPr id="2" name="Slide Image Placeholder 1"/>
+          <p:cNvSpPr>
+            <a:spLocks noGrp="1" noRot="1" noChangeAspect="1"/>
+          </p:cNvSpPr>
+          <p:nvPr>
+            <p:ph type="sldImg"/>
+          </p:nvPr>
+        </p:nvSpPr>
+        <p:spPr/>
+      </p:sp>
+      <p:sp>
+        <p:nvSpPr>
+          <p:cNvPr id="3" name="Notes Placeholder 2"/>
+          <p:cNvSpPr>
+            <a:spLocks noGrp="1"/>
+          </p:cNvSpPr>
+          <p:nvPr>
+            <p:ph type="body" idx="1"/>
+          </p:nvPr>
+        </p:nvSpPr>
+        <p:spPr/>
+        <p:txBody>
+          <a:bodyPr/>
+          <a:lstStyle/>
+          <a:p>
+            <a:r>
+              <a:rPr lang="en-US" dirty="0" smtClean="0"/>
+              <a:t>https://medium.com/oracledevs/quick-start-docker-ized-paas-service-manager-cli-f54eaf4ebcc7 </a:t>
+            </a:r>
+            <a:endParaRPr lang="nl-NL" dirty="0"/>
+          </a:p>
+        </p:txBody>
+      </p:sp>
+      <p:sp>
+        <p:nvSpPr>
+          <p:cNvPr id="4" name="Slide Number Placeholder 3"/>
+          <p:cNvSpPr>
+            <a:spLocks noGrp="1"/>
+          </p:cNvSpPr>
+          <p:nvPr>
+            <p:ph type="sldNum" sz="quarter" idx="10"/>
+          </p:nvPr>
+        </p:nvSpPr>
+        <p:spPr/>
+        <p:txBody>
+          <a:bodyPr/>
+          <a:lstStyle/>
+          <a:p>
+            <a:fld id="{1B5FCE8C-42D9-43C6-BADD-EC45F87C0893}" type="slidenum">
+              <a:rPr lang="nl-NL" smtClean="0"/>
+              <a:t>13</a:t>
+            </a:fld>
+            <a:endParaRPr lang="nl-NL"/>
+          </a:p>
+        </p:txBody>
+      </p:sp>
+    </p:spTree>
+    <p:extLst>
+      <p:ext uri="{BB962C8B-B14F-4D97-AF65-F5344CB8AC3E}">
+        <p14:creationId xmlns:p14="http://schemas.microsoft.com/office/powerpoint/2010/main" val="891078753"/>
+      </p:ext>
+    </p:extLst>
+  </p:cSld>
+  <p:clrMapOvr>
+    <a:masterClrMapping/>
+  </p:clrMapOvr>
+</p:notes>
+</file>
+
+<file path=ppt/notesSlides/notesSlide4.xml><?xml version="1.0" encoding="utf-8"?>
+<p:notes xmlns:a="http://schemas.openxmlformats.org/drawingml/2006/main" xmlns:r="http://schemas.openxmlformats.org/officeDocument/2006/relationships" xmlns:p="http://schemas.openxmlformats.org/presentationml/2006/main">
+  <p:cSld>
+    <p:spTree>
+      <p:nvGrpSpPr>
+        <p:cNvPr id="1" name=""/>
+        <p:cNvGrpSpPr/>
+        <p:nvPr/>
+      </p:nvGrpSpPr>
+      <p:grpSpPr>
+        <a:xfrm>
+          <a:off x="0" y="0"/>
+          <a:ext cx="0" cy="0"/>
+          <a:chOff x="0" y="0"/>
+          <a:chExt cx="0" cy="0"/>
+        </a:xfrm>
+      </p:grpSpPr>
+      <p:sp>
+        <p:nvSpPr>
+          <p:cNvPr id="2" name="Slide Image Placeholder 1"/>
+          <p:cNvSpPr>
+            <a:spLocks noGrp="1" noRot="1" noChangeAspect="1"/>
+          </p:cNvSpPr>
+          <p:nvPr>
+            <p:ph type="sldImg"/>
+          </p:nvPr>
+        </p:nvSpPr>
+        <p:spPr/>
+      </p:sp>
+      <p:sp>
+        <p:nvSpPr>
+          <p:cNvPr id="3" name="Notes Placeholder 2"/>
+          <p:cNvSpPr>
+            <a:spLocks noGrp="1"/>
+          </p:cNvSpPr>
+          <p:nvPr>
+            <p:ph type="body" idx="1"/>
+          </p:nvPr>
+        </p:nvSpPr>
+        <p:spPr/>
+        <p:txBody>
+          <a:bodyPr/>
+          <a:lstStyle/>
+          <a:p>
+            <a:r>
+              <a:rPr lang="en-US" dirty="0" smtClean="0"/>
+              <a:t>https://medium.com/oracledevs/quick-start-docker-ized-paas-service-manager-cli-f54eaf4ebcc7 </a:t>
+            </a:r>
+            <a:endParaRPr lang="nl-NL" dirty="0"/>
+          </a:p>
+        </p:txBody>
+      </p:sp>
+      <p:sp>
+        <p:nvSpPr>
+          <p:cNvPr id="4" name="Slide Number Placeholder 3"/>
+          <p:cNvSpPr>
+            <a:spLocks noGrp="1"/>
+          </p:cNvSpPr>
+          <p:nvPr>
+            <p:ph type="sldNum" sz="quarter" idx="10"/>
+          </p:nvPr>
+        </p:nvSpPr>
+        <p:spPr/>
+        <p:txBody>
+          <a:bodyPr/>
+          <a:lstStyle/>
+          <a:p>
+            <a:fld id="{1B5FCE8C-42D9-43C6-BADD-EC45F87C0893}" type="slidenum">
+              <a:rPr lang="nl-NL" smtClean="0"/>
+              <a:t>14</a:t>
+            </a:fld>
+            <a:endParaRPr lang="nl-NL"/>
+          </a:p>
+        </p:txBody>
+      </p:sp>
+    </p:spTree>
+    <p:extLst>
+      <p:ext uri="{BB962C8B-B14F-4D97-AF65-F5344CB8AC3E}">
+        <p14:creationId xmlns:p14="http://schemas.microsoft.com/office/powerpoint/2010/main" val="4049004955"/>
+      </p:ext>
+    </p:extLst>
+  </p:cSld>
+  <p:clrMapOvr>
+    <a:masterClrMapping/>
+  </p:clrMapOvr>
+</p:notes>
+</file>
+
+<file path=ppt/notesSlides/notesSlide5.xml><?xml version="1.0" encoding="utf-8"?>
+<p:notes xmlns:a="http://schemas.openxmlformats.org/drawingml/2006/main" xmlns:r="http://schemas.openxmlformats.org/officeDocument/2006/relationships" xmlns:p="http://schemas.openxmlformats.org/presentationml/2006/main">
+  <p:cSld>
+    <p:spTree>
+      <p:nvGrpSpPr>
+        <p:cNvPr id="1" name=""/>
+        <p:cNvGrpSpPr/>
+        <p:nvPr/>
+      </p:nvGrpSpPr>
+      <p:grpSpPr>
+        <a:xfrm>
+          <a:off x="0" y="0"/>
+          <a:ext cx="0" cy="0"/>
+          <a:chOff x="0" y="0"/>
+          <a:chExt cx="0" cy="0"/>
+        </a:xfrm>
+      </p:grpSpPr>
+      <p:sp>
+        <p:nvSpPr>
+          <p:cNvPr id="2" name="Slide Image Placeholder 1"/>
+          <p:cNvSpPr>
+            <a:spLocks noGrp="1" noRot="1" noChangeAspect="1"/>
+          </p:cNvSpPr>
+          <p:nvPr>
+            <p:ph type="sldImg"/>
+          </p:nvPr>
+        </p:nvSpPr>
+        <p:spPr/>
+      </p:sp>
+      <p:sp>
+        <p:nvSpPr>
+          <p:cNvPr id="3" name="Notes Placeholder 2"/>
+          <p:cNvSpPr>
+            <a:spLocks noGrp="1"/>
+          </p:cNvSpPr>
+          <p:nvPr>
+            <p:ph type="body" idx="1"/>
+          </p:nvPr>
+        </p:nvSpPr>
+        <p:spPr/>
+        <p:txBody>
+          <a:bodyPr/>
+          <a:lstStyle/>
+          <a:p>
+            <a:r>
+              <a:rPr lang="en-US" dirty="0" smtClean="0"/>
+              <a:t>https://medium.com/oracledevs/quick-start-docker-ized-paas-service-manager-cli-f54eaf4ebcc7 </a:t>
+            </a:r>
+            <a:endParaRPr lang="nl-NL" dirty="0"/>
+          </a:p>
+        </p:txBody>
+      </p:sp>
+      <p:sp>
+        <p:nvSpPr>
+          <p:cNvPr id="4" name="Slide Number Placeholder 3"/>
+          <p:cNvSpPr>
+            <a:spLocks noGrp="1"/>
+          </p:cNvSpPr>
+          <p:nvPr>
+            <p:ph type="sldNum" sz="quarter" idx="10"/>
+          </p:nvPr>
+        </p:nvSpPr>
+        <p:spPr/>
+        <p:txBody>
+          <a:bodyPr/>
+          <a:lstStyle/>
+          <a:p>
+            <a:fld id="{1B5FCE8C-42D9-43C6-BADD-EC45F87C0893}" type="slidenum">
+              <a:rPr lang="nl-NL" smtClean="0"/>
+              <a:t>15</a:t>
+            </a:fld>
+            <a:endParaRPr lang="nl-NL"/>
+          </a:p>
+        </p:txBody>
+      </p:sp>
+    </p:spTree>
+    <p:extLst>
+      <p:ext uri="{BB962C8B-B14F-4D97-AF65-F5344CB8AC3E}">
+        <p14:creationId xmlns:p14="http://schemas.microsoft.com/office/powerpoint/2010/main" val="2726083869"/>
+      </p:ext>
+    </p:extLst>
+  </p:cSld>
+  <p:clrMapOvr>
+    <a:masterClrMapping/>
+  </p:clrMapOvr>
+</p:notes>
+</file>
+
 <file path=ppt/slideLayouts/slideLayout1.xml><?xml version="1.0" encoding="utf-8"?>
 <p:sldLayout xmlns:a="http://schemas.openxmlformats.org/drawingml/2006/main" xmlns:r="http://schemas.openxmlformats.org/officeDocument/2006/relationships" xmlns:p="http://schemas.openxmlformats.org/presentationml/2006/main" type="title" preserve="1">
   <p:cSld name="Title Slide">
@@ -605,7 +1051,7 @@
           <a:p>
             <a:fld id="{889A218B-532D-4305-86F5-189ED9A69158}" type="datetimeFigureOut">
               <a:rPr lang="nl-NL" smtClean="0"/>
-              <a:t>14-2-2018</a:t>
+              <a:t>25-2-2018</a:t>
             </a:fld>
             <a:endParaRPr lang="nl-NL"/>
           </a:p>
@@ -775,7 +1221,7 @@
           <a:p>
             <a:fld id="{889A218B-532D-4305-86F5-189ED9A69158}" type="datetimeFigureOut">
               <a:rPr lang="nl-NL" smtClean="0"/>
-              <a:t>14-2-2018</a:t>
+              <a:t>25-2-2018</a:t>
             </a:fld>
             <a:endParaRPr lang="nl-NL"/>
           </a:p>
@@ -955,7 +1401,7 @@
           <a:p>
             <a:fld id="{889A218B-532D-4305-86F5-189ED9A69158}" type="datetimeFigureOut">
               <a:rPr lang="nl-NL" smtClean="0"/>
-              <a:t>14-2-2018</a:t>
+              <a:t>25-2-2018</a:t>
             </a:fld>
             <a:endParaRPr lang="nl-NL"/>
           </a:p>
@@ -1125,7 +1571,7 @@
           <a:p>
             <a:fld id="{889A218B-532D-4305-86F5-189ED9A69158}" type="datetimeFigureOut">
               <a:rPr lang="nl-NL" smtClean="0"/>
-              <a:t>14-2-2018</a:t>
+              <a:t>25-2-2018</a:t>
             </a:fld>
             <a:endParaRPr lang="nl-NL"/>
           </a:p>
@@ -1371,7 +1817,7 @@
           <a:p>
             <a:fld id="{889A218B-532D-4305-86F5-189ED9A69158}" type="datetimeFigureOut">
               <a:rPr lang="nl-NL" smtClean="0"/>
-              <a:t>14-2-2018</a:t>
+              <a:t>25-2-2018</a:t>
             </a:fld>
             <a:endParaRPr lang="nl-NL"/>
           </a:p>
@@ -1603,7 +2049,7 @@
           <a:p>
             <a:fld id="{889A218B-532D-4305-86F5-189ED9A69158}" type="datetimeFigureOut">
               <a:rPr lang="nl-NL" smtClean="0"/>
-              <a:t>14-2-2018</a:t>
+              <a:t>25-2-2018</a:t>
             </a:fld>
             <a:endParaRPr lang="nl-NL"/>
           </a:p>
@@ -1970,7 +2416,7 @@
           <a:p>
             <a:fld id="{889A218B-532D-4305-86F5-189ED9A69158}" type="datetimeFigureOut">
               <a:rPr lang="nl-NL" smtClean="0"/>
-              <a:t>14-2-2018</a:t>
+              <a:t>25-2-2018</a:t>
             </a:fld>
             <a:endParaRPr lang="nl-NL"/>
           </a:p>
@@ -2088,7 +2534,7 @@
           <a:p>
             <a:fld id="{889A218B-532D-4305-86F5-189ED9A69158}" type="datetimeFigureOut">
               <a:rPr lang="nl-NL" smtClean="0"/>
-              <a:t>14-2-2018</a:t>
+              <a:t>25-2-2018</a:t>
             </a:fld>
             <a:endParaRPr lang="nl-NL"/>
           </a:p>
@@ -2183,7 +2629,7 @@
           <a:p>
             <a:fld id="{889A218B-532D-4305-86F5-189ED9A69158}" type="datetimeFigureOut">
               <a:rPr lang="nl-NL" smtClean="0"/>
-              <a:t>14-2-2018</a:t>
+              <a:t>25-2-2018</a:t>
             </a:fld>
             <a:endParaRPr lang="nl-NL"/>
           </a:p>
@@ -2460,7 +2906,7 @@
           <a:p>
             <a:fld id="{889A218B-532D-4305-86F5-189ED9A69158}" type="datetimeFigureOut">
               <a:rPr lang="nl-NL" smtClean="0"/>
-              <a:t>14-2-2018</a:t>
+              <a:t>25-2-2018</a:t>
             </a:fld>
             <a:endParaRPr lang="nl-NL"/>
           </a:p>
@@ -2713,7 +3159,7 @@
           <a:p>
             <a:fld id="{889A218B-532D-4305-86F5-189ED9A69158}" type="datetimeFigureOut">
               <a:rPr lang="nl-NL" smtClean="0"/>
-              <a:t>14-2-2018</a:t>
+              <a:t>25-2-2018</a:t>
             </a:fld>
             <a:endParaRPr lang="nl-NL"/>
           </a:p>
@@ -2926,7 +3372,7 @@
           <a:p>
             <a:fld id="{889A218B-532D-4305-86F5-189ED9A69158}" type="datetimeFigureOut">
               <a:rPr lang="nl-NL" smtClean="0"/>
-              <a:t>14-2-2018</a:t>
+              <a:t>25-2-2018</a:t>
             </a:fld>
             <a:endParaRPr lang="nl-NL"/>
           </a:p>
@@ -4975,6 +5421,7904 @@
 </p:sld>
 </file>
 
+<file path=ppt/slides/slide11.xml><?xml version="1.0" encoding="utf-8"?>
+<p:sld xmlns:a="http://schemas.openxmlformats.org/drawingml/2006/main" xmlns:r="http://schemas.openxmlformats.org/officeDocument/2006/relationships" xmlns:p="http://schemas.openxmlformats.org/presentationml/2006/main">
+  <p:cSld>
+    <p:spTree>
+      <p:nvGrpSpPr>
+        <p:cNvPr id="1" name=""/>
+        <p:cNvGrpSpPr/>
+        <p:nvPr/>
+      </p:nvGrpSpPr>
+      <p:grpSpPr>
+        <a:xfrm>
+          <a:off x="0" y="0"/>
+          <a:ext cx="0" cy="0"/>
+          <a:chOff x="0" y="0"/>
+          <a:chExt cx="0" cy="0"/>
+        </a:xfrm>
+      </p:grpSpPr>
+      <p:sp>
+        <p:nvSpPr>
+          <p:cNvPr id="2" name="Title 1"/>
+          <p:cNvSpPr>
+            <a:spLocks noGrp="1"/>
+          </p:cNvSpPr>
+          <p:nvPr>
+            <p:ph type="title"/>
+          </p:nvPr>
+        </p:nvSpPr>
+        <p:spPr/>
+        <p:txBody>
+          <a:bodyPr/>
+          <a:lstStyle/>
+          <a:p>
+            <a:r>
+              <a:rPr lang="en-US" dirty="0" smtClean="0"/>
+              <a:t>Building the build container</a:t>
+            </a:r>
+            <a:endParaRPr lang="nl-NL" dirty="0"/>
+          </a:p>
+        </p:txBody>
+      </p:sp>
+      <p:sp>
+        <p:nvSpPr>
+          <p:cNvPr id="3" name="Rounded Rectangle 2"/>
+          <p:cNvSpPr/>
+          <p:nvPr/>
+        </p:nvSpPr>
+        <p:spPr>
+          <a:xfrm>
+            <a:off x="2892761" y="3787281"/>
+            <a:ext cx="8583622" cy="2547759"/>
+          </a:xfrm>
+          <a:prstGeom prst="roundRect">
+            <a:avLst/>
+          </a:prstGeom>
+          <a:solidFill>
+            <a:schemeClr val="accent1">
+              <a:lumMod val="60000"/>
+              <a:lumOff val="40000"/>
+            </a:schemeClr>
+          </a:solidFill>
+        </p:spPr>
+        <p:style>
+          <a:lnRef idx="2">
+            <a:schemeClr val="accent1">
+              <a:shade val="50000"/>
+            </a:schemeClr>
+          </a:lnRef>
+          <a:fillRef idx="1">
+            <a:schemeClr val="accent1"/>
+          </a:fillRef>
+          <a:effectRef idx="0">
+            <a:schemeClr val="accent1"/>
+          </a:effectRef>
+          <a:fontRef idx="minor">
+            <a:schemeClr val="lt1"/>
+          </a:fontRef>
+        </p:style>
+        <p:txBody>
+          <a:bodyPr rtlCol="0" anchor="ctr"/>
+          <a:lstStyle/>
+          <a:p>
+            <a:pPr algn="ctr"/>
+            <a:endParaRPr lang="nl-NL"/>
+          </a:p>
+        </p:txBody>
+      </p:sp>
+      <p:pic>
+        <p:nvPicPr>
+          <p:cNvPr id="5" name="Picture 2" descr="http://www.arkena.com/assets/uploads/2014/06/homepage-docker-logo.png"/>
+          <p:cNvPicPr>
+            <a:picLocks noChangeAspect="1" noChangeArrowheads="1"/>
+          </p:cNvPicPr>
+          <p:nvPr/>
+        </p:nvPicPr>
+        <p:blipFill>
+          <a:blip r:embed="rId3" cstate="print">
+            <a:extLst>
+              <a:ext uri="{28A0092B-C50C-407E-A947-70E740481C1C}">
+                <a14:useLocalDpi xmlns:a14="http://schemas.microsoft.com/office/drawing/2010/main" val="0"/>
+              </a:ext>
+            </a:extLst>
+          </a:blip>
+          <a:srcRect/>
+          <a:stretch>
+            <a:fillRect/>
+          </a:stretch>
+        </p:blipFill>
+        <p:spPr bwMode="auto">
+          <a:xfrm>
+            <a:off x="3185367" y="5616850"/>
+            <a:ext cx="849706" cy="703132"/>
+          </a:xfrm>
+          <a:prstGeom prst="rect">
+            <a:avLst/>
+          </a:prstGeom>
+          <a:noFill/>
+          <a:extLst>
+            <a:ext uri="{909E8E84-426E-40DD-AFC4-6F175D3DCCD1}">
+              <a14:hiddenFill xmlns:a14="http://schemas.microsoft.com/office/drawing/2010/main">
+                <a:solidFill>
+                  <a:srgbClr val="FFFFFF"/>
+                </a:solidFill>
+              </a14:hiddenFill>
+            </a:ext>
+          </a:extLst>
+        </p:spPr>
+      </p:pic>
+      <p:pic>
+        <p:nvPicPr>
+          <p:cNvPr id="6" name="Picture 20" descr="Image result for logo python"/>
+          <p:cNvPicPr>
+            <a:picLocks noChangeAspect="1" noChangeArrowheads="1"/>
+          </p:cNvPicPr>
+          <p:nvPr/>
+        </p:nvPicPr>
+        <p:blipFill>
+          <a:blip r:embed="rId4" cstate="print">
+            <a:extLst>
+              <a:ext uri="{28A0092B-C50C-407E-A947-70E740481C1C}">
+                <a14:useLocalDpi xmlns:a14="http://schemas.microsoft.com/office/drawing/2010/main" val="0"/>
+              </a:ext>
+            </a:extLst>
+          </a:blip>
+          <a:srcRect/>
+          <a:stretch>
+            <a:fillRect/>
+          </a:stretch>
+        </p:blipFill>
+        <p:spPr bwMode="auto">
+          <a:xfrm>
+            <a:off x="3903222" y="4801056"/>
+            <a:ext cx="1179748" cy="1179748"/>
+          </a:xfrm>
+          <a:prstGeom prst="rect">
+            <a:avLst/>
+          </a:prstGeom>
+          <a:noFill/>
+          <a:extLst>
+            <a:ext uri="{909E8E84-426E-40DD-AFC4-6F175D3DCCD1}">
+              <a14:hiddenFill xmlns:a14="http://schemas.microsoft.com/office/drawing/2010/main">
+                <a:solidFill>
+                  <a:srgbClr val="FFFFFF"/>
+                </a:solidFill>
+              </a14:hiddenFill>
+            </a:ext>
+          </a:extLst>
+        </p:spPr>
+      </p:pic>
+      <p:sp>
+        <p:nvSpPr>
+          <p:cNvPr id="7" name="Rounded Rectangle 6"/>
+          <p:cNvSpPr/>
+          <p:nvPr/>
+        </p:nvSpPr>
+        <p:spPr>
+          <a:xfrm>
+            <a:off x="5412202" y="2350600"/>
+            <a:ext cx="1537253" cy="987606"/>
+          </a:xfrm>
+          <a:prstGeom prst="roundRect">
+            <a:avLst/>
+          </a:prstGeom>
+          <a:solidFill>
+            <a:srgbClr val="FF0000"/>
+          </a:solidFill>
+        </p:spPr>
+        <p:style>
+          <a:lnRef idx="2">
+            <a:schemeClr val="accent1">
+              <a:shade val="50000"/>
+            </a:schemeClr>
+          </a:lnRef>
+          <a:fillRef idx="1">
+            <a:schemeClr val="accent1"/>
+          </a:fillRef>
+          <a:effectRef idx="0">
+            <a:schemeClr val="accent1"/>
+          </a:effectRef>
+          <a:fontRef idx="minor">
+            <a:schemeClr val="lt1"/>
+          </a:fontRef>
+        </p:style>
+        <p:txBody>
+          <a:bodyPr rtlCol="0" anchor="ctr"/>
+          <a:lstStyle/>
+          <a:p>
+            <a:pPr algn="ctr"/>
+            <a:r>
+              <a:rPr lang="en-US" dirty="0"/>
+              <a:t>p</a:t>
+            </a:r>
+            <a:r>
+              <a:rPr lang="en-US" dirty="0" smtClean="0"/>
+              <a:t>ip: Oracle PSM</a:t>
+            </a:r>
+            <a:endParaRPr lang="nl-NL" dirty="0"/>
+          </a:p>
+        </p:txBody>
+      </p:sp>
+      <p:sp>
+        <p:nvSpPr>
+          <p:cNvPr id="8" name="Rounded Rectangle 7"/>
+          <p:cNvSpPr/>
+          <p:nvPr/>
+        </p:nvSpPr>
+        <p:spPr>
+          <a:xfrm>
+            <a:off x="532617" y="1986646"/>
+            <a:ext cx="2373533" cy="1273880"/>
+          </a:xfrm>
+          <a:prstGeom prst="roundRect">
+            <a:avLst/>
+          </a:prstGeom>
+          <a:solidFill>
+            <a:schemeClr val="accent1">
+              <a:lumMod val="50000"/>
+            </a:schemeClr>
+          </a:solidFill>
+        </p:spPr>
+        <p:style>
+          <a:lnRef idx="2">
+            <a:schemeClr val="accent1">
+              <a:shade val="50000"/>
+            </a:schemeClr>
+          </a:lnRef>
+          <a:fillRef idx="1">
+            <a:schemeClr val="accent1"/>
+          </a:fillRef>
+          <a:effectRef idx="0">
+            <a:schemeClr val="accent1"/>
+          </a:effectRef>
+          <a:fontRef idx="minor">
+            <a:schemeClr val="lt1"/>
+          </a:fontRef>
+        </p:style>
+        <p:txBody>
+          <a:bodyPr rtlCol="0" anchor="ctr"/>
+          <a:lstStyle/>
+          <a:p>
+            <a:pPr algn="ctr"/>
+            <a:endParaRPr lang="nl-NL"/>
+          </a:p>
+        </p:txBody>
+      </p:sp>
+      <p:pic>
+        <p:nvPicPr>
+          <p:cNvPr id="9" name="Picture 2" descr="http://www.arkena.com/assets/uploads/2014/06/homepage-docker-logo.png"/>
+          <p:cNvPicPr>
+            <a:picLocks noChangeAspect="1" noChangeArrowheads="1"/>
+          </p:cNvPicPr>
+          <p:nvPr/>
+        </p:nvPicPr>
+        <p:blipFill>
+          <a:blip r:embed="rId3" cstate="print">
+            <a:extLst>
+              <a:ext uri="{28A0092B-C50C-407E-A947-70E740481C1C}">
+                <a14:useLocalDpi xmlns:a14="http://schemas.microsoft.com/office/drawing/2010/main" val="0"/>
+              </a:ext>
+            </a:extLst>
+          </a:blip>
+          <a:srcRect/>
+          <a:stretch>
+            <a:fillRect/>
+          </a:stretch>
+        </p:blipFill>
+        <p:spPr bwMode="auto">
+          <a:xfrm>
+            <a:off x="532617" y="2070082"/>
+            <a:ext cx="849706" cy="703132"/>
+          </a:xfrm>
+          <a:prstGeom prst="rect">
+            <a:avLst/>
+          </a:prstGeom>
+          <a:noFill/>
+          <a:extLst>
+            <a:ext uri="{909E8E84-426E-40DD-AFC4-6F175D3DCCD1}">
+              <a14:hiddenFill xmlns:a14="http://schemas.microsoft.com/office/drawing/2010/main">
+                <a:solidFill>
+                  <a:srgbClr val="FFFFFF"/>
+                </a:solidFill>
+              </a14:hiddenFill>
+            </a:ext>
+          </a:extLst>
+        </p:spPr>
+      </p:pic>
+      <p:sp>
+        <p:nvSpPr>
+          <p:cNvPr id="4" name="TextBox 3"/>
+          <p:cNvSpPr txBox="1"/>
+          <p:nvPr/>
+        </p:nvSpPr>
+        <p:spPr>
+          <a:xfrm>
+            <a:off x="532617" y="2555205"/>
+            <a:ext cx="2944295" cy="923330"/>
+          </a:xfrm>
+          <a:prstGeom prst="rect">
+            <a:avLst/>
+          </a:prstGeom>
+          <a:noFill/>
+        </p:spPr>
+        <p:txBody>
+          <a:bodyPr wrap="square" rtlCol="0">
+            <a:spAutoFit/>
+          </a:bodyPr>
+          <a:lstStyle/>
+          <a:p>
+            <a:r>
+              <a:rPr lang="en-US" dirty="0" smtClean="0">
+                <a:solidFill>
+                  <a:schemeClr val="bg1">
+                    <a:lumMod val="85000"/>
+                  </a:schemeClr>
+                </a:solidFill>
+              </a:rPr>
+              <a:t>Docker Image </a:t>
+            </a:r>
+          </a:p>
+          <a:p>
+            <a:r>
+              <a:rPr lang="nl-NL" dirty="0" smtClean="0">
+                <a:solidFill>
+                  <a:schemeClr val="bg1">
+                    <a:lumMod val="85000"/>
+                  </a:schemeClr>
+                </a:solidFill>
+              </a:rPr>
+              <a:t>python:3.6.2-alpine3.6</a:t>
+            </a:r>
+            <a:endParaRPr lang="nl-NL" dirty="0">
+              <a:solidFill>
+                <a:schemeClr val="bg1">
+                  <a:lumMod val="85000"/>
+                </a:schemeClr>
+              </a:solidFill>
+            </a:endParaRPr>
+          </a:p>
+          <a:p>
+            <a:endParaRPr lang="nl-NL" dirty="0">
+              <a:solidFill>
+                <a:schemeClr val="bg1">
+                  <a:lumMod val="85000"/>
+                </a:schemeClr>
+              </a:solidFill>
+            </a:endParaRPr>
+          </a:p>
+        </p:txBody>
+      </p:sp>
+      <p:cxnSp>
+        <p:nvCxnSpPr>
+          <p:cNvPr id="11" name="Elbow Connector 10"/>
+          <p:cNvCxnSpPr>
+            <a:endCxn id="3" idx="1"/>
+          </p:cNvCxnSpPr>
+          <p:nvPr/>
+        </p:nvCxnSpPr>
+        <p:spPr>
+          <a:xfrm rot="16200000" flipH="1">
+            <a:off x="1181505" y="3349905"/>
+            <a:ext cx="1748952" cy="1673560"/>
+          </a:xfrm>
+          <a:prstGeom prst="bentConnector2">
+            <a:avLst/>
+          </a:prstGeom>
+          <a:ln>
+            <a:tailEnd type="triangle"/>
+          </a:ln>
+        </p:spPr>
+        <p:style>
+          <a:lnRef idx="1">
+            <a:schemeClr val="accent1"/>
+          </a:lnRef>
+          <a:fillRef idx="0">
+            <a:schemeClr val="accent1"/>
+          </a:fillRef>
+          <a:effectRef idx="0">
+            <a:schemeClr val="accent1"/>
+          </a:effectRef>
+          <a:fontRef idx="minor">
+            <a:schemeClr val="tx1"/>
+          </a:fontRef>
+        </p:style>
+      </p:cxnSp>
+      <p:sp>
+        <p:nvSpPr>
+          <p:cNvPr id="13" name="Down Arrow 12"/>
+          <p:cNvSpPr/>
+          <p:nvPr/>
+        </p:nvSpPr>
+        <p:spPr>
+          <a:xfrm>
+            <a:off x="5817895" y="3323418"/>
+            <a:ext cx="662608" cy="728378"/>
+          </a:xfrm>
+          <a:prstGeom prst="downArrow">
+            <a:avLst/>
+          </a:prstGeom>
+        </p:spPr>
+        <p:style>
+          <a:lnRef idx="2">
+            <a:schemeClr val="accent1">
+              <a:shade val="50000"/>
+            </a:schemeClr>
+          </a:lnRef>
+          <a:fillRef idx="1">
+            <a:schemeClr val="accent1"/>
+          </a:fillRef>
+          <a:effectRef idx="0">
+            <a:schemeClr val="accent1"/>
+          </a:effectRef>
+          <a:fontRef idx="minor">
+            <a:schemeClr val="lt1"/>
+          </a:fontRef>
+        </p:style>
+        <p:txBody>
+          <a:bodyPr rtlCol="0" anchor="ctr"/>
+          <a:lstStyle/>
+          <a:p>
+            <a:pPr algn="ctr"/>
+            <a:endParaRPr lang="nl-NL"/>
+          </a:p>
+        </p:txBody>
+      </p:sp>
+      <p:sp>
+        <p:nvSpPr>
+          <p:cNvPr id="14" name="Rounded Rectangle 13"/>
+          <p:cNvSpPr/>
+          <p:nvPr/>
+        </p:nvSpPr>
+        <p:spPr>
+          <a:xfrm>
+            <a:off x="3205727" y="2350600"/>
+            <a:ext cx="1970789" cy="1028261"/>
+          </a:xfrm>
+          <a:prstGeom prst="roundRect">
+            <a:avLst/>
+          </a:prstGeom>
+        </p:spPr>
+        <p:style>
+          <a:lnRef idx="2">
+            <a:schemeClr val="accent1">
+              <a:shade val="50000"/>
+            </a:schemeClr>
+          </a:lnRef>
+          <a:fillRef idx="1">
+            <a:schemeClr val="accent1"/>
+          </a:fillRef>
+          <a:effectRef idx="0">
+            <a:schemeClr val="accent1"/>
+          </a:effectRef>
+          <a:fontRef idx="minor">
+            <a:schemeClr val="lt1"/>
+          </a:fontRef>
+        </p:style>
+        <p:txBody>
+          <a:bodyPr rtlCol="0" anchor="ctr"/>
+          <a:lstStyle/>
+          <a:p>
+            <a:pPr algn="ctr"/>
+            <a:r>
+              <a:rPr lang="en-US" dirty="0" err="1"/>
+              <a:t>a</a:t>
+            </a:r>
+            <a:r>
+              <a:rPr lang="en-US" dirty="0" err="1" smtClean="0"/>
+              <a:t>pk</a:t>
+            </a:r>
+            <a:r>
+              <a:rPr lang="en-US" dirty="0" smtClean="0"/>
+              <a:t>:</a:t>
+            </a:r>
+            <a:br>
+              <a:rPr lang="en-US" dirty="0" smtClean="0"/>
+            </a:br>
+            <a:r>
+              <a:rPr lang="en-US" dirty="0" smtClean="0"/>
+              <a:t>curl, zip, </a:t>
+            </a:r>
+            <a:r>
+              <a:rPr lang="en-US" dirty="0" err="1" smtClean="0"/>
+              <a:t>nodejs</a:t>
+            </a:r>
+            <a:r>
+              <a:rPr lang="en-US" dirty="0" smtClean="0"/>
+              <a:t>, </a:t>
+            </a:r>
+            <a:r>
+              <a:rPr lang="en-US" dirty="0" err="1" smtClean="0"/>
+              <a:t>nodejs-npm</a:t>
+            </a:r>
+            <a:endParaRPr lang="nl-NL" dirty="0"/>
+          </a:p>
+        </p:txBody>
+      </p:sp>
+      <p:sp>
+        <p:nvSpPr>
+          <p:cNvPr id="15" name="Down Arrow 14"/>
+          <p:cNvSpPr/>
+          <p:nvPr/>
+        </p:nvSpPr>
+        <p:spPr>
+          <a:xfrm>
+            <a:off x="3898128" y="3323418"/>
+            <a:ext cx="662608" cy="728378"/>
+          </a:xfrm>
+          <a:prstGeom prst="downArrow">
+            <a:avLst/>
+          </a:prstGeom>
+        </p:spPr>
+        <p:style>
+          <a:lnRef idx="2">
+            <a:schemeClr val="accent1">
+              <a:shade val="50000"/>
+            </a:schemeClr>
+          </a:lnRef>
+          <a:fillRef idx="1">
+            <a:schemeClr val="accent1"/>
+          </a:fillRef>
+          <a:effectRef idx="0">
+            <a:schemeClr val="accent1"/>
+          </a:effectRef>
+          <a:fontRef idx="minor">
+            <a:schemeClr val="lt1"/>
+          </a:fontRef>
+        </p:style>
+        <p:txBody>
+          <a:bodyPr rtlCol="0" anchor="ctr"/>
+          <a:lstStyle/>
+          <a:p>
+            <a:pPr algn="ctr"/>
+            <a:endParaRPr lang="nl-NL"/>
+          </a:p>
+        </p:txBody>
+      </p:sp>
+      <p:sp>
+        <p:nvSpPr>
+          <p:cNvPr id="17" name="Rounded Rectangle 16"/>
+          <p:cNvSpPr/>
+          <p:nvPr/>
+        </p:nvSpPr>
+        <p:spPr>
+          <a:xfrm>
+            <a:off x="8824511" y="2350600"/>
+            <a:ext cx="1355009" cy="1028261"/>
+          </a:xfrm>
+          <a:prstGeom prst="roundRect">
+            <a:avLst/>
+          </a:prstGeom>
+        </p:spPr>
+        <p:style>
+          <a:lnRef idx="2">
+            <a:schemeClr val="accent1">
+              <a:shade val="50000"/>
+            </a:schemeClr>
+          </a:lnRef>
+          <a:fillRef idx="1">
+            <a:schemeClr val="accent1"/>
+          </a:fillRef>
+          <a:effectRef idx="0">
+            <a:schemeClr val="accent1"/>
+          </a:effectRef>
+          <a:fontRef idx="minor">
+            <a:schemeClr val="lt1"/>
+          </a:fontRef>
+        </p:style>
+        <p:txBody>
+          <a:bodyPr rtlCol="0" anchor="ctr"/>
+          <a:lstStyle/>
+          <a:p>
+            <a:pPr algn="ctr"/>
+            <a:r>
+              <a:rPr lang="en-US" dirty="0" err="1"/>
+              <a:t>a</a:t>
+            </a:r>
+            <a:r>
+              <a:rPr lang="en-US" dirty="0" err="1" smtClean="0"/>
+              <a:t>pk</a:t>
+            </a:r>
+            <a:r>
+              <a:rPr lang="en-US" dirty="0" smtClean="0"/>
+              <a:t>:</a:t>
+            </a:r>
+            <a:br>
+              <a:rPr lang="en-US" dirty="0" smtClean="0"/>
+            </a:br>
+            <a:r>
+              <a:rPr lang="en-US" dirty="0" smtClean="0"/>
+              <a:t>bash, </a:t>
+            </a:r>
+            <a:r>
+              <a:rPr lang="en-US" dirty="0" err="1" smtClean="0"/>
+              <a:t>git</a:t>
+            </a:r>
+            <a:r>
+              <a:rPr lang="en-US" dirty="0" smtClean="0"/>
+              <a:t>, </a:t>
+            </a:r>
+            <a:r>
+              <a:rPr lang="en-US" dirty="0" err="1" smtClean="0"/>
+              <a:t>openssh</a:t>
+            </a:r>
+            <a:endParaRPr lang="nl-NL" dirty="0"/>
+          </a:p>
+        </p:txBody>
+      </p:sp>
+      <p:sp>
+        <p:nvSpPr>
+          <p:cNvPr id="18" name="Down Arrow 17"/>
+          <p:cNvSpPr/>
+          <p:nvPr/>
+        </p:nvSpPr>
+        <p:spPr>
+          <a:xfrm>
+            <a:off x="9198857" y="3323418"/>
+            <a:ext cx="662608" cy="728378"/>
+          </a:xfrm>
+          <a:prstGeom prst="downArrow">
+            <a:avLst/>
+          </a:prstGeom>
+        </p:spPr>
+        <p:style>
+          <a:lnRef idx="2">
+            <a:schemeClr val="accent1">
+              <a:shade val="50000"/>
+            </a:schemeClr>
+          </a:lnRef>
+          <a:fillRef idx="1">
+            <a:schemeClr val="accent1"/>
+          </a:fillRef>
+          <a:effectRef idx="0">
+            <a:schemeClr val="accent1"/>
+          </a:effectRef>
+          <a:fontRef idx="minor">
+            <a:schemeClr val="lt1"/>
+          </a:fontRef>
+        </p:style>
+        <p:txBody>
+          <a:bodyPr rtlCol="0" anchor="ctr"/>
+          <a:lstStyle/>
+          <a:p>
+            <a:pPr algn="ctr"/>
+            <a:endParaRPr lang="nl-NL"/>
+          </a:p>
+        </p:txBody>
+      </p:sp>
+      <p:pic>
+        <p:nvPicPr>
+          <p:cNvPr id="19" name="Picture 6" descr="Image result for node js logo"/>
+          <p:cNvPicPr>
+            <a:picLocks noChangeAspect="1" noChangeArrowheads="1"/>
+          </p:cNvPicPr>
+          <p:nvPr/>
+        </p:nvPicPr>
+        <p:blipFill>
+          <a:blip r:embed="rId5" cstate="print">
+            <a:extLst>
+              <a:ext uri="{28A0092B-C50C-407E-A947-70E740481C1C}">
+                <a14:useLocalDpi xmlns:a14="http://schemas.microsoft.com/office/drawing/2010/main" val="0"/>
+              </a:ext>
+            </a:extLst>
+          </a:blip>
+          <a:srcRect/>
+          <a:stretch>
+            <a:fillRect/>
+          </a:stretch>
+        </p:blipFill>
+        <p:spPr bwMode="auto">
+          <a:xfrm>
+            <a:off x="3183951" y="4136001"/>
+            <a:ext cx="1372175" cy="368772"/>
+          </a:xfrm>
+          <a:prstGeom prst="rect">
+            <a:avLst/>
+          </a:prstGeom>
+          <a:noFill/>
+          <a:extLst>
+            <a:ext uri="{909E8E84-426E-40DD-AFC4-6F175D3DCCD1}">
+              <a14:hiddenFill xmlns:a14="http://schemas.microsoft.com/office/drawing/2010/main">
+                <a:solidFill>
+                  <a:srgbClr val="FFFFFF"/>
+                </a:solidFill>
+              </a14:hiddenFill>
+            </a:ext>
+          </a:extLst>
+        </p:spPr>
+      </p:pic>
+      <p:sp>
+        <p:nvSpPr>
+          <p:cNvPr id="21" name="Rounded Rectangle 20"/>
+          <p:cNvSpPr/>
+          <p:nvPr/>
+        </p:nvSpPr>
+        <p:spPr>
+          <a:xfrm>
+            <a:off x="7163094" y="2350600"/>
+            <a:ext cx="1537253" cy="987606"/>
+          </a:xfrm>
+          <a:prstGeom prst="roundRect">
+            <a:avLst/>
+          </a:prstGeom>
+          <a:solidFill>
+            <a:srgbClr val="FF0000"/>
+          </a:solidFill>
+        </p:spPr>
+        <p:style>
+          <a:lnRef idx="2">
+            <a:schemeClr val="accent1">
+              <a:shade val="50000"/>
+            </a:schemeClr>
+          </a:lnRef>
+          <a:fillRef idx="1">
+            <a:schemeClr val="accent1"/>
+          </a:fillRef>
+          <a:effectRef idx="0">
+            <a:schemeClr val="accent1"/>
+          </a:effectRef>
+          <a:fontRef idx="minor">
+            <a:schemeClr val="lt1"/>
+          </a:fontRef>
+        </p:style>
+        <p:txBody>
+          <a:bodyPr rtlCol="0" anchor="ctr"/>
+          <a:lstStyle/>
+          <a:p>
+            <a:pPr algn="ctr"/>
+            <a:r>
+              <a:rPr lang="en-US" dirty="0" err="1" smtClean="0"/>
+              <a:t>npm</a:t>
+            </a:r>
+            <a:r>
+              <a:rPr lang="en-US" dirty="0" smtClean="0"/>
+              <a:t>: Oracle JET cli</a:t>
+            </a:r>
+            <a:endParaRPr lang="nl-NL" dirty="0"/>
+          </a:p>
+        </p:txBody>
+      </p:sp>
+      <p:sp>
+        <p:nvSpPr>
+          <p:cNvPr id="22" name="Down Arrow 21"/>
+          <p:cNvSpPr/>
+          <p:nvPr/>
+        </p:nvSpPr>
+        <p:spPr>
+          <a:xfrm>
+            <a:off x="7683714" y="3323418"/>
+            <a:ext cx="662608" cy="728378"/>
+          </a:xfrm>
+          <a:prstGeom prst="downArrow">
+            <a:avLst/>
+          </a:prstGeom>
+        </p:spPr>
+        <p:style>
+          <a:lnRef idx="2">
+            <a:schemeClr val="accent1">
+              <a:shade val="50000"/>
+            </a:schemeClr>
+          </a:lnRef>
+          <a:fillRef idx="1">
+            <a:schemeClr val="accent1"/>
+          </a:fillRef>
+          <a:effectRef idx="0">
+            <a:schemeClr val="accent1"/>
+          </a:effectRef>
+          <a:fontRef idx="minor">
+            <a:schemeClr val="lt1"/>
+          </a:fontRef>
+        </p:style>
+        <p:txBody>
+          <a:bodyPr rtlCol="0" anchor="ctr"/>
+          <a:lstStyle/>
+          <a:p>
+            <a:pPr algn="ctr"/>
+            <a:endParaRPr lang="nl-NL"/>
+          </a:p>
+        </p:txBody>
+      </p:sp>
+      <p:sp>
+        <p:nvSpPr>
+          <p:cNvPr id="24" name="Oval 23"/>
+          <p:cNvSpPr/>
+          <p:nvPr/>
+        </p:nvSpPr>
+        <p:spPr>
+          <a:xfrm>
+            <a:off x="5091575" y="4168592"/>
+            <a:ext cx="2008849" cy="728870"/>
+          </a:xfrm>
+          <a:prstGeom prst="ellipse">
+            <a:avLst/>
+          </a:prstGeom>
+        </p:spPr>
+        <p:style>
+          <a:lnRef idx="2">
+            <a:schemeClr val="accent1">
+              <a:shade val="50000"/>
+            </a:schemeClr>
+          </a:lnRef>
+          <a:fillRef idx="1">
+            <a:schemeClr val="accent1"/>
+          </a:fillRef>
+          <a:effectRef idx="0">
+            <a:schemeClr val="accent1"/>
+          </a:effectRef>
+          <a:fontRef idx="minor">
+            <a:schemeClr val="lt1"/>
+          </a:fontRef>
+        </p:style>
+        <p:txBody>
+          <a:bodyPr rtlCol="0" anchor="ctr"/>
+          <a:lstStyle/>
+          <a:p>
+            <a:pPr algn="ctr"/>
+            <a:r>
+              <a:rPr lang="en-US" dirty="0" smtClean="0"/>
+              <a:t>Oracle Cloud </a:t>
+            </a:r>
+            <a:r>
+              <a:rPr lang="en-US" dirty="0" err="1" smtClean="0"/>
+              <a:t>psm</a:t>
+            </a:r>
+            <a:endParaRPr lang="nl-NL" dirty="0"/>
+          </a:p>
+        </p:txBody>
+      </p:sp>
+      <p:sp>
+        <p:nvSpPr>
+          <p:cNvPr id="25" name="Oval 24"/>
+          <p:cNvSpPr/>
+          <p:nvPr/>
+        </p:nvSpPr>
+        <p:spPr>
+          <a:xfrm>
+            <a:off x="7297450" y="4136436"/>
+            <a:ext cx="1677711" cy="728870"/>
+          </a:xfrm>
+          <a:prstGeom prst="ellipse">
+            <a:avLst/>
+          </a:prstGeom>
+        </p:spPr>
+        <p:style>
+          <a:lnRef idx="2">
+            <a:schemeClr val="accent1">
+              <a:shade val="50000"/>
+            </a:schemeClr>
+          </a:lnRef>
+          <a:fillRef idx="1">
+            <a:schemeClr val="accent1"/>
+          </a:fillRef>
+          <a:effectRef idx="0">
+            <a:schemeClr val="accent1"/>
+          </a:effectRef>
+          <a:fontRef idx="minor">
+            <a:schemeClr val="lt1"/>
+          </a:fontRef>
+        </p:style>
+        <p:txBody>
+          <a:bodyPr rtlCol="0" anchor="ctr"/>
+          <a:lstStyle/>
+          <a:p>
+            <a:pPr algn="ctr"/>
+            <a:r>
+              <a:rPr lang="en-US" dirty="0" smtClean="0"/>
+              <a:t>Oracle JET cli</a:t>
+            </a:r>
+            <a:endParaRPr lang="nl-NL" dirty="0"/>
+          </a:p>
+        </p:txBody>
+      </p:sp>
+      <p:pic>
+        <p:nvPicPr>
+          <p:cNvPr id="20" name="Picture 10" descr="Image result for oracle jet logo"/>
+          <p:cNvPicPr>
+            <a:picLocks noChangeAspect="1" noChangeArrowheads="1"/>
+          </p:cNvPicPr>
+          <p:nvPr/>
+        </p:nvPicPr>
+        <p:blipFill>
+          <a:blip r:embed="rId6" cstate="print">
+            <a:clrChange>
+              <a:clrFrom>
+                <a:srgbClr val="FFFFFF"/>
+              </a:clrFrom>
+              <a:clrTo>
+                <a:srgbClr val="FFFFFF">
+                  <a:alpha val="0"/>
+                </a:srgbClr>
+              </a:clrTo>
+            </a:clrChange>
+            <a:extLst>
+              <a:ext uri="{28A0092B-C50C-407E-A947-70E740481C1C}">
+                <a14:useLocalDpi xmlns:a14="http://schemas.microsoft.com/office/drawing/2010/main" val="0"/>
+              </a:ext>
+            </a:extLst>
+          </a:blip>
+          <a:srcRect/>
+          <a:stretch>
+            <a:fillRect/>
+          </a:stretch>
+        </p:blipFill>
+        <p:spPr bwMode="auto">
+          <a:xfrm>
+            <a:off x="7993570" y="4374431"/>
+            <a:ext cx="1075754" cy="616478"/>
+          </a:xfrm>
+          <a:prstGeom prst="rect">
+            <a:avLst/>
+          </a:prstGeom>
+          <a:noFill/>
+          <a:extLst>
+            <a:ext uri="{909E8E84-426E-40DD-AFC4-6F175D3DCCD1}">
+              <a14:hiddenFill xmlns:a14="http://schemas.microsoft.com/office/drawing/2010/main">
+                <a:solidFill>
+                  <a:srgbClr val="FFFFFF"/>
+                </a:solidFill>
+              </a14:hiddenFill>
+            </a:ext>
+          </a:extLst>
+        </p:spPr>
+      </p:pic>
+      <p:sp>
+        <p:nvSpPr>
+          <p:cNvPr id="26" name="Rounded Rectangle 25"/>
+          <p:cNvSpPr/>
+          <p:nvPr/>
+        </p:nvSpPr>
+        <p:spPr>
+          <a:xfrm>
+            <a:off x="10376620" y="2350600"/>
+            <a:ext cx="1355009" cy="1028261"/>
+          </a:xfrm>
+          <a:prstGeom prst="roundRect">
+            <a:avLst/>
+          </a:prstGeom>
+        </p:spPr>
+        <p:style>
+          <a:lnRef idx="1">
+            <a:schemeClr val="dk1"/>
+          </a:lnRef>
+          <a:fillRef idx="2">
+            <a:schemeClr val="dk1"/>
+          </a:fillRef>
+          <a:effectRef idx="1">
+            <a:schemeClr val="dk1"/>
+          </a:effectRef>
+          <a:fontRef idx="minor">
+            <a:schemeClr val="dk1"/>
+          </a:fontRef>
+        </p:style>
+        <p:txBody>
+          <a:bodyPr rtlCol="0" anchor="ctr"/>
+          <a:lstStyle/>
+          <a:p>
+            <a:pPr algn="ctr"/>
+            <a:r>
+              <a:rPr lang="en-US" dirty="0"/>
+              <a:t>b</a:t>
+            </a:r>
+            <a:r>
+              <a:rPr lang="en-US" dirty="0" smtClean="0"/>
+              <a:t>uild-app.sh</a:t>
+            </a:r>
+            <a:endParaRPr lang="nl-NL" dirty="0"/>
+          </a:p>
+        </p:txBody>
+      </p:sp>
+      <p:sp>
+        <p:nvSpPr>
+          <p:cNvPr id="27" name="Down Arrow 26"/>
+          <p:cNvSpPr/>
+          <p:nvPr/>
+        </p:nvSpPr>
+        <p:spPr>
+          <a:xfrm>
+            <a:off x="10750966" y="3323418"/>
+            <a:ext cx="662608" cy="728378"/>
+          </a:xfrm>
+          <a:prstGeom prst="downArrow">
+            <a:avLst/>
+          </a:prstGeom>
+        </p:spPr>
+        <p:style>
+          <a:lnRef idx="2">
+            <a:schemeClr val="accent1">
+              <a:shade val="50000"/>
+            </a:schemeClr>
+          </a:lnRef>
+          <a:fillRef idx="1">
+            <a:schemeClr val="accent1"/>
+          </a:fillRef>
+          <a:effectRef idx="0">
+            <a:schemeClr val="accent1"/>
+          </a:effectRef>
+          <a:fontRef idx="minor">
+            <a:schemeClr val="lt1"/>
+          </a:fontRef>
+        </p:style>
+        <p:txBody>
+          <a:bodyPr rtlCol="0" anchor="ctr"/>
+          <a:lstStyle/>
+          <a:p>
+            <a:pPr algn="ctr"/>
+            <a:endParaRPr lang="nl-NL"/>
+          </a:p>
+        </p:txBody>
+      </p:sp>
+      <p:pic>
+        <p:nvPicPr>
+          <p:cNvPr id="28" name="Picture 6" descr="Image result for github logo"/>
+          <p:cNvPicPr>
+            <a:picLocks noChangeAspect="1" noChangeArrowheads="1"/>
+          </p:cNvPicPr>
+          <p:nvPr/>
+        </p:nvPicPr>
+        <p:blipFill>
+          <a:blip r:embed="rId7" cstate="print">
+            <a:clrChange>
+              <a:clrFrom>
+                <a:srgbClr val="FFFFFF"/>
+              </a:clrFrom>
+              <a:clrTo>
+                <a:srgbClr val="FFFFFF">
+                  <a:alpha val="0"/>
+                </a:srgbClr>
+              </a:clrTo>
+            </a:clrChange>
+            <a:extLst>
+              <a:ext uri="{28A0092B-C50C-407E-A947-70E740481C1C}">
+                <a14:useLocalDpi xmlns:a14="http://schemas.microsoft.com/office/drawing/2010/main" val="0"/>
+              </a:ext>
+            </a:extLst>
+          </a:blip>
+          <a:srcRect/>
+          <a:stretch>
+            <a:fillRect/>
+          </a:stretch>
+        </p:blipFill>
+        <p:spPr bwMode="auto">
+          <a:xfrm>
+            <a:off x="9266350" y="4132484"/>
+            <a:ext cx="527622" cy="527622"/>
+          </a:xfrm>
+          <a:prstGeom prst="rect">
+            <a:avLst/>
+          </a:prstGeom>
+          <a:noFill/>
+          <a:extLst>
+            <a:ext uri="{909E8E84-426E-40DD-AFC4-6F175D3DCCD1}">
+              <a14:hiddenFill xmlns:a14="http://schemas.microsoft.com/office/drawing/2010/main">
+                <a:solidFill>
+                  <a:srgbClr val="FFFFFF"/>
+                </a:solidFill>
+              </a14:hiddenFill>
+            </a:ext>
+          </a:extLst>
+        </p:spPr>
+      </p:pic>
+      <p:pic>
+        <p:nvPicPr>
+          <p:cNvPr id="1026" name="Picture 2" descr="Image result for npm logo"/>
+          <p:cNvPicPr>
+            <a:picLocks noChangeAspect="1" noChangeArrowheads="1"/>
+          </p:cNvPicPr>
+          <p:nvPr/>
+        </p:nvPicPr>
+        <p:blipFill>
+          <a:blip r:embed="rId8" cstate="print">
+            <a:extLst>
+              <a:ext uri="{28A0092B-C50C-407E-A947-70E740481C1C}">
+                <a14:useLocalDpi xmlns:a14="http://schemas.microsoft.com/office/drawing/2010/main" val="0"/>
+              </a:ext>
+            </a:extLst>
+          </a:blip>
+          <a:srcRect/>
+          <a:stretch>
+            <a:fillRect/>
+          </a:stretch>
+        </p:blipFill>
+        <p:spPr bwMode="auto">
+          <a:xfrm>
+            <a:off x="4438537" y="3921611"/>
+            <a:ext cx="770627" cy="299774"/>
+          </a:xfrm>
+          <a:prstGeom prst="rect">
+            <a:avLst/>
+          </a:prstGeom>
+          <a:noFill/>
+          <a:extLst>
+            <a:ext uri="{909E8E84-426E-40DD-AFC4-6F175D3DCCD1}">
+              <a14:hiddenFill xmlns:a14="http://schemas.microsoft.com/office/drawing/2010/main">
+                <a:solidFill>
+                  <a:srgbClr val="FFFFFF"/>
+                </a:solidFill>
+              </a14:hiddenFill>
+            </a:ext>
+          </a:extLst>
+        </p:spPr>
+      </p:pic>
+      <p:pic>
+        <p:nvPicPr>
+          <p:cNvPr id="1028" name="Picture 4" descr="Image result for openssh logo"/>
+          <p:cNvPicPr>
+            <a:picLocks noChangeAspect="1" noChangeArrowheads="1"/>
+          </p:cNvPicPr>
+          <p:nvPr/>
+        </p:nvPicPr>
+        <p:blipFill>
+          <a:blip r:embed="rId9" cstate="print">
+            <a:extLst>
+              <a:ext uri="{28A0092B-C50C-407E-A947-70E740481C1C}">
+                <a14:useLocalDpi xmlns:a14="http://schemas.microsoft.com/office/drawing/2010/main" val="0"/>
+              </a:ext>
+            </a:extLst>
+          </a:blip>
+          <a:srcRect/>
+          <a:stretch>
+            <a:fillRect/>
+          </a:stretch>
+        </p:blipFill>
+        <p:spPr bwMode="auto">
+          <a:xfrm>
+            <a:off x="9678733" y="3990403"/>
+            <a:ext cx="682625" cy="203475"/>
+          </a:xfrm>
+          <a:prstGeom prst="rect">
+            <a:avLst/>
+          </a:prstGeom>
+          <a:noFill/>
+          <a:extLst>
+            <a:ext uri="{909E8E84-426E-40DD-AFC4-6F175D3DCCD1}">
+              <a14:hiddenFill xmlns:a14="http://schemas.microsoft.com/office/drawing/2010/main">
+                <a:solidFill>
+                  <a:srgbClr val="FFFFFF"/>
+                </a:solidFill>
+              </a14:hiddenFill>
+            </a:ext>
+          </a:extLst>
+        </p:spPr>
+      </p:pic>
+      <p:pic>
+        <p:nvPicPr>
+          <p:cNvPr id="1030" name="Picture 6" descr="Image result for bash logo"/>
+          <p:cNvPicPr>
+            <a:picLocks noChangeAspect="1" noChangeArrowheads="1"/>
+          </p:cNvPicPr>
+          <p:nvPr/>
+        </p:nvPicPr>
+        <p:blipFill>
+          <a:blip r:embed="rId10" cstate="print">
+            <a:extLst>
+              <a:ext uri="{28A0092B-C50C-407E-A947-70E740481C1C}">
+                <a14:useLocalDpi xmlns:a14="http://schemas.microsoft.com/office/drawing/2010/main" val="0"/>
+              </a:ext>
+            </a:extLst>
+          </a:blip>
+          <a:srcRect/>
+          <a:stretch>
+            <a:fillRect/>
+          </a:stretch>
+        </p:blipFill>
+        <p:spPr bwMode="auto">
+          <a:xfrm>
+            <a:off x="8621126" y="3628308"/>
+            <a:ext cx="905096" cy="905096"/>
+          </a:xfrm>
+          <a:prstGeom prst="rect">
+            <a:avLst/>
+          </a:prstGeom>
+          <a:noFill/>
+          <a:extLst>
+            <a:ext uri="{909E8E84-426E-40DD-AFC4-6F175D3DCCD1}">
+              <a14:hiddenFill xmlns:a14="http://schemas.microsoft.com/office/drawing/2010/main">
+                <a:solidFill>
+                  <a:srgbClr val="FFFFFF"/>
+                </a:solidFill>
+              </a14:hiddenFill>
+            </a:ext>
+          </a:extLst>
+        </p:spPr>
+      </p:pic>
+      <p:pic>
+        <p:nvPicPr>
+          <p:cNvPr id="1032" name="Picture 8" descr="Image result for curl logo"/>
+          <p:cNvPicPr>
+            <a:picLocks noChangeAspect="1" noChangeArrowheads="1"/>
+          </p:cNvPicPr>
+          <p:nvPr/>
+        </p:nvPicPr>
+        <p:blipFill>
+          <a:blip r:embed="rId11" cstate="print">
+            <a:extLst>
+              <a:ext uri="{28A0092B-C50C-407E-A947-70E740481C1C}">
+                <a14:useLocalDpi xmlns:a14="http://schemas.microsoft.com/office/drawing/2010/main" val="0"/>
+              </a:ext>
+            </a:extLst>
+          </a:blip>
+          <a:srcRect/>
+          <a:stretch>
+            <a:fillRect/>
+          </a:stretch>
+        </p:blipFill>
+        <p:spPr bwMode="auto">
+          <a:xfrm>
+            <a:off x="3323512" y="3911095"/>
+            <a:ext cx="677172" cy="225495"/>
+          </a:xfrm>
+          <a:prstGeom prst="rect">
+            <a:avLst/>
+          </a:prstGeom>
+          <a:noFill/>
+          <a:extLst>
+            <a:ext uri="{909E8E84-426E-40DD-AFC4-6F175D3DCCD1}">
+              <a14:hiddenFill xmlns:a14="http://schemas.microsoft.com/office/drawing/2010/main">
+                <a:solidFill>
+                  <a:srgbClr val="FFFFFF"/>
+                </a:solidFill>
+              </a14:hiddenFill>
+            </a:ext>
+          </a:extLst>
+        </p:spPr>
+      </p:pic>
+      <p:sp>
+        <p:nvSpPr>
+          <p:cNvPr id="29" name="Rectangle 28"/>
+          <p:cNvSpPr/>
+          <p:nvPr/>
+        </p:nvSpPr>
+        <p:spPr>
+          <a:xfrm>
+            <a:off x="10580284" y="4132270"/>
+            <a:ext cx="807460" cy="952174"/>
+          </a:xfrm>
+          <a:prstGeom prst="rect">
+            <a:avLst/>
+          </a:prstGeom>
+        </p:spPr>
+        <p:style>
+          <a:lnRef idx="2">
+            <a:schemeClr val="accent3">
+              <a:shade val="50000"/>
+            </a:schemeClr>
+          </a:lnRef>
+          <a:fillRef idx="1">
+            <a:schemeClr val="accent3"/>
+          </a:fillRef>
+          <a:effectRef idx="0">
+            <a:schemeClr val="accent3"/>
+          </a:effectRef>
+          <a:fontRef idx="minor">
+            <a:schemeClr val="lt1"/>
+          </a:fontRef>
+        </p:style>
+        <p:txBody>
+          <a:bodyPr rtlCol="0" anchor="ctr"/>
+          <a:lstStyle/>
+          <a:p>
+            <a:pPr algn="ctr"/>
+            <a:r>
+              <a:rPr lang="en-US" dirty="0"/>
+              <a:t>b</a:t>
+            </a:r>
+            <a:r>
+              <a:rPr lang="en-US" dirty="0" smtClean="0"/>
+              <a:t>uild-app.sh</a:t>
+            </a:r>
+            <a:endParaRPr lang="nl-NL" dirty="0"/>
+          </a:p>
+        </p:txBody>
+      </p:sp>
+    </p:spTree>
+    <p:extLst>
+      <p:ext uri="{BB962C8B-B14F-4D97-AF65-F5344CB8AC3E}">
+        <p14:creationId xmlns:p14="http://schemas.microsoft.com/office/powerpoint/2010/main" val="1750543730"/>
+      </p:ext>
+    </p:extLst>
+  </p:cSld>
+  <p:clrMapOvr>
+    <a:masterClrMapping/>
+  </p:clrMapOvr>
+  <p:timing>
+    <p:tnLst>
+      <p:par>
+        <p:cTn id="1" dur="indefinite" restart="never" nodeType="tmRoot"/>
+      </p:par>
+    </p:tnLst>
+  </p:timing>
+</p:sld>
+</file>
+
+<file path=ppt/slides/slide12.xml><?xml version="1.0" encoding="utf-8"?>
+<p:sld xmlns:a="http://schemas.openxmlformats.org/drawingml/2006/main" xmlns:r="http://schemas.openxmlformats.org/officeDocument/2006/relationships" xmlns:p="http://schemas.openxmlformats.org/presentationml/2006/main">
+  <p:cSld>
+    <p:spTree>
+      <p:nvGrpSpPr>
+        <p:cNvPr id="1" name=""/>
+        <p:cNvGrpSpPr/>
+        <p:nvPr/>
+      </p:nvGrpSpPr>
+      <p:grpSpPr>
+        <a:xfrm>
+          <a:off x="0" y="0"/>
+          <a:ext cx="0" cy="0"/>
+          <a:chOff x="0" y="0"/>
+          <a:chExt cx="0" cy="0"/>
+        </a:xfrm>
+      </p:grpSpPr>
+      <p:sp>
+        <p:nvSpPr>
+          <p:cNvPr id="3" name="Rounded Rectangle 2"/>
+          <p:cNvSpPr/>
+          <p:nvPr/>
+        </p:nvSpPr>
+        <p:spPr>
+          <a:xfrm>
+            <a:off x="952500" y="3787281"/>
+            <a:ext cx="9485658" cy="2547759"/>
+          </a:xfrm>
+          <a:prstGeom prst="roundRect">
+            <a:avLst/>
+          </a:prstGeom>
+          <a:solidFill>
+            <a:schemeClr val="accent1">
+              <a:lumMod val="60000"/>
+              <a:lumOff val="40000"/>
+            </a:schemeClr>
+          </a:solidFill>
+        </p:spPr>
+        <p:style>
+          <a:lnRef idx="2">
+            <a:schemeClr val="accent1">
+              <a:shade val="50000"/>
+            </a:schemeClr>
+          </a:lnRef>
+          <a:fillRef idx="1">
+            <a:schemeClr val="accent1"/>
+          </a:fillRef>
+          <a:effectRef idx="0">
+            <a:schemeClr val="accent1"/>
+          </a:effectRef>
+          <a:fontRef idx="minor">
+            <a:schemeClr val="lt1"/>
+          </a:fontRef>
+        </p:style>
+        <p:txBody>
+          <a:bodyPr rtlCol="0" anchor="ctr"/>
+          <a:lstStyle/>
+          <a:p>
+            <a:pPr algn="ctr"/>
+            <a:endParaRPr lang="nl-NL"/>
+          </a:p>
+        </p:txBody>
+      </p:sp>
+      <p:sp>
+        <p:nvSpPr>
+          <p:cNvPr id="2" name="Title 1"/>
+          <p:cNvSpPr>
+            <a:spLocks noGrp="1"/>
+          </p:cNvSpPr>
+          <p:nvPr>
+            <p:ph type="title"/>
+          </p:nvPr>
+        </p:nvSpPr>
+        <p:spPr>
+          <a:xfrm>
+            <a:off x="124189" y="32996"/>
+            <a:ext cx="10515600" cy="1325563"/>
+          </a:xfrm>
+        </p:spPr>
+        <p:txBody>
+          <a:bodyPr/>
+          <a:lstStyle/>
+          <a:p>
+            <a:r>
+              <a:rPr lang="en-US" dirty="0" smtClean="0"/>
+              <a:t>Building and </a:t>
+            </a:r>
+            <a:r>
+              <a:rPr lang="en-US" dirty="0" smtClean="0"/>
+              <a:t>Deploying </a:t>
+            </a:r>
+            <a:r>
+              <a:rPr lang="en-US" dirty="0" smtClean="0"/>
+              <a:t>the application from within the build container</a:t>
+            </a:r>
+            <a:endParaRPr lang="nl-NL" dirty="0"/>
+          </a:p>
+        </p:txBody>
+      </p:sp>
+      <p:pic>
+        <p:nvPicPr>
+          <p:cNvPr id="5" name="Picture 2" descr="http://www.arkena.com/assets/uploads/2014/06/homepage-docker-logo.png"/>
+          <p:cNvPicPr>
+            <a:picLocks noChangeAspect="1" noChangeArrowheads="1"/>
+          </p:cNvPicPr>
+          <p:nvPr/>
+        </p:nvPicPr>
+        <p:blipFill>
+          <a:blip r:embed="rId3" cstate="print">
+            <a:extLst>
+              <a:ext uri="{28A0092B-C50C-407E-A947-70E740481C1C}">
+                <a14:useLocalDpi xmlns:a14="http://schemas.microsoft.com/office/drawing/2010/main" val="0"/>
+              </a:ext>
+            </a:extLst>
+          </a:blip>
+          <a:srcRect/>
+          <a:stretch>
+            <a:fillRect/>
+          </a:stretch>
+        </p:blipFill>
+        <p:spPr bwMode="auto">
+          <a:xfrm>
+            <a:off x="1076214" y="5569125"/>
+            <a:ext cx="849706" cy="703132"/>
+          </a:xfrm>
+          <a:prstGeom prst="rect">
+            <a:avLst/>
+          </a:prstGeom>
+          <a:noFill/>
+          <a:extLst>
+            <a:ext uri="{909E8E84-426E-40DD-AFC4-6F175D3DCCD1}">
+              <a14:hiddenFill xmlns:a14="http://schemas.microsoft.com/office/drawing/2010/main">
+                <a:solidFill>
+                  <a:srgbClr val="FFFFFF"/>
+                </a:solidFill>
+              </a14:hiddenFill>
+            </a:ext>
+          </a:extLst>
+        </p:spPr>
+      </p:pic>
+      <p:pic>
+        <p:nvPicPr>
+          <p:cNvPr id="6" name="Picture 20" descr="Image result for logo python"/>
+          <p:cNvPicPr>
+            <a:picLocks noChangeAspect="1" noChangeArrowheads="1"/>
+          </p:cNvPicPr>
+          <p:nvPr/>
+        </p:nvPicPr>
+        <p:blipFill>
+          <a:blip r:embed="rId4" cstate="print">
+            <a:extLst>
+              <a:ext uri="{28A0092B-C50C-407E-A947-70E740481C1C}">
+                <a14:useLocalDpi xmlns:a14="http://schemas.microsoft.com/office/drawing/2010/main" val="0"/>
+              </a:ext>
+            </a:extLst>
+          </a:blip>
+          <a:srcRect/>
+          <a:stretch>
+            <a:fillRect/>
+          </a:stretch>
+        </p:blipFill>
+        <p:spPr bwMode="auto">
+          <a:xfrm>
+            <a:off x="1699810" y="4720811"/>
+            <a:ext cx="1179748" cy="1179748"/>
+          </a:xfrm>
+          <a:prstGeom prst="rect">
+            <a:avLst/>
+          </a:prstGeom>
+          <a:noFill/>
+          <a:extLst>
+            <a:ext uri="{909E8E84-426E-40DD-AFC4-6F175D3DCCD1}">
+              <a14:hiddenFill xmlns:a14="http://schemas.microsoft.com/office/drawing/2010/main">
+                <a:solidFill>
+                  <a:srgbClr val="FFFFFF"/>
+                </a:solidFill>
+              </a14:hiddenFill>
+            </a:ext>
+          </a:extLst>
+        </p:spPr>
+      </p:pic>
+      <p:pic>
+        <p:nvPicPr>
+          <p:cNvPr id="19" name="Picture 6" descr="Image result for node js logo"/>
+          <p:cNvPicPr>
+            <a:picLocks noChangeAspect="1" noChangeArrowheads="1"/>
+          </p:cNvPicPr>
+          <p:nvPr/>
+        </p:nvPicPr>
+        <p:blipFill>
+          <a:blip r:embed="rId5" cstate="print">
+            <a:extLst>
+              <a:ext uri="{28A0092B-C50C-407E-A947-70E740481C1C}">
+                <a14:useLocalDpi xmlns:a14="http://schemas.microsoft.com/office/drawing/2010/main" val="0"/>
+              </a:ext>
+            </a:extLst>
+          </a:blip>
+          <a:srcRect/>
+          <a:stretch>
+            <a:fillRect/>
+          </a:stretch>
+        </p:blipFill>
+        <p:spPr bwMode="auto">
+          <a:xfrm>
+            <a:off x="1034799" y="4125045"/>
+            <a:ext cx="1372175" cy="368772"/>
+          </a:xfrm>
+          <a:prstGeom prst="rect">
+            <a:avLst/>
+          </a:prstGeom>
+          <a:noFill/>
+          <a:extLst>
+            <a:ext uri="{909E8E84-426E-40DD-AFC4-6F175D3DCCD1}">
+              <a14:hiddenFill xmlns:a14="http://schemas.microsoft.com/office/drawing/2010/main">
+                <a:solidFill>
+                  <a:srgbClr val="FFFFFF"/>
+                </a:solidFill>
+              </a14:hiddenFill>
+            </a:ext>
+          </a:extLst>
+        </p:spPr>
+      </p:pic>
+      <p:sp>
+        <p:nvSpPr>
+          <p:cNvPr id="25" name="Oval 24"/>
+          <p:cNvSpPr/>
+          <p:nvPr/>
+        </p:nvSpPr>
+        <p:spPr>
+          <a:xfrm>
+            <a:off x="4810609" y="5553708"/>
+            <a:ext cx="1677711" cy="728870"/>
+          </a:xfrm>
+          <a:prstGeom prst="ellipse">
+            <a:avLst/>
+          </a:prstGeom>
+        </p:spPr>
+        <p:style>
+          <a:lnRef idx="2">
+            <a:schemeClr val="accent1">
+              <a:shade val="50000"/>
+            </a:schemeClr>
+          </a:lnRef>
+          <a:fillRef idx="1">
+            <a:schemeClr val="accent1"/>
+          </a:fillRef>
+          <a:effectRef idx="0">
+            <a:schemeClr val="accent1"/>
+          </a:effectRef>
+          <a:fontRef idx="minor">
+            <a:schemeClr val="lt1"/>
+          </a:fontRef>
+        </p:style>
+        <p:txBody>
+          <a:bodyPr rtlCol="0" anchor="ctr"/>
+          <a:lstStyle/>
+          <a:p>
+            <a:pPr algn="ctr"/>
+            <a:r>
+              <a:rPr lang="en-US" dirty="0" smtClean="0"/>
+              <a:t>Oracle JET cli</a:t>
+            </a:r>
+            <a:endParaRPr lang="nl-NL" dirty="0"/>
+          </a:p>
+        </p:txBody>
+      </p:sp>
+      <p:pic>
+        <p:nvPicPr>
+          <p:cNvPr id="20" name="Picture 10" descr="Image result for oracle jet logo"/>
+          <p:cNvPicPr>
+            <a:picLocks noChangeAspect="1" noChangeArrowheads="1"/>
+          </p:cNvPicPr>
+          <p:nvPr/>
+        </p:nvPicPr>
+        <p:blipFill>
+          <a:blip r:embed="rId6" cstate="print">
+            <a:clrChange>
+              <a:clrFrom>
+                <a:srgbClr val="FFFFFF"/>
+              </a:clrFrom>
+              <a:clrTo>
+                <a:srgbClr val="FFFFFF">
+                  <a:alpha val="0"/>
+                </a:srgbClr>
+              </a:clrTo>
+            </a:clrChange>
+            <a:extLst>
+              <a:ext uri="{28A0092B-C50C-407E-A947-70E740481C1C}">
+                <a14:useLocalDpi xmlns:a14="http://schemas.microsoft.com/office/drawing/2010/main" val="0"/>
+              </a:ext>
+            </a:extLst>
+          </a:blip>
+          <a:srcRect/>
+          <a:stretch>
+            <a:fillRect/>
+          </a:stretch>
+        </p:blipFill>
+        <p:spPr bwMode="auto">
+          <a:xfrm>
+            <a:off x="5506729" y="5791703"/>
+            <a:ext cx="1075754" cy="616478"/>
+          </a:xfrm>
+          <a:prstGeom prst="rect">
+            <a:avLst/>
+          </a:prstGeom>
+          <a:noFill/>
+          <a:extLst>
+            <a:ext uri="{909E8E84-426E-40DD-AFC4-6F175D3DCCD1}">
+              <a14:hiddenFill xmlns:a14="http://schemas.microsoft.com/office/drawing/2010/main">
+                <a:solidFill>
+                  <a:srgbClr val="FFFFFF"/>
+                </a:solidFill>
+              </a14:hiddenFill>
+            </a:ext>
+          </a:extLst>
+        </p:spPr>
+      </p:pic>
+      <p:sp>
+        <p:nvSpPr>
+          <p:cNvPr id="28" name="Rounded Rectangle 27"/>
+          <p:cNvSpPr/>
+          <p:nvPr/>
+        </p:nvSpPr>
+        <p:spPr>
+          <a:xfrm>
+            <a:off x="2406974" y="2659253"/>
+            <a:ext cx="1582273" cy="699247"/>
+          </a:xfrm>
+          <a:prstGeom prst="roundRect">
+            <a:avLst/>
+          </a:prstGeom>
+        </p:spPr>
+        <p:style>
+          <a:lnRef idx="1">
+            <a:schemeClr val="dk1"/>
+          </a:lnRef>
+          <a:fillRef idx="2">
+            <a:schemeClr val="dk1"/>
+          </a:fillRef>
+          <a:effectRef idx="1">
+            <a:schemeClr val="dk1"/>
+          </a:effectRef>
+          <a:fontRef idx="minor">
+            <a:schemeClr val="dk1"/>
+          </a:fontRef>
+        </p:style>
+        <p:txBody>
+          <a:bodyPr rtlCol="0" anchor="ctr"/>
+          <a:lstStyle/>
+          <a:p>
+            <a:pPr algn="ctr"/>
+            <a:r>
+              <a:rPr lang="en-US" dirty="0">
+                <a:solidFill>
+                  <a:schemeClr val="dk1"/>
+                </a:solidFill>
+              </a:rPr>
+              <a:t>GitHub</a:t>
+            </a:r>
+            <a:endParaRPr lang="nl-NL" dirty="0">
+              <a:solidFill>
+                <a:schemeClr val="dk1"/>
+              </a:solidFill>
+            </a:endParaRPr>
+          </a:p>
+        </p:txBody>
+      </p:sp>
+      <p:pic>
+        <p:nvPicPr>
+          <p:cNvPr id="29" name="Picture 6" descr="Image result for github logo"/>
+          <p:cNvPicPr>
+            <a:picLocks noChangeAspect="1" noChangeArrowheads="1"/>
+          </p:cNvPicPr>
+          <p:nvPr/>
+        </p:nvPicPr>
+        <p:blipFill>
+          <a:blip r:embed="rId7" cstate="print">
+            <a:clrChange>
+              <a:clrFrom>
+                <a:srgbClr val="FFFFFF"/>
+              </a:clrFrom>
+              <a:clrTo>
+                <a:srgbClr val="FFFFFF">
+                  <a:alpha val="0"/>
+                </a:srgbClr>
+              </a:clrTo>
+            </a:clrChange>
+            <a:extLst>
+              <a:ext uri="{28A0092B-C50C-407E-A947-70E740481C1C}">
+                <a14:useLocalDpi xmlns:a14="http://schemas.microsoft.com/office/drawing/2010/main" val="0"/>
+              </a:ext>
+            </a:extLst>
+          </a:blip>
+          <a:srcRect/>
+          <a:stretch>
+            <a:fillRect/>
+          </a:stretch>
+        </p:blipFill>
+        <p:spPr bwMode="auto">
+          <a:xfrm>
+            <a:off x="3483994" y="2615941"/>
+            <a:ext cx="527622" cy="527622"/>
+          </a:xfrm>
+          <a:prstGeom prst="rect">
+            <a:avLst/>
+          </a:prstGeom>
+          <a:noFill/>
+          <a:extLst>
+            <a:ext uri="{909E8E84-426E-40DD-AFC4-6F175D3DCCD1}">
+              <a14:hiddenFill xmlns:a14="http://schemas.microsoft.com/office/drawing/2010/main">
+                <a:solidFill>
+                  <a:srgbClr val="FFFFFF"/>
+                </a:solidFill>
+              </a14:hiddenFill>
+            </a:ext>
+          </a:extLst>
+        </p:spPr>
+      </p:pic>
+      <p:sp>
+        <p:nvSpPr>
+          <p:cNvPr id="10" name="Rectangular Callout 9"/>
+          <p:cNvSpPr/>
+          <p:nvPr/>
+        </p:nvSpPr>
+        <p:spPr>
+          <a:xfrm>
+            <a:off x="333375" y="1866312"/>
+            <a:ext cx="1757877" cy="749629"/>
+          </a:xfrm>
+          <a:prstGeom prst="wedgeRectCallout">
+            <a:avLst>
+              <a:gd name="adj1" fmla="val 104333"/>
+              <a:gd name="adj2" fmla="val 164150"/>
+            </a:avLst>
+          </a:prstGeom>
+        </p:spPr>
+        <p:style>
+          <a:lnRef idx="2">
+            <a:schemeClr val="accent1">
+              <a:shade val="50000"/>
+            </a:schemeClr>
+          </a:lnRef>
+          <a:fillRef idx="1">
+            <a:schemeClr val="accent1"/>
+          </a:fillRef>
+          <a:effectRef idx="0">
+            <a:schemeClr val="accent1"/>
+          </a:effectRef>
+          <a:fontRef idx="minor">
+            <a:schemeClr val="lt1"/>
+          </a:fontRef>
+        </p:style>
+        <p:txBody>
+          <a:bodyPr rtlCol="0" anchor="ctr"/>
+          <a:lstStyle/>
+          <a:p>
+            <a:pPr algn="ctr"/>
+            <a:r>
+              <a:rPr lang="en-US" sz="1600" dirty="0" smtClean="0"/>
+              <a:t>Clone GitHub repo for Oracle JET application</a:t>
+            </a:r>
+            <a:endParaRPr lang="nl-NL" sz="1600" dirty="0"/>
+          </a:p>
+        </p:txBody>
+      </p:sp>
+      <p:sp>
+        <p:nvSpPr>
+          <p:cNvPr id="12" name="Cube 11"/>
+          <p:cNvSpPr/>
+          <p:nvPr/>
+        </p:nvSpPr>
+        <p:spPr>
+          <a:xfrm>
+            <a:off x="2791011" y="3957490"/>
+            <a:ext cx="1859665" cy="714826"/>
+          </a:xfrm>
+          <a:prstGeom prst="cube">
+            <a:avLst/>
+          </a:prstGeom>
+        </p:spPr>
+        <p:style>
+          <a:lnRef idx="2">
+            <a:schemeClr val="accent1">
+              <a:shade val="50000"/>
+            </a:schemeClr>
+          </a:lnRef>
+          <a:fillRef idx="1">
+            <a:schemeClr val="accent1"/>
+          </a:fillRef>
+          <a:effectRef idx="0">
+            <a:schemeClr val="accent1"/>
+          </a:effectRef>
+          <a:fontRef idx="minor">
+            <a:schemeClr val="lt1"/>
+          </a:fontRef>
+        </p:style>
+        <p:txBody>
+          <a:bodyPr rtlCol="0" anchor="ctr"/>
+          <a:lstStyle/>
+          <a:p>
+            <a:pPr algn="ctr"/>
+            <a:r>
+              <a:rPr lang="en-US" dirty="0" err="1" smtClean="0"/>
+              <a:t>WebShop</a:t>
+            </a:r>
+            <a:r>
+              <a:rPr lang="en-US" dirty="0" smtClean="0"/>
+              <a:t> Portal sources</a:t>
+            </a:r>
+            <a:endParaRPr lang="nl-NL" dirty="0"/>
+          </a:p>
+        </p:txBody>
+      </p:sp>
+      <p:pic>
+        <p:nvPicPr>
+          <p:cNvPr id="30" name="Picture 10" descr="Image result for oracle jet logo"/>
+          <p:cNvPicPr>
+            <a:picLocks noChangeAspect="1" noChangeArrowheads="1"/>
+          </p:cNvPicPr>
+          <p:nvPr/>
+        </p:nvPicPr>
+        <p:blipFill>
+          <a:blip r:embed="rId8" cstate="print">
+            <a:clrChange>
+              <a:clrFrom>
+                <a:srgbClr val="FFFFFF"/>
+              </a:clrFrom>
+              <a:clrTo>
+                <a:srgbClr val="FFFFFF">
+                  <a:alpha val="0"/>
+                </a:srgbClr>
+              </a:clrTo>
+            </a:clrChange>
+            <a:extLst>
+              <a:ext uri="{28A0092B-C50C-407E-A947-70E740481C1C}">
+                <a14:useLocalDpi xmlns:a14="http://schemas.microsoft.com/office/drawing/2010/main" val="0"/>
+              </a:ext>
+            </a:extLst>
+          </a:blip>
+          <a:srcRect/>
+          <a:stretch>
+            <a:fillRect/>
+          </a:stretch>
+        </p:blipFill>
+        <p:spPr bwMode="auto">
+          <a:xfrm>
+            <a:off x="3956278" y="4184929"/>
+            <a:ext cx="731834" cy="419389"/>
+          </a:xfrm>
+          <a:prstGeom prst="rect">
+            <a:avLst/>
+          </a:prstGeom>
+          <a:noFill/>
+          <a:extLst>
+            <a:ext uri="{909E8E84-426E-40DD-AFC4-6F175D3DCCD1}">
+              <a14:hiddenFill xmlns:a14="http://schemas.microsoft.com/office/drawing/2010/main">
+                <a:solidFill>
+                  <a:srgbClr val="FFFFFF"/>
+                </a:solidFill>
+              </a14:hiddenFill>
+            </a:ext>
+          </a:extLst>
+        </p:spPr>
+      </p:pic>
+      <p:sp>
+        <p:nvSpPr>
+          <p:cNvPr id="15" name="Down Arrow 14"/>
+          <p:cNvSpPr/>
+          <p:nvPr/>
+        </p:nvSpPr>
+        <p:spPr>
+          <a:xfrm>
+            <a:off x="2859903" y="3323418"/>
+            <a:ext cx="483372" cy="728378"/>
+          </a:xfrm>
+          <a:prstGeom prst="downArrow">
+            <a:avLst/>
+          </a:prstGeom>
+        </p:spPr>
+        <p:style>
+          <a:lnRef idx="2">
+            <a:schemeClr val="accent1">
+              <a:shade val="50000"/>
+            </a:schemeClr>
+          </a:lnRef>
+          <a:fillRef idx="1">
+            <a:schemeClr val="accent1"/>
+          </a:fillRef>
+          <a:effectRef idx="0">
+            <a:schemeClr val="accent1"/>
+          </a:effectRef>
+          <a:fontRef idx="minor">
+            <a:schemeClr val="lt1"/>
+          </a:fontRef>
+        </p:style>
+        <p:txBody>
+          <a:bodyPr rtlCol="0" anchor="ctr"/>
+          <a:lstStyle/>
+          <a:p>
+            <a:pPr algn="ctr"/>
+            <a:endParaRPr lang="nl-NL"/>
+          </a:p>
+        </p:txBody>
+      </p:sp>
+      <p:sp>
+        <p:nvSpPr>
+          <p:cNvPr id="37" name="Down Arrow 36"/>
+          <p:cNvSpPr/>
+          <p:nvPr/>
+        </p:nvSpPr>
+        <p:spPr>
+          <a:xfrm>
+            <a:off x="5082885" y="3323417"/>
+            <a:ext cx="483372" cy="1253919"/>
+          </a:xfrm>
+          <a:prstGeom prst="downArrow">
+            <a:avLst/>
+          </a:prstGeom>
+        </p:spPr>
+        <p:style>
+          <a:lnRef idx="2">
+            <a:schemeClr val="accent1">
+              <a:shade val="50000"/>
+            </a:schemeClr>
+          </a:lnRef>
+          <a:fillRef idx="1">
+            <a:schemeClr val="accent1"/>
+          </a:fillRef>
+          <a:effectRef idx="0">
+            <a:schemeClr val="accent1"/>
+          </a:effectRef>
+          <a:fontRef idx="minor">
+            <a:schemeClr val="lt1"/>
+          </a:fontRef>
+        </p:style>
+        <p:txBody>
+          <a:bodyPr rtlCol="0" anchor="ctr"/>
+          <a:lstStyle/>
+          <a:p>
+            <a:pPr algn="ctr"/>
+            <a:endParaRPr lang="nl-NL"/>
+          </a:p>
+        </p:txBody>
+      </p:sp>
+      <p:sp>
+        <p:nvSpPr>
+          <p:cNvPr id="38" name="Rectangular Callout 37"/>
+          <p:cNvSpPr/>
+          <p:nvPr/>
+        </p:nvSpPr>
+        <p:spPr>
+          <a:xfrm>
+            <a:off x="4422623" y="2190513"/>
+            <a:ext cx="1333795" cy="756510"/>
+          </a:xfrm>
+          <a:prstGeom prst="wedgeRectCallout">
+            <a:avLst>
+              <a:gd name="adj1" fmla="val 12941"/>
+              <a:gd name="adj2" fmla="val 110944"/>
+            </a:avLst>
+          </a:prstGeom>
+        </p:spPr>
+        <p:style>
+          <a:lnRef idx="2">
+            <a:schemeClr val="accent1">
+              <a:shade val="50000"/>
+            </a:schemeClr>
+          </a:lnRef>
+          <a:fillRef idx="1">
+            <a:schemeClr val="accent1"/>
+          </a:fillRef>
+          <a:effectRef idx="0">
+            <a:schemeClr val="accent1"/>
+          </a:effectRef>
+          <a:fontRef idx="minor">
+            <a:schemeClr val="lt1"/>
+          </a:fontRef>
+        </p:style>
+        <p:txBody>
+          <a:bodyPr rtlCol="0" anchor="ctr"/>
+          <a:lstStyle/>
+          <a:p>
+            <a:pPr algn="ctr"/>
+            <a:r>
+              <a:rPr lang="en-US" sz="1600" dirty="0" err="1"/>
+              <a:t>n</a:t>
+            </a:r>
+            <a:r>
+              <a:rPr lang="en-US" sz="1600" dirty="0" err="1" smtClean="0"/>
+              <a:t>pm</a:t>
+            </a:r>
+            <a:r>
+              <a:rPr lang="en-US" sz="1600" dirty="0" smtClean="0"/>
+              <a:t> install of all modules for JET app</a:t>
+            </a:r>
+            <a:endParaRPr lang="nl-NL" sz="1600" dirty="0"/>
+          </a:p>
+        </p:txBody>
+      </p:sp>
+      <p:pic>
+        <p:nvPicPr>
+          <p:cNvPr id="43" name="Picture 42"/>
+          <p:cNvPicPr>
+            <a:picLocks noChangeAspect="1"/>
+          </p:cNvPicPr>
+          <p:nvPr/>
+        </p:nvPicPr>
+        <p:blipFill>
+          <a:blip r:embed="rId9"/>
+          <a:stretch>
+            <a:fillRect/>
+          </a:stretch>
+        </p:blipFill>
+        <p:spPr>
+          <a:xfrm>
+            <a:off x="2160815" y="1370951"/>
+            <a:ext cx="1867292" cy="1189912"/>
+          </a:xfrm>
+          <a:prstGeom prst="rect">
+            <a:avLst/>
+          </a:prstGeom>
+        </p:spPr>
+      </p:pic>
+      <p:sp>
+        <p:nvSpPr>
+          <p:cNvPr id="48" name="Rounded Rectangle 47"/>
+          <p:cNvSpPr/>
+          <p:nvPr/>
+        </p:nvSpPr>
+        <p:spPr>
+          <a:xfrm>
+            <a:off x="4322195" y="4556828"/>
+            <a:ext cx="1325347" cy="544269"/>
+          </a:xfrm>
+          <a:prstGeom prst="roundRect">
+            <a:avLst/>
+          </a:prstGeom>
+          <a:solidFill>
+            <a:schemeClr val="bg1">
+              <a:lumMod val="75000"/>
+            </a:schemeClr>
+          </a:solidFill>
+        </p:spPr>
+        <p:style>
+          <a:lnRef idx="1">
+            <a:schemeClr val="dk1"/>
+          </a:lnRef>
+          <a:fillRef idx="2">
+            <a:schemeClr val="dk1"/>
+          </a:fillRef>
+          <a:effectRef idx="1">
+            <a:schemeClr val="dk1"/>
+          </a:effectRef>
+          <a:fontRef idx="minor">
+            <a:schemeClr val="dk1"/>
+          </a:fontRef>
+        </p:style>
+        <p:txBody>
+          <a:bodyPr rtlCol="0" anchor="ctr"/>
+          <a:lstStyle/>
+          <a:p>
+            <a:pPr algn="ctr"/>
+            <a:r>
+              <a:rPr lang="en-US" sz="1200" dirty="0" smtClean="0"/>
+              <a:t>Application Sources plus node modules</a:t>
+            </a:r>
+            <a:endParaRPr lang="nl-NL" sz="1200" dirty="0"/>
+          </a:p>
+        </p:txBody>
+      </p:sp>
+      <p:sp>
+        <p:nvSpPr>
+          <p:cNvPr id="49" name="Rounded Rectangle 48"/>
+          <p:cNvSpPr/>
+          <p:nvPr/>
+        </p:nvSpPr>
+        <p:spPr>
+          <a:xfrm>
+            <a:off x="5905760" y="4814842"/>
+            <a:ext cx="1067129" cy="544269"/>
+          </a:xfrm>
+          <a:prstGeom prst="roundRect">
+            <a:avLst/>
+          </a:prstGeom>
+          <a:solidFill>
+            <a:schemeClr val="bg1">
+              <a:lumMod val="75000"/>
+            </a:schemeClr>
+          </a:solidFill>
+        </p:spPr>
+        <p:style>
+          <a:lnRef idx="1">
+            <a:schemeClr val="dk1"/>
+          </a:lnRef>
+          <a:fillRef idx="2">
+            <a:schemeClr val="dk1"/>
+          </a:fillRef>
+          <a:effectRef idx="1">
+            <a:schemeClr val="dk1"/>
+          </a:effectRef>
+          <a:fontRef idx="minor">
+            <a:schemeClr val="dk1"/>
+          </a:fontRef>
+        </p:style>
+        <p:txBody>
+          <a:bodyPr rtlCol="0" anchor="ctr"/>
+          <a:lstStyle/>
+          <a:p>
+            <a:pPr algn="ctr"/>
+            <a:r>
+              <a:rPr lang="en-US" sz="1200" dirty="0" smtClean="0"/>
+              <a:t>Fully Built JET Web Application</a:t>
+            </a:r>
+            <a:endParaRPr lang="nl-NL" sz="1200" dirty="0"/>
+          </a:p>
+        </p:txBody>
+      </p:sp>
+      <p:sp>
+        <p:nvSpPr>
+          <p:cNvPr id="50" name="Freeform 49"/>
+          <p:cNvSpPr/>
+          <p:nvPr/>
+        </p:nvSpPr>
+        <p:spPr>
+          <a:xfrm>
+            <a:off x="5267325" y="5124450"/>
+            <a:ext cx="914400" cy="444481"/>
+          </a:xfrm>
+          <a:custGeom>
+            <a:avLst/>
+            <a:gdLst>
+              <a:gd name="connsiteX0" fmla="*/ 0 w 914400"/>
+              <a:gd name="connsiteY0" fmla="*/ 0 h 444481"/>
+              <a:gd name="connsiteX1" fmla="*/ 466725 w 914400"/>
+              <a:gd name="connsiteY1" fmla="*/ 438150 h 444481"/>
+              <a:gd name="connsiteX2" fmla="*/ 914400 w 914400"/>
+              <a:gd name="connsiteY2" fmla="*/ 219075 h 444481"/>
+            </a:gdLst>
+            <a:ahLst/>
+            <a:cxnLst>
+              <a:cxn ang="0">
+                <a:pos x="connsiteX0" y="connsiteY0"/>
+              </a:cxn>
+              <a:cxn ang="0">
+                <a:pos x="connsiteX1" y="connsiteY1"/>
+              </a:cxn>
+              <a:cxn ang="0">
+                <a:pos x="connsiteX2" y="connsiteY2"/>
+              </a:cxn>
+            </a:cxnLst>
+            <a:rect l="l" t="t" r="r" b="b"/>
+            <a:pathLst>
+              <a:path w="914400" h="444481">
+                <a:moveTo>
+                  <a:pt x="0" y="0"/>
+                </a:moveTo>
+                <a:cubicBezTo>
+                  <a:pt x="157162" y="200819"/>
+                  <a:pt x="314325" y="401638"/>
+                  <a:pt x="466725" y="438150"/>
+                </a:cubicBezTo>
+                <a:cubicBezTo>
+                  <a:pt x="619125" y="474662"/>
+                  <a:pt x="766762" y="346868"/>
+                  <a:pt x="914400" y="219075"/>
+                </a:cubicBezTo>
+              </a:path>
+            </a:pathLst>
+          </a:custGeom>
+          <a:noFill/>
+          <a:ln w="28575">
+            <a:solidFill>
+              <a:schemeClr val="accent1">
+                <a:lumMod val="50000"/>
+              </a:schemeClr>
+            </a:solidFill>
+            <a:headEnd type="none" w="med" len="med"/>
+            <a:tailEnd type="arrow" w="med" len="med"/>
+          </a:ln>
+        </p:spPr>
+        <p:style>
+          <a:lnRef idx="2">
+            <a:schemeClr val="accent1">
+              <a:shade val="50000"/>
+            </a:schemeClr>
+          </a:lnRef>
+          <a:fillRef idx="1">
+            <a:schemeClr val="accent1"/>
+          </a:fillRef>
+          <a:effectRef idx="0">
+            <a:schemeClr val="accent1"/>
+          </a:effectRef>
+          <a:fontRef idx="minor">
+            <a:schemeClr val="lt1"/>
+          </a:fontRef>
+        </p:style>
+        <p:txBody>
+          <a:bodyPr rtlCol="0" anchor="ctr"/>
+          <a:lstStyle/>
+          <a:p>
+            <a:pPr algn="ctr"/>
+            <a:endParaRPr lang="nl-NL"/>
+          </a:p>
+        </p:txBody>
+      </p:sp>
+      <p:sp>
+        <p:nvSpPr>
+          <p:cNvPr id="51" name="Rectangular Callout 50"/>
+          <p:cNvSpPr/>
+          <p:nvPr/>
+        </p:nvSpPr>
+        <p:spPr>
+          <a:xfrm>
+            <a:off x="3499089" y="5342458"/>
+            <a:ext cx="1253822" cy="505687"/>
+          </a:xfrm>
+          <a:prstGeom prst="wedgeRectCallout">
+            <a:avLst>
+              <a:gd name="adj1" fmla="val 98122"/>
+              <a:gd name="adj2" fmla="val -57872"/>
+            </a:avLst>
+          </a:prstGeom>
+        </p:spPr>
+        <p:style>
+          <a:lnRef idx="2">
+            <a:schemeClr val="accent1">
+              <a:shade val="50000"/>
+            </a:schemeClr>
+          </a:lnRef>
+          <a:fillRef idx="1">
+            <a:schemeClr val="accent1"/>
+          </a:fillRef>
+          <a:effectRef idx="0">
+            <a:schemeClr val="accent1"/>
+          </a:effectRef>
+          <a:fontRef idx="minor">
+            <a:schemeClr val="lt1"/>
+          </a:fontRef>
+        </p:style>
+        <p:txBody>
+          <a:bodyPr rtlCol="0" anchor="ctr"/>
+          <a:lstStyle/>
+          <a:p>
+            <a:pPr algn="ctr"/>
+            <a:r>
+              <a:rPr lang="en-US" sz="1600" dirty="0" err="1"/>
+              <a:t>o</a:t>
+            </a:r>
+            <a:r>
+              <a:rPr lang="en-US" sz="1600" dirty="0" err="1" smtClean="0"/>
+              <a:t>jet</a:t>
+            </a:r>
+            <a:r>
+              <a:rPr lang="en-US" sz="1600" dirty="0" smtClean="0"/>
+              <a:t> build for release</a:t>
+            </a:r>
+            <a:endParaRPr lang="nl-NL" sz="1600" dirty="0"/>
+          </a:p>
+        </p:txBody>
+      </p:sp>
+      <p:pic>
+        <p:nvPicPr>
+          <p:cNvPr id="60" name="Picture 6" descr="Image result for github logo"/>
+          <p:cNvPicPr>
+            <a:picLocks noChangeAspect="1" noChangeArrowheads="1"/>
+          </p:cNvPicPr>
+          <p:nvPr/>
+        </p:nvPicPr>
+        <p:blipFill>
+          <a:blip r:embed="rId7" cstate="print">
+            <a:clrChange>
+              <a:clrFrom>
+                <a:srgbClr val="FFFFFF"/>
+              </a:clrFrom>
+              <a:clrTo>
+                <a:srgbClr val="FFFFFF">
+                  <a:alpha val="0"/>
+                </a:srgbClr>
+              </a:clrTo>
+            </a:clrChange>
+            <a:extLst>
+              <a:ext uri="{28A0092B-C50C-407E-A947-70E740481C1C}">
+                <a14:useLocalDpi xmlns:a14="http://schemas.microsoft.com/office/drawing/2010/main" val="0"/>
+              </a:ext>
+            </a:extLst>
+          </a:blip>
+          <a:srcRect/>
+          <a:stretch>
+            <a:fillRect/>
+          </a:stretch>
+        </p:blipFill>
+        <p:spPr bwMode="auto">
+          <a:xfrm>
+            <a:off x="2378936" y="3732203"/>
+            <a:ext cx="527622" cy="527622"/>
+          </a:xfrm>
+          <a:prstGeom prst="rect">
+            <a:avLst/>
+          </a:prstGeom>
+          <a:noFill/>
+          <a:extLst>
+            <a:ext uri="{909E8E84-426E-40DD-AFC4-6F175D3DCCD1}">
+              <a14:hiddenFill xmlns:a14="http://schemas.microsoft.com/office/drawing/2010/main">
+                <a:solidFill>
+                  <a:srgbClr val="FFFFFF"/>
+                </a:solidFill>
+              </a14:hiddenFill>
+            </a:ext>
+          </a:extLst>
+        </p:spPr>
+      </p:pic>
+      <p:pic>
+        <p:nvPicPr>
+          <p:cNvPr id="61" name="Picture 2" descr="Image result for npm logo"/>
+          <p:cNvPicPr>
+            <a:picLocks noChangeAspect="1" noChangeArrowheads="1"/>
+          </p:cNvPicPr>
+          <p:nvPr/>
+        </p:nvPicPr>
+        <p:blipFill>
+          <a:blip r:embed="rId10" cstate="print">
+            <a:extLst>
+              <a:ext uri="{28A0092B-C50C-407E-A947-70E740481C1C}">
+                <a14:useLocalDpi xmlns:a14="http://schemas.microsoft.com/office/drawing/2010/main" val="0"/>
+              </a:ext>
+            </a:extLst>
+          </a:blip>
+          <a:srcRect/>
+          <a:stretch>
+            <a:fillRect/>
+          </a:stretch>
+        </p:blipFill>
+        <p:spPr bwMode="auto">
+          <a:xfrm>
+            <a:off x="1093861" y="3982303"/>
+            <a:ext cx="505633" cy="196691"/>
+          </a:xfrm>
+          <a:prstGeom prst="rect">
+            <a:avLst/>
+          </a:prstGeom>
+          <a:noFill/>
+          <a:extLst>
+            <a:ext uri="{909E8E84-426E-40DD-AFC4-6F175D3DCCD1}">
+              <a14:hiddenFill xmlns:a14="http://schemas.microsoft.com/office/drawing/2010/main">
+                <a:solidFill>
+                  <a:srgbClr val="FFFFFF"/>
+                </a:solidFill>
+              </a14:hiddenFill>
+            </a:ext>
+          </a:extLst>
+        </p:spPr>
+      </p:pic>
+      <p:pic>
+        <p:nvPicPr>
+          <p:cNvPr id="62" name="Picture 4" descr="Image result for openssh logo"/>
+          <p:cNvPicPr>
+            <a:picLocks noChangeAspect="1" noChangeArrowheads="1"/>
+          </p:cNvPicPr>
+          <p:nvPr/>
+        </p:nvPicPr>
+        <p:blipFill>
+          <a:blip r:embed="rId11" cstate="print">
+            <a:extLst>
+              <a:ext uri="{28A0092B-C50C-407E-A947-70E740481C1C}">
+                <a14:useLocalDpi xmlns:a14="http://schemas.microsoft.com/office/drawing/2010/main" val="0"/>
+              </a:ext>
+            </a:extLst>
+          </a:blip>
+          <a:srcRect/>
+          <a:stretch>
+            <a:fillRect/>
+          </a:stretch>
+        </p:blipFill>
+        <p:spPr bwMode="auto">
+          <a:xfrm>
+            <a:off x="1038261" y="5084240"/>
+            <a:ext cx="682625" cy="203475"/>
+          </a:xfrm>
+          <a:prstGeom prst="rect">
+            <a:avLst/>
+          </a:prstGeom>
+          <a:noFill/>
+          <a:extLst>
+            <a:ext uri="{909E8E84-426E-40DD-AFC4-6F175D3DCCD1}">
+              <a14:hiddenFill xmlns:a14="http://schemas.microsoft.com/office/drawing/2010/main">
+                <a:solidFill>
+                  <a:srgbClr val="FFFFFF"/>
+                </a:solidFill>
+              </a14:hiddenFill>
+            </a:ext>
+          </a:extLst>
+        </p:spPr>
+      </p:pic>
+      <p:pic>
+        <p:nvPicPr>
+          <p:cNvPr id="63" name="Picture 6" descr="Image result for bash logo"/>
+          <p:cNvPicPr>
+            <a:picLocks noChangeAspect="1" noChangeArrowheads="1"/>
+          </p:cNvPicPr>
+          <p:nvPr/>
+        </p:nvPicPr>
+        <p:blipFill>
+          <a:blip r:embed="rId12" cstate="print">
+            <a:extLst>
+              <a:ext uri="{28A0092B-C50C-407E-A947-70E740481C1C}">
+                <a14:useLocalDpi xmlns:a14="http://schemas.microsoft.com/office/drawing/2010/main" val="0"/>
+              </a:ext>
+            </a:extLst>
+          </a:blip>
+          <a:srcRect/>
+          <a:stretch>
+            <a:fillRect/>
+          </a:stretch>
+        </p:blipFill>
+        <p:spPr bwMode="auto">
+          <a:xfrm>
+            <a:off x="921651" y="4648489"/>
+            <a:ext cx="613264" cy="613264"/>
+          </a:xfrm>
+          <a:prstGeom prst="rect">
+            <a:avLst/>
+          </a:prstGeom>
+          <a:noFill/>
+          <a:extLst>
+            <a:ext uri="{909E8E84-426E-40DD-AFC4-6F175D3DCCD1}">
+              <a14:hiddenFill xmlns:a14="http://schemas.microsoft.com/office/drawing/2010/main">
+                <a:solidFill>
+                  <a:srgbClr val="FFFFFF"/>
+                </a:solidFill>
+              </a14:hiddenFill>
+            </a:ext>
+          </a:extLst>
+        </p:spPr>
+      </p:pic>
+      <p:pic>
+        <p:nvPicPr>
+          <p:cNvPr id="64" name="Picture 8" descr="Image result for curl logo"/>
+          <p:cNvPicPr>
+            <a:picLocks noChangeAspect="1" noChangeArrowheads="1"/>
+          </p:cNvPicPr>
+          <p:nvPr/>
+        </p:nvPicPr>
+        <p:blipFill>
+          <a:blip r:embed="rId13" cstate="print">
+            <a:extLst>
+              <a:ext uri="{28A0092B-C50C-407E-A947-70E740481C1C}">
+                <a14:useLocalDpi xmlns:a14="http://schemas.microsoft.com/office/drawing/2010/main" val="0"/>
+              </a:ext>
+            </a:extLst>
+          </a:blip>
+          <a:srcRect/>
+          <a:stretch>
+            <a:fillRect/>
+          </a:stretch>
+        </p:blipFill>
+        <p:spPr bwMode="auto">
+          <a:xfrm>
+            <a:off x="1051539" y="4634874"/>
+            <a:ext cx="504384" cy="167957"/>
+          </a:xfrm>
+          <a:prstGeom prst="rect">
+            <a:avLst/>
+          </a:prstGeom>
+          <a:noFill/>
+          <a:extLst>
+            <a:ext uri="{909E8E84-426E-40DD-AFC4-6F175D3DCCD1}">
+              <a14:hiddenFill xmlns:a14="http://schemas.microsoft.com/office/drawing/2010/main">
+                <a:solidFill>
+                  <a:srgbClr val="FFFFFF"/>
+                </a:solidFill>
+              </a14:hiddenFill>
+            </a:ext>
+          </a:extLst>
+        </p:spPr>
+      </p:pic>
+      <p:sp>
+        <p:nvSpPr>
+          <p:cNvPr id="65" name="Oval 64"/>
+          <p:cNvSpPr/>
+          <p:nvPr/>
+        </p:nvSpPr>
+        <p:spPr>
+          <a:xfrm>
+            <a:off x="276225" y="2398398"/>
+            <a:ext cx="304436" cy="287680"/>
+          </a:xfrm>
+          <a:prstGeom prst="ellipse">
+            <a:avLst/>
+          </a:prstGeom>
+        </p:spPr>
+        <p:style>
+          <a:lnRef idx="2">
+            <a:schemeClr val="accent2">
+              <a:shade val="50000"/>
+            </a:schemeClr>
+          </a:lnRef>
+          <a:fillRef idx="1">
+            <a:schemeClr val="accent2"/>
+          </a:fillRef>
+          <a:effectRef idx="0">
+            <a:schemeClr val="accent2"/>
+          </a:effectRef>
+          <a:fontRef idx="minor">
+            <a:schemeClr val="lt1"/>
+          </a:fontRef>
+        </p:style>
+        <p:txBody>
+          <a:bodyPr rtlCol="0" anchor="ctr"/>
+          <a:lstStyle/>
+          <a:p>
+            <a:pPr algn="ctr"/>
+            <a:r>
+              <a:rPr lang="en-US" dirty="0" smtClean="0"/>
+              <a:t>1</a:t>
+            </a:r>
+            <a:endParaRPr lang="nl-NL" dirty="0"/>
+          </a:p>
+        </p:txBody>
+      </p:sp>
+      <p:sp>
+        <p:nvSpPr>
+          <p:cNvPr id="66" name="Oval 65"/>
+          <p:cNvSpPr/>
+          <p:nvPr/>
+        </p:nvSpPr>
+        <p:spPr>
+          <a:xfrm>
+            <a:off x="4322195" y="2721196"/>
+            <a:ext cx="304436" cy="287680"/>
+          </a:xfrm>
+          <a:prstGeom prst="ellipse">
+            <a:avLst/>
+          </a:prstGeom>
+        </p:spPr>
+        <p:style>
+          <a:lnRef idx="2">
+            <a:schemeClr val="accent2">
+              <a:shade val="50000"/>
+            </a:schemeClr>
+          </a:lnRef>
+          <a:fillRef idx="1">
+            <a:schemeClr val="accent2"/>
+          </a:fillRef>
+          <a:effectRef idx="0">
+            <a:schemeClr val="accent2"/>
+          </a:effectRef>
+          <a:fontRef idx="minor">
+            <a:schemeClr val="lt1"/>
+          </a:fontRef>
+        </p:style>
+        <p:txBody>
+          <a:bodyPr rtlCol="0" anchor="ctr"/>
+          <a:lstStyle/>
+          <a:p>
+            <a:pPr algn="ctr"/>
+            <a:r>
+              <a:rPr lang="en-US" dirty="0"/>
+              <a:t>2</a:t>
+            </a:r>
+            <a:endParaRPr lang="nl-NL" dirty="0"/>
+          </a:p>
+        </p:txBody>
+      </p:sp>
+      <p:sp>
+        <p:nvSpPr>
+          <p:cNvPr id="67" name="Oval 66"/>
+          <p:cNvSpPr/>
+          <p:nvPr/>
+        </p:nvSpPr>
+        <p:spPr>
+          <a:xfrm>
+            <a:off x="3373668" y="5669753"/>
+            <a:ext cx="304436" cy="287680"/>
+          </a:xfrm>
+          <a:prstGeom prst="ellipse">
+            <a:avLst/>
+          </a:prstGeom>
+        </p:spPr>
+        <p:style>
+          <a:lnRef idx="2">
+            <a:schemeClr val="accent2">
+              <a:shade val="50000"/>
+            </a:schemeClr>
+          </a:lnRef>
+          <a:fillRef idx="1">
+            <a:schemeClr val="accent2"/>
+          </a:fillRef>
+          <a:effectRef idx="0">
+            <a:schemeClr val="accent2"/>
+          </a:effectRef>
+          <a:fontRef idx="minor">
+            <a:schemeClr val="lt1"/>
+          </a:fontRef>
+        </p:style>
+        <p:txBody>
+          <a:bodyPr rtlCol="0" anchor="ctr"/>
+          <a:lstStyle/>
+          <a:p>
+            <a:pPr algn="ctr"/>
+            <a:r>
+              <a:rPr lang="en-US" dirty="0" smtClean="0"/>
+              <a:t>3</a:t>
+            </a:r>
+            <a:endParaRPr lang="nl-NL" dirty="0"/>
+          </a:p>
+        </p:txBody>
+      </p:sp>
+    </p:spTree>
+    <p:extLst>
+      <p:ext uri="{BB962C8B-B14F-4D97-AF65-F5344CB8AC3E}">
+        <p14:creationId xmlns:p14="http://schemas.microsoft.com/office/powerpoint/2010/main" val="1150049606"/>
+      </p:ext>
+    </p:extLst>
+  </p:cSld>
+  <p:clrMapOvr>
+    <a:masterClrMapping/>
+  </p:clrMapOvr>
+  <p:timing>
+    <p:tnLst>
+      <p:par>
+        <p:cTn id="1" dur="indefinite" restart="never" nodeType="tmRoot"/>
+      </p:par>
+    </p:tnLst>
+  </p:timing>
+</p:sld>
+</file>
+
+<file path=ppt/slides/slide13.xml><?xml version="1.0" encoding="utf-8"?>
+<p:sld xmlns:a="http://schemas.openxmlformats.org/drawingml/2006/main" xmlns:r="http://schemas.openxmlformats.org/officeDocument/2006/relationships" xmlns:p="http://schemas.openxmlformats.org/presentationml/2006/main">
+  <p:cSld>
+    <p:spTree>
+      <p:nvGrpSpPr>
+        <p:cNvPr id="1" name=""/>
+        <p:cNvGrpSpPr/>
+        <p:nvPr/>
+      </p:nvGrpSpPr>
+      <p:grpSpPr>
+        <a:xfrm>
+          <a:off x="0" y="0"/>
+          <a:ext cx="0" cy="0"/>
+          <a:chOff x="0" y="0"/>
+          <a:chExt cx="0" cy="0"/>
+        </a:xfrm>
+      </p:grpSpPr>
+      <p:sp>
+        <p:nvSpPr>
+          <p:cNvPr id="3" name="Rounded Rectangle 2"/>
+          <p:cNvSpPr/>
+          <p:nvPr/>
+        </p:nvSpPr>
+        <p:spPr>
+          <a:xfrm>
+            <a:off x="952500" y="3787281"/>
+            <a:ext cx="9485658" cy="2547759"/>
+          </a:xfrm>
+          <a:prstGeom prst="roundRect">
+            <a:avLst/>
+          </a:prstGeom>
+          <a:solidFill>
+            <a:schemeClr val="accent1">
+              <a:lumMod val="60000"/>
+              <a:lumOff val="40000"/>
+            </a:schemeClr>
+          </a:solidFill>
+        </p:spPr>
+        <p:style>
+          <a:lnRef idx="2">
+            <a:schemeClr val="accent1">
+              <a:shade val="50000"/>
+            </a:schemeClr>
+          </a:lnRef>
+          <a:fillRef idx="1">
+            <a:schemeClr val="accent1"/>
+          </a:fillRef>
+          <a:effectRef idx="0">
+            <a:schemeClr val="accent1"/>
+          </a:effectRef>
+          <a:fontRef idx="minor">
+            <a:schemeClr val="lt1"/>
+          </a:fontRef>
+        </p:style>
+        <p:txBody>
+          <a:bodyPr rtlCol="0" anchor="ctr"/>
+          <a:lstStyle/>
+          <a:p>
+            <a:pPr algn="ctr"/>
+            <a:endParaRPr lang="nl-NL"/>
+          </a:p>
+        </p:txBody>
+      </p:sp>
+      <p:sp>
+        <p:nvSpPr>
+          <p:cNvPr id="58" name="Rounded Rectangle 57"/>
+          <p:cNvSpPr/>
+          <p:nvPr/>
+        </p:nvSpPr>
+        <p:spPr>
+          <a:xfrm>
+            <a:off x="8801100" y="4802421"/>
+            <a:ext cx="690252" cy="540037"/>
+          </a:xfrm>
+          <a:prstGeom prst="roundRect">
+            <a:avLst/>
+          </a:prstGeom>
+          <a:solidFill>
+            <a:schemeClr val="bg1">
+              <a:lumMod val="75000"/>
+            </a:schemeClr>
+          </a:solidFill>
+        </p:spPr>
+        <p:style>
+          <a:lnRef idx="1">
+            <a:schemeClr val="dk1"/>
+          </a:lnRef>
+          <a:fillRef idx="2">
+            <a:schemeClr val="dk1"/>
+          </a:fillRef>
+          <a:effectRef idx="1">
+            <a:schemeClr val="dk1"/>
+          </a:effectRef>
+          <a:fontRef idx="minor">
+            <a:schemeClr val="dk1"/>
+          </a:fontRef>
+        </p:style>
+        <p:txBody>
+          <a:bodyPr rtlCol="0" anchor="ctr"/>
+          <a:lstStyle/>
+          <a:p>
+            <a:pPr algn="ctr"/>
+            <a:endParaRPr lang="nl-NL" sz="1200">
+              <a:solidFill>
+                <a:schemeClr val="dk1"/>
+              </a:solidFill>
+            </a:endParaRPr>
+          </a:p>
+        </p:txBody>
+      </p:sp>
+      <p:sp>
+        <p:nvSpPr>
+          <p:cNvPr id="24" name="Oval 23"/>
+          <p:cNvSpPr/>
+          <p:nvPr/>
+        </p:nvSpPr>
+        <p:spPr>
+          <a:xfrm>
+            <a:off x="6639056" y="3910810"/>
+            <a:ext cx="2008849" cy="728870"/>
+          </a:xfrm>
+          <a:prstGeom prst="ellipse">
+            <a:avLst/>
+          </a:prstGeom>
+        </p:spPr>
+        <p:style>
+          <a:lnRef idx="2">
+            <a:schemeClr val="accent1">
+              <a:shade val="50000"/>
+            </a:schemeClr>
+          </a:lnRef>
+          <a:fillRef idx="1">
+            <a:schemeClr val="accent1"/>
+          </a:fillRef>
+          <a:effectRef idx="0">
+            <a:schemeClr val="accent1"/>
+          </a:effectRef>
+          <a:fontRef idx="minor">
+            <a:schemeClr val="lt1"/>
+          </a:fontRef>
+        </p:style>
+        <p:txBody>
+          <a:bodyPr rtlCol="0" anchor="ctr"/>
+          <a:lstStyle/>
+          <a:p>
+            <a:pPr algn="ctr"/>
+            <a:r>
+              <a:rPr lang="en-US" dirty="0" smtClean="0"/>
+              <a:t>Oracle Cloud </a:t>
+            </a:r>
+            <a:r>
+              <a:rPr lang="en-US" dirty="0" err="1" smtClean="0"/>
+              <a:t>psm</a:t>
+            </a:r>
+            <a:endParaRPr lang="nl-NL" dirty="0"/>
+          </a:p>
+        </p:txBody>
+      </p:sp>
+      <p:sp>
+        <p:nvSpPr>
+          <p:cNvPr id="31" name="Rounded Rectangle 30"/>
+          <p:cNvSpPr/>
+          <p:nvPr/>
+        </p:nvSpPr>
+        <p:spPr>
+          <a:xfrm>
+            <a:off x="8478256" y="1341064"/>
+            <a:ext cx="1546412" cy="1430711"/>
+          </a:xfrm>
+          <a:prstGeom prst="roundRect">
+            <a:avLst/>
+          </a:prstGeom>
+        </p:spPr>
+        <p:style>
+          <a:lnRef idx="1">
+            <a:schemeClr val="accent2"/>
+          </a:lnRef>
+          <a:fillRef idx="2">
+            <a:schemeClr val="accent2"/>
+          </a:fillRef>
+          <a:effectRef idx="1">
+            <a:schemeClr val="accent2"/>
+          </a:effectRef>
+          <a:fontRef idx="minor">
+            <a:schemeClr val="dk1"/>
+          </a:fontRef>
+        </p:style>
+        <p:txBody>
+          <a:bodyPr rtlCol="0" anchor="ctr"/>
+          <a:lstStyle/>
+          <a:p>
+            <a:pPr algn="ctr"/>
+            <a:r>
+              <a:rPr lang="en-US" dirty="0" smtClean="0"/>
+              <a:t>Application Container</a:t>
+            </a:r>
+          </a:p>
+          <a:p>
+            <a:pPr algn="ctr"/>
+            <a:endParaRPr lang="en-US" dirty="0"/>
+          </a:p>
+          <a:p>
+            <a:pPr algn="ctr"/>
+            <a:endParaRPr lang="en-US" dirty="0" smtClean="0"/>
+          </a:p>
+          <a:p>
+            <a:pPr algn="ctr"/>
+            <a:endParaRPr lang="nl-NL" dirty="0"/>
+          </a:p>
+        </p:txBody>
+      </p:sp>
+      <p:pic>
+        <p:nvPicPr>
+          <p:cNvPr id="32" name="Picture 31"/>
+          <p:cNvPicPr>
+            <a:picLocks noChangeAspect="1"/>
+          </p:cNvPicPr>
+          <p:nvPr/>
+        </p:nvPicPr>
+        <p:blipFill>
+          <a:blip r:embed="rId3">
+            <a:clrChange>
+              <a:clrFrom>
+                <a:srgbClr val="FFFFFF"/>
+              </a:clrFrom>
+              <a:clrTo>
+                <a:srgbClr val="FFFFFF">
+                  <a:alpha val="0"/>
+                </a:srgbClr>
+              </a:clrTo>
+            </a:clrChange>
+          </a:blip>
+          <a:stretch>
+            <a:fillRect/>
+          </a:stretch>
+        </p:blipFill>
+        <p:spPr>
+          <a:xfrm>
+            <a:off x="8072024" y="992649"/>
+            <a:ext cx="500395" cy="407074"/>
+          </a:xfrm>
+          <a:prstGeom prst="rect">
+            <a:avLst/>
+          </a:prstGeom>
+        </p:spPr>
+      </p:pic>
+      <p:grpSp>
+        <p:nvGrpSpPr>
+          <p:cNvPr id="16" name="Group 15"/>
+          <p:cNvGrpSpPr/>
+          <p:nvPr/>
+        </p:nvGrpSpPr>
+        <p:grpSpPr>
+          <a:xfrm>
+            <a:off x="8649162" y="1937461"/>
+            <a:ext cx="1375506" cy="759084"/>
+            <a:chOff x="9516481" y="2459486"/>
+            <a:chExt cx="1375506" cy="759084"/>
+          </a:xfrm>
+        </p:grpSpPr>
+        <p:sp>
+          <p:nvSpPr>
+            <p:cNvPr id="34" name="Cube 33"/>
+            <p:cNvSpPr/>
+            <p:nvPr/>
+          </p:nvSpPr>
+          <p:spPr>
+            <a:xfrm>
+              <a:off x="9516481" y="2459486"/>
+              <a:ext cx="1287345" cy="714826"/>
+            </a:xfrm>
+            <a:prstGeom prst="cube">
+              <a:avLst/>
+            </a:prstGeom>
+          </p:spPr>
+          <p:style>
+            <a:lnRef idx="2">
+              <a:schemeClr val="accent1">
+                <a:shade val="50000"/>
+              </a:schemeClr>
+            </a:lnRef>
+            <a:fillRef idx="1">
+              <a:schemeClr val="accent1"/>
+            </a:fillRef>
+            <a:effectRef idx="0">
+              <a:schemeClr val="accent1"/>
+            </a:effectRef>
+            <a:fontRef idx="minor">
+              <a:schemeClr val="lt1"/>
+            </a:fontRef>
+          </p:style>
+          <p:txBody>
+            <a:bodyPr rtlCol="0" anchor="ctr"/>
+            <a:lstStyle/>
+            <a:p>
+              <a:pPr algn="ctr"/>
+              <a:r>
+                <a:rPr lang="en-US" dirty="0" err="1" smtClean="0"/>
+                <a:t>WebShop</a:t>
+              </a:r>
+              <a:r>
+                <a:rPr lang="en-US" dirty="0" smtClean="0"/>
+                <a:t> Portal</a:t>
+              </a:r>
+              <a:endParaRPr lang="nl-NL" dirty="0"/>
+            </a:p>
+          </p:txBody>
+        </p:sp>
+        <p:pic>
+          <p:nvPicPr>
+            <p:cNvPr id="35" name="Picture 10" descr="Image result for oracle jet logo"/>
+            <p:cNvPicPr>
+              <a:picLocks noChangeAspect="1" noChangeArrowheads="1"/>
+            </p:cNvPicPr>
+            <p:nvPr/>
+          </p:nvPicPr>
+          <p:blipFill>
+            <a:blip r:embed="rId4" cstate="print">
+              <a:clrChange>
+                <a:clrFrom>
+                  <a:srgbClr val="FFFFFF"/>
+                </a:clrFrom>
+                <a:clrTo>
+                  <a:srgbClr val="FFFFFF">
+                    <a:alpha val="0"/>
+                  </a:srgbClr>
+                </a:clrTo>
+              </a:clrChange>
+              <a:extLst>
+                <a:ext uri="{28A0092B-C50C-407E-A947-70E740481C1C}">
+                  <a14:useLocalDpi xmlns:a14="http://schemas.microsoft.com/office/drawing/2010/main" val="0"/>
+                </a:ext>
+              </a:extLst>
+            </a:blip>
+            <a:srcRect/>
+            <a:stretch>
+              <a:fillRect/>
+            </a:stretch>
+          </p:blipFill>
+          <p:spPr bwMode="auto">
+            <a:xfrm>
+              <a:off x="10160153" y="2799181"/>
+              <a:ext cx="731834" cy="419389"/>
+            </a:xfrm>
+            <a:prstGeom prst="rect">
+              <a:avLst/>
+            </a:prstGeom>
+            <a:noFill/>
+            <a:extLst>
+              <a:ext uri="{909E8E84-426E-40DD-AFC4-6F175D3DCCD1}">
+                <a14:hiddenFill xmlns:a14="http://schemas.microsoft.com/office/drawing/2010/main">
+                  <a:solidFill>
+                    <a:srgbClr val="FFFFFF"/>
+                  </a:solidFill>
+                </a14:hiddenFill>
+              </a:ext>
+            </a:extLst>
+          </p:spPr>
+        </p:pic>
+      </p:grpSp>
+      <p:sp>
+        <p:nvSpPr>
+          <p:cNvPr id="23" name="Up Arrow 22"/>
+          <p:cNvSpPr/>
+          <p:nvPr/>
+        </p:nvSpPr>
+        <p:spPr>
+          <a:xfrm>
+            <a:off x="9120119" y="2734483"/>
+            <a:ext cx="276225" cy="1128028"/>
+          </a:xfrm>
+          <a:prstGeom prst="upArrow">
+            <a:avLst/>
+          </a:prstGeom>
+        </p:spPr>
+        <p:style>
+          <a:lnRef idx="2">
+            <a:schemeClr val="accent1">
+              <a:shade val="50000"/>
+            </a:schemeClr>
+          </a:lnRef>
+          <a:fillRef idx="1">
+            <a:schemeClr val="accent1"/>
+          </a:fillRef>
+          <a:effectRef idx="0">
+            <a:schemeClr val="accent1"/>
+          </a:effectRef>
+          <a:fontRef idx="minor">
+            <a:schemeClr val="lt1"/>
+          </a:fontRef>
+        </p:style>
+        <p:txBody>
+          <a:bodyPr rtlCol="0" anchor="ctr"/>
+          <a:lstStyle/>
+          <a:p>
+            <a:pPr algn="ctr"/>
+            <a:endParaRPr lang="nl-NL"/>
+          </a:p>
+        </p:txBody>
+      </p:sp>
+      <p:sp>
+        <p:nvSpPr>
+          <p:cNvPr id="36" name="Rectangular Callout 35"/>
+          <p:cNvSpPr/>
+          <p:nvPr/>
+        </p:nvSpPr>
+        <p:spPr>
+          <a:xfrm>
+            <a:off x="7076593" y="2879752"/>
+            <a:ext cx="1757877" cy="749629"/>
+          </a:xfrm>
+          <a:prstGeom prst="wedgeRectCallout">
+            <a:avLst>
+              <a:gd name="adj1" fmla="val 75073"/>
+              <a:gd name="adj2" fmla="val 68853"/>
+            </a:avLst>
+          </a:prstGeom>
+        </p:spPr>
+        <p:style>
+          <a:lnRef idx="2">
+            <a:schemeClr val="accent1">
+              <a:shade val="50000"/>
+            </a:schemeClr>
+          </a:lnRef>
+          <a:fillRef idx="1">
+            <a:schemeClr val="accent1"/>
+          </a:fillRef>
+          <a:effectRef idx="0">
+            <a:schemeClr val="accent1"/>
+          </a:effectRef>
+          <a:fontRef idx="minor">
+            <a:schemeClr val="lt1"/>
+          </a:fontRef>
+        </p:style>
+        <p:txBody>
+          <a:bodyPr rtlCol="0" anchor="ctr"/>
+          <a:lstStyle/>
+          <a:p>
+            <a:pPr algn="ctr"/>
+            <a:r>
+              <a:rPr lang="en-US" sz="1600" dirty="0" smtClean="0"/>
+              <a:t>Deploy zip-file with </a:t>
+            </a:r>
+            <a:r>
+              <a:rPr lang="en-US" sz="1600" dirty="0" err="1" smtClean="0"/>
+              <a:t>manifest.json</a:t>
+            </a:r>
+            <a:r>
+              <a:rPr lang="en-US" sz="1600" dirty="0" smtClean="0"/>
+              <a:t> to ACC with </a:t>
+            </a:r>
+            <a:r>
+              <a:rPr lang="en-US" sz="1600" i="1" dirty="0" err="1" smtClean="0"/>
+              <a:t>psm</a:t>
+            </a:r>
+            <a:endParaRPr lang="nl-NL" sz="1600" i="1" dirty="0"/>
+          </a:p>
+        </p:txBody>
+      </p:sp>
+      <p:sp>
+        <p:nvSpPr>
+          <p:cNvPr id="40" name="Cube 39"/>
+          <p:cNvSpPr/>
+          <p:nvPr/>
+        </p:nvSpPr>
+        <p:spPr>
+          <a:xfrm>
+            <a:off x="8899359" y="3862511"/>
+            <a:ext cx="1287345" cy="714826"/>
+          </a:xfrm>
+          <a:prstGeom prst="cube">
+            <a:avLst/>
+          </a:prstGeom>
+        </p:spPr>
+        <p:style>
+          <a:lnRef idx="1">
+            <a:schemeClr val="dk1"/>
+          </a:lnRef>
+          <a:fillRef idx="2">
+            <a:schemeClr val="dk1"/>
+          </a:fillRef>
+          <a:effectRef idx="1">
+            <a:schemeClr val="dk1"/>
+          </a:effectRef>
+          <a:fontRef idx="minor">
+            <a:schemeClr val="dk1"/>
+          </a:fontRef>
+        </p:style>
+        <p:txBody>
+          <a:bodyPr rtlCol="0" anchor="ctr"/>
+          <a:lstStyle/>
+          <a:p>
+            <a:pPr algn="ctr"/>
+            <a:r>
+              <a:rPr lang="en-US" dirty="0"/>
+              <a:t>w</a:t>
+            </a:r>
+            <a:r>
+              <a:rPr lang="en-US" dirty="0" smtClean="0"/>
+              <a:t>ebshop.zip</a:t>
+            </a:r>
+            <a:endParaRPr lang="nl-NL" dirty="0"/>
+          </a:p>
+        </p:txBody>
+      </p:sp>
+      <p:sp>
+        <p:nvSpPr>
+          <p:cNvPr id="42" name="Rectangular Callout 41"/>
+          <p:cNvSpPr/>
+          <p:nvPr/>
+        </p:nvSpPr>
+        <p:spPr>
+          <a:xfrm>
+            <a:off x="10322723" y="3787281"/>
+            <a:ext cx="1781986" cy="749629"/>
+          </a:xfrm>
+          <a:prstGeom prst="wedgeRectCallout">
+            <a:avLst>
+              <a:gd name="adj1" fmla="val -69000"/>
+              <a:gd name="adj2" fmla="val 89183"/>
+            </a:avLst>
+          </a:prstGeom>
+        </p:spPr>
+        <p:style>
+          <a:lnRef idx="2">
+            <a:schemeClr val="accent1">
+              <a:shade val="50000"/>
+            </a:schemeClr>
+          </a:lnRef>
+          <a:fillRef idx="1">
+            <a:schemeClr val="accent1"/>
+          </a:fillRef>
+          <a:effectRef idx="0">
+            <a:schemeClr val="accent1"/>
+          </a:effectRef>
+          <a:fontRef idx="minor">
+            <a:schemeClr val="lt1"/>
+          </a:fontRef>
+        </p:style>
+        <p:txBody>
+          <a:bodyPr rtlCol="0" anchor="ctr"/>
+          <a:lstStyle/>
+          <a:p>
+            <a:pPr algn="ctr"/>
+            <a:r>
+              <a:rPr lang="en-US" sz="1600" dirty="0" smtClean="0"/>
+              <a:t>Create final artefact by zipping the build result</a:t>
+            </a:r>
+            <a:endParaRPr lang="nl-NL" sz="1600" i="1" dirty="0"/>
+          </a:p>
+        </p:txBody>
+      </p:sp>
+      <p:pic>
+        <p:nvPicPr>
+          <p:cNvPr id="44" name="Picture 43"/>
+          <p:cNvPicPr>
+            <a:picLocks noChangeAspect="1"/>
+          </p:cNvPicPr>
+          <p:nvPr/>
+        </p:nvPicPr>
+        <p:blipFill>
+          <a:blip r:embed="rId5"/>
+          <a:stretch>
+            <a:fillRect/>
+          </a:stretch>
+        </p:blipFill>
+        <p:spPr>
+          <a:xfrm>
+            <a:off x="10242392" y="213387"/>
+            <a:ext cx="1733550" cy="1157564"/>
+          </a:xfrm>
+          <a:prstGeom prst="rect">
+            <a:avLst/>
+          </a:prstGeom>
+        </p:spPr>
+      </p:pic>
+      <p:cxnSp>
+        <p:nvCxnSpPr>
+          <p:cNvPr id="46" name="Straight Arrow Connector 45"/>
+          <p:cNvCxnSpPr>
+            <a:stCxn id="44" idx="2"/>
+          </p:cNvCxnSpPr>
+          <p:nvPr/>
+        </p:nvCxnSpPr>
+        <p:spPr>
+          <a:xfrm flipH="1">
+            <a:off x="9658751" y="1370951"/>
+            <a:ext cx="1450416" cy="819562"/>
+          </a:xfrm>
+          <a:prstGeom prst="straightConnector1">
+            <a:avLst/>
+          </a:prstGeom>
+          <a:ln>
+            <a:solidFill>
+              <a:schemeClr val="accent1">
+                <a:lumMod val="50000"/>
+              </a:schemeClr>
+            </a:solidFill>
+            <a:tailEnd type="triangle"/>
+          </a:ln>
+        </p:spPr>
+        <p:style>
+          <a:lnRef idx="1">
+            <a:schemeClr val="accent1"/>
+          </a:lnRef>
+          <a:fillRef idx="0">
+            <a:schemeClr val="accent1"/>
+          </a:fillRef>
+          <a:effectRef idx="0">
+            <a:schemeClr val="accent1"/>
+          </a:effectRef>
+          <a:fontRef idx="minor">
+            <a:schemeClr val="tx1"/>
+          </a:fontRef>
+        </p:style>
+      </p:cxnSp>
+      <p:sp>
+        <p:nvSpPr>
+          <p:cNvPr id="47" name="Rectangular Callout 46"/>
+          <p:cNvSpPr/>
+          <p:nvPr/>
+        </p:nvSpPr>
+        <p:spPr>
+          <a:xfrm>
+            <a:off x="10839246" y="1687403"/>
+            <a:ext cx="1217605" cy="635458"/>
+          </a:xfrm>
+          <a:prstGeom prst="wedgeRectCallout">
+            <a:avLst>
+              <a:gd name="adj1" fmla="val -5121"/>
+              <a:gd name="adj2" fmla="val -115388"/>
+            </a:avLst>
+          </a:prstGeom>
+        </p:spPr>
+        <p:style>
+          <a:lnRef idx="2">
+            <a:schemeClr val="accent1">
+              <a:shade val="50000"/>
+            </a:schemeClr>
+          </a:lnRef>
+          <a:fillRef idx="1">
+            <a:schemeClr val="accent1"/>
+          </a:fillRef>
+          <a:effectRef idx="0">
+            <a:schemeClr val="accent1"/>
+          </a:effectRef>
+          <a:fontRef idx="minor">
+            <a:schemeClr val="lt1"/>
+          </a:fontRef>
+        </p:style>
+        <p:txBody>
+          <a:bodyPr rtlCol="0" anchor="ctr"/>
+          <a:lstStyle/>
+          <a:p>
+            <a:pPr algn="ctr"/>
+            <a:r>
+              <a:rPr lang="en-US" sz="1600" dirty="0" smtClean="0"/>
+              <a:t>Access the JET web application</a:t>
+            </a:r>
+            <a:endParaRPr lang="nl-NL" sz="1600" i="1" dirty="0"/>
+          </a:p>
+        </p:txBody>
+      </p:sp>
+      <p:sp>
+        <p:nvSpPr>
+          <p:cNvPr id="49" name="Rounded Rectangle 48"/>
+          <p:cNvSpPr/>
+          <p:nvPr/>
+        </p:nvSpPr>
+        <p:spPr>
+          <a:xfrm>
+            <a:off x="5905760" y="4814842"/>
+            <a:ext cx="1067129" cy="544269"/>
+          </a:xfrm>
+          <a:prstGeom prst="roundRect">
+            <a:avLst/>
+          </a:prstGeom>
+          <a:solidFill>
+            <a:schemeClr val="bg1">
+              <a:lumMod val="75000"/>
+            </a:schemeClr>
+          </a:solidFill>
+        </p:spPr>
+        <p:style>
+          <a:lnRef idx="1">
+            <a:schemeClr val="dk1"/>
+          </a:lnRef>
+          <a:fillRef idx="2">
+            <a:schemeClr val="dk1"/>
+          </a:fillRef>
+          <a:effectRef idx="1">
+            <a:schemeClr val="dk1"/>
+          </a:effectRef>
+          <a:fontRef idx="minor">
+            <a:schemeClr val="dk1"/>
+          </a:fontRef>
+        </p:style>
+        <p:txBody>
+          <a:bodyPr rtlCol="0" anchor="ctr"/>
+          <a:lstStyle/>
+          <a:p>
+            <a:pPr algn="ctr"/>
+            <a:r>
+              <a:rPr lang="en-US" sz="1200" dirty="0" smtClean="0"/>
+              <a:t>Fully Built JET Web Application</a:t>
+            </a:r>
+            <a:endParaRPr lang="nl-NL" sz="1200" dirty="0"/>
+          </a:p>
+        </p:txBody>
+      </p:sp>
+      <p:sp>
+        <p:nvSpPr>
+          <p:cNvPr id="52" name="Rounded Rectangle 51"/>
+          <p:cNvSpPr/>
+          <p:nvPr/>
+        </p:nvSpPr>
+        <p:spPr>
+          <a:xfrm>
+            <a:off x="7791774" y="4802421"/>
+            <a:ext cx="1372964" cy="544269"/>
+          </a:xfrm>
+          <a:prstGeom prst="roundRect">
+            <a:avLst/>
+          </a:prstGeom>
+          <a:solidFill>
+            <a:schemeClr val="bg1">
+              <a:lumMod val="75000"/>
+            </a:schemeClr>
+          </a:solidFill>
+        </p:spPr>
+        <p:style>
+          <a:lnRef idx="1">
+            <a:schemeClr val="dk1"/>
+          </a:lnRef>
+          <a:fillRef idx="2">
+            <a:schemeClr val="dk1"/>
+          </a:fillRef>
+          <a:effectRef idx="1">
+            <a:schemeClr val="dk1"/>
+          </a:effectRef>
+          <a:fontRef idx="minor">
+            <a:schemeClr val="dk1"/>
+          </a:fontRef>
+        </p:style>
+        <p:txBody>
+          <a:bodyPr rtlCol="0" anchor="ctr"/>
+          <a:lstStyle/>
+          <a:p>
+            <a:pPr algn="ctr"/>
+            <a:r>
+              <a:rPr lang="en-US" sz="1200" dirty="0" smtClean="0"/>
+              <a:t>Merged Node server side plus JET Web app</a:t>
+            </a:r>
+            <a:endParaRPr lang="nl-NL" sz="1200" dirty="0"/>
+          </a:p>
+        </p:txBody>
+      </p:sp>
+      <p:cxnSp>
+        <p:nvCxnSpPr>
+          <p:cNvPr id="54" name="Straight Arrow Connector 53"/>
+          <p:cNvCxnSpPr>
+            <a:endCxn id="52" idx="1"/>
+          </p:cNvCxnSpPr>
+          <p:nvPr/>
+        </p:nvCxnSpPr>
+        <p:spPr>
+          <a:xfrm flipV="1">
+            <a:off x="6972889" y="5074556"/>
+            <a:ext cx="818885" cy="26541"/>
+          </a:xfrm>
+          <a:prstGeom prst="straightConnector1">
+            <a:avLst/>
+          </a:prstGeom>
+          <a:noFill/>
+          <a:ln w="28575">
+            <a:solidFill>
+              <a:schemeClr val="accent1">
+                <a:lumMod val="50000"/>
+              </a:schemeClr>
+            </a:solidFill>
+            <a:headEnd type="none" w="med" len="med"/>
+            <a:tailEnd type="arrow" w="med" len="med"/>
+          </a:ln>
+        </p:spPr>
+        <p:style>
+          <a:lnRef idx="2">
+            <a:schemeClr val="accent1">
+              <a:shade val="50000"/>
+            </a:schemeClr>
+          </a:lnRef>
+          <a:fillRef idx="1">
+            <a:schemeClr val="accent1"/>
+          </a:fillRef>
+          <a:effectRef idx="0">
+            <a:schemeClr val="accent1"/>
+          </a:effectRef>
+          <a:fontRef idx="minor">
+            <a:schemeClr val="lt1"/>
+          </a:fontRef>
+        </p:style>
+      </p:cxnSp>
+      <p:sp>
+        <p:nvSpPr>
+          <p:cNvPr id="55" name="Rectangular Callout 54"/>
+          <p:cNvSpPr/>
+          <p:nvPr/>
+        </p:nvSpPr>
+        <p:spPr>
+          <a:xfrm>
+            <a:off x="7076593" y="5610916"/>
+            <a:ext cx="1571312" cy="505687"/>
+          </a:xfrm>
+          <a:prstGeom prst="wedgeRectCallout">
+            <a:avLst>
+              <a:gd name="adj1" fmla="val -21907"/>
+              <a:gd name="adj2" fmla="val -157702"/>
+            </a:avLst>
+          </a:prstGeom>
+        </p:spPr>
+        <p:style>
+          <a:lnRef idx="2">
+            <a:schemeClr val="accent1">
+              <a:shade val="50000"/>
+            </a:schemeClr>
+          </a:lnRef>
+          <a:fillRef idx="1">
+            <a:schemeClr val="accent1"/>
+          </a:fillRef>
+          <a:effectRef idx="0">
+            <a:schemeClr val="accent1"/>
+          </a:effectRef>
+          <a:fontRef idx="minor">
+            <a:schemeClr val="lt1"/>
+          </a:fontRef>
+        </p:style>
+        <p:txBody>
+          <a:bodyPr rtlCol="0" anchor="ctr"/>
+          <a:lstStyle/>
+          <a:p>
+            <a:pPr algn="ctr"/>
+            <a:r>
+              <a:rPr lang="en-US" sz="1600" dirty="0" smtClean="0"/>
+              <a:t>Copy build result into Node JS app</a:t>
+            </a:r>
+            <a:endParaRPr lang="nl-NL" sz="1600" dirty="0"/>
+          </a:p>
+        </p:txBody>
+      </p:sp>
+      <p:sp>
+        <p:nvSpPr>
+          <p:cNvPr id="56" name="Up Arrow 55"/>
+          <p:cNvSpPr/>
+          <p:nvPr/>
+        </p:nvSpPr>
+        <p:spPr>
+          <a:xfrm>
+            <a:off x="9128694" y="5319554"/>
+            <a:ext cx="276225" cy="1128028"/>
+          </a:xfrm>
+          <a:prstGeom prst="upArrow">
+            <a:avLst/>
+          </a:prstGeom>
+        </p:spPr>
+        <p:style>
+          <a:lnRef idx="2">
+            <a:schemeClr val="accent1">
+              <a:shade val="50000"/>
+            </a:schemeClr>
+          </a:lnRef>
+          <a:fillRef idx="1">
+            <a:schemeClr val="accent1"/>
+          </a:fillRef>
+          <a:effectRef idx="0">
+            <a:schemeClr val="accent1"/>
+          </a:effectRef>
+          <a:fontRef idx="minor">
+            <a:schemeClr val="lt1"/>
+          </a:fontRef>
+        </p:style>
+        <p:txBody>
+          <a:bodyPr rtlCol="0" anchor="ctr"/>
+          <a:lstStyle/>
+          <a:p>
+            <a:pPr algn="ctr"/>
+            <a:endParaRPr lang="nl-NL"/>
+          </a:p>
+        </p:txBody>
+      </p:sp>
+      <p:sp>
+        <p:nvSpPr>
+          <p:cNvPr id="57" name="Rectangular Callout 56"/>
+          <p:cNvSpPr/>
+          <p:nvPr/>
+        </p:nvSpPr>
+        <p:spPr>
+          <a:xfrm>
+            <a:off x="9783247" y="5949639"/>
+            <a:ext cx="1543132" cy="756510"/>
+          </a:xfrm>
+          <a:prstGeom prst="wedgeRectCallout">
+            <a:avLst>
+              <a:gd name="adj1" fmla="val -83967"/>
+              <a:gd name="adj2" fmla="val 5182"/>
+            </a:avLst>
+          </a:prstGeom>
+        </p:spPr>
+        <p:style>
+          <a:lnRef idx="2">
+            <a:schemeClr val="accent1">
+              <a:shade val="50000"/>
+            </a:schemeClr>
+          </a:lnRef>
+          <a:fillRef idx="1">
+            <a:schemeClr val="accent1"/>
+          </a:fillRef>
+          <a:effectRef idx="0">
+            <a:schemeClr val="accent1"/>
+          </a:effectRef>
+          <a:fontRef idx="minor">
+            <a:schemeClr val="lt1"/>
+          </a:fontRef>
+        </p:style>
+        <p:txBody>
+          <a:bodyPr rtlCol="0" anchor="ctr"/>
+          <a:lstStyle/>
+          <a:p>
+            <a:pPr algn="ctr"/>
+            <a:r>
+              <a:rPr lang="en-US" sz="1600" dirty="0" err="1"/>
+              <a:t>n</a:t>
+            </a:r>
+            <a:r>
+              <a:rPr lang="en-US" sz="1600" dirty="0" err="1" smtClean="0"/>
+              <a:t>pm</a:t>
+            </a:r>
+            <a:r>
+              <a:rPr lang="en-US" sz="1600" dirty="0" smtClean="0"/>
+              <a:t> install of all node modules for Node app</a:t>
+            </a:r>
+            <a:endParaRPr lang="nl-NL" sz="1600" dirty="0"/>
+          </a:p>
+        </p:txBody>
+      </p:sp>
+      <p:sp>
+        <p:nvSpPr>
+          <p:cNvPr id="59" name="Freeform 58"/>
+          <p:cNvSpPr/>
+          <p:nvPr/>
+        </p:nvSpPr>
+        <p:spPr>
+          <a:xfrm>
+            <a:off x="9486900" y="4581525"/>
+            <a:ext cx="555917" cy="560916"/>
+          </a:xfrm>
+          <a:custGeom>
+            <a:avLst/>
+            <a:gdLst>
+              <a:gd name="connsiteX0" fmla="*/ 0 w 555917"/>
+              <a:gd name="connsiteY0" fmla="*/ 476250 h 560916"/>
+              <a:gd name="connsiteX1" fmla="*/ 542925 w 555917"/>
+              <a:gd name="connsiteY1" fmla="*/ 523875 h 560916"/>
+              <a:gd name="connsiteX2" fmla="*/ 333375 w 555917"/>
+              <a:gd name="connsiteY2" fmla="*/ 0 h 560916"/>
+            </a:gdLst>
+            <a:ahLst/>
+            <a:cxnLst>
+              <a:cxn ang="0">
+                <a:pos x="connsiteX0" y="connsiteY0"/>
+              </a:cxn>
+              <a:cxn ang="0">
+                <a:pos x="connsiteX1" y="connsiteY1"/>
+              </a:cxn>
+              <a:cxn ang="0">
+                <a:pos x="connsiteX2" y="connsiteY2"/>
+              </a:cxn>
+            </a:cxnLst>
+            <a:rect l="l" t="t" r="r" b="b"/>
+            <a:pathLst>
+              <a:path w="555917" h="560916">
+                <a:moveTo>
+                  <a:pt x="0" y="476250"/>
+                </a:moveTo>
+                <a:cubicBezTo>
+                  <a:pt x="243681" y="539750"/>
+                  <a:pt x="487363" y="603250"/>
+                  <a:pt x="542925" y="523875"/>
+                </a:cubicBezTo>
+                <a:cubicBezTo>
+                  <a:pt x="598487" y="444500"/>
+                  <a:pt x="465931" y="222250"/>
+                  <a:pt x="333375" y="0"/>
+                </a:cubicBezTo>
+              </a:path>
+            </a:pathLst>
+          </a:custGeom>
+          <a:noFill/>
+          <a:ln w="28575">
+            <a:solidFill>
+              <a:schemeClr val="accent1">
+                <a:lumMod val="50000"/>
+              </a:schemeClr>
+            </a:solidFill>
+            <a:headEnd type="none" w="med" len="med"/>
+            <a:tailEnd type="arrow" w="med" len="med"/>
+          </a:ln>
+        </p:spPr>
+        <p:style>
+          <a:lnRef idx="2">
+            <a:schemeClr val="accent1">
+              <a:shade val="50000"/>
+            </a:schemeClr>
+          </a:lnRef>
+          <a:fillRef idx="1">
+            <a:schemeClr val="accent1"/>
+          </a:fillRef>
+          <a:effectRef idx="0">
+            <a:schemeClr val="accent1"/>
+          </a:effectRef>
+          <a:fontRef idx="minor">
+            <a:schemeClr val="lt1"/>
+          </a:fontRef>
+        </p:style>
+        <p:txBody>
+          <a:bodyPr rtlCol="0" anchor="ctr"/>
+          <a:lstStyle/>
+          <a:p>
+            <a:pPr algn="ctr"/>
+            <a:endParaRPr lang="nl-NL"/>
+          </a:p>
+        </p:txBody>
+      </p:sp>
+      <p:sp>
+        <p:nvSpPr>
+          <p:cNvPr id="68" name="Oval 67"/>
+          <p:cNvSpPr/>
+          <p:nvPr/>
+        </p:nvSpPr>
+        <p:spPr>
+          <a:xfrm>
+            <a:off x="6874375" y="5941355"/>
+            <a:ext cx="304436" cy="287680"/>
+          </a:xfrm>
+          <a:prstGeom prst="ellipse">
+            <a:avLst/>
+          </a:prstGeom>
+        </p:spPr>
+        <p:style>
+          <a:lnRef idx="2">
+            <a:schemeClr val="accent2">
+              <a:shade val="50000"/>
+            </a:schemeClr>
+          </a:lnRef>
+          <a:fillRef idx="1">
+            <a:schemeClr val="accent2"/>
+          </a:fillRef>
+          <a:effectRef idx="0">
+            <a:schemeClr val="accent2"/>
+          </a:effectRef>
+          <a:fontRef idx="minor">
+            <a:schemeClr val="lt1"/>
+          </a:fontRef>
+        </p:style>
+        <p:txBody>
+          <a:bodyPr rtlCol="0" anchor="ctr"/>
+          <a:lstStyle/>
+          <a:p>
+            <a:pPr algn="ctr"/>
+            <a:r>
+              <a:rPr lang="en-US" dirty="0" smtClean="0"/>
+              <a:t>4</a:t>
+            </a:r>
+            <a:endParaRPr lang="nl-NL" dirty="0"/>
+          </a:p>
+        </p:txBody>
+      </p:sp>
+      <p:sp>
+        <p:nvSpPr>
+          <p:cNvPr id="69" name="Oval 68"/>
+          <p:cNvSpPr/>
+          <p:nvPr/>
+        </p:nvSpPr>
+        <p:spPr>
+          <a:xfrm>
+            <a:off x="9612640" y="6514743"/>
+            <a:ext cx="304436" cy="287680"/>
+          </a:xfrm>
+          <a:prstGeom prst="ellipse">
+            <a:avLst/>
+          </a:prstGeom>
+        </p:spPr>
+        <p:style>
+          <a:lnRef idx="2">
+            <a:schemeClr val="accent2">
+              <a:shade val="50000"/>
+            </a:schemeClr>
+          </a:lnRef>
+          <a:fillRef idx="1">
+            <a:schemeClr val="accent2"/>
+          </a:fillRef>
+          <a:effectRef idx="0">
+            <a:schemeClr val="accent2"/>
+          </a:effectRef>
+          <a:fontRef idx="minor">
+            <a:schemeClr val="lt1"/>
+          </a:fontRef>
+        </p:style>
+        <p:txBody>
+          <a:bodyPr rtlCol="0" anchor="ctr"/>
+          <a:lstStyle/>
+          <a:p>
+            <a:pPr algn="ctr"/>
+            <a:r>
+              <a:rPr lang="en-US" dirty="0" smtClean="0"/>
+              <a:t>5</a:t>
+            </a:r>
+            <a:endParaRPr lang="nl-NL" dirty="0"/>
+          </a:p>
+        </p:txBody>
+      </p:sp>
+      <p:sp>
+        <p:nvSpPr>
+          <p:cNvPr id="70" name="Oval 69"/>
+          <p:cNvSpPr/>
+          <p:nvPr/>
+        </p:nvSpPr>
+        <p:spPr>
+          <a:xfrm>
+            <a:off x="10197608" y="4275245"/>
+            <a:ext cx="304436" cy="287680"/>
+          </a:xfrm>
+          <a:prstGeom prst="ellipse">
+            <a:avLst/>
+          </a:prstGeom>
+        </p:spPr>
+        <p:style>
+          <a:lnRef idx="2">
+            <a:schemeClr val="accent2">
+              <a:shade val="50000"/>
+            </a:schemeClr>
+          </a:lnRef>
+          <a:fillRef idx="1">
+            <a:schemeClr val="accent2"/>
+          </a:fillRef>
+          <a:effectRef idx="0">
+            <a:schemeClr val="accent2"/>
+          </a:effectRef>
+          <a:fontRef idx="minor">
+            <a:schemeClr val="lt1"/>
+          </a:fontRef>
+        </p:style>
+        <p:txBody>
+          <a:bodyPr rtlCol="0" anchor="ctr"/>
+          <a:lstStyle/>
+          <a:p>
+            <a:pPr algn="ctr"/>
+            <a:r>
+              <a:rPr lang="en-US" dirty="0" smtClean="0"/>
+              <a:t>6</a:t>
+            </a:r>
+            <a:endParaRPr lang="nl-NL" dirty="0"/>
+          </a:p>
+        </p:txBody>
+      </p:sp>
+      <p:sp>
+        <p:nvSpPr>
+          <p:cNvPr id="71" name="Oval 70"/>
+          <p:cNvSpPr/>
+          <p:nvPr/>
+        </p:nvSpPr>
+        <p:spPr>
+          <a:xfrm>
+            <a:off x="10668340" y="2133316"/>
+            <a:ext cx="304436" cy="287680"/>
+          </a:xfrm>
+          <a:prstGeom prst="ellipse">
+            <a:avLst/>
+          </a:prstGeom>
+        </p:spPr>
+        <p:style>
+          <a:lnRef idx="2">
+            <a:schemeClr val="accent2">
+              <a:shade val="50000"/>
+            </a:schemeClr>
+          </a:lnRef>
+          <a:fillRef idx="1">
+            <a:schemeClr val="accent2"/>
+          </a:fillRef>
+          <a:effectRef idx="0">
+            <a:schemeClr val="accent2"/>
+          </a:effectRef>
+          <a:fontRef idx="minor">
+            <a:schemeClr val="lt1"/>
+          </a:fontRef>
+        </p:style>
+        <p:txBody>
+          <a:bodyPr rtlCol="0" anchor="ctr"/>
+          <a:lstStyle/>
+          <a:p>
+            <a:pPr algn="ctr"/>
+            <a:r>
+              <a:rPr lang="en-US" dirty="0" smtClean="0"/>
+              <a:t>8</a:t>
+            </a:r>
+            <a:endParaRPr lang="nl-NL" dirty="0"/>
+          </a:p>
+        </p:txBody>
+      </p:sp>
+      <p:sp>
+        <p:nvSpPr>
+          <p:cNvPr id="72" name="Oval 71"/>
+          <p:cNvSpPr/>
+          <p:nvPr/>
+        </p:nvSpPr>
+        <p:spPr>
+          <a:xfrm>
+            <a:off x="6924375" y="3414157"/>
+            <a:ext cx="304436" cy="287680"/>
+          </a:xfrm>
+          <a:prstGeom prst="ellipse">
+            <a:avLst/>
+          </a:prstGeom>
+        </p:spPr>
+        <p:style>
+          <a:lnRef idx="2">
+            <a:schemeClr val="accent2">
+              <a:shade val="50000"/>
+            </a:schemeClr>
+          </a:lnRef>
+          <a:fillRef idx="1">
+            <a:schemeClr val="accent2"/>
+          </a:fillRef>
+          <a:effectRef idx="0">
+            <a:schemeClr val="accent2"/>
+          </a:effectRef>
+          <a:fontRef idx="minor">
+            <a:schemeClr val="lt1"/>
+          </a:fontRef>
+        </p:style>
+        <p:txBody>
+          <a:bodyPr rtlCol="0" anchor="ctr"/>
+          <a:lstStyle/>
+          <a:p>
+            <a:pPr algn="ctr"/>
+            <a:r>
+              <a:rPr lang="en-US" dirty="0" smtClean="0"/>
+              <a:t>7</a:t>
+            </a:r>
+            <a:endParaRPr lang="nl-NL" dirty="0"/>
+          </a:p>
+        </p:txBody>
+      </p:sp>
+      <p:sp>
+        <p:nvSpPr>
+          <p:cNvPr id="4" name="Title 3"/>
+          <p:cNvSpPr>
+            <a:spLocks noGrp="1"/>
+          </p:cNvSpPr>
+          <p:nvPr>
+            <p:ph type="title"/>
+          </p:nvPr>
+        </p:nvSpPr>
+        <p:spPr/>
+        <p:txBody>
+          <a:bodyPr/>
+          <a:lstStyle/>
+          <a:p>
+            <a:endParaRPr lang="nl-NL"/>
+          </a:p>
+        </p:txBody>
+      </p:sp>
+    </p:spTree>
+    <p:extLst>
+      <p:ext uri="{BB962C8B-B14F-4D97-AF65-F5344CB8AC3E}">
+        <p14:creationId xmlns:p14="http://schemas.microsoft.com/office/powerpoint/2010/main" val="771347101"/>
+      </p:ext>
+    </p:extLst>
+  </p:cSld>
+  <p:clrMapOvr>
+    <a:masterClrMapping/>
+  </p:clrMapOvr>
+  <p:timing>
+    <p:tnLst>
+      <p:par>
+        <p:cTn id="1" dur="indefinite" restart="never" nodeType="tmRoot"/>
+      </p:par>
+    </p:tnLst>
+  </p:timing>
+</p:sld>
+</file>
+
+<file path=ppt/slides/slide14.xml><?xml version="1.0" encoding="utf-8"?>
+<p:sld xmlns:a="http://schemas.openxmlformats.org/drawingml/2006/main" xmlns:r="http://schemas.openxmlformats.org/officeDocument/2006/relationships" xmlns:p="http://schemas.openxmlformats.org/presentationml/2006/main">
+  <p:cSld>
+    <p:spTree>
+      <p:nvGrpSpPr>
+        <p:cNvPr id="1" name=""/>
+        <p:cNvGrpSpPr/>
+        <p:nvPr/>
+      </p:nvGrpSpPr>
+      <p:grpSpPr>
+        <a:xfrm>
+          <a:off x="0" y="0"/>
+          <a:ext cx="0" cy="0"/>
+          <a:chOff x="0" y="0"/>
+          <a:chExt cx="0" cy="0"/>
+        </a:xfrm>
+      </p:grpSpPr>
+      <p:sp>
+        <p:nvSpPr>
+          <p:cNvPr id="3" name="Rounded Rectangle 2"/>
+          <p:cNvSpPr/>
+          <p:nvPr/>
+        </p:nvSpPr>
+        <p:spPr>
+          <a:xfrm>
+            <a:off x="952500" y="3787281"/>
+            <a:ext cx="9485658" cy="2547759"/>
+          </a:xfrm>
+          <a:prstGeom prst="roundRect">
+            <a:avLst/>
+          </a:prstGeom>
+          <a:solidFill>
+            <a:schemeClr val="accent1">
+              <a:lumMod val="60000"/>
+              <a:lumOff val="40000"/>
+            </a:schemeClr>
+          </a:solidFill>
+        </p:spPr>
+        <p:style>
+          <a:lnRef idx="2">
+            <a:schemeClr val="accent1">
+              <a:shade val="50000"/>
+            </a:schemeClr>
+          </a:lnRef>
+          <a:fillRef idx="1">
+            <a:schemeClr val="accent1"/>
+          </a:fillRef>
+          <a:effectRef idx="0">
+            <a:schemeClr val="accent1"/>
+          </a:effectRef>
+          <a:fontRef idx="minor">
+            <a:schemeClr val="lt1"/>
+          </a:fontRef>
+        </p:style>
+        <p:txBody>
+          <a:bodyPr rtlCol="0" anchor="ctr"/>
+          <a:lstStyle/>
+          <a:p>
+            <a:pPr algn="ctr"/>
+            <a:endParaRPr lang="nl-NL"/>
+          </a:p>
+        </p:txBody>
+      </p:sp>
+      <p:sp>
+        <p:nvSpPr>
+          <p:cNvPr id="58" name="Rounded Rectangle 57"/>
+          <p:cNvSpPr/>
+          <p:nvPr/>
+        </p:nvSpPr>
+        <p:spPr>
+          <a:xfrm>
+            <a:off x="8801100" y="4802421"/>
+            <a:ext cx="690252" cy="540037"/>
+          </a:xfrm>
+          <a:prstGeom prst="roundRect">
+            <a:avLst/>
+          </a:prstGeom>
+          <a:solidFill>
+            <a:schemeClr val="bg1">
+              <a:lumMod val="75000"/>
+            </a:schemeClr>
+          </a:solidFill>
+        </p:spPr>
+        <p:style>
+          <a:lnRef idx="1">
+            <a:schemeClr val="dk1"/>
+          </a:lnRef>
+          <a:fillRef idx="2">
+            <a:schemeClr val="dk1"/>
+          </a:fillRef>
+          <a:effectRef idx="1">
+            <a:schemeClr val="dk1"/>
+          </a:effectRef>
+          <a:fontRef idx="minor">
+            <a:schemeClr val="dk1"/>
+          </a:fontRef>
+        </p:style>
+        <p:txBody>
+          <a:bodyPr rtlCol="0" anchor="ctr"/>
+          <a:lstStyle/>
+          <a:p>
+            <a:pPr algn="ctr"/>
+            <a:endParaRPr lang="nl-NL" sz="1200">
+              <a:solidFill>
+                <a:schemeClr val="dk1"/>
+              </a:solidFill>
+            </a:endParaRPr>
+          </a:p>
+        </p:txBody>
+      </p:sp>
+      <p:sp>
+        <p:nvSpPr>
+          <p:cNvPr id="2" name="Title 1"/>
+          <p:cNvSpPr>
+            <a:spLocks noGrp="1"/>
+          </p:cNvSpPr>
+          <p:nvPr>
+            <p:ph type="title"/>
+          </p:nvPr>
+        </p:nvSpPr>
+        <p:spPr>
+          <a:xfrm>
+            <a:off x="124189" y="32996"/>
+            <a:ext cx="10515600" cy="1325563"/>
+          </a:xfrm>
+        </p:spPr>
+        <p:txBody>
+          <a:bodyPr/>
+          <a:lstStyle/>
+          <a:p>
+            <a:r>
+              <a:rPr lang="en-US" dirty="0" smtClean="0"/>
+              <a:t>Building and </a:t>
+            </a:r>
+            <a:r>
+              <a:rPr lang="en-US" dirty="0" smtClean="0"/>
+              <a:t>Deploying </a:t>
+            </a:r>
+            <a:r>
+              <a:rPr lang="en-US" dirty="0" smtClean="0"/>
+              <a:t>the application from within the build container</a:t>
+            </a:r>
+            <a:endParaRPr lang="nl-NL" dirty="0"/>
+          </a:p>
+        </p:txBody>
+      </p:sp>
+      <p:pic>
+        <p:nvPicPr>
+          <p:cNvPr id="5" name="Picture 2" descr="http://www.arkena.com/assets/uploads/2014/06/homepage-docker-logo.png"/>
+          <p:cNvPicPr>
+            <a:picLocks noChangeAspect="1" noChangeArrowheads="1"/>
+          </p:cNvPicPr>
+          <p:nvPr/>
+        </p:nvPicPr>
+        <p:blipFill>
+          <a:blip r:embed="rId3" cstate="print">
+            <a:extLst>
+              <a:ext uri="{28A0092B-C50C-407E-A947-70E740481C1C}">
+                <a14:useLocalDpi xmlns:a14="http://schemas.microsoft.com/office/drawing/2010/main" val="0"/>
+              </a:ext>
+            </a:extLst>
+          </a:blip>
+          <a:srcRect/>
+          <a:stretch>
+            <a:fillRect/>
+          </a:stretch>
+        </p:blipFill>
+        <p:spPr bwMode="auto">
+          <a:xfrm>
+            <a:off x="1076214" y="5569125"/>
+            <a:ext cx="849706" cy="703132"/>
+          </a:xfrm>
+          <a:prstGeom prst="rect">
+            <a:avLst/>
+          </a:prstGeom>
+          <a:noFill/>
+          <a:extLst>
+            <a:ext uri="{909E8E84-426E-40DD-AFC4-6F175D3DCCD1}">
+              <a14:hiddenFill xmlns:a14="http://schemas.microsoft.com/office/drawing/2010/main">
+                <a:solidFill>
+                  <a:srgbClr val="FFFFFF"/>
+                </a:solidFill>
+              </a14:hiddenFill>
+            </a:ext>
+          </a:extLst>
+        </p:spPr>
+      </p:pic>
+      <p:pic>
+        <p:nvPicPr>
+          <p:cNvPr id="6" name="Picture 20" descr="Image result for logo python"/>
+          <p:cNvPicPr>
+            <a:picLocks noChangeAspect="1" noChangeArrowheads="1"/>
+          </p:cNvPicPr>
+          <p:nvPr/>
+        </p:nvPicPr>
+        <p:blipFill>
+          <a:blip r:embed="rId4" cstate="print">
+            <a:extLst>
+              <a:ext uri="{28A0092B-C50C-407E-A947-70E740481C1C}">
+                <a14:useLocalDpi xmlns:a14="http://schemas.microsoft.com/office/drawing/2010/main" val="0"/>
+              </a:ext>
+            </a:extLst>
+          </a:blip>
+          <a:srcRect/>
+          <a:stretch>
+            <a:fillRect/>
+          </a:stretch>
+        </p:blipFill>
+        <p:spPr bwMode="auto">
+          <a:xfrm>
+            <a:off x="1699810" y="4720811"/>
+            <a:ext cx="1179748" cy="1179748"/>
+          </a:xfrm>
+          <a:prstGeom prst="rect">
+            <a:avLst/>
+          </a:prstGeom>
+          <a:noFill/>
+          <a:extLst>
+            <a:ext uri="{909E8E84-426E-40DD-AFC4-6F175D3DCCD1}">
+              <a14:hiddenFill xmlns:a14="http://schemas.microsoft.com/office/drawing/2010/main">
+                <a:solidFill>
+                  <a:srgbClr val="FFFFFF"/>
+                </a:solidFill>
+              </a14:hiddenFill>
+            </a:ext>
+          </a:extLst>
+        </p:spPr>
+      </p:pic>
+      <p:pic>
+        <p:nvPicPr>
+          <p:cNvPr id="19" name="Picture 6" descr="Image result for node js logo"/>
+          <p:cNvPicPr>
+            <a:picLocks noChangeAspect="1" noChangeArrowheads="1"/>
+          </p:cNvPicPr>
+          <p:nvPr/>
+        </p:nvPicPr>
+        <p:blipFill>
+          <a:blip r:embed="rId5" cstate="print">
+            <a:extLst>
+              <a:ext uri="{28A0092B-C50C-407E-A947-70E740481C1C}">
+                <a14:useLocalDpi xmlns:a14="http://schemas.microsoft.com/office/drawing/2010/main" val="0"/>
+              </a:ext>
+            </a:extLst>
+          </a:blip>
+          <a:srcRect/>
+          <a:stretch>
+            <a:fillRect/>
+          </a:stretch>
+        </p:blipFill>
+        <p:spPr bwMode="auto">
+          <a:xfrm>
+            <a:off x="1034799" y="4125045"/>
+            <a:ext cx="1372175" cy="368772"/>
+          </a:xfrm>
+          <a:prstGeom prst="rect">
+            <a:avLst/>
+          </a:prstGeom>
+          <a:noFill/>
+          <a:extLst>
+            <a:ext uri="{909E8E84-426E-40DD-AFC4-6F175D3DCCD1}">
+              <a14:hiddenFill xmlns:a14="http://schemas.microsoft.com/office/drawing/2010/main">
+                <a:solidFill>
+                  <a:srgbClr val="FFFFFF"/>
+                </a:solidFill>
+              </a14:hiddenFill>
+            </a:ext>
+          </a:extLst>
+        </p:spPr>
+      </p:pic>
+      <p:sp>
+        <p:nvSpPr>
+          <p:cNvPr id="24" name="Oval 23"/>
+          <p:cNvSpPr/>
+          <p:nvPr/>
+        </p:nvSpPr>
+        <p:spPr>
+          <a:xfrm>
+            <a:off x="6639056" y="3910810"/>
+            <a:ext cx="2008849" cy="728870"/>
+          </a:xfrm>
+          <a:prstGeom prst="ellipse">
+            <a:avLst/>
+          </a:prstGeom>
+        </p:spPr>
+        <p:style>
+          <a:lnRef idx="2">
+            <a:schemeClr val="accent1">
+              <a:shade val="50000"/>
+            </a:schemeClr>
+          </a:lnRef>
+          <a:fillRef idx="1">
+            <a:schemeClr val="accent1"/>
+          </a:fillRef>
+          <a:effectRef idx="0">
+            <a:schemeClr val="accent1"/>
+          </a:effectRef>
+          <a:fontRef idx="minor">
+            <a:schemeClr val="lt1"/>
+          </a:fontRef>
+        </p:style>
+        <p:txBody>
+          <a:bodyPr rtlCol="0" anchor="ctr"/>
+          <a:lstStyle/>
+          <a:p>
+            <a:pPr algn="ctr"/>
+            <a:r>
+              <a:rPr lang="en-US" dirty="0" smtClean="0"/>
+              <a:t>Oracle Cloud </a:t>
+            </a:r>
+            <a:r>
+              <a:rPr lang="en-US" dirty="0" err="1" smtClean="0"/>
+              <a:t>psm</a:t>
+            </a:r>
+            <a:endParaRPr lang="nl-NL" dirty="0"/>
+          </a:p>
+        </p:txBody>
+      </p:sp>
+      <p:sp>
+        <p:nvSpPr>
+          <p:cNvPr id="25" name="Oval 24"/>
+          <p:cNvSpPr/>
+          <p:nvPr/>
+        </p:nvSpPr>
+        <p:spPr>
+          <a:xfrm>
+            <a:off x="4810609" y="5553708"/>
+            <a:ext cx="1677711" cy="728870"/>
+          </a:xfrm>
+          <a:prstGeom prst="ellipse">
+            <a:avLst/>
+          </a:prstGeom>
+        </p:spPr>
+        <p:style>
+          <a:lnRef idx="2">
+            <a:schemeClr val="accent1">
+              <a:shade val="50000"/>
+            </a:schemeClr>
+          </a:lnRef>
+          <a:fillRef idx="1">
+            <a:schemeClr val="accent1"/>
+          </a:fillRef>
+          <a:effectRef idx="0">
+            <a:schemeClr val="accent1"/>
+          </a:effectRef>
+          <a:fontRef idx="minor">
+            <a:schemeClr val="lt1"/>
+          </a:fontRef>
+        </p:style>
+        <p:txBody>
+          <a:bodyPr rtlCol="0" anchor="ctr"/>
+          <a:lstStyle/>
+          <a:p>
+            <a:pPr algn="ctr"/>
+            <a:r>
+              <a:rPr lang="en-US" dirty="0" smtClean="0"/>
+              <a:t>Oracle JET cli</a:t>
+            </a:r>
+            <a:endParaRPr lang="nl-NL" dirty="0"/>
+          </a:p>
+        </p:txBody>
+      </p:sp>
+      <p:pic>
+        <p:nvPicPr>
+          <p:cNvPr id="20" name="Picture 10" descr="Image result for oracle jet logo"/>
+          <p:cNvPicPr>
+            <a:picLocks noChangeAspect="1" noChangeArrowheads="1"/>
+          </p:cNvPicPr>
+          <p:nvPr/>
+        </p:nvPicPr>
+        <p:blipFill>
+          <a:blip r:embed="rId6" cstate="print">
+            <a:clrChange>
+              <a:clrFrom>
+                <a:srgbClr val="FFFFFF"/>
+              </a:clrFrom>
+              <a:clrTo>
+                <a:srgbClr val="FFFFFF">
+                  <a:alpha val="0"/>
+                </a:srgbClr>
+              </a:clrTo>
+            </a:clrChange>
+            <a:extLst>
+              <a:ext uri="{28A0092B-C50C-407E-A947-70E740481C1C}">
+                <a14:useLocalDpi xmlns:a14="http://schemas.microsoft.com/office/drawing/2010/main" val="0"/>
+              </a:ext>
+            </a:extLst>
+          </a:blip>
+          <a:srcRect/>
+          <a:stretch>
+            <a:fillRect/>
+          </a:stretch>
+        </p:blipFill>
+        <p:spPr bwMode="auto">
+          <a:xfrm>
+            <a:off x="5506729" y="5791703"/>
+            <a:ext cx="1075754" cy="616478"/>
+          </a:xfrm>
+          <a:prstGeom prst="rect">
+            <a:avLst/>
+          </a:prstGeom>
+          <a:noFill/>
+          <a:extLst>
+            <a:ext uri="{909E8E84-426E-40DD-AFC4-6F175D3DCCD1}">
+              <a14:hiddenFill xmlns:a14="http://schemas.microsoft.com/office/drawing/2010/main">
+                <a:solidFill>
+                  <a:srgbClr val="FFFFFF"/>
+                </a:solidFill>
+              </a14:hiddenFill>
+            </a:ext>
+          </a:extLst>
+        </p:spPr>
+      </p:pic>
+      <p:sp>
+        <p:nvSpPr>
+          <p:cNvPr id="28" name="Rounded Rectangle 27"/>
+          <p:cNvSpPr/>
+          <p:nvPr/>
+        </p:nvSpPr>
+        <p:spPr>
+          <a:xfrm>
+            <a:off x="2406974" y="2659253"/>
+            <a:ext cx="1582273" cy="699247"/>
+          </a:xfrm>
+          <a:prstGeom prst="roundRect">
+            <a:avLst/>
+          </a:prstGeom>
+        </p:spPr>
+        <p:style>
+          <a:lnRef idx="1">
+            <a:schemeClr val="dk1"/>
+          </a:lnRef>
+          <a:fillRef idx="2">
+            <a:schemeClr val="dk1"/>
+          </a:fillRef>
+          <a:effectRef idx="1">
+            <a:schemeClr val="dk1"/>
+          </a:effectRef>
+          <a:fontRef idx="minor">
+            <a:schemeClr val="dk1"/>
+          </a:fontRef>
+        </p:style>
+        <p:txBody>
+          <a:bodyPr rtlCol="0" anchor="ctr"/>
+          <a:lstStyle/>
+          <a:p>
+            <a:pPr algn="ctr"/>
+            <a:r>
+              <a:rPr lang="en-US" dirty="0">
+                <a:solidFill>
+                  <a:schemeClr val="dk1"/>
+                </a:solidFill>
+              </a:rPr>
+              <a:t>GitHub</a:t>
+            </a:r>
+            <a:endParaRPr lang="nl-NL" dirty="0">
+              <a:solidFill>
+                <a:schemeClr val="dk1"/>
+              </a:solidFill>
+            </a:endParaRPr>
+          </a:p>
+        </p:txBody>
+      </p:sp>
+      <p:pic>
+        <p:nvPicPr>
+          <p:cNvPr id="29" name="Picture 6" descr="Image result for github logo"/>
+          <p:cNvPicPr>
+            <a:picLocks noChangeAspect="1" noChangeArrowheads="1"/>
+          </p:cNvPicPr>
+          <p:nvPr/>
+        </p:nvPicPr>
+        <p:blipFill>
+          <a:blip r:embed="rId7" cstate="print">
+            <a:clrChange>
+              <a:clrFrom>
+                <a:srgbClr val="FFFFFF"/>
+              </a:clrFrom>
+              <a:clrTo>
+                <a:srgbClr val="FFFFFF">
+                  <a:alpha val="0"/>
+                </a:srgbClr>
+              </a:clrTo>
+            </a:clrChange>
+            <a:extLst>
+              <a:ext uri="{28A0092B-C50C-407E-A947-70E740481C1C}">
+                <a14:useLocalDpi xmlns:a14="http://schemas.microsoft.com/office/drawing/2010/main" val="0"/>
+              </a:ext>
+            </a:extLst>
+          </a:blip>
+          <a:srcRect/>
+          <a:stretch>
+            <a:fillRect/>
+          </a:stretch>
+        </p:blipFill>
+        <p:spPr bwMode="auto">
+          <a:xfrm>
+            <a:off x="3483994" y="2615941"/>
+            <a:ext cx="527622" cy="527622"/>
+          </a:xfrm>
+          <a:prstGeom prst="rect">
+            <a:avLst/>
+          </a:prstGeom>
+          <a:noFill/>
+          <a:extLst>
+            <a:ext uri="{909E8E84-426E-40DD-AFC4-6F175D3DCCD1}">
+              <a14:hiddenFill xmlns:a14="http://schemas.microsoft.com/office/drawing/2010/main">
+                <a:solidFill>
+                  <a:srgbClr val="FFFFFF"/>
+                </a:solidFill>
+              </a14:hiddenFill>
+            </a:ext>
+          </a:extLst>
+        </p:spPr>
+      </p:pic>
+      <p:sp>
+        <p:nvSpPr>
+          <p:cNvPr id="10" name="Rectangular Callout 9"/>
+          <p:cNvSpPr/>
+          <p:nvPr/>
+        </p:nvSpPr>
+        <p:spPr>
+          <a:xfrm>
+            <a:off x="333375" y="1866312"/>
+            <a:ext cx="1757877" cy="749629"/>
+          </a:xfrm>
+          <a:prstGeom prst="wedgeRectCallout">
+            <a:avLst>
+              <a:gd name="adj1" fmla="val 104333"/>
+              <a:gd name="adj2" fmla="val 164150"/>
+            </a:avLst>
+          </a:prstGeom>
+        </p:spPr>
+        <p:style>
+          <a:lnRef idx="2">
+            <a:schemeClr val="accent1">
+              <a:shade val="50000"/>
+            </a:schemeClr>
+          </a:lnRef>
+          <a:fillRef idx="1">
+            <a:schemeClr val="accent1"/>
+          </a:fillRef>
+          <a:effectRef idx="0">
+            <a:schemeClr val="accent1"/>
+          </a:effectRef>
+          <a:fontRef idx="minor">
+            <a:schemeClr val="lt1"/>
+          </a:fontRef>
+        </p:style>
+        <p:txBody>
+          <a:bodyPr rtlCol="0" anchor="ctr"/>
+          <a:lstStyle/>
+          <a:p>
+            <a:pPr algn="ctr"/>
+            <a:r>
+              <a:rPr lang="en-US" sz="1600" dirty="0" smtClean="0"/>
+              <a:t>Clone GitHub repo for Oracle JET application</a:t>
+            </a:r>
+            <a:endParaRPr lang="nl-NL" sz="1600" dirty="0"/>
+          </a:p>
+        </p:txBody>
+      </p:sp>
+      <p:sp>
+        <p:nvSpPr>
+          <p:cNvPr id="12" name="Cube 11"/>
+          <p:cNvSpPr/>
+          <p:nvPr/>
+        </p:nvSpPr>
+        <p:spPr>
+          <a:xfrm>
+            <a:off x="2791011" y="3957490"/>
+            <a:ext cx="1859665" cy="714826"/>
+          </a:xfrm>
+          <a:prstGeom prst="cube">
+            <a:avLst/>
+          </a:prstGeom>
+        </p:spPr>
+        <p:style>
+          <a:lnRef idx="2">
+            <a:schemeClr val="accent1">
+              <a:shade val="50000"/>
+            </a:schemeClr>
+          </a:lnRef>
+          <a:fillRef idx="1">
+            <a:schemeClr val="accent1"/>
+          </a:fillRef>
+          <a:effectRef idx="0">
+            <a:schemeClr val="accent1"/>
+          </a:effectRef>
+          <a:fontRef idx="minor">
+            <a:schemeClr val="lt1"/>
+          </a:fontRef>
+        </p:style>
+        <p:txBody>
+          <a:bodyPr rtlCol="0" anchor="ctr"/>
+          <a:lstStyle/>
+          <a:p>
+            <a:pPr algn="ctr"/>
+            <a:r>
+              <a:rPr lang="en-US" dirty="0" err="1" smtClean="0"/>
+              <a:t>WebShop</a:t>
+            </a:r>
+            <a:r>
+              <a:rPr lang="en-US" dirty="0" smtClean="0"/>
+              <a:t> Portal sources</a:t>
+            </a:r>
+            <a:endParaRPr lang="nl-NL" dirty="0"/>
+          </a:p>
+        </p:txBody>
+      </p:sp>
+      <p:pic>
+        <p:nvPicPr>
+          <p:cNvPr id="30" name="Picture 10" descr="Image result for oracle jet logo"/>
+          <p:cNvPicPr>
+            <a:picLocks noChangeAspect="1" noChangeArrowheads="1"/>
+          </p:cNvPicPr>
+          <p:nvPr/>
+        </p:nvPicPr>
+        <p:blipFill>
+          <a:blip r:embed="rId8" cstate="print">
+            <a:clrChange>
+              <a:clrFrom>
+                <a:srgbClr val="FFFFFF"/>
+              </a:clrFrom>
+              <a:clrTo>
+                <a:srgbClr val="FFFFFF">
+                  <a:alpha val="0"/>
+                </a:srgbClr>
+              </a:clrTo>
+            </a:clrChange>
+            <a:extLst>
+              <a:ext uri="{28A0092B-C50C-407E-A947-70E740481C1C}">
+                <a14:useLocalDpi xmlns:a14="http://schemas.microsoft.com/office/drawing/2010/main" val="0"/>
+              </a:ext>
+            </a:extLst>
+          </a:blip>
+          <a:srcRect/>
+          <a:stretch>
+            <a:fillRect/>
+          </a:stretch>
+        </p:blipFill>
+        <p:spPr bwMode="auto">
+          <a:xfrm>
+            <a:off x="3956278" y="4184929"/>
+            <a:ext cx="731834" cy="419389"/>
+          </a:xfrm>
+          <a:prstGeom prst="rect">
+            <a:avLst/>
+          </a:prstGeom>
+          <a:noFill/>
+          <a:extLst>
+            <a:ext uri="{909E8E84-426E-40DD-AFC4-6F175D3DCCD1}">
+              <a14:hiddenFill xmlns:a14="http://schemas.microsoft.com/office/drawing/2010/main">
+                <a:solidFill>
+                  <a:srgbClr val="FFFFFF"/>
+                </a:solidFill>
+              </a14:hiddenFill>
+            </a:ext>
+          </a:extLst>
+        </p:spPr>
+      </p:pic>
+      <p:sp>
+        <p:nvSpPr>
+          <p:cNvPr id="15" name="Down Arrow 14"/>
+          <p:cNvSpPr/>
+          <p:nvPr/>
+        </p:nvSpPr>
+        <p:spPr>
+          <a:xfrm>
+            <a:off x="2859903" y="3323418"/>
+            <a:ext cx="483372" cy="728378"/>
+          </a:xfrm>
+          <a:prstGeom prst="downArrow">
+            <a:avLst/>
+          </a:prstGeom>
+        </p:spPr>
+        <p:style>
+          <a:lnRef idx="2">
+            <a:schemeClr val="accent1">
+              <a:shade val="50000"/>
+            </a:schemeClr>
+          </a:lnRef>
+          <a:fillRef idx="1">
+            <a:schemeClr val="accent1"/>
+          </a:fillRef>
+          <a:effectRef idx="0">
+            <a:schemeClr val="accent1"/>
+          </a:effectRef>
+          <a:fontRef idx="minor">
+            <a:schemeClr val="lt1"/>
+          </a:fontRef>
+        </p:style>
+        <p:txBody>
+          <a:bodyPr rtlCol="0" anchor="ctr"/>
+          <a:lstStyle/>
+          <a:p>
+            <a:pPr algn="ctr"/>
+            <a:endParaRPr lang="nl-NL"/>
+          </a:p>
+        </p:txBody>
+      </p:sp>
+      <p:sp>
+        <p:nvSpPr>
+          <p:cNvPr id="31" name="Rounded Rectangle 30"/>
+          <p:cNvSpPr/>
+          <p:nvPr/>
+        </p:nvSpPr>
+        <p:spPr>
+          <a:xfrm>
+            <a:off x="8478256" y="1341064"/>
+            <a:ext cx="1546412" cy="1430711"/>
+          </a:xfrm>
+          <a:prstGeom prst="roundRect">
+            <a:avLst/>
+          </a:prstGeom>
+        </p:spPr>
+        <p:style>
+          <a:lnRef idx="1">
+            <a:schemeClr val="accent2"/>
+          </a:lnRef>
+          <a:fillRef idx="2">
+            <a:schemeClr val="accent2"/>
+          </a:fillRef>
+          <a:effectRef idx="1">
+            <a:schemeClr val="accent2"/>
+          </a:effectRef>
+          <a:fontRef idx="minor">
+            <a:schemeClr val="dk1"/>
+          </a:fontRef>
+        </p:style>
+        <p:txBody>
+          <a:bodyPr rtlCol="0" anchor="ctr"/>
+          <a:lstStyle/>
+          <a:p>
+            <a:pPr algn="ctr"/>
+            <a:r>
+              <a:rPr lang="en-US" dirty="0" smtClean="0"/>
+              <a:t>Application Container</a:t>
+            </a:r>
+          </a:p>
+          <a:p>
+            <a:pPr algn="ctr"/>
+            <a:endParaRPr lang="en-US" dirty="0"/>
+          </a:p>
+          <a:p>
+            <a:pPr algn="ctr"/>
+            <a:endParaRPr lang="en-US" dirty="0" smtClean="0"/>
+          </a:p>
+          <a:p>
+            <a:pPr algn="ctr"/>
+            <a:endParaRPr lang="nl-NL" dirty="0"/>
+          </a:p>
+        </p:txBody>
+      </p:sp>
+      <p:pic>
+        <p:nvPicPr>
+          <p:cNvPr id="32" name="Picture 31"/>
+          <p:cNvPicPr>
+            <a:picLocks noChangeAspect="1"/>
+          </p:cNvPicPr>
+          <p:nvPr/>
+        </p:nvPicPr>
+        <p:blipFill>
+          <a:blip r:embed="rId9">
+            <a:clrChange>
+              <a:clrFrom>
+                <a:srgbClr val="FFFFFF"/>
+              </a:clrFrom>
+              <a:clrTo>
+                <a:srgbClr val="FFFFFF">
+                  <a:alpha val="0"/>
+                </a:srgbClr>
+              </a:clrTo>
+            </a:clrChange>
+          </a:blip>
+          <a:stretch>
+            <a:fillRect/>
+          </a:stretch>
+        </p:blipFill>
+        <p:spPr>
+          <a:xfrm>
+            <a:off x="8072024" y="992649"/>
+            <a:ext cx="500395" cy="407074"/>
+          </a:xfrm>
+          <a:prstGeom prst="rect">
+            <a:avLst/>
+          </a:prstGeom>
+        </p:spPr>
+      </p:pic>
+      <p:grpSp>
+        <p:nvGrpSpPr>
+          <p:cNvPr id="16" name="Group 15"/>
+          <p:cNvGrpSpPr/>
+          <p:nvPr/>
+        </p:nvGrpSpPr>
+        <p:grpSpPr>
+          <a:xfrm>
+            <a:off x="8649162" y="1937461"/>
+            <a:ext cx="1375506" cy="759084"/>
+            <a:chOff x="9516481" y="2459486"/>
+            <a:chExt cx="1375506" cy="759084"/>
+          </a:xfrm>
+        </p:grpSpPr>
+        <p:sp>
+          <p:nvSpPr>
+            <p:cNvPr id="34" name="Cube 33"/>
+            <p:cNvSpPr/>
+            <p:nvPr/>
+          </p:nvSpPr>
+          <p:spPr>
+            <a:xfrm>
+              <a:off x="9516481" y="2459486"/>
+              <a:ext cx="1287345" cy="714826"/>
+            </a:xfrm>
+            <a:prstGeom prst="cube">
+              <a:avLst/>
+            </a:prstGeom>
+          </p:spPr>
+          <p:style>
+            <a:lnRef idx="2">
+              <a:schemeClr val="accent1">
+                <a:shade val="50000"/>
+              </a:schemeClr>
+            </a:lnRef>
+            <a:fillRef idx="1">
+              <a:schemeClr val="accent1"/>
+            </a:fillRef>
+            <a:effectRef idx="0">
+              <a:schemeClr val="accent1"/>
+            </a:effectRef>
+            <a:fontRef idx="minor">
+              <a:schemeClr val="lt1"/>
+            </a:fontRef>
+          </p:style>
+          <p:txBody>
+            <a:bodyPr rtlCol="0" anchor="ctr"/>
+            <a:lstStyle/>
+            <a:p>
+              <a:pPr algn="ctr"/>
+              <a:r>
+                <a:rPr lang="en-US" dirty="0" err="1" smtClean="0"/>
+                <a:t>WebShop</a:t>
+              </a:r>
+              <a:r>
+                <a:rPr lang="en-US" dirty="0" smtClean="0"/>
+                <a:t> Portal</a:t>
+              </a:r>
+              <a:endParaRPr lang="nl-NL" dirty="0"/>
+            </a:p>
+          </p:txBody>
+        </p:sp>
+        <p:pic>
+          <p:nvPicPr>
+            <p:cNvPr id="35" name="Picture 10" descr="Image result for oracle jet logo"/>
+            <p:cNvPicPr>
+              <a:picLocks noChangeAspect="1" noChangeArrowheads="1"/>
+            </p:cNvPicPr>
+            <p:nvPr/>
+          </p:nvPicPr>
+          <p:blipFill>
+            <a:blip r:embed="rId8" cstate="print">
+              <a:clrChange>
+                <a:clrFrom>
+                  <a:srgbClr val="FFFFFF"/>
+                </a:clrFrom>
+                <a:clrTo>
+                  <a:srgbClr val="FFFFFF">
+                    <a:alpha val="0"/>
+                  </a:srgbClr>
+                </a:clrTo>
+              </a:clrChange>
+              <a:extLst>
+                <a:ext uri="{28A0092B-C50C-407E-A947-70E740481C1C}">
+                  <a14:useLocalDpi xmlns:a14="http://schemas.microsoft.com/office/drawing/2010/main" val="0"/>
+                </a:ext>
+              </a:extLst>
+            </a:blip>
+            <a:srcRect/>
+            <a:stretch>
+              <a:fillRect/>
+            </a:stretch>
+          </p:blipFill>
+          <p:spPr bwMode="auto">
+            <a:xfrm>
+              <a:off x="10160153" y="2799181"/>
+              <a:ext cx="731834" cy="419389"/>
+            </a:xfrm>
+            <a:prstGeom prst="rect">
+              <a:avLst/>
+            </a:prstGeom>
+            <a:noFill/>
+            <a:extLst>
+              <a:ext uri="{909E8E84-426E-40DD-AFC4-6F175D3DCCD1}">
+                <a14:hiddenFill xmlns:a14="http://schemas.microsoft.com/office/drawing/2010/main">
+                  <a:solidFill>
+                    <a:srgbClr val="FFFFFF"/>
+                  </a:solidFill>
+                </a14:hiddenFill>
+              </a:ext>
+            </a:extLst>
+          </p:spPr>
+        </p:pic>
+      </p:grpSp>
+      <p:sp>
+        <p:nvSpPr>
+          <p:cNvPr id="23" name="Up Arrow 22"/>
+          <p:cNvSpPr/>
+          <p:nvPr/>
+        </p:nvSpPr>
+        <p:spPr>
+          <a:xfrm>
+            <a:off x="9120119" y="2734483"/>
+            <a:ext cx="276225" cy="1128028"/>
+          </a:xfrm>
+          <a:prstGeom prst="upArrow">
+            <a:avLst/>
+          </a:prstGeom>
+        </p:spPr>
+        <p:style>
+          <a:lnRef idx="2">
+            <a:schemeClr val="accent1">
+              <a:shade val="50000"/>
+            </a:schemeClr>
+          </a:lnRef>
+          <a:fillRef idx="1">
+            <a:schemeClr val="accent1"/>
+          </a:fillRef>
+          <a:effectRef idx="0">
+            <a:schemeClr val="accent1"/>
+          </a:effectRef>
+          <a:fontRef idx="minor">
+            <a:schemeClr val="lt1"/>
+          </a:fontRef>
+        </p:style>
+        <p:txBody>
+          <a:bodyPr rtlCol="0" anchor="ctr"/>
+          <a:lstStyle/>
+          <a:p>
+            <a:pPr algn="ctr"/>
+            <a:endParaRPr lang="nl-NL"/>
+          </a:p>
+        </p:txBody>
+      </p:sp>
+      <p:sp>
+        <p:nvSpPr>
+          <p:cNvPr id="36" name="Rectangular Callout 35"/>
+          <p:cNvSpPr/>
+          <p:nvPr/>
+        </p:nvSpPr>
+        <p:spPr>
+          <a:xfrm>
+            <a:off x="7076593" y="2879752"/>
+            <a:ext cx="1757877" cy="749629"/>
+          </a:xfrm>
+          <a:prstGeom prst="wedgeRectCallout">
+            <a:avLst>
+              <a:gd name="adj1" fmla="val 75073"/>
+              <a:gd name="adj2" fmla="val 68853"/>
+            </a:avLst>
+          </a:prstGeom>
+        </p:spPr>
+        <p:style>
+          <a:lnRef idx="2">
+            <a:schemeClr val="accent1">
+              <a:shade val="50000"/>
+            </a:schemeClr>
+          </a:lnRef>
+          <a:fillRef idx="1">
+            <a:schemeClr val="accent1"/>
+          </a:fillRef>
+          <a:effectRef idx="0">
+            <a:schemeClr val="accent1"/>
+          </a:effectRef>
+          <a:fontRef idx="minor">
+            <a:schemeClr val="lt1"/>
+          </a:fontRef>
+        </p:style>
+        <p:txBody>
+          <a:bodyPr rtlCol="0" anchor="ctr"/>
+          <a:lstStyle/>
+          <a:p>
+            <a:pPr algn="ctr"/>
+            <a:r>
+              <a:rPr lang="en-US" sz="1600" dirty="0" smtClean="0"/>
+              <a:t>Deploy zip-file with </a:t>
+            </a:r>
+            <a:r>
+              <a:rPr lang="en-US" sz="1600" dirty="0" err="1" smtClean="0"/>
+              <a:t>manifest.json</a:t>
+            </a:r>
+            <a:r>
+              <a:rPr lang="en-US" sz="1600" dirty="0" smtClean="0"/>
+              <a:t> to ACC with </a:t>
+            </a:r>
+            <a:r>
+              <a:rPr lang="en-US" sz="1600" i="1" dirty="0" err="1" smtClean="0"/>
+              <a:t>psm</a:t>
+            </a:r>
+            <a:endParaRPr lang="nl-NL" sz="1600" i="1" dirty="0"/>
+          </a:p>
+        </p:txBody>
+      </p:sp>
+      <p:sp>
+        <p:nvSpPr>
+          <p:cNvPr id="37" name="Down Arrow 36"/>
+          <p:cNvSpPr/>
+          <p:nvPr/>
+        </p:nvSpPr>
+        <p:spPr>
+          <a:xfrm>
+            <a:off x="5082885" y="3323417"/>
+            <a:ext cx="483372" cy="1253919"/>
+          </a:xfrm>
+          <a:prstGeom prst="downArrow">
+            <a:avLst/>
+          </a:prstGeom>
+        </p:spPr>
+        <p:style>
+          <a:lnRef idx="2">
+            <a:schemeClr val="accent1">
+              <a:shade val="50000"/>
+            </a:schemeClr>
+          </a:lnRef>
+          <a:fillRef idx="1">
+            <a:schemeClr val="accent1"/>
+          </a:fillRef>
+          <a:effectRef idx="0">
+            <a:schemeClr val="accent1"/>
+          </a:effectRef>
+          <a:fontRef idx="minor">
+            <a:schemeClr val="lt1"/>
+          </a:fontRef>
+        </p:style>
+        <p:txBody>
+          <a:bodyPr rtlCol="0" anchor="ctr"/>
+          <a:lstStyle/>
+          <a:p>
+            <a:pPr algn="ctr"/>
+            <a:endParaRPr lang="nl-NL"/>
+          </a:p>
+        </p:txBody>
+      </p:sp>
+      <p:sp>
+        <p:nvSpPr>
+          <p:cNvPr id="38" name="Rectangular Callout 37"/>
+          <p:cNvSpPr/>
+          <p:nvPr/>
+        </p:nvSpPr>
+        <p:spPr>
+          <a:xfrm>
+            <a:off x="4422623" y="2190513"/>
+            <a:ext cx="1333795" cy="756510"/>
+          </a:xfrm>
+          <a:prstGeom prst="wedgeRectCallout">
+            <a:avLst>
+              <a:gd name="adj1" fmla="val 12941"/>
+              <a:gd name="adj2" fmla="val 110944"/>
+            </a:avLst>
+          </a:prstGeom>
+        </p:spPr>
+        <p:style>
+          <a:lnRef idx="2">
+            <a:schemeClr val="accent1">
+              <a:shade val="50000"/>
+            </a:schemeClr>
+          </a:lnRef>
+          <a:fillRef idx="1">
+            <a:schemeClr val="accent1"/>
+          </a:fillRef>
+          <a:effectRef idx="0">
+            <a:schemeClr val="accent1"/>
+          </a:effectRef>
+          <a:fontRef idx="minor">
+            <a:schemeClr val="lt1"/>
+          </a:fontRef>
+        </p:style>
+        <p:txBody>
+          <a:bodyPr rtlCol="0" anchor="ctr"/>
+          <a:lstStyle/>
+          <a:p>
+            <a:pPr algn="ctr"/>
+            <a:r>
+              <a:rPr lang="en-US" sz="1600" dirty="0" err="1"/>
+              <a:t>n</a:t>
+            </a:r>
+            <a:r>
+              <a:rPr lang="en-US" sz="1600" dirty="0" err="1" smtClean="0"/>
+              <a:t>pm</a:t>
+            </a:r>
+            <a:r>
+              <a:rPr lang="en-US" sz="1600" dirty="0" smtClean="0"/>
+              <a:t> install of all modules for JET app</a:t>
+            </a:r>
+            <a:endParaRPr lang="nl-NL" sz="1600" dirty="0"/>
+          </a:p>
+        </p:txBody>
+      </p:sp>
+      <p:sp>
+        <p:nvSpPr>
+          <p:cNvPr id="40" name="Cube 39"/>
+          <p:cNvSpPr/>
+          <p:nvPr/>
+        </p:nvSpPr>
+        <p:spPr>
+          <a:xfrm>
+            <a:off x="8899359" y="3862511"/>
+            <a:ext cx="1287345" cy="714826"/>
+          </a:xfrm>
+          <a:prstGeom prst="cube">
+            <a:avLst/>
+          </a:prstGeom>
+        </p:spPr>
+        <p:style>
+          <a:lnRef idx="1">
+            <a:schemeClr val="dk1"/>
+          </a:lnRef>
+          <a:fillRef idx="2">
+            <a:schemeClr val="dk1"/>
+          </a:fillRef>
+          <a:effectRef idx="1">
+            <a:schemeClr val="dk1"/>
+          </a:effectRef>
+          <a:fontRef idx="minor">
+            <a:schemeClr val="dk1"/>
+          </a:fontRef>
+        </p:style>
+        <p:txBody>
+          <a:bodyPr rtlCol="0" anchor="ctr"/>
+          <a:lstStyle/>
+          <a:p>
+            <a:pPr algn="ctr"/>
+            <a:r>
+              <a:rPr lang="en-US" dirty="0"/>
+              <a:t>w</a:t>
+            </a:r>
+            <a:r>
+              <a:rPr lang="en-US" dirty="0" smtClean="0"/>
+              <a:t>ebshop.zip</a:t>
+            </a:r>
+            <a:endParaRPr lang="nl-NL" dirty="0"/>
+          </a:p>
+        </p:txBody>
+      </p:sp>
+      <p:sp>
+        <p:nvSpPr>
+          <p:cNvPr id="42" name="Rectangular Callout 41"/>
+          <p:cNvSpPr/>
+          <p:nvPr/>
+        </p:nvSpPr>
+        <p:spPr>
+          <a:xfrm>
+            <a:off x="10322723" y="3787281"/>
+            <a:ext cx="1781986" cy="749629"/>
+          </a:xfrm>
+          <a:prstGeom prst="wedgeRectCallout">
+            <a:avLst>
+              <a:gd name="adj1" fmla="val -69000"/>
+              <a:gd name="adj2" fmla="val 89183"/>
+            </a:avLst>
+          </a:prstGeom>
+        </p:spPr>
+        <p:style>
+          <a:lnRef idx="2">
+            <a:schemeClr val="accent1">
+              <a:shade val="50000"/>
+            </a:schemeClr>
+          </a:lnRef>
+          <a:fillRef idx="1">
+            <a:schemeClr val="accent1"/>
+          </a:fillRef>
+          <a:effectRef idx="0">
+            <a:schemeClr val="accent1"/>
+          </a:effectRef>
+          <a:fontRef idx="minor">
+            <a:schemeClr val="lt1"/>
+          </a:fontRef>
+        </p:style>
+        <p:txBody>
+          <a:bodyPr rtlCol="0" anchor="ctr"/>
+          <a:lstStyle/>
+          <a:p>
+            <a:pPr algn="ctr"/>
+            <a:r>
+              <a:rPr lang="en-US" sz="1600" dirty="0" smtClean="0"/>
+              <a:t>Create final artefact by zipping the build result</a:t>
+            </a:r>
+            <a:endParaRPr lang="nl-NL" sz="1600" i="1" dirty="0"/>
+          </a:p>
+        </p:txBody>
+      </p:sp>
+      <p:pic>
+        <p:nvPicPr>
+          <p:cNvPr id="43" name="Picture 42"/>
+          <p:cNvPicPr>
+            <a:picLocks noChangeAspect="1"/>
+          </p:cNvPicPr>
+          <p:nvPr/>
+        </p:nvPicPr>
+        <p:blipFill>
+          <a:blip r:embed="rId10"/>
+          <a:stretch>
+            <a:fillRect/>
+          </a:stretch>
+        </p:blipFill>
+        <p:spPr>
+          <a:xfrm>
+            <a:off x="2160815" y="1370951"/>
+            <a:ext cx="1867292" cy="1189912"/>
+          </a:xfrm>
+          <a:prstGeom prst="rect">
+            <a:avLst/>
+          </a:prstGeom>
+        </p:spPr>
+      </p:pic>
+      <p:pic>
+        <p:nvPicPr>
+          <p:cNvPr id="44" name="Picture 43"/>
+          <p:cNvPicPr>
+            <a:picLocks noChangeAspect="1"/>
+          </p:cNvPicPr>
+          <p:nvPr/>
+        </p:nvPicPr>
+        <p:blipFill>
+          <a:blip r:embed="rId11"/>
+          <a:stretch>
+            <a:fillRect/>
+          </a:stretch>
+        </p:blipFill>
+        <p:spPr>
+          <a:xfrm>
+            <a:off x="10242392" y="213387"/>
+            <a:ext cx="1733550" cy="1157564"/>
+          </a:xfrm>
+          <a:prstGeom prst="rect">
+            <a:avLst/>
+          </a:prstGeom>
+        </p:spPr>
+      </p:pic>
+      <p:cxnSp>
+        <p:nvCxnSpPr>
+          <p:cNvPr id="46" name="Straight Arrow Connector 45"/>
+          <p:cNvCxnSpPr>
+            <a:stCxn id="44" idx="2"/>
+          </p:cNvCxnSpPr>
+          <p:nvPr/>
+        </p:nvCxnSpPr>
+        <p:spPr>
+          <a:xfrm flipH="1">
+            <a:off x="9658751" y="1370951"/>
+            <a:ext cx="1450416" cy="819562"/>
+          </a:xfrm>
+          <a:prstGeom prst="straightConnector1">
+            <a:avLst/>
+          </a:prstGeom>
+          <a:ln>
+            <a:solidFill>
+              <a:schemeClr val="accent1">
+                <a:lumMod val="50000"/>
+              </a:schemeClr>
+            </a:solidFill>
+            <a:tailEnd type="triangle"/>
+          </a:ln>
+        </p:spPr>
+        <p:style>
+          <a:lnRef idx="1">
+            <a:schemeClr val="accent1"/>
+          </a:lnRef>
+          <a:fillRef idx="0">
+            <a:schemeClr val="accent1"/>
+          </a:fillRef>
+          <a:effectRef idx="0">
+            <a:schemeClr val="accent1"/>
+          </a:effectRef>
+          <a:fontRef idx="minor">
+            <a:schemeClr val="tx1"/>
+          </a:fontRef>
+        </p:style>
+      </p:cxnSp>
+      <p:sp>
+        <p:nvSpPr>
+          <p:cNvPr id="47" name="Rectangular Callout 46"/>
+          <p:cNvSpPr/>
+          <p:nvPr/>
+        </p:nvSpPr>
+        <p:spPr>
+          <a:xfrm>
+            <a:off x="10839246" y="1687403"/>
+            <a:ext cx="1217605" cy="635458"/>
+          </a:xfrm>
+          <a:prstGeom prst="wedgeRectCallout">
+            <a:avLst>
+              <a:gd name="adj1" fmla="val -5121"/>
+              <a:gd name="adj2" fmla="val -115388"/>
+            </a:avLst>
+          </a:prstGeom>
+        </p:spPr>
+        <p:style>
+          <a:lnRef idx="2">
+            <a:schemeClr val="accent1">
+              <a:shade val="50000"/>
+            </a:schemeClr>
+          </a:lnRef>
+          <a:fillRef idx="1">
+            <a:schemeClr val="accent1"/>
+          </a:fillRef>
+          <a:effectRef idx="0">
+            <a:schemeClr val="accent1"/>
+          </a:effectRef>
+          <a:fontRef idx="minor">
+            <a:schemeClr val="lt1"/>
+          </a:fontRef>
+        </p:style>
+        <p:txBody>
+          <a:bodyPr rtlCol="0" anchor="ctr"/>
+          <a:lstStyle/>
+          <a:p>
+            <a:pPr algn="ctr"/>
+            <a:r>
+              <a:rPr lang="en-US" sz="1600" dirty="0" smtClean="0"/>
+              <a:t>Access the JET web application</a:t>
+            </a:r>
+            <a:endParaRPr lang="nl-NL" sz="1600" i="1" dirty="0"/>
+          </a:p>
+        </p:txBody>
+      </p:sp>
+      <p:sp>
+        <p:nvSpPr>
+          <p:cNvPr id="48" name="Rounded Rectangle 47"/>
+          <p:cNvSpPr/>
+          <p:nvPr/>
+        </p:nvSpPr>
+        <p:spPr>
+          <a:xfrm>
+            <a:off x="4322195" y="4556828"/>
+            <a:ext cx="1325347" cy="544269"/>
+          </a:xfrm>
+          <a:prstGeom prst="roundRect">
+            <a:avLst/>
+          </a:prstGeom>
+          <a:solidFill>
+            <a:schemeClr val="bg1">
+              <a:lumMod val="75000"/>
+            </a:schemeClr>
+          </a:solidFill>
+        </p:spPr>
+        <p:style>
+          <a:lnRef idx="1">
+            <a:schemeClr val="dk1"/>
+          </a:lnRef>
+          <a:fillRef idx="2">
+            <a:schemeClr val="dk1"/>
+          </a:fillRef>
+          <a:effectRef idx="1">
+            <a:schemeClr val="dk1"/>
+          </a:effectRef>
+          <a:fontRef idx="minor">
+            <a:schemeClr val="dk1"/>
+          </a:fontRef>
+        </p:style>
+        <p:txBody>
+          <a:bodyPr rtlCol="0" anchor="ctr"/>
+          <a:lstStyle/>
+          <a:p>
+            <a:pPr algn="ctr"/>
+            <a:r>
+              <a:rPr lang="en-US" sz="1200" dirty="0" smtClean="0"/>
+              <a:t>Application Sources plus node modules</a:t>
+            </a:r>
+            <a:endParaRPr lang="nl-NL" sz="1200" dirty="0"/>
+          </a:p>
+        </p:txBody>
+      </p:sp>
+      <p:sp>
+        <p:nvSpPr>
+          <p:cNvPr id="49" name="Rounded Rectangle 48"/>
+          <p:cNvSpPr/>
+          <p:nvPr/>
+        </p:nvSpPr>
+        <p:spPr>
+          <a:xfrm>
+            <a:off x="5905760" y="4814842"/>
+            <a:ext cx="1067129" cy="544269"/>
+          </a:xfrm>
+          <a:prstGeom prst="roundRect">
+            <a:avLst/>
+          </a:prstGeom>
+          <a:solidFill>
+            <a:schemeClr val="bg1">
+              <a:lumMod val="75000"/>
+            </a:schemeClr>
+          </a:solidFill>
+        </p:spPr>
+        <p:style>
+          <a:lnRef idx="1">
+            <a:schemeClr val="dk1"/>
+          </a:lnRef>
+          <a:fillRef idx="2">
+            <a:schemeClr val="dk1"/>
+          </a:fillRef>
+          <a:effectRef idx="1">
+            <a:schemeClr val="dk1"/>
+          </a:effectRef>
+          <a:fontRef idx="minor">
+            <a:schemeClr val="dk1"/>
+          </a:fontRef>
+        </p:style>
+        <p:txBody>
+          <a:bodyPr rtlCol="0" anchor="ctr"/>
+          <a:lstStyle/>
+          <a:p>
+            <a:pPr algn="ctr"/>
+            <a:r>
+              <a:rPr lang="en-US" sz="1200" dirty="0" smtClean="0"/>
+              <a:t>Fully Built JET Web Application</a:t>
+            </a:r>
+            <a:endParaRPr lang="nl-NL" sz="1200" dirty="0"/>
+          </a:p>
+        </p:txBody>
+      </p:sp>
+      <p:sp>
+        <p:nvSpPr>
+          <p:cNvPr id="50" name="Freeform 49"/>
+          <p:cNvSpPr/>
+          <p:nvPr/>
+        </p:nvSpPr>
+        <p:spPr>
+          <a:xfrm>
+            <a:off x="5267325" y="5124450"/>
+            <a:ext cx="914400" cy="444481"/>
+          </a:xfrm>
+          <a:custGeom>
+            <a:avLst/>
+            <a:gdLst>
+              <a:gd name="connsiteX0" fmla="*/ 0 w 914400"/>
+              <a:gd name="connsiteY0" fmla="*/ 0 h 444481"/>
+              <a:gd name="connsiteX1" fmla="*/ 466725 w 914400"/>
+              <a:gd name="connsiteY1" fmla="*/ 438150 h 444481"/>
+              <a:gd name="connsiteX2" fmla="*/ 914400 w 914400"/>
+              <a:gd name="connsiteY2" fmla="*/ 219075 h 444481"/>
+            </a:gdLst>
+            <a:ahLst/>
+            <a:cxnLst>
+              <a:cxn ang="0">
+                <a:pos x="connsiteX0" y="connsiteY0"/>
+              </a:cxn>
+              <a:cxn ang="0">
+                <a:pos x="connsiteX1" y="connsiteY1"/>
+              </a:cxn>
+              <a:cxn ang="0">
+                <a:pos x="connsiteX2" y="connsiteY2"/>
+              </a:cxn>
+            </a:cxnLst>
+            <a:rect l="l" t="t" r="r" b="b"/>
+            <a:pathLst>
+              <a:path w="914400" h="444481">
+                <a:moveTo>
+                  <a:pt x="0" y="0"/>
+                </a:moveTo>
+                <a:cubicBezTo>
+                  <a:pt x="157162" y="200819"/>
+                  <a:pt x="314325" y="401638"/>
+                  <a:pt x="466725" y="438150"/>
+                </a:cubicBezTo>
+                <a:cubicBezTo>
+                  <a:pt x="619125" y="474662"/>
+                  <a:pt x="766762" y="346868"/>
+                  <a:pt x="914400" y="219075"/>
+                </a:cubicBezTo>
+              </a:path>
+            </a:pathLst>
+          </a:custGeom>
+          <a:noFill/>
+          <a:ln w="28575">
+            <a:solidFill>
+              <a:schemeClr val="accent1">
+                <a:lumMod val="50000"/>
+              </a:schemeClr>
+            </a:solidFill>
+            <a:headEnd type="none" w="med" len="med"/>
+            <a:tailEnd type="arrow" w="med" len="med"/>
+          </a:ln>
+        </p:spPr>
+        <p:style>
+          <a:lnRef idx="2">
+            <a:schemeClr val="accent1">
+              <a:shade val="50000"/>
+            </a:schemeClr>
+          </a:lnRef>
+          <a:fillRef idx="1">
+            <a:schemeClr val="accent1"/>
+          </a:fillRef>
+          <a:effectRef idx="0">
+            <a:schemeClr val="accent1"/>
+          </a:effectRef>
+          <a:fontRef idx="minor">
+            <a:schemeClr val="lt1"/>
+          </a:fontRef>
+        </p:style>
+        <p:txBody>
+          <a:bodyPr rtlCol="0" anchor="ctr"/>
+          <a:lstStyle/>
+          <a:p>
+            <a:pPr algn="ctr"/>
+            <a:endParaRPr lang="nl-NL"/>
+          </a:p>
+        </p:txBody>
+      </p:sp>
+      <p:sp>
+        <p:nvSpPr>
+          <p:cNvPr id="51" name="Rectangular Callout 50"/>
+          <p:cNvSpPr/>
+          <p:nvPr/>
+        </p:nvSpPr>
+        <p:spPr>
+          <a:xfrm>
+            <a:off x="3499089" y="5342458"/>
+            <a:ext cx="1253822" cy="505687"/>
+          </a:xfrm>
+          <a:prstGeom prst="wedgeRectCallout">
+            <a:avLst>
+              <a:gd name="adj1" fmla="val 98122"/>
+              <a:gd name="adj2" fmla="val -57872"/>
+            </a:avLst>
+          </a:prstGeom>
+        </p:spPr>
+        <p:style>
+          <a:lnRef idx="2">
+            <a:schemeClr val="accent1">
+              <a:shade val="50000"/>
+            </a:schemeClr>
+          </a:lnRef>
+          <a:fillRef idx="1">
+            <a:schemeClr val="accent1"/>
+          </a:fillRef>
+          <a:effectRef idx="0">
+            <a:schemeClr val="accent1"/>
+          </a:effectRef>
+          <a:fontRef idx="minor">
+            <a:schemeClr val="lt1"/>
+          </a:fontRef>
+        </p:style>
+        <p:txBody>
+          <a:bodyPr rtlCol="0" anchor="ctr"/>
+          <a:lstStyle/>
+          <a:p>
+            <a:pPr algn="ctr"/>
+            <a:r>
+              <a:rPr lang="en-US" sz="1600" dirty="0" err="1"/>
+              <a:t>o</a:t>
+            </a:r>
+            <a:r>
+              <a:rPr lang="en-US" sz="1600" dirty="0" err="1" smtClean="0"/>
+              <a:t>jet</a:t>
+            </a:r>
+            <a:r>
+              <a:rPr lang="en-US" sz="1600" dirty="0" smtClean="0"/>
+              <a:t> build for release</a:t>
+            </a:r>
+            <a:endParaRPr lang="nl-NL" sz="1600" dirty="0"/>
+          </a:p>
+        </p:txBody>
+      </p:sp>
+      <p:sp>
+        <p:nvSpPr>
+          <p:cNvPr id="52" name="Rounded Rectangle 51"/>
+          <p:cNvSpPr/>
+          <p:nvPr/>
+        </p:nvSpPr>
+        <p:spPr>
+          <a:xfrm>
+            <a:off x="7791774" y="4802421"/>
+            <a:ext cx="1372964" cy="544269"/>
+          </a:xfrm>
+          <a:prstGeom prst="roundRect">
+            <a:avLst/>
+          </a:prstGeom>
+          <a:solidFill>
+            <a:schemeClr val="bg1">
+              <a:lumMod val="75000"/>
+            </a:schemeClr>
+          </a:solidFill>
+        </p:spPr>
+        <p:style>
+          <a:lnRef idx="1">
+            <a:schemeClr val="dk1"/>
+          </a:lnRef>
+          <a:fillRef idx="2">
+            <a:schemeClr val="dk1"/>
+          </a:fillRef>
+          <a:effectRef idx="1">
+            <a:schemeClr val="dk1"/>
+          </a:effectRef>
+          <a:fontRef idx="minor">
+            <a:schemeClr val="dk1"/>
+          </a:fontRef>
+        </p:style>
+        <p:txBody>
+          <a:bodyPr rtlCol="0" anchor="ctr"/>
+          <a:lstStyle/>
+          <a:p>
+            <a:pPr algn="ctr"/>
+            <a:r>
+              <a:rPr lang="en-US" sz="1200" dirty="0" smtClean="0"/>
+              <a:t>Merged Node server side plus JET Web app</a:t>
+            </a:r>
+            <a:endParaRPr lang="nl-NL" sz="1200" dirty="0"/>
+          </a:p>
+        </p:txBody>
+      </p:sp>
+      <p:cxnSp>
+        <p:nvCxnSpPr>
+          <p:cNvPr id="54" name="Straight Arrow Connector 53"/>
+          <p:cNvCxnSpPr>
+            <a:endCxn id="52" idx="1"/>
+          </p:cNvCxnSpPr>
+          <p:nvPr/>
+        </p:nvCxnSpPr>
+        <p:spPr>
+          <a:xfrm flipV="1">
+            <a:off x="6972889" y="5074556"/>
+            <a:ext cx="818885" cy="26541"/>
+          </a:xfrm>
+          <a:prstGeom prst="straightConnector1">
+            <a:avLst/>
+          </a:prstGeom>
+          <a:noFill/>
+          <a:ln w="28575">
+            <a:solidFill>
+              <a:schemeClr val="accent1">
+                <a:lumMod val="50000"/>
+              </a:schemeClr>
+            </a:solidFill>
+            <a:headEnd type="none" w="med" len="med"/>
+            <a:tailEnd type="arrow" w="med" len="med"/>
+          </a:ln>
+        </p:spPr>
+        <p:style>
+          <a:lnRef idx="2">
+            <a:schemeClr val="accent1">
+              <a:shade val="50000"/>
+            </a:schemeClr>
+          </a:lnRef>
+          <a:fillRef idx="1">
+            <a:schemeClr val="accent1"/>
+          </a:fillRef>
+          <a:effectRef idx="0">
+            <a:schemeClr val="accent1"/>
+          </a:effectRef>
+          <a:fontRef idx="minor">
+            <a:schemeClr val="lt1"/>
+          </a:fontRef>
+        </p:style>
+      </p:cxnSp>
+      <p:sp>
+        <p:nvSpPr>
+          <p:cNvPr id="55" name="Rectangular Callout 54"/>
+          <p:cNvSpPr/>
+          <p:nvPr/>
+        </p:nvSpPr>
+        <p:spPr>
+          <a:xfrm>
+            <a:off x="7076593" y="5610916"/>
+            <a:ext cx="1571312" cy="505687"/>
+          </a:xfrm>
+          <a:prstGeom prst="wedgeRectCallout">
+            <a:avLst>
+              <a:gd name="adj1" fmla="val -21907"/>
+              <a:gd name="adj2" fmla="val -157702"/>
+            </a:avLst>
+          </a:prstGeom>
+        </p:spPr>
+        <p:style>
+          <a:lnRef idx="2">
+            <a:schemeClr val="accent1">
+              <a:shade val="50000"/>
+            </a:schemeClr>
+          </a:lnRef>
+          <a:fillRef idx="1">
+            <a:schemeClr val="accent1"/>
+          </a:fillRef>
+          <a:effectRef idx="0">
+            <a:schemeClr val="accent1"/>
+          </a:effectRef>
+          <a:fontRef idx="minor">
+            <a:schemeClr val="lt1"/>
+          </a:fontRef>
+        </p:style>
+        <p:txBody>
+          <a:bodyPr rtlCol="0" anchor="ctr"/>
+          <a:lstStyle/>
+          <a:p>
+            <a:pPr algn="ctr"/>
+            <a:r>
+              <a:rPr lang="en-US" sz="1600" dirty="0" smtClean="0"/>
+              <a:t>Copy build result into Node JS app</a:t>
+            </a:r>
+            <a:endParaRPr lang="nl-NL" sz="1600" dirty="0"/>
+          </a:p>
+        </p:txBody>
+      </p:sp>
+      <p:sp>
+        <p:nvSpPr>
+          <p:cNvPr id="56" name="Up Arrow 55"/>
+          <p:cNvSpPr/>
+          <p:nvPr/>
+        </p:nvSpPr>
+        <p:spPr>
+          <a:xfrm>
+            <a:off x="9128694" y="5319554"/>
+            <a:ext cx="276225" cy="1128028"/>
+          </a:xfrm>
+          <a:prstGeom prst="upArrow">
+            <a:avLst/>
+          </a:prstGeom>
+        </p:spPr>
+        <p:style>
+          <a:lnRef idx="2">
+            <a:schemeClr val="accent1">
+              <a:shade val="50000"/>
+            </a:schemeClr>
+          </a:lnRef>
+          <a:fillRef idx="1">
+            <a:schemeClr val="accent1"/>
+          </a:fillRef>
+          <a:effectRef idx="0">
+            <a:schemeClr val="accent1"/>
+          </a:effectRef>
+          <a:fontRef idx="minor">
+            <a:schemeClr val="lt1"/>
+          </a:fontRef>
+        </p:style>
+        <p:txBody>
+          <a:bodyPr rtlCol="0" anchor="ctr"/>
+          <a:lstStyle/>
+          <a:p>
+            <a:pPr algn="ctr"/>
+            <a:endParaRPr lang="nl-NL"/>
+          </a:p>
+        </p:txBody>
+      </p:sp>
+      <p:sp>
+        <p:nvSpPr>
+          <p:cNvPr id="57" name="Rectangular Callout 56"/>
+          <p:cNvSpPr/>
+          <p:nvPr/>
+        </p:nvSpPr>
+        <p:spPr>
+          <a:xfrm>
+            <a:off x="9783247" y="5949639"/>
+            <a:ext cx="1543132" cy="756510"/>
+          </a:xfrm>
+          <a:prstGeom prst="wedgeRectCallout">
+            <a:avLst>
+              <a:gd name="adj1" fmla="val -83967"/>
+              <a:gd name="adj2" fmla="val 5182"/>
+            </a:avLst>
+          </a:prstGeom>
+        </p:spPr>
+        <p:style>
+          <a:lnRef idx="2">
+            <a:schemeClr val="accent1">
+              <a:shade val="50000"/>
+            </a:schemeClr>
+          </a:lnRef>
+          <a:fillRef idx="1">
+            <a:schemeClr val="accent1"/>
+          </a:fillRef>
+          <a:effectRef idx="0">
+            <a:schemeClr val="accent1"/>
+          </a:effectRef>
+          <a:fontRef idx="minor">
+            <a:schemeClr val="lt1"/>
+          </a:fontRef>
+        </p:style>
+        <p:txBody>
+          <a:bodyPr rtlCol="0" anchor="ctr"/>
+          <a:lstStyle/>
+          <a:p>
+            <a:pPr algn="ctr"/>
+            <a:r>
+              <a:rPr lang="en-US" sz="1600" dirty="0" err="1"/>
+              <a:t>n</a:t>
+            </a:r>
+            <a:r>
+              <a:rPr lang="en-US" sz="1600" dirty="0" err="1" smtClean="0"/>
+              <a:t>pm</a:t>
+            </a:r>
+            <a:r>
+              <a:rPr lang="en-US" sz="1600" dirty="0" smtClean="0"/>
+              <a:t> install of all node modules for Node app</a:t>
+            </a:r>
+            <a:endParaRPr lang="nl-NL" sz="1600" dirty="0"/>
+          </a:p>
+        </p:txBody>
+      </p:sp>
+      <p:sp>
+        <p:nvSpPr>
+          <p:cNvPr id="59" name="Freeform 58"/>
+          <p:cNvSpPr/>
+          <p:nvPr/>
+        </p:nvSpPr>
+        <p:spPr>
+          <a:xfrm>
+            <a:off x="9486900" y="4581525"/>
+            <a:ext cx="555917" cy="560916"/>
+          </a:xfrm>
+          <a:custGeom>
+            <a:avLst/>
+            <a:gdLst>
+              <a:gd name="connsiteX0" fmla="*/ 0 w 555917"/>
+              <a:gd name="connsiteY0" fmla="*/ 476250 h 560916"/>
+              <a:gd name="connsiteX1" fmla="*/ 542925 w 555917"/>
+              <a:gd name="connsiteY1" fmla="*/ 523875 h 560916"/>
+              <a:gd name="connsiteX2" fmla="*/ 333375 w 555917"/>
+              <a:gd name="connsiteY2" fmla="*/ 0 h 560916"/>
+            </a:gdLst>
+            <a:ahLst/>
+            <a:cxnLst>
+              <a:cxn ang="0">
+                <a:pos x="connsiteX0" y="connsiteY0"/>
+              </a:cxn>
+              <a:cxn ang="0">
+                <a:pos x="connsiteX1" y="connsiteY1"/>
+              </a:cxn>
+              <a:cxn ang="0">
+                <a:pos x="connsiteX2" y="connsiteY2"/>
+              </a:cxn>
+            </a:cxnLst>
+            <a:rect l="l" t="t" r="r" b="b"/>
+            <a:pathLst>
+              <a:path w="555917" h="560916">
+                <a:moveTo>
+                  <a:pt x="0" y="476250"/>
+                </a:moveTo>
+                <a:cubicBezTo>
+                  <a:pt x="243681" y="539750"/>
+                  <a:pt x="487363" y="603250"/>
+                  <a:pt x="542925" y="523875"/>
+                </a:cubicBezTo>
+                <a:cubicBezTo>
+                  <a:pt x="598487" y="444500"/>
+                  <a:pt x="465931" y="222250"/>
+                  <a:pt x="333375" y="0"/>
+                </a:cubicBezTo>
+              </a:path>
+            </a:pathLst>
+          </a:custGeom>
+          <a:noFill/>
+          <a:ln w="28575">
+            <a:solidFill>
+              <a:schemeClr val="accent1">
+                <a:lumMod val="50000"/>
+              </a:schemeClr>
+            </a:solidFill>
+            <a:headEnd type="none" w="med" len="med"/>
+            <a:tailEnd type="arrow" w="med" len="med"/>
+          </a:ln>
+        </p:spPr>
+        <p:style>
+          <a:lnRef idx="2">
+            <a:schemeClr val="accent1">
+              <a:shade val="50000"/>
+            </a:schemeClr>
+          </a:lnRef>
+          <a:fillRef idx="1">
+            <a:schemeClr val="accent1"/>
+          </a:fillRef>
+          <a:effectRef idx="0">
+            <a:schemeClr val="accent1"/>
+          </a:effectRef>
+          <a:fontRef idx="minor">
+            <a:schemeClr val="lt1"/>
+          </a:fontRef>
+        </p:style>
+        <p:txBody>
+          <a:bodyPr rtlCol="0" anchor="ctr"/>
+          <a:lstStyle/>
+          <a:p>
+            <a:pPr algn="ctr"/>
+            <a:endParaRPr lang="nl-NL"/>
+          </a:p>
+        </p:txBody>
+      </p:sp>
+      <p:pic>
+        <p:nvPicPr>
+          <p:cNvPr id="60" name="Picture 6" descr="Image result for github logo"/>
+          <p:cNvPicPr>
+            <a:picLocks noChangeAspect="1" noChangeArrowheads="1"/>
+          </p:cNvPicPr>
+          <p:nvPr/>
+        </p:nvPicPr>
+        <p:blipFill>
+          <a:blip r:embed="rId7" cstate="print">
+            <a:clrChange>
+              <a:clrFrom>
+                <a:srgbClr val="FFFFFF"/>
+              </a:clrFrom>
+              <a:clrTo>
+                <a:srgbClr val="FFFFFF">
+                  <a:alpha val="0"/>
+                </a:srgbClr>
+              </a:clrTo>
+            </a:clrChange>
+            <a:extLst>
+              <a:ext uri="{28A0092B-C50C-407E-A947-70E740481C1C}">
+                <a14:useLocalDpi xmlns:a14="http://schemas.microsoft.com/office/drawing/2010/main" val="0"/>
+              </a:ext>
+            </a:extLst>
+          </a:blip>
+          <a:srcRect/>
+          <a:stretch>
+            <a:fillRect/>
+          </a:stretch>
+        </p:blipFill>
+        <p:spPr bwMode="auto">
+          <a:xfrm>
+            <a:off x="2378936" y="3732203"/>
+            <a:ext cx="527622" cy="527622"/>
+          </a:xfrm>
+          <a:prstGeom prst="rect">
+            <a:avLst/>
+          </a:prstGeom>
+          <a:noFill/>
+          <a:extLst>
+            <a:ext uri="{909E8E84-426E-40DD-AFC4-6F175D3DCCD1}">
+              <a14:hiddenFill xmlns:a14="http://schemas.microsoft.com/office/drawing/2010/main">
+                <a:solidFill>
+                  <a:srgbClr val="FFFFFF"/>
+                </a:solidFill>
+              </a14:hiddenFill>
+            </a:ext>
+          </a:extLst>
+        </p:spPr>
+      </p:pic>
+      <p:pic>
+        <p:nvPicPr>
+          <p:cNvPr id="61" name="Picture 2" descr="Image result for npm logo"/>
+          <p:cNvPicPr>
+            <a:picLocks noChangeAspect="1" noChangeArrowheads="1"/>
+          </p:cNvPicPr>
+          <p:nvPr/>
+        </p:nvPicPr>
+        <p:blipFill>
+          <a:blip r:embed="rId12" cstate="print">
+            <a:extLst>
+              <a:ext uri="{28A0092B-C50C-407E-A947-70E740481C1C}">
+                <a14:useLocalDpi xmlns:a14="http://schemas.microsoft.com/office/drawing/2010/main" val="0"/>
+              </a:ext>
+            </a:extLst>
+          </a:blip>
+          <a:srcRect/>
+          <a:stretch>
+            <a:fillRect/>
+          </a:stretch>
+        </p:blipFill>
+        <p:spPr bwMode="auto">
+          <a:xfrm>
+            <a:off x="1093861" y="3982303"/>
+            <a:ext cx="505633" cy="196691"/>
+          </a:xfrm>
+          <a:prstGeom prst="rect">
+            <a:avLst/>
+          </a:prstGeom>
+          <a:noFill/>
+          <a:extLst>
+            <a:ext uri="{909E8E84-426E-40DD-AFC4-6F175D3DCCD1}">
+              <a14:hiddenFill xmlns:a14="http://schemas.microsoft.com/office/drawing/2010/main">
+                <a:solidFill>
+                  <a:srgbClr val="FFFFFF"/>
+                </a:solidFill>
+              </a14:hiddenFill>
+            </a:ext>
+          </a:extLst>
+        </p:spPr>
+      </p:pic>
+      <p:pic>
+        <p:nvPicPr>
+          <p:cNvPr id="62" name="Picture 4" descr="Image result for openssh logo"/>
+          <p:cNvPicPr>
+            <a:picLocks noChangeAspect="1" noChangeArrowheads="1"/>
+          </p:cNvPicPr>
+          <p:nvPr/>
+        </p:nvPicPr>
+        <p:blipFill>
+          <a:blip r:embed="rId13" cstate="print">
+            <a:extLst>
+              <a:ext uri="{28A0092B-C50C-407E-A947-70E740481C1C}">
+                <a14:useLocalDpi xmlns:a14="http://schemas.microsoft.com/office/drawing/2010/main" val="0"/>
+              </a:ext>
+            </a:extLst>
+          </a:blip>
+          <a:srcRect/>
+          <a:stretch>
+            <a:fillRect/>
+          </a:stretch>
+        </p:blipFill>
+        <p:spPr bwMode="auto">
+          <a:xfrm>
+            <a:off x="1038261" y="5084240"/>
+            <a:ext cx="682625" cy="203475"/>
+          </a:xfrm>
+          <a:prstGeom prst="rect">
+            <a:avLst/>
+          </a:prstGeom>
+          <a:noFill/>
+          <a:extLst>
+            <a:ext uri="{909E8E84-426E-40DD-AFC4-6F175D3DCCD1}">
+              <a14:hiddenFill xmlns:a14="http://schemas.microsoft.com/office/drawing/2010/main">
+                <a:solidFill>
+                  <a:srgbClr val="FFFFFF"/>
+                </a:solidFill>
+              </a14:hiddenFill>
+            </a:ext>
+          </a:extLst>
+        </p:spPr>
+      </p:pic>
+      <p:pic>
+        <p:nvPicPr>
+          <p:cNvPr id="63" name="Picture 6" descr="Image result for bash logo"/>
+          <p:cNvPicPr>
+            <a:picLocks noChangeAspect="1" noChangeArrowheads="1"/>
+          </p:cNvPicPr>
+          <p:nvPr/>
+        </p:nvPicPr>
+        <p:blipFill>
+          <a:blip r:embed="rId14" cstate="print">
+            <a:extLst>
+              <a:ext uri="{28A0092B-C50C-407E-A947-70E740481C1C}">
+                <a14:useLocalDpi xmlns:a14="http://schemas.microsoft.com/office/drawing/2010/main" val="0"/>
+              </a:ext>
+            </a:extLst>
+          </a:blip>
+          <a:srcRect/>
+          <a:stretch>
+            <a:fillRect/>
+          </a:stretch>
+        </p:blipFill>
+        <p:spPr bwMode="auto">
+          <a:xfrm>
+            <a:off x="921651" y="4648489"/>
+            <a:ext cx="613264" cy="613264"/>
+          </a:xfrm>
+          <a:prstGeom prst="rect">
+            <a:avLst/>
+          </a:prstGeom>
+          <a:noFill/>
+          <a:extLst>
+            <a:ext uri="{909E8E84-426E-40DD-AFC4-6F175D3DCCD1}">
+              <a14:hiddenFill xmlns:a14="http://schemas.microsoft.com/office/drawing/2010/main">
+                <a:solidFill>
+                  <a:srgbClr val="FFFFFF"/>
+                </a:solidFill>
+              </a14:hiddenFill>
+            </a:ext>
+          </a:extLst>
+        </p:spPr>
+      </p:pic>
+      <p:pic>
+        <p:nvPicPr>
+          <p:cNvPr id="64" name="Picture 8" descr="Image result for curl logo"/>
+          <p:cNvPicPr>
+            <a:picLocks noChangeAspect="1" noChangeArrowheads="1"/>
+          </p:cNvPicPr>
+          <p:nvPr/>
+        </p:nvPicPr>
+        <p:blipFill>
+          <a:blip r:embed="rId15" cstate="print">
+            <a:extLst>
+              <a:ext uri="{28A0092B-C50C-407E-A947-70E740481C1C}">
+                <a14:useLocalDpi xmlns:a14="http://schemas.microsoft.com/office/drawing/2010/main" val="0"/>
+              </a:ext>
+            </a:extLst>
+          </a:blip>
+          <a:srcRect/>
+          <a:stretch>
+            <a:fillRect/>
+          </a:stretch>
+        </p:blipFill>
+        <p:spPr bwMode="auto">
+          <a:xfrm>
+            <a:off x="1051539" y="4634874"/>
+            <a:ext cx="504384" cy="167957"/>
+          </a:xfrm>
+          <a:prstGeom prst="rect">
+            <a:avLst/>
+          </a:prstGeom>
+          <a:noFill/>
+          <a:extLst>
+            <a:ext uri="{909E8E84-426E-40DD-AFC4-6F175D3DCCD1}">
+              <a14:hiddenFill xmlns:a14="http://schemas.microsoft.com/office/drawing/2010/main">
+                <a:solidFill>
+                  <a:srgbClr val="FFFFFF"/>
+                </a:solidFill>
+              </a14:hiddenFill>
+            </a:ext>
+          </a:extLst>
+        </p:spPr>
+      </p:pic>
+      <p:sp>
+        <p:nvSpPr>
+          <p:cNvPr id="65" name="Oval 64"/>
+          <p:cNvSpPr/>
+          <p:nvPr/>
+        </p:nvSpPr>
+        <p:spPr>
+          <a:xfrm>
+            <a:off x="276225" y="2398398"/>
+            <a:ext cx="304436" cy="287680"/>
+          </a:xfrm>
+          <a:prstGeom prst="ellipse">
+            <a:avLst/>
+          </a:prstGeom>
+        </p:spPr>
+        <p:style>
+          <a:lnRef idx="2">
+            <a:schemeClr val="accent2">
+              <a:shade val="50000"/>
+            </a:schemeClr>
+          </a:lnRef>
+          <a:fillRef idx="1">
+            <a:schemeClr val="accent2"/>
+          </a:fillRef>
+          <a:effectRef idx="0">
+            <a:schemeClr val="accent2"/>
+          </a:effectRef>
+          <a:fontRef idx="minor">
+            <a:schemeClr val="lt1"/>
+          </a:fontRef>
+        </p:style>
+        <p:txBody>
+          <a:bodyPr rtlCol="0" anchor="ctr"/>
+          <a:lstStyle/>
+          <a:p>
+            <a:pPr algn="ctr"/>
+            <a:r>
+              <a:rPr lang="en-US" dirty="0" smtClean="0"/>
+              <a:t>1</a:t>
+            </a:r>
+            <a:endParaRPr lang="nl-NL" dirty="0"/>
+          </a:p>
+        </p:txBody>
+      </p:sp>
+      <p:sp>
+        <p:nvSpPr>
+          <p:cNvPr id="66" name="Oval 65"/>
+          <p:cNvSpPr/>
+          <p:nvPr/>
+        </p:nvSpPr>
+        <p:spPr>
+          <a:xfrm>
+            <a:off x="4322195" y="2721196"/>
+            <a:ext cx="304436" cy="287680"/>
+          </a:xfrm>
+          <a:prstGeom prst="ellipse">
+            <a:avLst/>
+          </a:prstGeom>
+        </p:spPr>
+        <p:style>
+          <a:lnRef idx="2">
+            <a:schemeClr val="accent2">
+              <a:shade val="50000"/>
+            </a:schemeClr>
+          </a:lnRef>
+          <a:fillRef idx="1">
+            <a:schemeClr val="accent2"/>
+          </a:fillRef>
+          <a:effectRef idx="0">
+            <a:schemeClr val="accent2"/>
+          </a:effectRef>
+          <a:fontRef idx="minor">
+            <a:schemeClr val="lt1"/>
+          </a:fontRef>
+        </p:style>
+        <p:txBody>
+          <a:bodyPr rtlCol="0" anchor="ctr"/>
+          <a:lstStyle/>
+          <a:p>
+            <a:pPr algn="ctr"/>
+            <a:r>
+              <a:rPr lang="en-US" dirty="0"/>
+              <a:t>2</a:t>
+            </a:r>
+            <a:endParaRPr lang="nl-NL" dirty="0"/>
+          </a:p>
+        </p:txBody>
+      </p:sp>
+      <p:sp>
+        <p:nvSpPr>
+          <p:cNvPr id="67" name="Oval 66"/>
+          <p:cNvSpPr/>
+          <p:nvPr/>
+        </p:nvSpPr>
+        <p:spPr>
+          <a:xfrm>
+            <a:off x="3373668" y="5669753"/>
+            <a:ext cx="304436" cy="287680"/>
+          </a:xfrm>
+          <a:prstGeom prst="ellipse">
+            <a:avLst/>
+          </a:prstGeom>
+        </p:spPr>
+        <p:style>
+          <a:lnRef idx="2">
+            <a:schemeClr val="accent2">
+              <a:shade val="50000"/>
+            </a:schemeClr>
+          </a:lnRef>
+          <a:fillRef idx="1">
+            <a:schemeClr val="accent2"/>
+          </a:fillRef>
+          <a:effectRef idx="0">
+            <a:schemeClr val="accent2"/>
+          </a:effectRef>
+          <a:fontRef idx="minor">
+            <a:schemeClr val="lt1"/>
+          </a:fontRef>
+        </p:style>
+        <p:txBody>
+          <a:bodyPr rtlCol="0" anchor="ctr"/>
+          <a:lstStyle/>
+          <a:p>
+            <a:pPr algn="ctr"/>
+            <a:r>
+              <a:rPr lang="en-US" dirty="0" smtClean="0"/>
+              <a:t>3</a:t>
+            </a:r>
+            <a:endParaRPr lang="nl-NL" dirty="0"/>
+          </a:p>
+        </p:txBody>
+      </p:sp>
+      <p:sp>
+        <p:nvSpPr>
+          <p:cNvPr id="68" name="Oval 67"/>
+          <p:cNvSpPr/>
+          <p:nvPr/>
+        </p:nvSpPr>
+        <p:spPr>
+          <a:xfrm>
+            <a:off x="6874375" y="5941355"/>
+            <a:ext cx="304436" cy="287680"/>
+          </a:xfrm>
+          <a:prstGeom prst="ellipse">
+            <a:avLst/>
+          </a:prstGeom>
+        </p:spPr>
+        <p:style>
+          <a:lnRef idx="2">
+            <a:schemeClr val="accent2">
+              <a:shade val="50000"/>
+            </a:schemeClr>
+          </a:lnRef>
+          <a:fillRef idx="1">
+            <a:schemeClr val="accent2"/>
+          </a:fillRef>
+          <a:effectRef idx="0">
+            <a:schemeClr val="accent2"/>
+          </a:effectRef>
+          <a:fontRef idx="minor">
+            <a:schemeClr val="lt1"/>
+          </a:fontRef>
+        </p:style>
+        <p:txBody>
+          <a:bodyPr rtlCol="0" anchor="ctr"/>
+          <a:lstStyle/>
+          <a:p>
+            <a:pPr algn="ctr"/>
+            <a:r>
+              <a:rPr lang="en-US" dirty="0" smtClean="0"/>
+              <a:t>4</a:t>
+            </a:r>
+            <a:endParaRPr lang="nl-NL" dirty="0"/>
+          </a:p>
+        </p:txBody>
+      </p:sp>
+      <p:sp>
+        <p:nvSpPr>
+          <p:cNvPr id="69" name="Oval 68"/>
+          <p:cNvSpPr/>
+          <p:nvPr/>
+        </p:nvSpPr>
+        <p:spPr>
+          <a:xfrm>
+            <a:off x="9612640" y="6514743"/>
+            <a:ext cx="304436" cy="287680"/>
+          </a:xfrm>
+          <a:prstGeom prst="ellipse">
+            <a:avLst/>
+          </a:prstGeom>
+        </p:spPr>
+        <p:style>
+          <a:lnRef idx="2">
+            <a:schemeClr val="accent2">
+              <a:shade val="50000"/>
+            </a:schemeClr>
+          </a:lnRef>
+          <a:fillRef idx="1">
+            <a:schemeClr val="accent2"/>
+          </a:fillRef>
+          <a:effectRef idx="0">
+            <a:schemeClr val="accent2"/>
+          </a:effectRef>
+          <a:fontRef idx="minor">
+            <a:schemeClr val="lt1"/>
+          </a:fontRef>
+        </p:style>
+        <p:txBody>
+          <a:bodyPr rtlCol="0" anchor="ctr"/>
+          <a:lstStyle/>
+          <a:p>
+            <a:pPr algn="ctr"/>
+            <a:r>
+              <a:rPr lang="en-US" dirty="0" smtClean="0"/>
+              <a:t>5</a:t>
+            </a:r>
+            <a:endParaRPr lang="nl-NL" dirty="0"/>
+          </a:p>
+        </p:txBody>
+      </p:sp>
+      <p:sp>
+        <p:nvSpPr>
+          <p:cNvPr id="70" name="Oval 69"/>
+          <p:cNvSpPr/>
+          <p:nvPr/>
+        </p:nvSpPr>
+        <p:spPr>
+          <a:xfrm>
+            <a:off x="10197608" y="4275245"/>
+            <a:ext cx="304436" cy="287680"/>
+          </a:xfrm>
+          <a:prstGeom prst="ellipse">
+            <a:avLst/>
+          </a:prstGeom>
+        </p:spPr>
+        <p:style>
+          <a:lnRef idx="2">
+            <a:schemeClr val="accent2">
+              <a:shade val="50000"/>
+            </a:schemeClr>
+          </a:lnRef>
+          <a:fillRef idx="1">
+            <a:schemeClr val="accent2"/>
+          </a:fillRef>
+          <a:effectRef idx="0">
+            <a:schemeClr val="accent2"/>
+          </a:effectRef>
+          <a:fontRef idx="minor">
+            <a:schemeClr val="lt1"/>
+          </a:fontRef>
+        </p:style>
+        <p:txBody>
+          <a:bodyPr rtlCol="0" anchor="ctr"/>
+          <a:lstStyle/>
+          <a:p>
+            <a:pPr algn="ctr"/>
+            <a:r>
+              <a:rPr lang="en-US" dirty="0" smtClean="0"/>
+              <a:t>6</a:t>
+            </a:r>
+            <a:endParaRPr lang="nl-NL" dirty="0"/>
+          </a:p>
+        </p:txBody>
+      </p:sp>
+      <p:sp>
+        <p:nvSpPr>
+          <p:cNvPr id="71" name="Oval 70"/>
+          <p:cNvSpPr/>
+          <p:nvPr/>
+        </p:nvSpPr>
+        <p:spPr>
+          <a:xfrm>
+            <a:off x="10668340" y="2133316"/>
+            <a:ext cx="304436" cy="287680"/>
+          </a:xfrm>
+          <a:prstGeom prst="ellipse">
+            <a:avLst/>
+          </a:prstGeom>
+        </p:spPr>
+        <p:style>
+          <a:lnRef idx="2">
+            <a:schemeClr val="accent2">
+              <a:shade val="50000"/>
+            </a:schemeClr>
+          </a:lnRef>
+          <a:fillRef idx="1">
+            <a:schemeClr val="accent2"/>
+          </a:fillRef>
+          <a:effectRef idx="0">
+            <a:schemeClr val="accent2"/>
+          </a:effectRef>
+          <a:fontRef idx="minor">
+            <a:schemeClr val="lt1"/>
+          </a:fontRef>
+        </p:style>
+        <p:txBody>
+          <a:bodyPr rtlCol="0" anchor="ctr"/>
+          <a:lstStyle/>
+          <a:p>
+            <a:pPr algn="ctr"/>
+            <a:r>
+              <a:rPr lang="en-US" dirty="0" smtClean="0"/>
+              <a:t>8</a:t>
+            </a:r>
+            <a:endParaRPr lang="nl-NL" dirty="0"/>
+          </a:p>
+        </p:txBody>
+      </p:sp>
+      <p:sp>
+        <p:nvSpPr>
+          <p:cNvPr id="72" name="Oval 71"/>
+          <p:cNvSpPr/>
+          <p:nvPr/>
+        </p:nvSpPr>
+        <p:spPr>
+          <a:xfrm>
+            <a:off x="6924375" y="3414157"/>
+            <a:ext cx="304436" cy="287680"/>
+          </a:xfrm>
+          <a:prstGeom prst="ellipse">
+            <a:avLst/>
+          </a:prstGeom>
+        </p:spPr>
+        <p:style>
+          <a:lnRef idx="2">
+            <a:schemeClr val="accent2">
+              <a:shade val="50000"/>
+            </a:schemeClr>
+          </a:lnRef>
+          <a:fillRef idx="1">
+            <a:schemeClr val="accent2"/>
+          </a:fillRef>
+          <a:effectRef idx="0">
+            <a:schemeClr val="accent2"/>
+          </a:effectRef>
+          <a:fontRef idx="minor">
+            <a:schemeClr val="lt1"/>
+          </a:fontRef>
+        </p:style>
+        <p:txBody>
+          <a:bodyPr rtlCol="0" anchor="ctr"/>
+          <a:lstStyle/>
+          <a:p>
+            <a:pPr algn="ctr"/>
+            <a:r>
+              <a:rPr lang="en-US" dirty="0" smtClean="0"/>
+              <a:t>7</a:t>
+            </a:r>
+            <a:endParaRPr lang="nl-NL" dirty="0"/>
+          </a:p>
+        </p:txBody>
+      </p:sp>
+    </p:spTree>
+    <p:extLst>
+      <p:ext uri="{BB962C8B-B14F-4D97-AF65-F5344CB8AC3E}">
+        <p14:creationId xmlns:p14="http://schemas.microsoft.com/office/powerpoint/2010/main" val="1395563449"/>
+      </p:ext>
+    </p:extLst>
+  </p:cSld>
+  <p:clrMapOvr>
+    <a:masterClrMapping/>
+  </p:clrMapOvr>
+  <p:timing>
+    <p:tnLst>
+      <p:par>
+        <p:cTn id="1" dur="indefinite" restart="never" nodeType="tmRoot">
+          <p:childTnLst>
+            <p:seq concurrent="1" nextAc="seek">
+              <p:cTn id="2" dur="indefinite" nodeType="mainSeq">
+                <p:childTnLst>
+                  <p:par>
+                    <p:cTn id="3" fill="hold">
+                      <p:stCondLst>
+                        <p:cond delay="indefinite"/>
+                      </p:stCondLst>
+                      <p:childTnLst>
+                        <p:par>
+                          <p:cTn id="4" fill="hold">
+                            <p:stCondLst>
+                              <p:cond delay="0"/>
+                            </p:stCondLst>
+                            <p:childTnLst>
+                              <p:par>
+                                <p:cTn id="5" presetID="10" presetClass="exit" presetSubtype="0" fill="hold" grpId="0" nodeType="clickEffect">
+                                  <p:stCondLst>
+                                    <p:cond delay="0"/>
+                                  </p:stCondLst>
+                                  <p:childTnLst>
+                                    <p:animEffect transition="out" filter="fade">
+                                      <p:cBhvr>
+                                        <p:cTn id="6" dur="500"/>
+                                        <p:tgtEl>
+                                          <p:spTgt spid="2"/>
+                                        </p:tgtEl>
+                                      </p:cBhvr>
+                                    </p:animEffect>
+                                    <p:set>
+                                      <p:cBhvr>
+                                        <p:cTn id="7" dur="1" fill="hold">
+                                          <p:stCondLst>
+                                            <p:cond delay="499"/>
+                                          </p:stCondLst>
+                                        </p:cTn>
+                                        <p:tgtEl>
+                                          <p:spTgt spid="2"/>
+                                        </p:tgtEl>
+                                        <p:attrNameLst>
+                                          <p:attrName>style.visibility</p:attrName>
+                                        </p:attrNameLst>
+                                      </p:cBhvr>
+                                      <p:to>
+                                        <p:strVal val="hidden"/>
+                                      </p:to>
+                                    </p:set>
+                                  </p:childTnLst>
+                                </p:cTn>
+                              </p:par>
+                            </p:childTnLst>
+                          </p:cTn>
+                        </p:par>
+                      </p:childTnLst>
+                    </p:cTn>
+                  </p:par>
+                </p:childTnLst>
+              </p:cTn>
+              <p:prevCondLst>
+                <p:cond evt="onPrev" delay="0">
+                  <p:tgtEl>
+                    <p:sldTgt/>
+                  </p:tgtEl>
+                </p:cond>
+              </p:prevCondLst>
+              <p:nextCondLst>
+                <p:cond evt="onNext" delay="0">
+                  <p:tgtEl>
+                    <p:sldTgt/>
+                  </p:tgtEl>
+                </p:cond>
+              </p:nextCondLst>
+            </p:seq>
+          </p:childTnLst>
+        </p:cTn>
+      </p:par>
+    </p:tnLst>
+    <p:bldLst>
+      <p:bldP spid="2" grpId="0"/>
+    </p:bldLst>
+  </p:timing>
+</p:sld>
+</file>
+
+<file path=ppt/slides/slide15.xml><?xml version="1.0" encoding="utf-8"?>
+<p:sld xmlns:a="http://schemas.openxmlformats.org/drawingml/2006/main" xmlns:r="http://schemas.openxmlformats.org/officeDocument/2006/relationships" xmlns:p="http://schemas.openxmlformats.org/presentationml/2006/main">
+  <p:cSld>
+    <p:spTree>
+      <p:nvGrpSpPr>
+        <p:cNvPr id="1" name=""/>
+        <p:cNvGrpSpPr/>
+        <p:nvPr/>
+      </p:nvGrpSpPr>
+      <p:grpSpPr>
+        <a:xfrm>
+          <a:off x="0" y="0"/>
+          <a:ext cx="0" cy="0"/>
+          <a:chOff x="0" y="0"/>
+          <a:chExt cx="0" cy="0"/>
+        </a:xfrm>
+      </p:grpSpPr>
+      <p:pic>
+        <p:nvPicPr>
+          <p:cNvPr id="82" name="Picture 10" descr="Image result for oracle jet logo"/>
+          <p:cNvPicPr>
+            <a:picLocks noChangeAspect="1" noChangeArrowheads="1"/>
+          </p:cNvPicPr>
+          <p:nvPr/>
+        </p:nvPicPr>
+        <p:blipFill>
+          <a:blip r:embed="rId3" cstate="print">
+            <a:clrChange>
+              <a:clrFrom>
+                <a:srgbClr val="FFFFFF"/>
+              </a:clrFrom>
+              <a:clrTo>
+                <a:srgbClr val="FFFFFF">
+                  <a:alpha val="0"/>
+                </a:srgbClr>
+              </a:clrTo>
+            </a:clrChange>
+            <a:extLst>
+              <a:ext uri="{28A0092B-C50C-407E-A947-70E740481C1C}">
+                <a14:useLocalDpi xmlns:a14="http://schemas.microsoft.com/office/drawing/2010/main" val="0"/>
+              </a:ext>
+            </a:extLst>
+          </a:blip>
+          <a:srcRect/>
+          <a:stretch>
+            <a:fillRect/>
+          </a:stretch>
+        </p:blipFill>
+        <p:spPr bwMode="auto">
+          <a:xfrm>
+            <a:off x="7995493" y="5439212"/>
+            <a:ext cx="731834" cy="419389"/>
+          </a:xfrm>
+          <a:prstGeom prst="rect">
+            <a:avLst/>
+          </a:prstGeom>
+          <a:noFill/>
+          <a:extLst>
+            <a:ext uri="{909E8E84-426E-40DD-AFC4-6F175D3DCCD1}">
+              <a14:hiddenFill xmlns:a14="http://schemas.microsoft.com/office/drawing/2010/main">
+                <a:solidFill>
+                  <a:srgbClr val="FFFFFF"/>
+                </a:solidFill>
+              </a14:hiddenFill>
+            </a:ext>
+          </a:extLst>
+        </p:spPr>
+      </p:pic>
+      <p:pic>
+        <p:nvPicPr>
+          <p:cNvPr id="74" name="Picture 2" descr="http://www.arkena.com/assets/uploads/2014/06/homepage-docker-logo.png"/>
+          <p:cNvPicPr>
+            <a:picLocks noChangeAspect="1" noChangeArrowheads="1"/>
+          </p:cNvPicPr>
+          <p:nvPr/>
+        </p:nvPicPr>
+        <p:blipFill>
+          <a:blip r:embed="rId4" cstate="print">
+            <a:extLst>
+              <a:ext uri="{28A0092B-C50C-407E-A947-70E740481C1C}">
+                <a14:useLocalDpi xmlns:a14="http://schemas.microsoft.com/office/drawing/2010/main" val="0"/>
+              </a:ext>
+            </a:extLst>
+          </a:blip>
+          <a:srcRect/>
+          <a:stretch>
+            <a:fillRect/>
+          </a:stretch>
+        </p:blipFill>
+        <p:spPr bwMode="auto">
+          <a:xfrm>
+            <a:off x="5667725" y="5549613"/>
+            <a:ext cx="849706" cy="703132"/>
+          </a:xfrm>
+          <a:prstGeom prst="rect">
+            <a:avLst/>
+          </a:prstGeom>
+          <a:noFill/>
+          <a:extLst>
+            <a:ext uri="{909E8E84-426E-40DD-AFC4-6F175D3DCCD1}">
+              <a14:hiddenFill xmlns:a14="http://schemas.microsoft.com/office/drawing/2010/main">
+                <a:solidFill>
+                  <a:srgbClr val="FFFFFF"/>
+                </a:solidFill>
+              </a14:hiddenFill>
+            </a:ext>
+          </a:extLst>
+        </p:spPr>
+      </p:pic>
+      <p:pic>
+        <p:nvPicPr>
+          <p:cNvPr id="75" name="Picture 20" descr="Image result for logo python"/>
+          <p:cNvPicPr>
+            <a:picLocks noChangeAspect="1" noChangeArrowheads="1"/>
+          </p:cNvPicPr>
+          <p:nvPr/>
+        </p:nvPicPr>
+        <p:blipFill>
+          <a:blip r:embed="rId5" cstate="print">
+            <a:extLst>
+              <a:ext uri="{28A0092B-C50C-407E-A947-70E740481C1C}">
+                <a14:useLocalDpi xmlns:a14="http://schemas.microsoft.com/office/drawing/2010/main" val="0"/>
+              </a:ext>
+            </a:extLst>
+          </a:blip>
+          <a:srcRect/>
+          <a:stretch>
+            <a:fillRect/>
+          </a:stretch>
+        </p:blipFill>
+        <p:spPr bwMode="auto">
+          <a:xfrm>
+            <a:off x="6727331" y="5616065"/>
+            <a:ext cx="661231" cy="661231"/>
+          </a:xfrm>
+          <a:prstGeom prst="rect">
+            <a:avLst/>
+          </a:prstGeom>
+          <a:noFill/>
+          <a:extLst>
+            <a:ext uri="{909E8E84-426E-40DD-AFC4-6F175D3DCCD1}">
+              <a14:hiddenFill xmlns:a14="http://schemas.microsoft.com/office/drawing/2010/main">
+                <a:solidFill>
+                  <a:srgbClr val="FFFFFF"/>
+                </a:solidFill>
+              </a14:hiddenFill>
+            </a:ext>
+          </a:extLst>
+        </p:spPr>
+      </p:pic>
+      <p:pic>
+        <p:nvPicPr>
+          <p:cNvPr id="76" name="Picture 6" descr="Image result for node js logo"/>
+          <p:cNvPicPr>
+            <a:picLocks noChangeAspect="1" noChangeArrowheads="1"/>
+          </p:cNvPicPr>
+          <p:nvPr/>
+        </p:nvPicPr>
+        <p:blipFill>
+          <a:blip r:embed="rId6" cstate="print">
+            <a:extLst>
+              <a:ext uri="{28A0092B-C50C-407E-A947-70E740481C1C}">
+                <a14:useLocalDpi xmlns:a14="http://schemas.microsoft.com/office/drawing/2010/main" val="0"/>
+              </a:ext>
+            </a:extLst>
+          </a:blip>
+          <a:srcRect/>
+          <a:stretch>
+            <a:fillRect/>
+          </a:stretch>
+        </p:blipFill>
+        <p:spPr bwMode="auto">
+          <a:xfrm>
+            <a:off x="7552390" y="5804207"/>
+            <a:ext cx="1372175" cy="368772"/>
+          </a:xfrm>
+          <a:prstGeom prst="rect">
+            <a:avLst/>
+          </a:prstGeom>
+          <a:noFill/>
+          <a:extLst>
+            <a:ext uri="{909E8E84-426E-40DD-AFC4-6F175D3DCCD1}">
+              <a14:hiddenFill xmlns:a14="http://schemas.microsoft.com/office/drawing/2010/main">
+                <a:solidFill>
+                  <a:srgbClr val="FFFFFF"/>
+                </a:solidFill>
+              </a14:hiddenFill>
+            </a:ext>
+          </a:extLst>
+        </p:spPr>
+      </p:pic>
+      <p:pic>
+        <p:nvPicPr>
+          <p:cNvPr id="77" name="Picture 6" descr="Image result for github logo"/>
+          <p:cNvPicPr>
+            <a:picLocks noChangeAspect="1" noChangeArrowheads="1"/>
+          </p:cNvPicPr>
+          <p:nvPr/>
+        </p:nvPicPr>
+        <p:blipFill>
+          <a:blip r:embed="rId7" cstate="print">
+            <a:clrChange>
+              <a:clrFrom>
+                <a:srgbClr val="FFFFFF"/>
+              </a:clrFrom>
+              <a:clrTo>
+                <a:srgbClr val="FFFFFF">
+                  <a:alpha val="0"/>
+                </a:srgbClr>
+              </a:clrTo>
+            </a:clrChange>
+            <a:extLst>
+              <a:ext uri="{28A0092B-C50C-407E-A947-70E740481C1C}">
+                <a14:useLocalDpi xmlns:a14="http://schemas.microsoft.com/office/drawing/2010/main" val="0"/>
+              </a:ext>
+            </a:extLst>
+          </a:blip>
+          <a:srcRect/>
+          <a:stretch>
+            <a:fillRect/>
+          </a:stretch>
+        </p:blipFill>
+        <p:spPr bwMode="auto">
+          <a:xfrm>
+            <a:off x="5678335" y="4980750"/>
+            <a:ext cx="527622" cy="527622"/>
+          </a:xfrm>
+          <a:prstGeom prst="rect">
+            <a:avLst/>
+          </a:prstGeom>
+          <a:noFill/>
+          <a:extLst>
+            <a:ext uri="{909E8E84-426E-40DD-AFC4-6F175D3DCCD1}">
+              <a14:hiddenFill xmlns:a14="http://schemas.microsoft.com/office/drawing/2010/main">
+                <a:solidFill>
+                  <a:srgbClr val="FFFFFF"/>
+                </a:solidFill>
+              </a14:hiddenFill>
+            </a:ext>
+          </a:extLst>
+        </p:spPr>
+      </p:pic>
+      <p:pic>
+        <p:nvPicPr>
+          <p:cNvPr id="78" name="Picture 2" descr="Image result for npm logo"/>
+          <p:cNvPicPr>
+            <a:picLocks noChangeAspect="1" noChangeArrowheads="1"/>
+          </p:cNvPicPr>
+          <p:nvPr/>
+        </p:nvPicPr>
+        <p:blipFill>
+          <a:blip r:embed="rId8" cstate="print">
+            <a:extLst>
+              <a:ext uri="{28A0092B-C50C-407E-A947-70E740481C1C}">
+                <a14:useLocalDpi xmlns:a14="http://schemas.microsoft.com/office/drawing/2010/main" val="0"/>
+              </a:ext>
+            </a:extLst>
+          </a:blip>
+          <a:srcRect/>
+          <a:stretch>
+            <a:fillRect/>
+          </a:stretch>
+        </p:blipFill>
+        <p:spPr bwMode="auto">
+          <a:xfrm>
+            <a:off x="7401857" y="5542649"/>
+            <a:ext cx="505633" cy="196691"/>
+          </a:xfrm>
+          <a:prstGeom prst="rect">
+            <a:avLst/>
+          </a:prstGeom>
+          <a:noFill/>
+          <a:extLst>
+            <a:ext uri="{909E8E84-426E-40DD-AFC4-6F175D3DCCD1}">
+              <a14:hiddenFill xmlns:a14="http://schemas.microsoft.com/office/drawing/2010/main">
+                <a:solidFill>
+                  <a:srgbClr val="FFFFFF"/>
+                </a:solidFill>
+              </a14:hiddenFill>
+            </a:ext>
+          </a:extLst>
+        </p:spPr>
+      </p:pic>
+      <p:pic>
+        <p:nvPicPr>
+          <p:cNvPr id="79" name="Picture 4" descr="Image result for openssh logo"/>
+          <p:cNvPicPr>
+            <a:picLocks noChangeAspect="1" noChangeArrowheads="1"/>
+          </p:cNvPicPr>
+          <p:nvPr/>
+        </p:nvPicPr>
+        <p:blipFill>
+          <a:blip r:embed="rId9" cstate="print">
+            <a:extLst>
+              <a:ext uri="{28A0092B-C50C-407E-A947-70E740481C1C}">
+                <a14:useLocalDpi xmlns:a14="http://schemas.microsoft.com/office/drawing/2010/main" val="0"/>
+              </a:ext>
+            </a:extLst>
+          </a:blip>
+          <a:srcRect/>
+          <a:stretch>
+            <a:fillRect/>
+          </a:stretch>
+        </p:blipFill>
+        <p:spPr bwMode="auto">
+          <a:xfrm>
+            <a:off x="8867847" y="5655126"/>
+            <a:ext cx="682625" cy="203475"/>
+          </a:xfrm>
+          <a:prstGeom prst="rect">
+            <a:avLst/>
+          </a:prstGeom>
+          <a:noFill/>
+          <a:extLst>
+            <a:ext uri="{909E8E84-426E-40DD-AFC4-6F175D3DCCD1}">
+              <a14:hiddenFill xmlns:a14="http://schemas.microsoft.com/office/drawing/2010/main">
+                <a:solidFill>
+                  <a:srgbClr val="FFFFFF"/>
+                </a:solidFill>
+              </a14:hiddenFill>
+            </a:ext>
+          </a:extLst>
+        </p:spPr>
+      </p:pic>
+      <p:pic>
+        <p:nvPicPr>
+          <p:cNvPr id="80" name="Picture 6" descr="Image result for bash logo"/>
+          <p:cNvPicPr>
+            <a:picLocks noChangeAspect="1" noChangeArrowheads="1"/>
+          </p:cNvPicPr>
+          <p:nvPr/>
+        </p:nvPicPr>
+        <p:blipFill>
+          <a:blip r:embed="rId10" cstate="print">
+            <a:extLst>
+              <a:ext uri="{28A0092B-C50C-407E-A947-70E740481C1C}">
+                <a14:useLocalDpi xmlns:a14="http://schemas.microsoft.com/office/drawing/2010/main" val="0"/>
+              </a:ext>
+            </a:extLst>
+          </a:blip>
+          <a:srcRect/>
+          <a:stretch>
+            <a:fillRect/>
+          </a:stretch>
+        </p:blipFill>
+        <p:spPr bwMode="auto">
+          <a:xfrm>
+            <a:off x="8902528" y="5027731"/>
+            <a:ext cx="613264" cy="613264"/>
+          </a:xfrm>
+          <a:prstGeom prst="rect">
+            <a:avLst/>
+          </a:prstGeom>
+          <a:noFill/>
+          <a:extLst>
+            <a:ext uri="{909E8E84-426E-40DD-AFC4-6F175D3DCCD1}">
+              <a14:hiddenFill xmlns:a14="http://schemas.microsoft.com/office/drawing/2010/main">
+                <a:solidFill>
+                  <a:srgbClr val="FFFFFF"/>
+                </a:solidFill>
+              </a14:hiddenFill>
+            </a:ext>
+          </a:extLst>
+        </p:spPr>
+      </p:pic>
+      <p:pic>
+        <p:nvPicPr>
+          <p:cNvPr id="81" name="Picture 8" descr="Image result for curl logo"/>
+          <p:cNvPicPr>
+            <a:picLocks noChangeAspect="1" noChangeArrowheads="1"/>
+          </p:cNvPicPr>
+          <p:nvPr/>
+        </p:nvPicPr>
+        <p:blipFill>
+          <a:blip r:embed="rId11" cstate="print">
+            <a:extLst>
+              <a:ext uri="{28A0092B-C50C-407E-A947-70E740481C1C}">
+                <a14:useLocalDpi xmlns:a14="http://schemas.microsoft.com/office/drawing/2010/main" val="0"/>
+              </a:ext>
+            </a:extLst>
+          </a:blip>
+          <a:srcRect/>
+          <a:stretch>
+            <a:fillRect/>
+          </a:stretch>
+        </p:blipFill>
+        <p:spPr bwMode="auto">
+          <a:xfrm>
+            <a:off x="6605243" y="5458201"/>
+            <a:ext cx="504384" cy="167957"/>
+          </a:xfrm>
+          <a:prstGeom prst="rect">
+            <a:avLst/>
+          </a:prstGeom>
+          <a:noFill/>
+          <a:extLst>
+            <a:ext uri="{909E8E84-426E-40DD-AFC4-6F175D3DCCD1}">
+              <a14:hiddenFill xmlns:a14="http://schemas.microsoft.com/office/drawing/2010/main">
+                <a:solidFill>
+                  <a:srgbClr val="FFFFFF"/>
+                </a:solidFill>
+              </a14:hiddenFill>
+            </a:ext>
+          </a:extLst>
+        </p:spPr>
+      </p:pic>
+      <p:sp>
+        <p:nvSpPr>
+          <p:cNvPr id="3" name="Rounded Rectangle 2"/>
+          <p:cNvSpPr/>
+          <p:nvPr/>
+        </p:nvSpPr>
+        <p:spPr>
+          <a:xfrm>
+            <a:off x="5457825" y="4810125"/>
+            <a:ext cx="4297708" cy="1524915"/>
+          </a:xfrm>
+          <a:prstGeom prst="roundRect">
+            <a:avLst/>
+          </a:prstGeom>
+          <a:solidFill>
+            <a:schemeClr val="accent1">
+              <a:lumMod val="60000"/>
+              <a:lumOff val="40000"/>
+              <a:alpha val="72000"/>
+            </a:schemeClr>
+          </a:solidFill>
+        </p:spPr>
+        <p:style>
+          <a:lnRef idx="2">
+            <a:schemeClr val="accent1">
+              <a:shade val="50000"/>
+            </a:schemeClr>
+          </a:lnRef>
+          <a:fillRef idx="1">
+            <a:schemeClr val="accent1"/>
+          </a:fillRef>
+          <a:effectRef idx="0">
+            <a:schemeClr val="accent1"/>
+          </a:effectRef>
+          <a:fontRef idx="minor">
+            <a:schemeClr val="lt1"/>
+          </a:fontRef>
+        </p:style>
+        <p:txBody>
+          <a:bodyPr rtlCol="0" anchor="ctr"/>
+          <a:lstStyle/>
+          <a:p>
+            <a:pPr algn="ctr"/>
+            <a:endParaRPr lang="nl-NL"/>
+          </a:p>
+        </p:txBody>
+      </p:sp>
+      <p:sp>
+        <p:nvSpPr>
+          <p:cNvPr id="2" name="Title 1"/>
+          <p:cNvSpPr>
+            <a:spLocks noGrp="1"/>
+          </p:cNvSpPr>
+          <p:nvPr>
+            <p:ph type="title"/>
+          </p:nvPr>
+        </p:nvSpPr>
+        <p:spPr>
+          <a:xfrm>
+            <a:off x="124189" y="32996"/>
+            <a:ext cx="10515600" cy="1325563"/>
+          </a:xfrm>
+        </p:spPr>
+        <p:txBody>
+          <a:bodyPr/>
+          <a:lstStyle/>
+          <a:p>
+            <a:r>
+              <a:rPr lang="en-US" dirty="0" smtClean="0"/>
+              <a:t>Building and </a:t>
+            </a:r>
+            <a:r>
+              <a:rPr lang="en-US" dirty="0" smtClean="0"/>
+              <a:t>Deploying </a:t>
+            </a:r>
+            <a:r>
+              <a:rPr lang="en-US" dirty="0" smtClean="0"/>
+              <a:t>the application from within the build container</a:t>
+            </a:r>
+            <a:endParaRPr lang="nl-NL" dirty="0"/>
+          </a:p>
+        </p:txBody>
+      </p:sp>
+      <p:sp>
+        <p:nvSpPr>
+          <p:cNvPr id="28" name="Rounded Rectangle 27"/>
+          <p:cNvSpPr/>
+          <p:nvPr/>
+        </p:nvSpPr>
+        <p:spPr>
+          <a:xfrm>
+            <a:off x="3582189" y="4308436"/>
+            <a:ext cx="1582273" cy="699247"/>
+          </a:xfrm>
+          <a:prstGeom prst="roundRect">
+            <a:avLst/>
+          </a:prstGeom>
+        </p:spPr>
+        <p:style>
+          <a:lnRef idx="1">
+            <a:schemeClr val="dk1"/>
+          </a:lnRef>
+          <a:fillRef idx="2">
+            <a:schemeClr val="dk1"/>
+          </a:fillRef>
+          <a:effectRef idx="1">
+            <a:schemeClr val="dk1"/>
+          </a:effectRef>
+          <a:fontRef idx="minor">
+            <a:schemeClr val="dk1"/>
+          </a:fontRef>
+        </p:style>
+        <p:txBody>
+          <a:bodyPr rtlCol="0" anchor="ctr"/>
+          <a:lstStyle/>
+          <a:p>
+            <a:pPr algn="ctr"/>
+            <a:r>
+              <a:rPr lang="en-US" dirty="0">
+                <a:solidFill>
+                  <a:schemeClr val="dk1"/>
+                </a:solidFill>
+              </a:rPr>
+              <a:t>GitHub</a:t>
+            </a:r>
+            <a:endParaRPr lang="nl-NL" dirty="0">
+              <a:solidFill>
+                <a:schemeClr val="dk1"/>
+              </a:solidFill>
+            </a:endParaRPr>
+          </a:p>
+        </p:txBody>
+      </p:sp>
+      <p:pic>
+        <p:nvPicPr>
+          <p:cNvPr id="29" name="Picture 6" descr="Image result for github logo"/>
+          <p:cNvPicPr>
+            <a:picLocks noChangeAspect="1" noChangeArrowheads="1"/>
+          </p:cNvPicPr>
+          <p:nvPr/>
+        </p:nvPicPr>
+        <p:blipFill>
+          <a:blip r:embed="rId7" cstate="print">
+            <a:clrChange>
+              <a:clrFrom>
+                <a:srgbClr val="FFFFFF"/>
+              </a:clrFrom>
+              <a:clrTo>
+                <a:srgbClr val="FFFFFF">
+                  <a:alpha val="0"/>
+                </a:srgbClr>
+              </a:clrTo>
+            </a:clrChange>
+            <a:extLst>
+              <a:ext uri="{28A0092B-C50C-407E-A947-70E740481C1C}">
+                <a14:useLocalDpi xmlns:a14="http://schemas.microsoft.com/office/drawing/2010/main" val="0"/>
+              </a:ext>
+            </a:extLst>
+          </a:blip>
+          <a:srcRect/>
+          <a:stretch>
+            <a:fillRect/>
+          </a:stretch>
+        </p:blipFill>
+        <p:spPr bwMode="auto">
+          <a:xfrm>
+            <a:off x="4659209" y="4265124"/>
+            <a:ext cx="527622" cy="527622"/>
+          </a:xfrm>
+          <a:prstGeom prst="rect">
+            <a:avLst/>
+          </a:prstGeom>
+          <a:noFill/>
+          <a:extLst>
+            <a:ext uri="{909E8E84-426E-40DD-AFC4-6F175D3DCCD1}">
+              <a14:hiddenFill xmlns:a14="http://schemas.microsoft.com/office/drawing/2010/main">
+                <a:solidFill>
+                  <a:srgbClr val="FFFFFF"/>
+                </a:solidFill>
+              </a14:hiddenFill>
+            </a:ext>
+          </a:extLst>
+        </p:spPr>
+      </p:pic>
+      <p:sp>
+        <p:nvSpPr>
+          <p:cNvPr id="31" name="Rounded Rectangle 30"/>
+          <p:cNvSpPr/>
+          <p:nvPr/>
+        </p:nvSpPr>
+        <p:spPr>
+          <a:xfrm>
+            <a:off x="8297281" y="3016811"/>
+            <a:ext cx="1546412" cy="1430711"/>
+          </a:xfrm>
+          <a:prstGeom prst="roundRect">
+            <a:avLst/>
+          </a:prstGeom>
+        </p:spPr>
+        <p:style>
+          <a:lnRef idx="1">
+            <a:schemeClr val="accent2"/>
+          </a:lnRef>
+          <a:fillRef idx="2">
+            <a:schemeClr val="accent2"/>
+          </a:fillRef>
+          <a:effectRef idx="1">
+            <a:schemeClr val="accent2"/>
+          </a:effectRef>
+          <a:fontRef idx="minor">
+            <a:schemeClr val="dk1"/>
+          </a:fontRef>
+        </p:style>
+        <p:txBody>
+          <a:bodyPr rtlCol="0" anchor="ctr"/>
+          <a:lstStyle/>
+          <a:p>
+            <a:pPr algn="ctr"/>
+            <a:r>
+              <a:rPr lang="en-US" dirty="0" smtClean="0"/>
+              <a:t>Application Container</a:t>
+            </a:r>
+          </a:p>
+          <a:p>
+            <a:pPr algn="ctr"/>
+            <a:endParaRPr lang="en-US" dirty="0"/>
+          </a:p>
+          <a:p>
+            <a:pPr algn="ctr"/>
+            <a:endParaRPr lang="en-US" dirty="0" smtClean="0"/>
+          </a:p>
+          <a:p>
+            <a:pPr algn="ctr"/>
+            <a:endParaRPr lang="nl-NL" dirty="0"/>
+          </a:p>
+        </p:txBody>
+      </p:sp>
+      <p:pic>
+        <p:nvPicPr>
+          <p:cNvPr id="32" name="Picture 31"/>
+          <p:cNvPicPr>
+            <a:picLocks noChangeAspect="1"/>
+          </p:cNvPicPr>
+          <p:nvPr/>
+        </p:nvPicPr>
+        <p:blipFill>
+          <a:blip r:embed="rId12">
+            <a:clrChange>
+              <a:clrFrom>
+                <a:srgbClr val="FFFFFF"/>
+              </a:clrFrom>
+              <a:clrTo>
+                <a:srgbClr val="FFFFFF">
+                  <a:alpha val="0"/>
+                </a:srgbClr>
+              </a:clrTo>
+            </a:clrChange>
+          </a:blip>
+          <a:stretch>
+            <a:fillRect/>
+          </a:stretch>
+        </p:blipFill>
+        <p:spPr>
+          <a:xfrm>
+            <a:off x="7891049" y="2668396"/>
+            <a:ext cx="500395" cy="407074"/>
+          </a:xfrm>
+          <a:prstGeom prst="rect">
+            <a:avLst/>
+          </a:prstGeom>
+        </p:spPr>
+      </p:pic>
+      <p:sp>
+        <p:nvSpPr>
+          <p:cNvPr id="34" name="Cube 33"/>
+          <p:cNvSpPr/>
+          <p:nvPr/>
+        </p:nvSpPr>
+        <p:spPr>
+          <a:xfrm>
+            <a:off x="8468187" y="3613208"/>
+            <a:ext cx="1287345" cy="714826"/>
+          </a:xfrm>
+          <a:prstGeom prst="cube">
+            <a:avLst/>
+          </a:prstGeom>
+        </p:spPr>
+        <p:style>
+          <a:lnRef idx="2">
+            <a:schemeClr val="accent1">
+              <a:shade val="50000"/>
+            </a:schemeClr>
+          </a:lnRef>
+          <a:fillRef idx="1">
+            <a:schemeClr val="accent1"/>
+          </a:fillRef>
+          <a:effectRef idx="0">
+            <a:schemeClr val="accent1"/>
+          </a:effectRef>
+          <a:fontRef idx="minor">
+            <a:schemeClr val="lt1"/>
+          </a:fontRef>
+        </p:style>
+        <p:txBody>
+          <a:bodyPr rtlCol="0" anchor="ctr"/>
+          <a:lstStyle/>
+          <a:p>
+            <a:pPr algn="ctr"/>
+            <a:r>
+              <a:rPr lang="en-US" dirty="0" err="1" smtClean="0"/>
+              <a:t>WebShop</a:t>
+            </a:r>
+            <a:r>
+              <a:rPr lang="en-US" dirty="0" smtClean="0"/>
+              <a:t> Portal</a:t>
+            </a:r>
+            <a:endParaRPr lang="nl-NL" dirty="0"/>
+          </a:p>
+        </p:txBody>
+      </p:sp>
+      <p:pic>
+        <p:nvPicPr>
+          <p:cNvPr id="35" name="Picture 10" descr="Image result for oracle jet logo"/>
+          <p:cNvPicPr>
+            <a:picLocks noChangeAspect="1" noChangeArrowheads="1"/>
+          </p:cNvPicPr>
+          <p:nvPr/>
+        </p:nvPicPr>
+        <p:blipFill>
+          <a:blip r:embed="rId3" cstate="print">
+            <a:clrChange>
+              <a:clrFrom>
+                <a:srgbClr val="FFFFFF"/>
+              </a:clrFrom>
+              <a:clrTo>
+                <a:srgbClr val="FFFFFF">
+                  <a:alpha val="0"/>
+                </a:srgbClr>
+              </a:clrTo>
+            </a:clrChange>
+            <a:extLst>
+              <a:ext uri="{28A0092B-C50C-407E-A947-70E740481C1C}">
+                <a14:useLocalDpi xmlns:a14="http://schemas.microsoft.com/office/drawing/2010/main" val="0"/>
+              </a:ext>
+            </a:extLst>
+          </a:blip>
+          <a:srcRect/>
+          <a:stretch>
+            <a:fillRect/>
+          </a:stretch>
+        </p:blipFill>
+        <p:spPr bwMode="auto">
+          <a:xfrm>
+            <a:off x="9111859" y="3952903"/>
+            <a:ext cx="731834" cy="419389"/>
+          </a:xfrm>
+          <a:prstGeom prst="rect">
+            <a:avLst/>
+          </a:prstGeom>
+          <a:noFill/>
+          <a:extLst>
+            <a:ext uri="{909E8E84-426E-40DD-AFC4-6F175D3DCCD1}">
+              <a14:hiddenFill xmlns:a14="http://schemas.microsoft.com/office/drawing/2010/main">
+                <a:solidFill>
+                  <a:srgbClr val="FFFFFF"/>
+                </a:solidFill>
+              </a14:hiddenFill>
+            </a:ext>
+          </a:extLst>
+        </p:spPr>
+      </p:pic>
+      <p:sp>
+        <p:nvSpPr>
+          <p:cNvPr id="23" name="Up Arrow 22"/>
+          <p:cNvSpPr/>
+          <p:nvPr/>
+        </p:nvSpPr>
+        <p:spPr>
+          <a:xfrm>
+            <a:off x="8939144" y="4328033"/>
+            <a:ext cx="377263" cy="679649"/>
+          </a:xfrm>
+          <a:prstGeom prst="upArrow">
+            <a:avLst/>
+          </a:prstGeom>
+        </p:spPr>
+        <p:style>
+          <a:lnRef idx="2">
+            <a:schemeClr val="accent1">
+              <a:shade val="50000"/>
+            </a:schemeClr>
+          </a:lnRef>
+          <a:fillRef idx="1">
+            <a:schemeClr val="accent1"/>
+          </a:fillRef>
+          <a:effectRef idx="0">
+            <a:schemeClr val="accent1"/>
+          </a:effectRef>
+          <a:fontRef idx="minor">
+            <a:schemeClr val="lt1"/>
+          </a:fontRef>
+        </p:style>
+        <p:txBody>
+          <a:bodyPr rtlCol="0" anchor="ctr"/>
+          <a:lstStyle/>
+          <a:p>
+            <a:pPr algn="ctr"/>
+            <a:endParaRPr lang="nl-NL"/>
+          </a:p>
+        </p:txBody>
+      </p:sp>
+      <p:pic>
+        <p:nvPicPr>
+          <p:cNvPr id="43" name="Picture 42"/>
+          <p:cNvPicPr>
+            <a:picLocks noChangeAspect="1"/>
+          </p:cNvPicPr>
+          <p:nvPr/>
+        </p:nvPicPr>
+        <p:blipFill>
+          <a:blip r:embed="rId13"/>
+          <a:stretch>
+            <a:fillRect/>
+          </a:stretch>
+        </p:blipFill>
+        <p:spPr>
+          <a:xfrm>
+            <a:off x="2505719" y="3202501"/>
+            <a:ext cx="1867292" cy="1189912"/>
+          </a:xfrm>
+          <a:prstGeom prst="rect">
+            <a:avLst/>
+          </a:prstGeom>
+        </p:spPr>
+      </p:pic>
+      <p:pic>
+        <p:nvPicPr>
+          <p:cNvPr id="44" name="Picture 43"/>
+          <p:cNvPicPr>
+            <a:picLocks noChangeAspect="1"/>
+          </p:cNvPicPr>
+          <p:nvPr/>
+        </p:nvPicPr>
+        <p:blipFill>
+          <a:blip r:embed="rId14"/>
+          <a:stretch>
+            <a:fillRect/>
+          </a:stretch>
+        </p:blipFill>
+        <p:spPr>
+          <a:xfrm>
+            <a:off x="8079908" y="1346190"/>
+            <a:ext cx="1733550" cy="1157564"/>
+          </a:xfrm>
+          <a:prstGeom prst="rect">
+            <a:avLst/>
+          </a:prstGeom>
+        </p:spPr>
+      </p:pic>
+      <p:cxnSp>
+        <p:nvCxnSpPr>
+          <p:cNvPr id="46" name="Straight Arrow Connector 45"/>
+          <p:cNvCxnSpPr>
+            <a:endCxn id="31" idx="0"/>
+          </p:cNvCxnSpPr>
+          <p:nvPr/>
+        </p:nvCxnSpPr>
+        <p:spPr>
+          <a:xfrm>
+            <a:off x="8797676" y="2455432"/>
+            <a:ext cx="272811" cy="561379"/>
+          </a:xfrm>
+          <a:prstGeom prst="straightConnector1">
+            <a:avLst/>
+          </a:prstGeom>
+          <a:ln>
+            <a:solidFill>
+              <a:schemeClr val="accent1">
+                <a:lumMod val="50000"/>
+              </a:schemeClr>
+            </a:solidFill>
+            <a:tailEnd type="triangle"/>
+          </a:ln>
+        </p:spPr>
+        <p:style>
+          <a:lnRef idx="1">
+            <a:schemeClr val="accent1"/>
+          </a:lnRef>
+          <a:fillRef idx="0">
+            <a:schemeClr val="accent1"/>
+          </a:fillRef>
+          <a:effectRef idx="0">
+            <a:schemeClr val="accent1"/>
+          </a:effectRef>
+          <a:fontRef idx="minor">
+            <a:schemeClr val="tx1"/>
+          </a:fontRef>
+        </p:style>
+      </p:cxnSp>
+      <p:sp>
+        <p:nvSpPr>
+          <p:cNvPr id="47" name="Rectangular Callout 46"/>
+          <p:cNvSpPr/>
+          <p:nvPr/>
+        </p:nvSpPr>
+        <p:spPr>
+          <a:xfrm>
+            <a:off x="10658271" y="2832575"/>
+            <a:ext cx="1217605" cy="635458"/>
+          </a:xfrm>
+          <a:prstGeom prst="wedgeRectCallout">
+            <a:avLst>
+              <a:gd name="adj1" fmla="val -5121"/>
+              <a:gd name="adj2" fmla="val -115388"/>
+            </a:avLst>
+          </a:prstGeom>
+        </p:spPr>
+        <p:style>
+          <a:lnRef idx="2">
+            <a:schemeClr val="accent1">
+              <a:shade val="50000"/>
+            </a:schemeClr>
+          </a:lnRef>
+          <a:fillRef idx="1">
+            <a:schemeClr val="accent1"/>
+          </a:fillRef>
+          <a:effectRef idx="0">
+            <a:schemeClr val="accent1"/>
+          </a:effectRef>
+          <a:fontRef idx="minor">
+            <a:schemeClr val="lt1"/>
+          </a:fontRef>
+        </p:style>
+        <p:txBody>
+          <a:bodyPr rtlCol="0" anchor="ctr"/>
+          <a:lstStyle/>
+          <a:p>
+            <a:pPr algn="ctr"/>
+            <a:r>
+              <a:rPr lang="en-US" sz="1600" dirty="0" smtClean="0"/>
+              <a:t>Access the JET web application</a:t>
+            </a:r>
+            <a:endParaRPr lang="nl-NL" sz="1600" i="1" dirty="0"/>
+          </a:p>
+        </p:txBody>
+      </p:sp>
+      <p:sp>
+        <p:nvSpPr>
+          <p:cNvPr id="4" name="Right Arrow 3"/>
+          <p:cNvSpPr/>
+          <p:nvPr/>
+        </p:nvSpPr>
+        <p:spPr>
+          <a:xfrm>
+            <a:off x="1867423" y="4500641"/>
+            <a:ext cx="1714766" cy="393541"/>
+          </a:xfrm>
+          <a:prstGeom prst="rightArrow">
+            <a:avLst/>
+          </a:prstGeom>
+        </p:spPr>
+        <p:style>
+          <a:lnRef idx="2">
+            <a:schemeClr val="accent1">
+              <a:shade val="50000"/>
+            </a:schemeClr>
+          </a:lnRef>
+          <a:fillRef idx="1">
+            <a:schemeClr val="accent1"/>
+          </a:fillRef>
+          <a:effectRef idx="0">
+            <a:schemeClr val="accent1"/>
+          </a:effectRef>
+          <a:fontRef idx="minor">
+            <a:schemeClr val="lt1"/>
+          </a:fontRef>
+        </p:style>
+        <p:txBody>
+          <a:bodyPr rtlCol="0" anchor="ctr"/>
+          <a:lstStyle/>
+          <a:p>
+            <a:pPr algn="ctr"/>
+            <a:endParaRPr lang="nl-NL"/>
+          </a:p>
+        </p:txBody>
+      </p:sp>
+      <p:sp>
+        <p:nvSpPr>
+          <p:cNvPr id="7" name="Lightning Bolt 6"/>
+          <p:cNvSpPr/>
+          <p:nvPr/>
+        </p:nvSpPr>
+        <p:spPr>
+          <a:xfrm>
+            <a:off x="4087261" y="5205240"/>
+            <a:ext cx="419100" cy="476250"/>
+          </a:xfrm>
+          <a:prstGeom prst="lightningBolt">
+            <a:avLst/>
+          </a:prstGeom>
+          <a:solidFill>
+            <a:schemeClr val="accent2"/>
+          </a:solidFill>
+        </p:spPr>
+        <p:style>
+          <a:lnRef idx="2">
+            <a:schemeClr val="accent1">
+              <a:shade val="50000"/>
+            </a:schemeClr>
+          </a:lnRef>
+          <a:fillRef idx="1">
+            <a:schemeClr val="accent1"/>
+          </a:fillRef>
+          <a:effectRef idx="0">
+            <a:schemeClr val="accent1"/>
+          </a:effectRef>
+          <a:fontRef idx="minor">
+            <a:schemeClr val="lt1"/>
+          </a:fontRef>
+        </p:style>
+        <p:txBody>
+          <a:bodyPr rtlCol="0" anchor="ctr"/>
+          <a:lstStyle/>
+          <a:p>
+            <a:pPr algn="ctr"/>
+            <a:endParaRPr lang="nl-NL"/>
+          </a:p>
+        </p:txBody>
+      </p:sp>
+      <p:cxnSp>
+        <p:nvCxnSpPr>
+          <p:cNvPr id="9" name="Elbow Connector 8"/>
+          <p:cNvCxnSpPr>
+            <a:stCxn id="28" idx="2"/>
+            <a:endCxn id="3" idx="1"/>
+          </p:cNvCxnSpPr>
+          <p:nvPr/>
+        </p:nvCxnSpPr>
+        <p:spPr>
+          <a:xfrm rot="16200000" flipH="1">
+            <a:off x="4633125" y="4747883"/>
+            <a:ext cx="564900" cy="1084499"/>
+          </a:xfrm>
+          <a:prstGeom prst="bentConnector2">
+            <a:avLst/>
+          </a:prstGeom>
+          <a:ln w="28575">
+            <a:tailEnd type="triangle"/>
+          </a:ln>
+        </p:spPr>
+        <p:style>
+          <a:lnRef idx="1">
+            <a:schemeClr val="accent1"/>
+          </a:lnRef>
+          <a:fillRef idx="0">
+            <a:schemeClr val="accent1"/>
+          </a:fillRef>
+          <a:effectRef idx="0">
+            <a:schemeClr val="accent1"/>
+          </a:effectRef>
+          <a:fontRef idx="minor">
+            <a:schemeClr val="tx1"/>
+          </a:fontRef>
+        </p:style>
+      </p:cxnSp>
+      <p:sp>
+        <p:nvSpPr>
+          <p:cNvPr id="11" name="TextBox 10"/>
+          <p:cNvSpPr txBox="1"/>
+          <p:nvPr/>
+        </p:nvSpPr>
+        <p:spPr>
+          <a:xfrm>
+            <a:off x="1867423" y="4524850"/>
+            <a:ext cx="1436291" cy="369332"/>
+          </a:xfrm>
+          <a:prstGeom prst="rect">
+            <a:avLst/>
+          </a:prstGeom>
+          <a:noFill/>
+        </p:spPr>
+        <p:txBody>
+          <a:bodyPr wrap="none" rtlCol="0">
+            <a:spAutoFit/>
+          </a:bodyPr>
+          <a:lstStyle/>
+          <a:p>
+            <a:r>
+              <a:rPr lang="en-US" dirty="0" smtClean="0"/>
+              <a:t>Code commit</a:t>
+            </a:r>
+            <a:endParaRPr lang="nl-NL" dirty="0"/>
+          </a:p>
+        </p:txBody>
+      </p:sp>
+      <p:sp>
+        <p:nvSpPr>
+          <p:cNvPr id="73" name="TextBox 72"/>
+          <p:cNvSpPr txBox="1"/>
+          <p:nvPr/>
+        </p:nvSpPr>
+        <p:spPr>
+          <a:xfrm>
+            <a:off x="6609143" y="5074033"/>
+            <a:ext cx="2293385" cy="369332"/>
+          </a:xfrm>
+          <a:prstGeom prst="rect">
+            <a:avLst/>
+          </a:prstGeom>
+          <a:noFill/>
+        </p:spPr>
+        <p:txBody>
+          <a:bodyPr wrap="none" rtlCol="0">
+            <a:spAutoFit/>
+          </a:bodyPr>
+          <a:lstStyle/>
+          <a:p>
+            <a:r>
+              <a:rPr lang="en-US" dirty="0" smtClean="0"/>
+              <a:t>Build, Package, Deploy</a:t>
+            </a:r>
+            <a:endParaRPr lang="nl-NL" dirty="0"/>
+          </a:p>
+        </p:txBody>
+      </p:sp>
+    </p:spTree>
+    <p:extLst>
+      <p:ext uri="{BB962C8B-B14F-4D97-AF65-F5344CB8AC3E}">
+        <p14:creationId xmlns:p14="http://schemas.microsoft.com/office/powerpoint/2010/main" val="753907815"/>
+      </p:ext>
+    </p:extLst>
+  </p:cSld>
+  <p:clrMapOvr>
+    <a:masterClrMapping/>
+  </p:clrMapOvr>
+  <p:timing>
+    <p:tnLst>
+      <p:par>
+        <p:cTn id="1" dur="indefinite" restart="never" nodeType="tmRoot"/>
+      </p:par>
+    </p:tnLst>
+  </p:timing>
+</p:sld>
+</file>
+
+<file path=ppt/slides/slide16.xml><?xml version="1.0" encoding="utf-8"?>
+<p:sld xmlns:a="http://schemas.openxmlformats.org/drawingml/2006/main" xmlns:r="http://schemas.openxmlformats.org/officeDocument/2006/relationships" xmlns:p="http://schemas.openxmlformats.org/presentationml/2006/main">
+  <p:cSld>
+    <p:spTree>
+      <p:nvGrpSpPr>
+        <p:cNvPr id="1" name=""/>
+        <p:cNvGrpSpPr/>
+        <p:nvPr/>
+      </p:nvGrpSpPr>
+      <p:grpSpPr>
+        <a:xfrm>
+          <a:off x="0" y="0"/>
+          <a:ext cx="0" cy="0"/>
+          <a:chOff x="0" y="0"/>
+          <a:chExt cx="0" cy="0"/>
+        </a:xfrm>
+      </p:grpSpPr>
+      <p:sp>
+        <p:nvSpPr>
+          <p:cNvPr id="2" name="Title 1"/>
+          <p:cNvSpPr>
+            <a:spLocks noGrp="1"/>
+          </p:cNvSpPr>
+          <p:nvPr>
+            <p:ph type="title"/>
+          </p:nvPr>
+        </p:nvSpPr>
+        <p:spPr/>
+        <p:txBody>
+          <a:bodyPr/>
+          <a:lstStyle/>
+          <a:p>
+            <a:endParaRPr lang="nl-NL"/>
+          </a:p>
+        </p:txBody>
+      </p:sp>
+      <p:pic>
+        <p:nvPicPr>
+          <p:cNvPr id="1026" name="Picture 2" descr="Related image"/>
+          <p:cNvPicPr>
+            <a:picLocks noChangeAspect="1" noChangeArrowheads="1"/>
+          </p:cNvPicPr>
+          <p:nvPr/>
+        </p:nvPicPr>
+        <p:blipFill>
+          <a:blip r:embed="rId2">
+            <a:extLst>
+              <a:ext uri="{28A0092B-C50C-407E-A947-70E740481C1C}">
+                <a14:useLocalDpi xmlns:a14="http://schemas.microsoft.com/office/drawing/2010/main" val="0"/>
+              </a:ext>
+            </a:extLst>
+          </a:blip>
+          <a:srcRect/>
+          <a:stretch>
+            <a:fillRect/>
+          </a:stretch>
+        </p:blipFill>
+        <p:spPr bwMode="auto">
+          <a:xfrm>
+            <a:off x="721632" y="2978331"/>
+            <a:ext cx="9144000" cy="1914525"/>
+          </a:xfrm>
+          <a:prstGeom prst="rect">
+            <a:avLst/>
+          </a:prstGeom>
+          <a:noFill/>
+          <a:extLst>
+            <a:ext uri="{909E8E84-426E-40DD-AFC4-6F175D3DCCD1}">
+              <a14:hiddenFill xmlns:a14="http://schemas.microsoft.com/office/drawing/2010/main">
+                <a:solidFill>
+                  <a:srgbClr val="FFFFFF"/>
+                </a:solidFill>
+              </a14:hiddenFill>
+            </a:ext>
+          </a:extLst>
+        </p:spPr>
+      </p:pic>
+      <p:sp>
+        <p:nvSpPr>
+          <p:cNvPr id="3" name="Right Arrow 2"/>
+          <p:cNvSpPr/>
+          <p:nvPr/>
+        </p:nvSpPr>
+        <p:spPr>
+          <a:xfrm>
+            <a:off x="9631680" y="3553097"/>
+            <a:ext cx="992777" cy="566057"/>
+          </a:xfrm>
+          <a:prstGeom prst="rightArrow">
+            <a:avLst/>
+          </a:prstGeom>
+        </p:spPr>
+        <p:style>
+          <a:lnRef idx="2">
+            <a:schemeClr val="accent1">
+              <a:shade val="50000"/>
+            </a:schemeClr>
+          </a:lnRef>
+          <a:fillRef idx="1">
+            <a:schemeClr val="accent1"/>
+          </a:fillRef>
+          <a:effectRef idx="0">
+            <a:schemeClr val="accent1"/>
+          </a:effectRef>
+          <a:fontRef idx="minor">
+            <a:schemeClr val="lt1"/>
+          </a:fontRef>
+        </p:style>
+        <p:txBody>
+          <a:bodyPr rtlCol="0" anchor="ctr"/>
+          <a:lstStyle/>
+          <a:p>
+            <a:pPr algn="ctr"/>
+            <a:endParaRPr lang="nl-NL"/>
+          </a:p>
+        </p:txBody>
+      </p:sp>
+      <p:pic>
+        <p:nvPicPr>
+          <p:cNvPr id="5" name="Picture 4"/>
+          <p:cNvPicPr>
+            <a:picLocks noChangeAspect="1"/>
+          </p:cNvPicPr>
+          <p:nvPr/>
+        </p:nvPicPr>
+        <p:blipFill>
+          <a:blip r:embed="rId3"/>
+          <a:stretch>
+            <a:fillRect/>
+          </a:stretch>
+        </p:blipFill>
+        <p:spPr>
+          <a:xfrm>
+            <a:off x="10578737" y="3413760"/>
+            <a:ext cx="1355465" cy="1027893"/>
+          </a:xfrm>
+          <a:prstGeom prst="rect">
+            <a:avLst/>
+          </a:prstGeom>
+        </p:spPr>
+      </p:pic>
+      <p:pic>
+        <p:nvPicPr>
+          <p:cNvPr id="6" name="Picture 6" descr="Image result for github logo"/>
+          <p:cNvPicPr>
+            <a:picLocks noChangeAspect="1" noChangeArrowheads="1"/>
+          </p:cNvPicPr>
+          <p:nvPr/>
+        </p:nvPicPr>
+        <p:blipFill>
+          <a:blip r:embed="rId4" cstate="print">
+            <a:extLst>
+              <a:ext uri="{28A0092B-C50C-407E-A947-70E740481C1C}">
+                <a14:useLocalDpi xmlns:a14="http://schemas.microsoft.com/office/drawing/2010/main" val="0"/>
+              </a:ext>
+            </a:extLst>
+          </a:blip>
+          <a:srcRect/>
+          <a:stretch>
+            <a:fillRect/>
+          </a:stretch>
+        </p:blipFill>
+        <p:spPr bwMode="auto">
+          <a:xfrm>
+            <a:off x="194010" y="3400084"/>
+            <a:ext cx="527622" cy="527622"/>
+          </a:xfrm>
+          <a:prstGeom prst="rect">
+            <a:avLst/>
+          </a:prstGeom>
+          <a:noFill/>
+          <a:extLst>
+            <a:ext uri="{909E8E84-426E-40DD-AFC4-6F175D3DCCD1}">
+              <a14:hiddenFill xmlns:a14="http://schemas.microsoft.com/office/drawing/2010/main">
+                <a:solidFill>
+                  <a:srgbClr val="FFFFFF"/>
+                </a:solidFill>
+              </a14:hiddenFill>
+            </a:ext>
+          </a:extLst>
+        </p:spPr>
+      </p:pic>
+      <p:pic>
+        <p:nvPicPr>
+          <p:cNvPr id="1028" name="Picture 4" descr="Image result for wercker"/>
+          <p:cNvPicPr>
+            <a:picLocks noChangeAspect="1" noChangeArrowheads="1"/>
+          </p:cNvPicPr>
+          <p:nvPr/>
+        </p:nvPicPr>
+        <p:blipFill>
+          <a:blip r:embed="rId5">
+            <a:extLst>
+              <a:ext uri="{28A0092B-C50C-407E-A947-70E740481C1C}">
+                <a14:useLocalDpi xmlns:a14="http://schemas.microsoft.com/office/drawing/2010/main" val="0"/>
+              </a:ext>
+            </a:extLst>
+          </a:blip>
+          <a:srcRect/>
+          <a:stretch>
+            <a:fillRect/>
+          </a:stretch>
+        </p:blipFill>
+        <p:spPr bwMode="auto">
+          <a:xfrm>
+            <a:off x="3895271" y="1987595"/>
+            <a:ext cx="4029075" cy="914401"/>
+          </a:xfrm>
+          <a:prstGeom prst="rect">
+            <a:avLst/>
+          </a:prstGeom>
+          <a:noFill/>
+          <a:extLst>
+            <a:ext uri="{909E8E84-426E-40DD-AFC4-6F175D3DCCD1}">
+              <a14:hiddenFill xmlns:a14="http://schemas.microsoft.com/office/drawing/2010/main">
+                <a:solidFill>
+                  <a:srgbClr val="FFFFFF"/>
+                </a:solidFill>
+              </a14:hiddenFill>
+            </a:ext>
+          </a:extLst>
+        </p:spPr>
+      </p:pic>
+      <p:cxnSp>
+        <p:nvCxnSpPr>
+          <p:cNvPr id="7" name="Straight Connector 6"/>
+          <p:cNvCxnSpPr/>
+          <p:nvPr/>
+        </p:nvCxnSpPr>
+        <p:spPr>
+          <a:xfrm>
+            <a:off x="1297577" y="2978331"/>
+            <a:ext cx="9091749" cy="0"/>
+          </a:xfrm>
+          <a:prstGeom prst="line">
+            <a:avLst/>
+          </a:prstGeom>
+          <a:ln w="38100"/>
+        </p:spPr>
+        <p:style>
+          <a:lnRef idx="1">
+            <a:schemeClr val="accent1"/>
+          </a:lnRef>
+          <a:fillRef idx="0">
+            <a:schemeClr val="accent1"/>
+          </a:fillRef>
+          <a:effectRef idx="0">
+            <a:schemeClr val="accent1"/>
+          </a:effectRef>
+          <a:fontRef idx="minor">
+            <a:schemeClr val="tx1"/>
+          </a:fontRef>
+        </p:style>
+      </p:cxnSp>
+    </p:spTree>
+    <p:extLst>
+      <p:ext uri="{BB962C8B-B14F-4D97-AF65-F5344CB8AC3E}">
+        <p14:creationId xmlns:p14="http://schemas.microsoft.com/office/powerpoint/2010/main" val="138854509"/>
+      </p:ext>
+    </p:extLst>
+  </p:cSld>
+  <p:clrMapOvr>
+    <a:masterClrMapping/>
+  </p:clrMapOvr>
+  <p:timing>
+    <p:tnLst>
+      <p:par>
+        <p:cTn id="1" dur="indefinite" restart="never" nodeType="tmRoot"/>
+      </p:par>
+    </p:tnLst>
+  </p:timing>
+</p:sld>
+</file>
+
 <file path=ppt/slides/slide2.xml><?xml version="1.0" encoding="utf-8"?>
 <p:sld xmlns:a="http://schemas.openxmlformats.org/drawingml/2006/main" xmlns:r="http://schemas.openxmlformats.org/officeDocument/2006/relationships" xmlns:p="http://schemas.openxmlformats.org/presentationml/2006/main">
   <p:cSld>
@@ -17377,7 +25721,7 @@
         <p:spPr>
           <a:xfrm>
             <a:off x="3063358" y="4036773"/>
-            <a:ext cx="1374434" cy="1888166"/>
+            <a:ext cx="1802632" cy="2712370"/>
           </a:xfrm>
           <a:prstGeom prst="foldedCorner">
             <a:avLst/>
@@ -17423,7 +25767,7 @@
         <p:spPr>
           <a:xfrm>
             <a:off x="3053878" y="4066413"/>
-            <a:ext cx="1547669" cy="2123658"/>
+            <a:ext cx="1552956" cy="2970044"/>
           </a:xfrm>
           <a:prstGeom prst="rect">
             <a:avLst/>
@@ -17463,6 +25807,13 @@
           </a:p>
           <a:p>
             <a:r>
+              <a:rPr lang="en-US" sz="1100" dirty="0" err="1" smtClean="0"/>
+              <a:t>ShippingCosts</a:t>
+            </a:r>
+            <a:endParaRPr lang="en-US" sz="1100" dirty="0" smtClean="0"/>
+          </a:p>
+          <a:p>
+            <a:r>
               <a:rPr lang="en-US" sz="1100" dirty="0" smtClean="0"/>
               <a:t>Parcels</a:t>
             </a:r>
@@ -17481,14 +25832,59 @@
           </a:p>
           <a:p>
             <a:r>
+              <a:rPr lang="en-US" sz="1100" dirty="0"/>
+              <a:t> </a:t>
+            </a:r>
+            <a:r>
               <a:rPr lang="en-US" sz="1100" dirty="0" smtClean="0"/>
-              <a:t>  Items</a:t>
-            </a:r>
-          </a:p>
-          <a:p>
+              <a:t> </a:t>
+            </a:r>
+            <a:r>
+              <a:rPr lang="en-US" sz="1100" dirty="0" err="1" smtClean="0"/>
+              <a:t>ParcelAuditLog</a:t>
+            </a:r>
+            <a:endParaRPr lang="en-US" sz="1100" dirty="0" smtClean="0"/>
+          </a:p>
+          <a:p>
+            <a:r>
+              <a:rPr lang="en-US" sz="1100" dirty="0"/>
+              <a:t> </a:t>
+            </a:r>
             <a:r>
               <a:rPr lang="en-US" sz="1100" dirty="0" smtClean="0"/>
-              <a:t>     </a:t>
+              <a:t>   </a:t>
+            </a:r>
+            <a:r>
+              <a:rPr lang="en-US" sz="1100" dirty="0" err="1" smtClean="0"/>
+              <a:t>ParcelLogItem</a:t>
+            </a:r>
+            <a:endParaRPr lang="en-US" sz="1100" dirty="0" smtClean="0"/>
+          </a:p>
+          <a:p>
+            <a:r>
+              <a:rPr lang="en-US" sz="1100" dirty="0"/>
+              <a:t> </a:t>
+            </a:r>
+            <a:r>
+              <a:rPr lang="en-US" sz="1100" dirty="0" smtClean="0"/>
+              <a:t>      Timestamp, </a:t>
+            </a:r>
+            <a:r>
+              <a:rPr lang="en-US" sz="1100" dirty="0" err="1" smtClean="0"/>
+              <a:t>STatus</a:t>
+            </a:r>
+            <a:endParaRPr lang="en-US" sz="1100" dirty="0" smtClean="0"/>
+          </a:p>
+          <a:p>
+            <a:r>
+              <a:rPr lang="en-US" sz="1100" dirty="0" smtClean="0"/>
+              <a:t>Items</a:t>
+            </a:r>
+          </a:p>
+          <a:p>
+            <a:r>
+              <a:rPr lang="en-US" sz="1100" dirty="0" smtClean="0"/>
+              <a:t>   </a:t>
             </a:r>
             <a:r>
               <a:rPr lang="en-US" sz="1100" dirty="0" err="1" smtClean="0"/>
@@ -17499,8 +25895,15 @@
           <a:p>
             <a:r>
               <a:rPr lang="en-US" sz="1100" dirty="0" smtClean="0"/>
-              <a:t>     Quantity</a:t>
-            </a:r>
+              <a:t>   Quantity</a:t>
+            </a:r>
+          </a:p>
+          <a:p>
+            <a:r>
+              <a:rPr lang="en-US" sz="1100" dirty="0" err="1" smtClean="0"/>
+              <a:t>AuditTrail</a:t>
+            </a:r>
+            <a:endParaRPr lang="en-US" sz="1100" dirty="0" smtClean="0"/>
           </a:p>
           <a:p>
             <a:r>
@@ -17688,7 +26091,6 @@
               <a:rPr lang="en-US" sz="1100" b="1" i="1" dirty="0" smtClean="0"/>
               <a:t>Countries</a:t>
             </a:r>
-            <a:endParaRPr lang="en-US" sz="1100" b="1" i="1" dirty="0" smtClean="0"/>
           </a:p>
           <a:p>
             <a:r>
